--- a/tcpdump.pptx
+++ b/tcpdump.pptx
@@ -5,13 +5,17 @@
     <p:sldMasterId id="2147483656" r:id="rId1"/>
   </p:sldMasterIdLst>
   <p:notesMasterIdLst>
-    <p:notesMasterId r:id="rId6"/>
+    <p:notesMasterId r:id="rId10"/>
   </p:notesMasterIdLst>
   <p:sldIdLst>
     <p:sldId id="258" r:id="rId2"/>
     <p:sldId id="313" r:id="rId3"/>
-    <p:sldId id="314" r:id="rId4"/>
+    <p:sldId id="316" r:id="rId4"/>
     <p:sldId id="315" r:id="rId5"/>
+    <p:sldId id="320" r:id="rId6"/>
+    <p:sldId id="319" r:id="rId7"/>
+    <p:sldId id="317" r:id="rId8"/>
+    <p:sldId id="318" r:id="rId9"/>
   </p:sldIdLst>
   <p:sldSz cx="12192000" cy="6858000"/>
   <p:notesSz cx="6858000" cy="9144000"/>
@@ -112,7 +116,7 @@
   </p:defaultTextStyle>
   <p:extLst>
     <p:ext uri="{EFAFB233-063F-42B5-8137-9DF3F51BA10A}">
-      <p15:sldGuideLst xmlns:p15="http://schemas.microsoft.com/office/powerpoint/2012/main" xmlns="">
+      <p15:sldGuideLst xmlns="" xmlns:p15="http://schemas.microsoft.com/office/powerpoint/2012/main">
         <p15:guide id="1" orient="horz" pos="2160" userDrawn="1">
           <p15:clr>
             <a:srgbClr val="A4A3A4"/>
@@ -215,7 +219,7 @@
           <a:p>
             <a:fld id="{8846F4B9-E833-452C-BAB3-A32CAEA9F541}" type="datetimeFigureOut">
               <a:rPr lang="zh-CN" altLang="en-US" smtClean="0"/>
-              <a:t>2018/7/3</a:t>
+              <a:t>2018/7/6</a:t>
             </a:fld>
             <a:endParaRPr lang="zh-CN" altLang="en-US"/>
           </a:p>
@@ -480,6 +484,90 @@
     </a:lvl9pPr>
   </p:notesStyle>
 </p:notesMaster>
+</file>
+
+<file path=ppt/notesSlides/notesSlide1.xml><?xml version="1.0" encoding="utf-8"?>
+<p:notes xmlns:a="http://schemas.openxmlformats.org/drawingml/2006/main" xmlns:r="http://schemas.openxmlformats.org/officeDocument/2006/relationships" xmlns:p="http://schemas.openxmlformats.org/presentationml/2006/main">
+  <p:cSld>
+    <p:spTree>
+      <p:nvGrpSpPr>
+        <p:cNvPr id="1" name=""/>
+        <p:cNvGrpSpPr/>
+        <p:nvPr/>
+      </p:nvGrpSpPr>
+      <p:grpSpPr>
+        <a:xfrm>
+          <a:off x="0" y="0"/>
+          <a:ext cx="0" cy="0"/>
+          <a:chOff x="0" y="0"/>
+          <a:chExt cx="0" cy="0"/>
+        </a:xfrm>
+      </p:grpSpPr>
+      <p:sp>
+        <p:nvSpPr>
+          <p:cNvPr id="2" name="幻灯片图像占位符 1"/>
+          <p:cNvSpPr>
+            <a:spLocks noGrp="1" noRot="1" noChangeAspect="1"/>
+          </p:cNvSpPr>
+          <p:nvPr>
+            <p:ph type="sldImg"/>
+          </p:nvPr>
+        </p:nvSpPr>
+        <p:spPr/>
+      </p:sp>
+      <p:sp>
+        <p:nvSpPr>
+          <p:cNvPr id="3" name="备注占位符 2"/>
+          <p:cNvSpPr>
+            <a:spLocks noGrp="1"/>
+          </p:cNvSpPr>
+          <p:nvPr>
+            <p:ph type="body" idx="1"/>
+          </p:nvPr>
+        </p:nvSpPr>
+        <p:spPr/>
+        <p:txBody>
+          <a:bodyPr/>
+          <a:lstStyle/>
+          <a:p>
+            <a:endParaRPr lang="zh-CN" altLang="en-US"/>
+          </a:p>
+        </p:txBody>
+      </p:sp>
+      <p:sp>
+        <p:nvSpPr>
+          <p:cNvPr id="4" name="灯片编号占位符 3"/>
+          <p:cNvSpPr>
+            <a:spLocks noGrp="1"/>
+          </p:cNvSpPr>
+          <p:nvPr>
+            <p:ph type="sldNum" sz="quarter" idx="10"/>
+          </p:nvPr>
+        </p:nvSpPr>
+        <p:spPr/>
+        <p:txBody>
+          <a:bodyPr/>
+          <a:lstStyle/>
+          <a:p>
+            <a:fld id="{0328CFAC-F816-40AD-A33C-FCF3FC1EA0A4}" type="slidenum">
+              <a:rPr lang="zh-CN" altLang="en-US" smtClean="0"/>
+              <a:t>7</a:t>
+            </a:fld>
+            <a:endParaRPr lang="zh-CN" altLang="en-US"/>
+          </a:p>
+        </p:txBody>
+      </p:sp>
+    </p:spTree>
+    <p:extLst>
+      <p:ext uri="{BB962C8B-B14F-4D97-AF65-F5344CB8AC3E}">
+        <p14:creationId xmlns:p14="http://schemas.microsoft.com/office/powerpoint/2010/main" val="3756583938"/>
+      </p:ext>
+    </p:extLst>
+  </p:cSld>
+  <p:clrMapOvr>
+    <a:masterClrMapping/>
+  </p:clrMapOvr>
+</p:notes>
 </file>
 
 <file path=ppt/slideLayouts/slideLayout1.xml><?xml version="1.0" encoding="utf-8"?>
@@ -970,7 +1058,7 @@
             <a:fld id="{536E3643-A79B-4477-8B7F-6CA6C8BFD2C9}" type="datetimeFigureOut">
               <a:rPr lang="zh-CN" altLang="en-US" smtClean="0"/>
               <a:pPr/>
-              <a:t>2018/7/3</a:t>
+              <a:t>2018/7/6</a:t>
             </a:fld>
             <a:endParaRPr lang="zh-CN" altLang="en-US"/>
           </a:p>
@@ -1236,7 +1324,7 @@
             <a:fld id="{536E3643-A79B-4477-8B7F-6CA6C8BFD2C9}" type="datetimeFigureOut">
               <a:rPr lang="zh-CN" altLang="en-US" smtClean="0"/>
               <a:pPr/>
-              <a:t>2018/7/3</a:t>
+              <a:t>2018/7/6</a:t>
             </a:fld>
             <a:endParaRPr lang="zh-CN" altLang="en-US"/>
           </a:p>
@@ -1332,7 +1420,7 @@
             <a:fld id="{536E3643-A79B-4477-8B7F-6CA6C8BFD2C9}" type="datetimeFigureOut">
               <a:rPr lang="zh-CN" altLang="en-US" smtClean="0"/>
               <a:pPr/>
-              <a:t>2018/7/3</a:t>
+              <a:t>2018/7/6</a:t>
             </a:fld>
             <a:endParaRPr lang="zh-CN" altLang="en-US"/>
           </a:p>
@@ -1592,7 +1680,7 @@
             <a:fld id="{536E3643-A79B-4477-8B7F-6CA6C8BFD2C9}" type="datetimeFigureOut">
               <a:rPr lang="zh-CN" altLang="en-US" smtClean="0"/>
               <a:pPr/>
-              <a:t>2018/7/3</a:t>
+              <a:t>2018/7/6</a:t>
             </a:fld>
             <a:endParaRPr lang="zh-CN" altLang="en-US"/>
           </a:p>
@@ -1959,14 +2047,23 @@
           <a:lstStyle/>
           <a:p>
             <a:r>
-              <a:rPr lang="en-US" altLang="zh-CN" smtClean="0"/>
+              <a:rPr lang="en-US" altLang="zh-CN" smtClean="0">
+                <a:latin typeface="Microsoft YaHei Mono" pitchFamily="49" charset="-122"/>
+                <a:ea typeface="Microsoft YaHei Mono" pitchFamily="49" charset="-122"/>
+              </a:rPr>
               <a:t>TCPDUMP</a:t>
             </a:r>
             <a:r>
-              <a:rPr lang="zh-CN" altLang="en-US" smtClean="0"/>
+              <a:rPr lang="zh-CN" altLang="en-US" smtClean="0">
+                <a:latin typeface="Microsoft YaHei Mono" pitchFamily="49" charset="-122"/>
+                <a:ea typeface="Microsoft YaHei Mono" pitchFamily="49" charset="-122"/>
+              </a:rPr>
               <a:t>数据流程处理</a:t>
             </a:r>
-            <a:endParaRPr lang="zh-CN" altLang="en-US" dirty="0"/>
+            <a:endParaRPr lang="zh-CN" altLang="en-US" dirty="0">
+              <a:latin typeface="Microsoft YaHei Mono" pitchFamily="49" charset="-122"/>
+              <a:ea typeface="Microsoft YaHei Mono" pitchFamily="49" charset="-122"/>
+            </a:endParaRPr>
           </a:p>
         </p:txBody>
       </p:sp>
@@ -7196,15 +7293,6 @@
               </a:rPr>
               <a:t>};</a:t>
             </a:r>
-            <a:endParaRPr lang="en-US" altLang="zh-CN" sz="1400">
-              <a:solidFill>
-                <a:schemeClr val="accent5">
-                  <a:lumMod val="75000"/>
-                </a:schemeClr>
-              </a:solidFill>
-              <a:latin typeface="Microsoft YaHei Mono" pitchFamily="49" charset="-122"/>
-              <a:ea typeface="Microsoft YaHei Mono" pitchFamily="49" charset="-122"/>
-            </a:endParaRPr>
           </a:p>
         </p:txBody>
       </p:sp>
@@ -7261,32 +7349,25 @@
           <a:lstStyle/>
           <a:p>
             <a:r>
-              <a:rPr lang="en-US" altLang="zh-CN">
-                <a:latin typeface="Microsoft YaHei Mono" pitchFamily="49" charset="-122"/>
-                <a:ea typeface="Microsoft YaHei Mono" pitchFamily="49" charset="-122"/>
-              </a:rPr>
-              <a:t>t</a:t>
-            </a:r>
-            <a:r>
               <a:rPr lang="en-US" altLang="zh-CN" smtClean="0">
                 <a:latin typeface="Microsoft YaHei Mono" pitchFamily="49" charset="-122"/>
                 <a:ea typeface="Microsoft YaHei Mono" pitchFamily="49" charset="-122"/>
               </a:rPr>
-              <a:t>cpdump tx </a:t>
+              <a:t>lwip</a:t>
             </a:r>
             <a:r>
               <a:rPr lang="zh-CN" altLang="en-US" smtClean="0">
                 <a:latin typeface="Microsoft YaHei Mono" pitchFamily="49" charset="-122"/>
                 <a:ea typeface="Microsoft YaHei Mono" pitchFamily="49" charset="-122"/>
               </a:rPr>
-              <a:t>数据流</a:t>
-            </a:r>
-            <a:r>
-              <a:rPr lang="zh-CN" altLang="en-US" smtClean="0">
-                <a:latin typeface="Microsoft YaHei Mono" pitchFamily="49" charset="-122"/>
-                <a:ea typeface="Microsoft YaHei Mono" pitchFamily="49" charset="-122"/>
-              </a:rPr>
-              <a:t>向</a:t>
+              <a:t>数据流向</a:t>
+            </a:r>
+            <a:r>
+              <a:rPr lang="en-US" altLang="zh-CN" smtClean="0">
+                <a:latin typeface="Microsoft YaHei Mono" pitchFamily="49" charset="-122"/>
+                <a:ea typeface="Microsoft YaHei Mono" pitchFamily="49" charset="-122"/>
+              </a:rPr>
+              <a:t>-tx</a:t>
             </a:r>
             <a:endParaRPr lang="zh-CN" altLang="en-US">
               <a:latin typeface="Microsoft YaHei Mono" pitchFamily="49" charset="-122"/>
@@ -7297,14 +7378,14 @@
       </p:sp>
       <p:sp>
         <p:nvSpPr>
-          <p:cNvPr id="32" name="圆角矩形 31"/>
+          <p:cNvPr id="3" name="圆角矩形 2"/>
           <p:cNvSpPr/>
           <p:nvPr/>
         </p:nvSpPr>
         <p:spPr>
           <a:xfrm>
-            <a:off x="983432" y="2580392"/>
-            <a:ext cx="2590291" cy="684412"/>
+            <a:off x="983432" y="2552011"/>
+            <a:ext cx="4536504" cy="741171"/>
           </a:xfrm>
           <a:prstGeom prst="roundRect">
             <a:avLst/>
@@ -7375,14 +7456,14 @@
       </p:sp>
       <p:sp>
         <p:nvSpPr>
-          <p:cNvPr id="33" name="圆角矩形 32"/>
+          <p:cNvPr id="4" name="圆角矩形 3"/>
           <p:cNvSpPr/>
           <p:nvPr/>
         </p:nvSpPr>
         <p:spPr>
           <a:xfrm>
             <a:off x="983432" y="1372379"/>
-            <a:ext cx="2590291" cy="741172"/>
+            <a:ext cx="4536504" cy="741172"/>
           </a:xfrm>
           <a:prstGeom prst="roundRect">
             <a:avLst/>
@@ -7414,7 +7495,14 @@
                 <a:latin typeface="Microsoft YaHei Mono" pitchFamily="49" charset="-122"/>
                 <a:ea typeface="Microsoft YaHei Mono" pitchFamily="49" charset="-122"/>
               </a:rPr>
-              <a:t>lwIP </a:t>
+              <a:t>lwip</a:t>
+            </a:r>
+            <a:r>
+              <a:rPr lang="en-US" altLang="zh-CN" sz="1600" smtClean="0">
+                <a:latin typeface="Microsoft YaHei Mono" pitchFamily="49" charset="-122"/>
+                <a:ea typeface="Microsoft YaHei Mono" pitchFamily="49" charset="-122"/>
+              </a:rPr>
+              <a:t> </a:t>
             </a:r>
             <a:r>
               <a:rPr lang="zh-CN" altLang="en-US" sz="1600">
@@ -7446,14 +7534,14 @@
       </p:sp>
       <p:sp>
         <p:nvSpPr>
-          <p:cNvPr id="34" name="圆角矩形 33"/>
+          <p:cNvPr id="5" name="圆角矩形 4"/>
           <p:cNvSpPr/>
           <p:nvPr/>
         </p:nvSpPr>
         <p:spPr>
           <a:xfrm>
-            <a:off x="983433" y="3662834"/>
-            <a:ext cx="2590290" cy="698129"/>
+            <a:off x="983432" y="3662834"/>
+            <a:ext cx="4536504" cy="741171"/>
           </a:xfrm>
           <a:prstGeom prst="roundRect">
             <a:avLst/>
@@ -7485,14 +7573,21 @@
                 <a:latin typeface="Microsoft YaHei Mono" pitchFamily="49" charset="-122"/>
                 <a:ea typeface="Microsoft YaHei Mono" pitchFamily="49" charset="-122"/>
               </a:rPr>
-              <a:t>给线程发送</a:t>
+              <a:t>发送</a:t>
             </a:r>
             <a:r>
               <a:rPr lang="en-US" altLang="zh-CN" sz="1600" smtClean="0">
                 <a:latin typeface="Microsoft YaHei Mono" pitchFamily="49" charset="-122"/>
                 <a:ea typeface="Microsoft YaHei Mono" pitchFamily="49" charset="-122"/>
               </a:rPr>
-              <a:t>message</a:t>
+              <a:t>packet</a:t>
+            </a:r>
+            <a:r>
+              <a:rPr lang="zh-CN" altLang="en-US" sz="1600" smtClean="0">
+                <a:latin typeface="Microsoft YaHei Mono" pitchFamily="49" charset="-122"/>
+                <a:ea typeface="Microsoft YaHei Mono" pitchFamily="49" charset="-122"/>
+              </a:rPr>
+              <a:t>接口</a:t>
             </a:r>
             <a:r>
               <a:rPr lang="zh-CN" altLang="en-US" sz="1600" smtClean="0">
@@ -7517,14 +7612,14 @@
       </p:sp>
       <p:sp>
         <p:nvSpPr>
-          <p:cNvPr id="35" name="圆角矩形 34"/>
+          <p:cNvPr id="6" name="圆角矩形 5"/>
           <p:cNvSpPr/>
           <p:nvPr/>
         </p:nvSpPr>
         <p:spPr>
           <a:xfrm>
-            <a:off x="983432" y="4858634"/>
-            <a:ext cx="2590291" cy="696366"/>
+            <a:off x="983432" y="4836231"/>
+            <a:ext cx="4536504" cy="741171"/>
           </a:xfrm>
           <a:prstGeom prst="roundRect">
             <a:avLst/>
@@ -7552,11 +7647,18 @@
           <a:p>
             <a:pPr algn="ctr"/>
             <a:r>
+              <a:rPr lang="en-US" altLang="zh-CN" sz="1600" smtClean="0">
+                <a:latin typeface="Microsoft YaHei Mono" pitchFamily="49" charset="-122"/>
+                <a:ea typeface="Microsoft YaHei Mono" pitchFamily="49" charset="-122"/>
+              </a:rPr>
+              <a:t>etx</a:t>
+            </a:r>
+            <a:r>
               <a:rPr lang="zh-CN" altLang="en-US" sz="1600" smtClean="0">
                 <a:latin typeface="Microsoft YaHei Mono" pitchFamily="49" charset="-122"/>
                 <a:ea typeface="Microsoft YaHei Mono" pitchFamily="49" charset="-122"/>
               </a:rPr>
-              <a:t>发送线程：</a:t>
+              <a:t>线程接口：</a:t>
             </a:r>
             <a:r>
               <a:rPr lang="en-US" altLang="zh-CN" sz="1600">
@@ -7574,14 +7676,14 @@
       </p:sp>
       <p:sp>
         <p:nvSpPr>
-          <p:cNvPr id="36" name="圆角矩形 35"/>
+          <p:cNvPr id="7" name="圆角矩形 6"/>
           <p:cNvSpPr/>
           <p:nvPr/>
         </p:nvSpPr>
         <p:spPr>
           <a:xfrm>
-            <a:off x="983432" y="6021288"/>
-            <a:ext cx="2590291" cy="671786"/>
+            <a:off x="983432" y="5986595"/>
+            <a:ext cx="4536503" cy="741171"/>
           </a:xfrm>
           <a:prstGeom prst="roundRect">
             <a:avLst/>
@@ -7631,548 +7733,7 @@
       </p:sp>
       <p:sp>
         <p:nvSpPr>
-          <p:cNvPr id="39" name="圆角矩形 38"/>
-          <p:cNvSpPr/>
-          <p:nvPr/>
-        </p:nvSpPr>
-        <p:spPr>
-          <a:xfrm>
-            <a:off x="5519936" y="2269384"/>
-            <a:ext cx="5409735" cy="684412"/>
-          </a:xfrm>
-          <a:prstGeom prst="roundRect">
-            <a:avLst/>
-          </a:prstGeom>
-        </p:spPr>
-        <p:style>
-          <a:lnRef idx="2">
-            <a:schemeClr val="accent5">
-              <a:shade val="50000"/>
-            </a:schemeClr>
-          </a:lnRef>
-          <a:fillRef idx="1">
-            <a:schemeClr val="accent5"/>
-          </a:fillRef>
-          <a:effectRef idx="0">
-            <a:schemeClr val="accent5"/>
-          </a:effectRef>
-          <a:fontRef idx="minor">
-            <a:schemeClr val="lt1"/>
-          </a:fontRef>
-        </p:style>
-        <p:txBody>
-          <a:bodyPr rtlCol="0" anchor="ctr"/>
-          <a:lstStyle/>
-          <a:p>
-            <a:pPr algn="ctr"/>
-            <a:r>
-              <a:rPr lang="zh-CN" altLang="en-US" sz="1600" smtClean="0">
-                <a:latin typeface="Microsoft YaHei Mono" pitchFamily="49" charset="-122"/>
-                <a:ea typeface="Microsoft YaHei Mono" pitchFamily="49" charset="-122"/>
-              </a:rPr>
-              <a:t>通过</a:t>
-            </a:r>
-            <a:r>
-              <a:rPr lang="en-US" altLang="zh-CN" sz="1600" smtClean="0">
-                <a:latin typeface="Microsoft YaHei Mono" pitchFamily="49" charset="-122"/>
-                <a:ea typeface="Microsoft YaHei Mono" pitchFamily="49" charset="-122"/>
-              </a:rPr>
-              <a:t>FIFO</a:t>
-            </a:r>
-            <a:r>
-              <a:rPr lang="zh-CN" altLang="en-US" sz="1600" smtClean="0">
-                <a:latin typeface="Microsoft YaHei Mono" pitchFamily="49" charset="-122"/>
-                <a:ea typeface="Microsoft YaHei Mono" pitchFamily="49" charset="-122"/>
-              </a:rPr>
-              <a:t>获得</a:t>
-            </a:r>
-            <a:r>
-              <a:rPr lang="en-US" altLang="zh-CN" sz="1600" smtClean="0">
-                <a:latin typeface="Microsoft YaHei Mono" pitchFamily="49" charset="-122"/>
-                <a:ea typeface="Microsoft YaHei Mono" pitchFamily="49" charset="-122"/>
-              </a:rPr>
-              <a:t>pbuf</a:t>
-            </a:r>
-            <a:r>
-              <a:rPr lang="zh-CN" altLang="en-US" sz="1600" smtClean="0">
-                <a:latin typeface="Microsoft YaHei Mono" pitchFamily="49" charset="-122"/>
-                <a:ea typeface="Microsoft YaHei Mono" pitchFamily="49" charset="-122"/>
-              </a:rPr>
-              <a:t>数据</a:t>
-            </a:r>
-            <a:r>
-              <a:rPr lang="zh-CN" altLang="en-US" sz="1600" smtClean="0">
-                <a:latin typeface="Microsoft YaHei Mono" pitchFamily="49" charset="-122"/>
-                <a:ea typeface="Microsoft YaHei Mono" pitchFamily="49" charset="-122"/>
-              </a:rPr>
-              <a:t>：</a:t>
-            </a:r>
-            <a:r>
-              <a:rPr lang="en-US" altLang="zh-CN" sz="1600">
-                <a:latin typeface="Microsoft YaHei Mono" pitchFamily="49" charset="-122"/>
-                <a:ea typeface="Microsoft YaHei Mono" pitchFamily="49" charset="-122"/>
-              </a:rPr>
-              <a:t>rt_tcpdump_ip_mess_recv</a:t>
-            </a:r>
-            <a:endParaRPr lang="zh-CN" altLang="en-US" sz="1600">
-              <a:latin typeface="Microsoft YaHei Mono" pitchFamily="49" charset="-122"/>
-              <a:ea typeface="Microsoft YaHei Mono" pitchFamily="49" charset="-122"/>
-            </a:endParaRPr>
-          </a:p>
-        </p:txBody>
-      </p:sp>
-      <p:sp>
-        <p:nvSpPr>
-          <p:cNvPr id="45" name="圆角矩形 44"/>
-          <p:cNvSpPr/>
-          <p:nvPr/>
-        </p:nvSpPr>
-        <p:spPr>
-          <a:xfrm>
-            <a:off x="5519936" y="3365656"/>
-            <a:ext cx="5409735" cy="698129"/>
-          </a:xfrm>
-          <a:prstGeom prst="roundRect">
-            <a:avLst/>
-          </a:prstGeom>
-        </p:spPr>
-        <p:style>
-          <a:lnRef idx="2">
-            <a:schemeClr val="accent5">
-              <a:shade val="50000"/>
-            </a:schemeClr>
-          </a:lnRef>
-          <a:fillRef idx="1">
-            <a:schemeClr val="accent5"/>
-          </a:fillRef>
-          <a:effectRef idx="0">
-            <a:schemeClr val="accent5"/>
-          </a:effectRef>
-          <a:fontRef idx="minor">
-            <a:schemeClr val="lt1"/>
-          </a:fontRef>
-        </p:style>
-        <p:txBody>
-          <a:bodyPr rtlCol="0" anchor="ctr"/>
-          <a:lstStyle/>
-          <a:p>
-            <a:pPr algn="ctr"/>
-            <a:r>
-              <a:rPr lang="en-US" altLang="zh-CN" sz="1600">
-                <a:latin typeface="Microsoft YaHei Mono" pitchFamily="49" charset="-122"/>
-                <a:ea typeface="Microsoft YaHei Mono" pitchFamily="49" charset="-122"/>
-              </a:rPr>
-              <a:t>p</a:t>
-            </a:r>
-            <a:r>
-              <a:rPr lang="en-US" altLang="zh-CN" sz="1600" smtClean="0">
-                <a:latin typeface="Microsoft YaHei Mono" pitchFamily="49" charset="-122"/>
-                <a:ea typeface="Microsoft YaHei Mono" pitchFamily="49" charset="-122"/>
-              </a:rPr>
-              <a:t>cap</a:t>
-            </a:r>
-            <a:r>
-              <a:rPr lang="zh-CN" altLang="en-US" sz="1600" smtClean="0">
-                <a:latin typeface="Microsoft YaHei Mono" pitchFamily="49" charset="-122"/>
-                <a:ea typeface="Microsoft YaHei Mono" pitchFamily="49" charset="-122"/>
-              </a:rPr>
-              <a:t>格式</a:t>
-            </a:r>
-            <a:r>
-              <a:rPr lang="zh-CN" altLang="en-US" sz="1600" smtClean="0">
-                <a:latin typeface="Microsoft YaHei Mono" pitchFamily="49" charset="-122"/>
-                <a:ea typeface="Microsoft YaHei Mono" pitchFamily="49" charset="-122"/>
-              </a:rPr>
-              <a:t>文件</a:t>
-            </a:r>
-            <a:r>
-              <a:rPr lang="zh-CN" altLang="en-US" sz="1600">
-                <a:latin typeface="Microsoft YaHei Mono" pitchFamily="49" charset="-122"/>
-                <a:ea typeface="Microsoft YaHei Mono" pitchFamily="49" charset="-122"/>
-              </a:rPr>
-              <a:t>初始化</a:t>
-            </a:r>
-            <a:r>
-              <a:rPr lang="zh-CN" altLang="en-US" sz="1600" smtClean="0">
-                <a:latin typeface="Microsoft YaHei Mono" pitchFamily="49" charset="-122"/>
-                <a:ea typeface="Microsoft YaHei Mono" pitchFamily="49" charset="-122"/>
-              </a:rPr>
-              <a:t>：</a:t>
-            </a:r>
-            <a:r>
-              <a:rPr lang="en-US" altLang="zh-CN" sz="1600">
-                <a:latin typeface="Microsoft YaHei Mono" pitchFamily="49" charset="-122"/>
-                <a:ea typeface="Microsoft YaHei Mono" pitchFamily="49" charset="-122"/>
-              </a:rPr>
-              <a:t>rt_tcpdump_pcap_file_init</a:t>
-            </a:r>
-            <a:endParaRPr lang="zh-CN" altLang="en-US" sz="1600">
-              <a:latin typeface="Microsoft YaHei Mono" pitchFamily="49" charset="-122"/>
-              <a:ea typeface="Microsoft YaHei Mono" pitchFamily="49" charset="-122"/>
-            </a:endParaRPr>
-          </a:p>
-        </p:txBody>
-      </p:sp>
-      <p:sp>
-        <p:nvSpPr>
-          <p:cNvPr id="46" name="圆角矩形 45"/>
-          <p:cNvSpPr/>
-          <p:nvPr/>
-        </p:nvSpPr>
-        <p:spPr>
-          <a:xfrm>
-            <a:off x="5498503" y="4458841"/>
-            <a:ext cx="5431168" cy="696366"/>
-          </a:xfrm>
-          <a:prstGeom prst="roundRect">
-            <a:avLst/>
-          </a:prstGeom>
-        </p:spPr>
-        <p:style>
-          <a:lnRef idx="2">
-            <a:schemeClr val="accent5">
-              <a:shade val="50000"/>
-            </a:schemeClr>
-          </a:lnRef>
-          <a:fillRef idx="1">
-            <a:schemeClr val="accent5"/>
-          </a:fillRef>
-          <a:effectRef idx="0">
-            <a:schemeClr val="accent5"/>
-          </a:effectRef>
-          <a:fontRef idx="minor">
-            <a:schemeClr val="lt1"/>
-          </a:fontRef>
-        </p:style>
-        <p:txBody>
-          <a:bodyPr rtlCol="0" anchor="ctr"/>
-          <a:lstStyle/>
-          <a:p>
-            <a:pPr algn="ctr"/>
-            <a:r>
-              <a:rPr lang="en-US" altLang="zh-CN" sz="1600">
-                <a:latin typeface="Microsoft YaHei Mono" pitchFamily="49" charset="-122"/>
-                <a:ea typeface="Microsoft YaHei Mono" pitchFamily="49" charset="-122"/>
-              </a:rPr>
-              <a:t>p</a:t>
-            </a:r>
-            <a:r>
-              <a:rPr lang="en-US" altLang="zh-CN" sz="1600" smtClean="0">
-                <a:latin typeface="Microsoft YaHei Mono" pitchFamily="49" charset="-122"/>
-                <a:ea typeface="Microsoft YaHei Mono" pitchFamily="49" charset="-122"/>
-              </a:rPr>
-              <a:t>cap</a:t>
-            </a:r>
-            <a:r>
-              <a:rPr lang="zh-CN" altLang="en-US" sz="1600" smtClean="0">
-                <a:latin typeface="Microsoft YaHei Mono" pitchFamily="49" charset="-122"/>
-                <a:ea typeface="Microsoft YaHei Mono" pitchFamily="49" charset="-122"/>
-              </a:rPr>
-              <a:t>格式文件</a:t>
-            </a:r>
-            <a:r>
-              <a:rPr lang="zh-CN" altLang="en-US" sz="1600">
-                <a:latin typeface="Microsoft YaHei Mono" pitchFamily="49" charset="-122"/>
-                <a:ea typeface="Microsoft YaHei Mono" pitchFamily="49" charset="-122"/>
-              </a:rPr>
-              <a:t>保存</a:t>
-            </a:r>
-            <a:r>
-              <a:rPr lang="zh-CN" altLang="en-US" sz="1600" smtClean="0">
-                <a:latin typeface="Microsoft YaHei Mono" pitchFamily="49" charset="-122"/>
-                <a:ea typeface="Microsoft YaHei Mono" pitchFamily="49" charset="-122"/>
-              </a:rPr>
-              <a:t>：</a:t>
-            </a:r>
-            <a:r>
-              <a:rPr lang="en-US" altLang="zh-CN" sz="1600">
-                <a:latin typeface="Microsoft YaHei Mono" pitchFamily="49" charset="-122"/>
-                <a:ea typeface="Microsoft YaHei Mono" pitchFamily="49" charset="-122"/>
-              </a:rPr>
-              <a:t>rt_tcpdump_pcap_file_save</a:t>
-            </a:r>
-            <a:endParaRPr lang="zh-CN" altLang="en-US" sz="1600">
-              <a:latin typeface="Microsoft YaHei Mono" pitchFamily="49" charset="-122"/>
-              <a:ea typeface="Microsoft YaHei Mono" pitchFamily="49" charset="-122"/>
-            </a:endParaRPr>
-          </a:p>
-        </p:txBody>
-      </p:sp>
-      <p:sp>
-        <p:nvSpPr>
-          <p:cNvPr id="3" name="圆角矩形 2"/>
-          <p:cNvSpPr/>
-          <p:nvPr/>
-        </p:nvSpPr>
-        <p:spPr>
-          <a:xfrm>
-            <a:off x="4583832" y="1372379"/>
-            <a:ext cx="7328055" cy="5333321"/>
-          </a:xfrm>
-          <a:prstGeom prst="roundRect">
-            <a:avLst/>
-          </a:prstGeom>
-          <a:noFill/>
-          <a:effectLst>
-            <a:outerShdw blurRad="50800" dist="38100" dir="2700000" algn="tl" rotWithShape="0">
-              <a:prstClr val="black">
-                <a:alpha val="40000"/>
-              </a:prstClr>
-            </a:outerShdw>
-          </a:effectLst>
-        </p:spPr>
-        <p:style>
-          <a:lnRef idx="2">
-            <a:schemeClr val="dk1">
-              <a:shade val="50000"/>
-            </a:schemeClr>
-          </a:lnRef>
-          <a:fillRef idx="1">
-            <a:schemeClr val="dk1"/>
-          </a:fillRef>
-          <a:effectRef idx="0">
-            <a:schemeClr val="dk1"/>
-          </a:effectRef>
-          <a:fontRef idx="minor">
-            <a:schemeClr val="lt1"/>
-          </a:fontRef>
-        </p:style>
-        <p:txBody>
-          <a:bodyPr rtlCol="0" anchor="t"/>
-          <a:lstStyle/>
-          <a:p>
-            <a:pPr algn="ctr"/>
-            <a:r>
-              <a:rPr lang="en-US" altLang="zh-CN" sz="2000" smtClean="0">
-                <a:solidFill>
-                  <a:schemeClr val="accent2">
-                    <a:lumMod val="75000"/>
-                  </a:schemeClr>
-                </a:solidFill>
-                <a:latin typeface="Microsoft YaHei Mono" pitchFamily="49" charset="-122"/>
-                <a:ea typeface="Microsoft YaHei Mono" pitchFamily="49" charset="-122"/>
-              </a:rPr>
-              <a:t>tcpdump</a:t>
-            </a:r>
-            <a:r>
-              <a:rPr lang="zh-CN" altLang="en-US" sz="2000" smtClean="0">
-                <a:solidFill>
-                  <a:schemeClr val="accent2">
-                    <a:lumMod val="75000"/>
-                  </a:schemeClr>
-                </a:solidFill>
-                <a:latin typeface="Microsoft YaHei Mono" pitchFamily="49" charset="-122"/>
-                <a:ea typeface="Microsoft YaHei Mono" pitchFamily="49" charset="-122"/>
-              </a:rPr>
-              <a:t>线程入口：</a:t>
-            </a:r>
-            <a:r>
-              <a:rPr lang="en-US" altLang="zh-CN" sz="2000">
-                <a:solidFill>
-                  <a:schemeClr val="accent2">
-                    <a:lumMod val="75000"/>
-                  </a:schemeClr>
-                </a:solidFill>
-                <a:latin typeface="Microsoft YaHei Mono" pitchFamily="49" charset="-122"/>
-                <a:ea typeface="Microsoft YaHei Mono" pitchFamily="49" charset="-122"/>
-              </a:rPr>
-              <a:t>rt_tcp_dump_thread</a:t>
-            </a:r>
-            <a:endParaRPr lang="zh-CN" altLang="en-US" sz="2000">
-              <a:solidFill>
-                <a:schemeClr val="accent2">
-                  <a:lumMod val="75000"/>
-                </a:schemeClr>
-              </a:solidFill>
-              <a:latin typeface="Microsoft YaHei Mono" pitchFamily="49" charset="-122"/>
-              <a:ea typeface="Microsoft YaHei Mono" pitchFamily="49" charset="-122"/>
-            </a:endParaRPr>
-          </a:p>
-        </p:txBody>
-      </p:sp>
-      <p:sp>
-        <p:nvSpPr>
-          <p:cNvPr id="9" name="右箭头 8"/>
-          <p:cNvSpPr/>
-          <p:nvPr/>
-        </p:nvSpPr>
-        <p:spPr>
-          <a:xfrm rot="20679309">
-            <a:off x="3674761" y="2675402"/>
-            <a:ext cx="839810" cy="357917"/>
-          </a:xfrm>
-          <a:prstGeom prst="rightArrow">
-            <a:avLst/>
-          </a:prstGeom>
-        </p:spPr>
-        <p:style>
-          <a:lnRef idx="2">
-            <a:schemeClr val="accent5">
-              <a:shade val="50000"/>
-            </a:schemeClr>
-          </a:lnRef>
-          <a:fillRef idx="1">
-            <a:schemeClr val="accent5"/>
-          </a:fillRef>
-          <a:effectRef idx="0">
-            <a:schemeClr val="accent5"/>
-          </a:effectRef>
-          <a:fontRef idx="minor">
-            <a:schemeClr val="lt1"/>
-          </a:fontRef>
-        </p:style>
-        <p:txBody>
-          <a:bodyPr rtlCol="0" anchor="ctr"/>
-          <a:lstStyle/>
-          <a:p>
-            <a:pPr algn="ctr"/>
-            <a:endParaRPr lang="zh-CN" altLang="en-US"/>
-          </a:p>
-        </p:txBody>
-      </p:sp>
-      <p:sp>
-        <p:nvSpPr>
-          <p:cNvPr id="28" name="圆角矩形 27"/>
-          <p:cNvSpPr/>
-          <p:nvPr/>
-        </p:nvSpPr>
-        <p:spPr>
-          <a:xfrm>
-            <a:off x="5498503" y="5555000"/>
-            <a:ext cx="5431168" cy="696366"/>
-          </a:xfrm>
-          <a:prstGeom prst="roundRect">
-            <a:avLst/>
-          </a:prstGeom>
-        </p:spPr>
-        <p:style>
-          <a:lnRef idx="2">
-            <a:schemeClr val="accent5">
-              <a:shade val="50000"/>
-            </a:schemeClr>
-          </a:lnRef>
-          <a:fillRef idx="1">
-            <a:schemeClr val="accent5"/>
-          </a:fillRef>
-          <a:effectRef idx="0">
-            <a:schemeClr val="accent5"/>
-          </a:effectRef>
-          <a:fontRef idx="minor">
-            <a:schemeClr val="lt1"/>
-          </a:fontRef>
-        </p:style>
-        <p:txBody>
-          <a:bodyPr rtlCol="0" anchor="ctr"/>
-          <a:lstStyle/>
-          <a:p>
-            <a:pPr algn="ctr"/>
-            <a:r>
-              <a:rPr lang="zh-CN" altLang="en-US" sz="1600" smtClean="0">
-                <a:latin typeface="Microsoft YaHei Mono" pitchFamily="49" charset="-122"/>
-                <a:ea typeface="Microsoft YaHei Mono" pitchFamily="49" charset="-122"/>
-              </a:rPr>
-              <a:t>保存完毕关闭文件</a:t>
-            </a:r>
-            <a:r>
-              <a:rPr lang="zh-CN" altLang="en-US" sz="1600" smtClean="0">
-                <a:latin typeface="Microsoft YaHei Mono" pitchFamily="49" charset="-122"/>
-                <a:ea typeface="Microsoft YaHei Mono" pitchFamily="49" charset="-122"/>
-              </a:rPr>
-              <a:t>：</a:t>
-            </a:r>
-            <a:r>
-              <a:rPr lang="en-US" altLang="zh-CN" sz="1600">
-                <a:latin typeface="Microsoft YaHei Mono" pitchFamily="49" charset="-122"/>
-                <a:ea typeface="Microsoft YaHei Mono" pitchFamily="49" charset="-122"/>
-              </a:rPr>
-              <a:t>rt_tcpdump_pcap_file_close</a:t>
-            </a:r>
-            <a:endParaRPr lang="zh-CN" altLang="en-US" sz="1600">
-              <a:latin typeface="Microsoft YaHei Mono" pitchFamily="49" charset="-122"/>
-              <a:ea typeface="Microsoft YaHei Mono" pitchFamily="49" charset="-122"/>
-            </a:endParaRPr>
-          </a:p>
-        </p:txBody>
-      </p:sp>
-      <p:cxnSp>
-        <p:nvCxnSpPr>
-          <p:cNvPr id="26" name="肘形连接符 25"/>
-          <p:cNvCxnSpPr>
-            <a:stCxn id="46" idx="3"/>
-            <a:endCxn id="39" idx="3"/>
-          </p:cNvCxnSpPr>
-          <p:nvPr/>
-        </p:nvCxnSpPr>
-        <p:spPr>
-          <a:xfrm flipV="1">
-            <a:off x="10929671" y="2611590"/>
-            <a:ext cx="12700" cy="2195434"/>
-          </a:xfrm>
-          <a:prstGeom prst="bentConnector3">
-            <a:avLst>
-              <a:gd name="adj1" fmla="val 2269567"/>
-            </a:avLst>
-          </a:prstGeom>
-          <a:ln>
-            <a:tailEnd type="arrow"/>
-          </a:ln>
-        </p:spPr>
-        <p:style>
-          <a:lnRef idx="1">
-            <a:schemeClr val="accent3"/>
-          </a:lnRef>
-          <a:fillRef idx="0">
-            <a:schemeClr val="accent3"/>
-          </a:fillRef>
-          <a:effectRef idx="0">
-            <a:schemeClr val="accent3"/>
-          </a:effectRef>
-          <a:fontRef idx="minor">
-            <a:schemeClr val="tx1"/>
-          </a:fontRef>
-        </p:style>
-      </p:cxnSp>
-      <p:cxnSp>
-        <p:nvCxnSpPr>
-          <p:cNvPr id="51" name="肘形连接符 50"/>
-          <p:cNvCxnSpPr>
-            <a:stCxn id="39" idx="1"/>
-            <a:endCxn id="46" idx="1"/>
-          </p:cNvCxnSpPr>
-          <p:nvPr/>
-        </p:nvCxnSpPr>
-        <p:spPr>
-          <a:xfrm rot="10800000" flipV="1">
-            <a:off x="5498504" y="2611590"/>
-            <a:ext cx="21433" cy="2195434"/>
-          </a:xfrm>
-          <a:prstGeom prst="bentConnector3">
-            <a:avLst>
-              <a:gd name="adj1" fmla="val 1212952"/>
-            </a:avLst>
-          </a:prstGeom>
-          <a:ln>
-            <a:tailEnd type="arrow"/>
-          </a:ln>
-        </p:spPr>
-        <p:style>
-          <a:lnRef idx="1">
-            <a:schemeClr val="accent3"/>
-          </a:lnRef>
-          <a:fillRef idx="0">
-            <a:schemeClr val="accent3"/>
-          </a:fillRef>
-          <a:effectRef idx="0">
-            <a:schemeClr val="accent3"/>
-          </a:effectRef>
-          <a:fontRef idx="minor">
-            <a:schemeClr val="tx1"/>
-          </a:fontRef>
-        </p:style>
-      </p:cxnSp>
-      <p:sp>
-        <p:nvSpPr>
-          <p:cNvPr id="53" name="下箭头 52"/>
+          <p:cNvPr id="8" name="下箭头 7"/>
           <p:cNvSpPr/>
           <p:nvPr/>
         </p:nvSpPr>
@@ -8236,16 +7797,261 @@
       </p:sp>
       <p:sp>
         <p:nvSpPr>
-          <p:cNvPr id="55" name="下箭头 54"/>
+          <p:cNvPr id="12" name="右大括号 11"/>
           <p:cNvSpPr/>
           <p:nvPr/>
         </p:nvSpPr>
         <p:spPr>
           <a:xfrm>
-            <a:off x="11332166" y="2492896"/>
-            <a:ext cx="432048" cy="3528392"/>
+            <a:off x="5735960" y="1372380"/>
+            <a:ext cx="299464" cy="741171"/>
           </a:xfrm>
-          <a:prstGeom prst="downArrow">
+          <a:prstGeom prst="rightBrace">
+            <a:avLst/>
+          </a:prstGeom>
+        </p:spPr>
+        <p:style>
+          <a:lnRef idx="1">
+            <a:schemeClr val="accent1"/>
+          </a:lnRef>
+          <a:fillRef idx="0">
+            <a:schemeClr val="accent1"/>
+          </a:fillRef>
+          <a:effectRef idx="0">
+            <a:schemeClr val="accent1"/>
+          </a:effectRef>
+          <a:fontRef idx="minor">
+            <a:schemeClr val="tx1"/>
+          </a:fontRef>
+        </p:style>
+        <p:txBody>
+          <a:bodyPr rtlCol="0" anchor="ctr"/>
+          <a:lstStyle/>
+          <a:p>
+            <a:pPr algn="ctr"/>
+            <a:endParaRPr lang="zh-CN" altLang="en-US"/>
+          </a:p>
+        </p:txBody>
+      </p:sp>
+      <p:sp>
+        <p:nvSpPr>
+          <p:cNvPr id="13" name="右大括号 12"/>
+          <p:cNvSpPr/>
+          <p:nvPr/>
+        </p:nvSpPr>
+        <p:spPr>
+          <a:xfrm>
+            <a:off x="5735960" y="3662834"/>
+            <a:ext cx="299464" cy="741171"/>
+          </a:xfrm>
+          <a:prstGeom prst="rightBrace">
+            <a:avLst/>
+          </a:prstGeom>
+        </p:spPr>
+        <p:style>
+          <a:lnRef idx="1">
+            <a:schemeClr val="accent1"/>
+          </a:lnRef>
+          <a:fillRef idx="0">
+            <a:schemeClr val="accent1"/>
+          </a:fillRef>
+          <a:effectRef idx="0">
+            <a:schemeClr val="accent1"/>
+          </a:effectRef>
+          <a:fontRef idx="minor">
+            <a:schemeClr val="tx1"/>
+          </a:fontRef>
+        </p:style>
+        <p:txBody>
+          <a:bodyPr rtlCol="0" anchor="ctr"/>
+          <a:lstStyle/>
+          <a:p>
+            <a:pPr algn="ctr"/>
+            <a:endParaRPr lang="zh-CN" altLang="en-US"/>
+          </a:p>
+        </p:txBody>
+      </p:sp>
+      <p:sp>
+        <p:nvSpPr>
+          <p:cNvPr id="15" name="右大括号 14"/>
+          <p:cNvSpPr/>
+          <p:nvPr/>
+        </p:nvSpPr>
+        <p:spPr>
+          <a:xfrm>
+            <a:off x="5735960" y="4836231"/>
+            <a:ext cx="299464" cy="741171"/>
+          </a:xfrm>
+          <a:prstGeom prst="rightBrace">
+            <a:avLst/>
+          </a:prstGeom>
+        </p:spPr>
+        <p:style>
+          <a:lnRef idx="1">
+            <a:schemeClr val="accent1"/>
+          </a:lnRef>
+          <a:fillRef idx="0">
+            <a:schemeClr val="accent1"/>
+          </a:fillRef>
+          <a:effectRef idx="0">
+            <a:schemeClr val="accent1"/>
+          </a:effectRef>
+          <a:fontRef idx="minor">
+            <a:schemeClr val="tx1"/>
+          </a:fontRef>
+        </p:style>
+        <p:txBody>
+          <a:bodyPr rtlCol="0" anchor="ctr"/>
+          <a:lstStyle/>
+          <a:p>
+            <a:pPr algn="ctr"/>
+            <a:endParaRPr lang="zh-CN" altLang="en-US"/>
+          </a:p>
+        </p:txBody>
+      </p:sp>
+      <p:sp>
+        <p:nvSpPr>
+          <p:cNvPr id="16" name="右大括号 15"/>
+          <p:cNvSpPr/>
+          <p:nvPr/>
+        </p:nvSpPr>
+        <p:spPr>
+          <a:xfrm>
+            <a:off x="5735960" y="5986595"/>
+            <a:ext cx="299464" cy="741171"/>
+          </a:xfrm>
+          <a:prstGeom prst="rightBrace">
+            <a:avLst/>
+          </a:prstGeom>
+        </p:spPr>
+        <p:style>
+          <a:lnRef idx="1">
+            <a:schemeClr val="accent1"/>
+          </a:lnRef>
+          <a:fillRef idx="0">
+            <a:schemeClr val="accent1"/>
+          </a:fillRef>
+          <a:effectRef idx="0">
+            <a:schemeClr val="accent1"/>
+          </a:effectRef>
+          <a:fontRef idx="minor">
+            <a:schemeClr val="tx1"/>
+          </a:fontRef>
+        </p:style>
+        <p:txBody>
+          <a:bodyPr rtlCol="0" anchor="ctr"/>
+          <a:lstStyle/>
+          <a:p>
+            <a:pPr algn="ctr"/>
+            <a:endParaRPr lang="zh-CN" altLang="en-US"/>
+          </a:p>
+        </p:txBody>
+      </p:sp>
+      <p:sp>
+        <p:nvSpPr>
+          <p:cNvPr id="17" name="右大括号 16"/>
+          <p:cNvSpPr/>
+          <p:nvPr/>
+        </p:nvSpPr>
+        <p:spPr>
+          <a:xfrm>
+            <a:off x="5735960" y="2552012"/>
+            <a:ext cx="299464" cy="741171"/>
+          </a:xfrm>
+          <a:prstGeom prst="rightBrace">
+            <a:avLst/>
+          </a:prstGeom>
+        </p:spPr>
+        <p:style>
+          <a:lnRef idx="1">
+            <a:schemeClr val="accent1"/>
+          </a:lnRef>
+          <a:fillRef idx="0">
+            <a:schemeClr val="accent1"/>
+          </a:fillRef>
+          <a:effectRef idx="0">
+            <a:schemeClr val="accent1"/>
+          </a:effectRef>
+          <a:fontRef idx="minor">
+            <a:schemeClr val="tx1"/>
+          </a:fontRef>
+        </p:style>
+        <p:txBody>
+          <a:bodyPr rtlCol="0" anchor="ctr"/>
+          <a:lstStyle/>
+          <a:p>
+            <a:pPr algn="ctr"/>
+            <a:endParaRPr lang="zh-CN" altLang="en-US"/>
+          </a:p>
+        </p:txBody>
+      </p:sp>
+      <p:sp>
+        <p:nvSpPr>
+          <p:cNvPr id="18" name="圆角矩形 17"/>
+          <p:cNvSpPr/>
+          <p:nvPr/>
+        </p:nvSpPr>
+        <p:spPr>
+          <a:xfrm>
+            <a:off x="6312024" y="1484784"/>
+            <a:ext cx="3024336" cy="504056"/>
+          </a:xfrm>
+          <a:prstGeom prst="roundRect">
+            <a:avLst/>
+          </a:prstGeom>
+        </p:spPr>
+        <p:style>
+          <a:lnRef idx="2">
+            <a:schemeClr val="accent6"/>
+          </a:lnRef>
+          <a:fillRef idx="1">
+            <a:schemeClr val="lt1"/>
+          </a:fillRef>
+          <a:effectRef idx="0">
+            <a:schemeClr val="accent6"/>
+          </a:effectRef>
+          <a:fontRef idx="minor">
+            <a:schemeClr val="dk1"/>
+          </a:fontRef>
+        </p:style>
+        <p:txBody>
+          <a:bodyPr rtlCol="0" anchor="ctr"/>
+          <a:lstStyle/>
+          <a:p>
+            <a:pPr algn="ctr"/>
+            <a:r>
+              <a:rPr lang="en-US" altLang="zh-CN" sz="1400" smtClean="0">
+                <a:latin typeface="Microsoft YaHei Mono" pitchFamily="49" charset="-122"/>
+                <a:ea typeface="Microsoft YaHei Mono" pitchFamily="49" charset="-122"/>
+              </a:rPr>
+              <a:t>lwip</a:t>
+            </a:r>
+            <a:r>
+              <a:rPr lang="zh-CN" altLang="en-US" sz="1400" smtClean="0">
+                <a:latin typeface="Microsoft YaHei Mono" pitchFamily="49" charset="-122"/>
+                <a:ea typeface="Microsoft YaHei Mono" pitchFamily="49" charset="-122"/>
+              </a:rPr>
+              <a:t>接口层</a:t>
+            </a:r>
+            <a:endParaRPr lang="zh-CN" altLang="en-US" sz="1400">
+              <a:latin typeface="Microsoft YaHei Mono" pitchFamily="49" charset="-122"/>
+              <a:ea typeface="Microsoft YaHei Mono" pitchFamily="49" charset="-122"/>
+            </a:endParaRPr>
+          </a:p>
+        </p:txBody>
+      </p:sp>
+      <p:sp>
+        <p:nvSpPr>
+          <p:cNvPr id="19" name="圆角矩形 18"/>
+          <p:cNvSpPr/>
+          <p:nvPr/>
+        </p:nvSpPr>
+        <p:spPr>
+          <a:xfrm>
+            <a:off x="6312024" y="2670568"/>
+            <a:ext cx="3024336" cy="504056"/>
+          </a:xfrm>
+          <a:prstGeom prst="roundRect">
             <a:avLst/>
           </a:prstGeom>
         </p:spPr>
@@ -8268,14 +8074,273 @@
           <a:lstStyle/>
           <a:p>
             <a:pPr algn="ctr"/>
-            <a:endParaRPr lang="zh-CN" altLang="en-US"/>
+            <a:r>
+              <a:rPr lang="en-US" altLang="zh-CN" sz="1400">
+                <a:latin typeface="Microsoft YaHei Mono" pitchFamily="49" charset="-122"/>
+                <a:ea typeface="Microsoft YaHei Mono" pitchFamily="49" charset="-122"/>
+              </a:rPr>
+              <a:t>t</a:t>
+            </a:r>
+            <a:r>
+              <a:rPr lang="en-US" altLang="zh-CN" sz="1400" smtClean="0">
+                <a:latin typeface="Microsoft YaHei Mono" pitchFamily="49" charset="-122"/>
+                <a:ea typeface="Microsoft YaHei Mono" pitchFamily="49" charset="-122"/>
+              </a:rPr>
+              <a:t>cpdump</a:t>
+            </a:r>
+            <a:r>
+              <a:rPr lang="zh-CN" altLang="en-US" sz="1400" smtClean="0">
+                <a:latin typeface="Microsoft YaHei Mono" pitchFamily="49" charset="-122"/>
+                <a:ea typeface="Microsoft YaHei Mono" pitchFamily="49" charset="-122"/>
+              </a:rPr>
+              <a:t>截获</a:t>
+            </a:r>
+            <a:r>
+              <a:rPr lang="en-US" altLang="zh-CN" sz="1400" smtClean="0">
+                <a:latin typeface="Microsoft YaHei Mono" pitchFamily="49" charset="-122"/>
+                <a:ea typeface="Microsoft YaHei Mono" pitchFamily="49" charset="-122"/>
+              </a:rPr>
+              <a:t>tx</a:t>
+            </a:r>
+            <a:r>
+              <a:rPr lang="zh-CN" altLang="en-US" sz="1400" smtClean="0">
+                <a:latin typeface="Microsoft YaHei Mono" pitchFamily="49" charset="-122"/>
+                <a:ea typeface="Microsoft YaHei Mono" pitchFamily="49" charset="-122"/>
+              </a:rPr>
+              <a:t>数据入口</a:t>
+            </a:r>
+            <a:endParaRPr lang="zh-CN" altLang="en-US" sz="1600">
+              <a:latin typeface="Microsoft YaHei Mono" pitchFamily="49" charset="-122"/>
+              <a:ea typeface="Microsoft YaHei Mono" pitchFamily="49" charset="-122"/>
+            </a:endParaRPr>
+          </a:p>
+        </p:txBody>
+      </p:sp>
+      <p:sp>
+        <p:nvSpPr>
+          <p:cNvPr id="20" name="圆角矩形 19"/>
+          <p:cNvSpPr/>
+          <p:nvPr/>
+        </p:nvSpPr>
+        <p:spPr>
+          <a:xfrm>
+            <a:off x="6312024" y="3781391"/>
+            <a:ext cx="3024336" cy="504056"/>
+          </a:xfrm>
+          <a:prstGeom prst="roundRect">
+            <a:avLst/>
+          </a:prstGeom>
+        </p:spPr>
+        <p:style>
+          <a:lnRef idx="2">
+            <a:schemeClr val="accent6"/>
+          </a:lnRef>
+          <a:fillRef idx="1">
+            <a:schemeClr val="lt1"/>
+          </a:fillRef>
+          <a:effectRef idx="0">
+            <a:schemeClr val="accent6"/>
+          </a:effectRef>
+          <a:fontRef idx="minor">
+            <a:schemeClr val="dk1"/>
+          </a:fontRef>
+        </p:style>
+        <p:txBody>
+          <a:bodyPr rtlCol="0" anchor="ctr"/>
+          <a:lstStyle/>
+          <a:p>
+            <a:pPr algn="ctr"/>
+            <a:r>
+              <a:rPr lang="zh-CN" altLang="en-US" sz="1400" smtClean="0">
+                <a:latin typeface="Microsoft YaHei Mono" pitchFamily="49" charset="-122"/>
+                <a:ea typeface="Microsoft YaHei Mono" pitchFamily="49" charset="-122"/>
+              </a:rPr>
+              <a:t>在这个</a:t>
+            </a:r>
+            <a:r>
+              <a:rPr lang="en-US" altLang="zh-CN" sz="1400" smtClean="0">
+                <a:latin typeface="Microsoft YaHei Mono" pitchFamily="49" charset="-122"/>
+                <a:ea typeface="Microsoft YaHei Mono" pitchFamily="49" charset="-122"/>
+              </a:rPr>
+              <a:t>API</a:t>
+            </a:r>
+            <a:r>
+              <a:rPr lang="zh-CN" altLang="en-US" sz="1400" smtClean="0">
+                <a:latin typeface="Microsoft YaHei Mono" pitchFamily="49" charset="-122"/>
+                <a:ea typeface="Microsoft YaHei Mono" pitchFamily="49" charset="-122"/>
+              </a:rPr>
+              <a:t>里面，使用邮箱给</a:t>
+            </a:r>
+            <a:r>
+              <a:rPr lang="en-US" altLang="zh-CN" sz="1400" smtClean="0">
+                <a:latin typeface="Microsoft YaHei Mono" pitchFamily="49" charset="-122"/>
+                <a:ea typeface="Microsoft YaHei Mono" pitchFamily="49" charset="-122"/>
+              </a:rPr>
+              <a:t>etx</a:t>
+            </a:r>
+            <a:r>
+              <a:rPr lang="zh-CN" altLang="en-US" sz="1400" smtClean="0">
+                <a:latin typeface="Microsoft YaHei Mono" pitchFamily="49" charset="-122"/>
+                <a:ea typeface="Microsoft YaHei Mono" pitchFamily="49" charset="-122"/>
+              </a:rPr>
+              <a:t>线程发送</a:t>
+            </a:r>
+            <a:r>
+              <a:rPr lang="en-US" altLang="zh-CN" sz="1400" smtClean="0">
+                <a:latin typeface="Microsoft YaHei Mono" pitchFamily="49" charset="-122"/>
+                <a:ea typeface="Microsoft YaHei Mono" pitchFamily="49" charset="-122"/>
+              </a:rPr>
+              <a:t>packet</a:t>
+            </a:r>
+            <a:endParaRPr lang="zh-CN" altLang="en-US" sz="1400">
+              <a:latin typeface="Microsoft YaHei Mono" pitchFamily="49" charset="-122"/>
+              <a:ea typeface="Microsoft YaHei Mono" pitchFamily="49" charset="-122"/>
+            </a:endParaRPr>
+          </a:p>
+        </p:txBody>
+      </p:sp>
+      <p:sp>
+        <p:nvSpPr>
+          <p:cNvPr id="21" name="圆角矩形 20"/>
+          <p:cNvSpPr/>
+          <p:nvPr/>
+        </p:nvSpPr>
+        <p:spPr>
+          <a:xfrm>
+            <a:off x="6342112" y="4954788"/>
+            <a:ext cx="2994248" cy="504056"/>
+          </a:xfrm>
+          <a:prstGeom prst="roundRect">
+            <a:avLst/>
+          </a:prstGeom>
+        </p:spPr>
+        <p:style>
+          <a:lnRef idx="2">
+            <a:schemeClr val="accent1"/>
+          </a:lnRef>
+          <a:fillRef idx="1">
+            <a:schemeClr val="lt1"/>
+          </a:fillRef>
+          <a:effectRef idx="0">
+            <a:schemeClr val="accent1"/>
+          </a:effectRef>
+          <a:fontRef idx="minor">
+            <a:schemeClr val="dk1"/>
+          </a:fontRef>
+        </p:style>
+        <p:txBody>
+          <a:bodyPr rtlCol="0" anchor="ctr"/>
+          <a:lstStyle/>
+          <a:p>
+            <a:pPr algn="ctr"/>
+            <a:r>
+              <a:rPr lang="en-US" altLang="zh-CN" sz="1400">
+                <a:latin typeface="Microsoft YaHei Mono" pitchFamily="49" charset="-122"/>
+                <a:ea typeface="Microsoft YaHei Mono" pitchFamily="49" charset="-122"/>
+              </a:rPr>
+              <a:t>e</a:t>
+            </a:r>
+            <a:r>
+              <a:rPr lang="en-US" altLang="zh-CN" sz="1400" smtClean="0">
+                <a:latin typeface="Microsoft YaHei Mono" pitchFamily="49" charset="-122"/>
+                <a:ea typeface="Microsoft YaHei Mono" pitchFamily="49" charset="-122"/>
+              </a:rPr>
+              <a:t>tx</a:t>
+            </a:r>
+            <a:r>
+              <a:rPr lang="zh-CN" altLang="en-US" sz="1400" smtClean="0">
+                <a:latin typeface="Microsoft YaHei Mono" pitchFamily="49" charset="-122"/>
+                <a:ea typeface="Microsoft YaHei Mono" pitchFamily="49" charset="-122"/>
+              </a:rPr>
+              <a:t>线程里调用驱动层接口</a:t>
+            </a:r>
+            <a:r>
+              <a:rPr lang="en-US" altLang="zh-CN" sz="1400" smtClean="0">
+                <a:latin typeface="Microsoft YaHei Mono" pitchFamily="49" charset="-122"/>
+                <a:ea typeface="Microsoft YaHei Mono" pitchFamily="49" charset="-122"/>
+              </a:rPr>
+              <a:t>eth_tx</a:t>
+            </a:r>
+            <a:r>
+              <a:rPr lang="zh-CN" altLang="en-US" sz="1400" smtClean="0">
+                <a:latin typeface="Microsoft YaHei Mono" pitchFamily="49" charset="-122"/>
+                <a:ea typeface="Microsoft YaHei Mono" pitchFamily="49" charset="-122"/>
+              </a:rPr>
+              <a:t>，给驱动层发送</a:t>
+            </a:r>
+            <a:r>
+              <a:rPr lang="en-US" altLang="zh-CN" sz="1400" smtClean="0">
+                <a:latin typeface="Microsoft YaHei Mono" pitchFamily="49" charset="-122"/>
+                <a:ea typeface="Microsoft YaHei Mono" pitchFamily="49" charset="-122"/>
+              </a:rPr>
+              <a:t>packet</a:t>
+            </a:r>
+            <a:endParaRPr lang="zh-CN" altLang="en-US" sz="1400">
+              <a:latin typeface="Microsoft YaHei Mono" pitchFamily="49" charset="-122"/>
+              <a:ea typeface="Microsoft YaHei Mono" pitchFamily="49" charset="-122"/>
+            </a:endParaRPr>
+          </a:p>
+        </p:txBody>
+      </p:sp>
+      <p:sp>
+        <p:nvSpPr>
+          <p:cNvPr id="22" name="圆角矩形 21"/>
+          <p:cNvSpPr/>
+          <p:nvPr/>
+        </p:nvSpPr>
+        <p:spPr>
+          <a:xfrm>
+            <a:off x="6342112" y="6105152"/>
+            <a:ext cx="2994248" cy="504056"/>
+          </a:xfrm>
+          <a:prstGeom prst="roundRect">
+            <a:avLst/>
+          </a:prstGeom>
+        </p:spPr>
+        <p:style>
+          <a:lnRef idx="2">
+            <a:schemeClr val="accent4"/>
+          </a:lnRef>
+          <a:fillRef idx="1">
+            <a:schemeClr val="lt1"/>
+          </a:fillRef>
+          <a:effectRef idx="0">
+            <a:schemeClr val="accent4"/>
+          </a:effectRef>
+          <a:fontRef idx="minor">
+            <a:schemeClr val="dk1"/>
+          </a:fontRef>
+        </p:style>
+        <p:txBody>
+          <a:bodyPr rtlCol="0" anchor="ctr"/>
+          <a:lstStyle/>
+          <a:p>
+            <a:pPr algn="ctr"/>
+            <a:r>
+              <a:rPr lang="zh-CN" altLang="en-US" sz="1400">
+                <a:latin typeface="Microsoft YaHei Mono" pitchFamily="49" charset="-122"/>
+                <a:ea typeface="Microsoft YaHei Mono" pitchFamily="49" charset="-122"/>
+              </a:rPr>
+              <a:t>网卡</a:t>
+            </a:r>
+            <a:r>
+              <a:rPr lang="zh-CN" altLang="en-US" sz="1400" smtClean="0">
+                <a:latin typeface="Microsoft YaHei Mono" pitchFamily="49" charset="-122"/>
+                <a:ea typeface="Microsoft YaHei Mono" pitchFamily="49" charset="-122"/>
+              </a:rPr>
+              <a:t>驱动层</a:t>
+            </a:r>
+            <a:endParaRPr lang="zh-CN" altLang="en-US" sz="1600">
+              <a:latin typeface="Microsoft YaHei Mono" pitchFamily="49" charset="-122"/>
+              <a:ea typeface="Microsoft YaHei Mono" pitchFamily="49" charset="-122"/>
+            </a:endParaRPr>
           </a:p>
         </p:txBody>
       </p:sp>
     </p:spTree>
     <p:extLst>
       <p:ext uri="{BB962C8B-B14F-4D97-AF65-F5344CB8AC3E}">
-        <p14:creationId xmlns:p14="http://schemas.microsoft.com/office/powerpoint/2010/main" val="2383364139"/>
+        <p14:creationId xmlns:p14="http://schemas.microsoft.com/office/powerpoint/2010/main" val="1049044725"/>
       </p:ext>
     </p:extLst>
   </p:cSld>
@@ -8329,23 +8394,977 @@
                 <a:latin typeface="Microsoft YaHei Mono" pitchFamily="49" charset="-122"/>
                 <a:ea typeface="Microsoft YaHei Mono" pitchFamily="49" charset="-122"/>
               </a:rPr>
-              <a:t>tcpdump </a:t>
+              <a:t>lwip</a:t>
+            </a:r>
+            <a:r>
+              <a:rPr lang="zh-CN" altLang="en-US">
+                <a:latin typeface="Microsoft YaHei Mono" pitchFamily="49" charset="-122"/>
+                <a:ea typeface="Microsoft YaHei Mono" pitchFamily="49" charset="-122"/>
+              </a:rPr>
+              <a:t>数据流</a:t>
+            </a:r>
+            <a:r>
+              <a:rPr lang="zh-CN" altLang="en-US">
+                <a:latin typeface="Microsoft YaHei Mono" pitchFamily="49" charset="-122"/>
+                <a:ea typeface="Microsoft YaHei Mono" pitchFamily="49" charset="-122"/>
+              </a:rPr>
+              <a:t>向</a:t>
             </a:r>
             <a:r>
               <a:rPr lang="en-US" altLang="zh-CN" smtClean="0">
                 <a:latin typeface="Microsoft YaHei Mono" pitchFamily="49" charset="-122"/>
                 <a:ea typeface="Microsoft YaHei Mono" pitchFamily="49" charset="-122"/>
               </a:rPr>
-              <a:t>rx </a:t>
-            </a:r>
-            <a:r>
-              <a:rPr lang="zh-CN" altLang="en-US">
+              <a:t>-rx</a:t>
+            </a:r>
+            <a:endParaRPr lang="zh-CN" altLang="en-US"/>
+          </a:p>
+        </p:txBody>
+      </p:sp>
+      <p:sp>
+        <p:nvSpPr>
+          <p:cNvPr id="3" name="圆角矩形 2"/>
+          <p:cNvSpPr/>
+          <p:nvPr/>
+        </p:nvSpPr>
+        <p:spPr>
+          <a:xfrm>
+            <a:off x="983432" y="2552011"/>
+            <a:ext cx="4536504" cy="741171"/>
+          </a:xfrm>
+          <a:prstGeom prst="roundRect">
+            <a:avLst/>
+          </a:prstGeom>
+        </p:spPr>
+        <p:style>
+          <a:lnRef idx="2">
+            <a:schemeClr val="accent5">
+              <a:shade val="50000"/>
+            </a:schemeClr>
+          </a:lnRef>
+          <a:fillRef idx="1">
+            <a:schemeClr val="accent5"/>
+          </a:fillRef>
+          <a:effectRef idx="0">
+            <a:schemeClr val="accent5"/>
+          </a:effectRef>
+          <a:fontRef idx="minor">
+            <a:schemeClr val="lt1"/>
+          </a:fontRef>
+        </p:style>
+        <p:txBody>
+          <a:bodyPr rtlCol="0" anchor="ctr"/>
+          <a:lstStyle/>
+          <a:p>
+            <a:pPr algn="ctr"/>
+            <a:r>
+              <a:rPr lang="zh-CN" altLang="en-US" sz="1600" smtClean="0">
+                <a:latin typeface="Microsoft YaHei Mono" pitchFamily="49" charset="-122"/>
+                <a:ea typeface="Microsoft YaHei Mono" pitchFamily="49" charset="-122"/>
+              </a:rPr>
+              <a:t>从接口处</a:t>
+            </a:r>
+            <a:r>
+              <a:rPr lang="zh-CN" altLang="en-US" sz="1600">
+                <a:latin typeface="Microsoft YaHei Mono" pitchFamily="49" charset="-122"/>
+                <a:ea typeface="Microsoft YaHei Mono" pitchFamily="49" charset="-122"/>
+              </a:rPr>
+              <a:t>获得</a:t>
+            </a:r>
+            <a:r>
+              <a:rPr lang="zh-CN" altLang="en-US" sz="1600" smtClean="0">
+                <a:latin typeface="Microsoft YaHei Mono" pitchFamily="49" charset="-122"/>
+                <a:ea typeface="Microsoft YaHei Mono" pitchFamily="49" charset="-122"/>
+              </a:rPr>
+              <a:t>数据</a:t>
+            </a:r>
+            <a:r>
+              <a:rPr lang="zh-CN" altLang="en-US" sz="1600" smtClean="0">
+                <a:latin typeface="Microsoft YaHei Mono" pitchFamily="49" charset="-122"/>
+                <a:ea typeface="Microsoft YaHei Mono" pitchFamily="49" charset="-122"/>
+              </a:rPr>
+              <a:t>：</a:t>
+            </a:r>
+            <a:r>
+              <a:rPr lang="en-US" altLang="zh-CN" sz="1600">
+                <a:latin typeface="Microsoft YaHei Mono" pitchFamily="49" charset="-122"/>
+                <a:ea typeface="Microsoft YaHei Mono" pitchFamily="49" charset="-122"/>
+              </a:rPr>
+              <a:t>_netif_input</a:t>
+            </a:r>
+            <a:endParaRPr lang="zh-CN" altLang="en-US" sz="1600">
+              <a:latin typeface="Microsoft YaHei Mono" pitchFamily="49" charset="-122"/>
+              <a:ea typeface="Microsoft YaHei Mono" pitchFamily="49" charset="-122"/>
+            </a:endParaRPr>
+          </a:p>
+        </p:txBody>
+      </p:sp>
+      <p:sp>
+        <p:nvSpPr>
+          <p:cNvPr id="4" name="圆角矩形 3"/>
+          <p:cNvSpPr/>
+          <p:nvPr/>
+        </p:nvSpPr>
+        <p:spPr>
+          <a:xfrm>
+            <a:off x="983432" y="1372379"/>
+            <a:ext cx="4536504" cy="741172"/>
+          </a:xfrm>
+          <a:prstGeom prst="roundRect">
+            <a:avLst/>
+          </a:prstGeom>
+        </p:spPr>
+        <p:style>
+          <a:lnRef idx="2">
+            <a:schemeClr val="accent6">
+              <a:shade val="50000"/>
+            </a:schemeClr>
+          </a:lnRef>
+          <a:fillRef idx="1">
+            <a:schemeClr val="accent6"/>
+          </a:fillRef>
+          <a:effectRef idx="0">
+            <a:schemeClr val="accent6"/>
+          </a:effectRef>
+          <a:fontRef idx="minor">
+            <a:schemeClr val="lt1"/>
+          </a:fontRef>
+        </p:style>
+        <p:txBody>
+          <a:bodyPr rtlCol="0" anchor="ctr"/>
+          <a:lstStyle/>
+          <a:p>
+            <a:pPr algn="ctr"/>
+            <a:r>
+              <a:rPr lang="en-US" altLang="zh-CN" sz="1600" smtClean="0">
+                <a:latin typeface="Microsoft YaHei Mono" pitchFamily="49" charset="-122"/>
+                <a:ea typeface="Microsoft YaHei Mono" pitchFamily="49" charset="-122"/>
+              </a:rPr>
+              <a:t>tcp</a:t>
+            </a:r>
+            <a:r>
+              <a:rPr lang="zh-CN" altLang="en-US" sz="1600" smtClean="0">
+                <a:latin typeface="Microsoft YaHei Mono" pitchFamily="49" charset="-122"/>
+                <a:ea typeface="Microsoft YaHei Mono" pitchFamily="49" charset="-122"/>
+              </a:rPr>
+              <a:t>：</a:t>
+            </a:r>
+            <a:r>
+              <a:rPr lang="en-US" altLang="zh-CN" sz="1600">
+                <a:latin typeface="Microsoft YaHei Mono" pitchFamily="49" charset="-122"/>
+                <a:ea typeface="Microsoft YaHei Mono" pitchFamily="49" charset="-122"/>
+              </a:rPr>
+              <a:t>tcpip_input</a:t>
+            </a:r>
+            <a:endParaRPr lang="zh-CN" altLang="en-US" sz="1600">
+              <a:latin typeface="Microsoft YaHei Mono" pitchFamily="49" charset="-122"/>
+              <a:ea typeface="Microsoft YaHei Mono" pitchFamily="49" charset="-122"/>
+            </a:endParaRPr>
+          </a:p>
+        </p:txBody>
+      </p:sp>
+      <p:sp>
+        <p:nvSpPr>
+          <p:cNvPr id="5" name="圆角矩形 4"/>
+          <p:cNvSpPr/>
+          <p:nvPr/>
+        </p:nvSpPr>
+        <p:spPr>
+          <a:xfrm>
+            <a:off x="983432" y="3662834"/>
+            <a:ext cx="4536504" cy="741171"/>
+          </a:xfrm>
+          <a:prstGeom prst="roundRect">
+            <a:avLst/>
+          </a:prstGeom>
+        </p:spPr>
+        <p:style>
+          <a:lnRef idx="2">
+            <a:schemeClr val="accent6">
+              <a:shade val="50000"/>
+            </a:schemeClr>
+          </a:lnRef>
+          <a:fillRef idx="1">
+            <a:schemeClr val="accent6"/>
+          </a:fillRef>
+          <a:effectRef idx="0">
+            <a:schemeClr val="accent6"/>
+          </a:effectRef>
+          <a:fontRef idx="minor">
+            <a:schemeClr val="lt1"/>
+          </a:fontRef>
+        </p:style>
+        <p:txBody>
+          <a:bodyPr rtlCol="0" anchor="ctr"/>
+          <a:lstStyle/>
+          <a:p>
+            <a:pPr algn="ctr"/>
+            <a:r>
+              <a:rPr lang="en-US" altLang="zh-CN" sz="1600">
+                <a:latin typeface="Microsoft YaHei Mono" pitchFamily="49" charset="-122"/>
+                <a:ea typeface="Microsoft YaHei Mono" pitchFamily="49" charset="-122"/>
+              </a:rPr>
+              <a:t>lwip </a:t>
+            </a:r>
+            <a:r>
+              <a:rPr lang="zh-CN" altLang="en-US" sz="1600">
+                <a:latin typeface="Microsoft YaHei Mono" pitchFamily="49" charset="-122"/>
+                <a:ea typeface="Microsoft YaHei Mono" pitchFamily="49" charset="-122"/>
+              </a:rPr>
+              <a:t>网络</a:t>
+            </a:r>
+            <a:r>
+              <a:rPr lang="zh-CN" altLang="en-US" sz="1600" smtClean="0">
+                <a:latin typeface="Microsoft YaHei Mono" pitchFamily="49" charset="-122"/>
+                <a:ea typeface="Microsoft YaHei Mono" pitchFamily="49" charset="-122"/>
+              </a:rPr>
+              <a:t>接口</a:t>
+            </a:r>
+            <a:r>
+              <a:rPr lang="zh-CN" altLang="en-US" sz="1600">
+                <a:latin typeface="Microsoft YaHei Mono" pitchFamily="49" charset="-122"/>
+                <a:ea typeface="Microsoft YaHei Mono" pitchFamily="49" charset="-122"/>
+              </a:rPr>
+              <a:t>：</a:t>
+            </a:r>
+            <a:r>
+              <a:rPr lang="en-US" altLang="zh-CN" sz="1600" smtClean="0">
+                <a:latin typeface="Microsoft YaHei Mono" pitchFamily="49" charset="-122"/>
+                <a:ea typeface="Microsoft YaHei Mono" pitchFamily="49" charset="-122"/>
+              </a:rPr>
+              <a:t>netif-</a:t>
+            </a:r>
+            <a:r>
+              <a:rPr lang="en-US" altLang="zh-CN" sz="1600">
+                <a:latin typeface="Microsoft YaHei Mono" pitchFamily="49" charset="-122"/>
+                <a:ea typeface="Microsoft YaHei Mono" pitchFamily="49" charset="-122"/>
+              </a:rPr>
+              <a:t>&gt;input</a:t>
+            </a:r>
+            <a:endParaRPr lang="zh-CN" altLang="en-US" sz="1600">
+              <a:latin typeface="Microsoft YaHei Mono" pitchFamily="49" charset="-122"/>
+              <a:ea typeface="Microsoft YaHei Mono" pitchFamily="49" charset="-122"/>
+            </a:endParaRPr>
+          </a:p>
+        </p:txBody>
+      </p:sp>
+      <p:sp>
+        <p:nvSpPr>
+          <p:cNvPr id="6" name="圆角矩形 5"/>
+          <p:cNvSpPr/>
+          <p:nvPr/>
+        </p:nvSpPr>
+        <p:spPr>
+          <a:xfrm>
+            <a:off x="983432" y="4836231"/>
+            <a:ext cx="4536504" cy="741171"/>
+          </a:xfrm>
+          <a:prstGeom prst="roundRect">
+            <a:avLst/>
+          </a:prstGeom>
+        </p:spPr>
+        <p:style>
+          <a:lnRef idx="2">
+            <a:schemeClr val="accent1">
+              <a:shade val="50000"/>
+            </a:schemeClr>
+          </a:lnRef>
+          <a:fillRef idx="1">
+            <a:schemeClr val="accent1"/>
+          </a:fillRef>
+          <a:effectRef idx="0">
+            <a:schemeClr val="accent1"/>
+          </a:effectRef>
+          <a:fontRef idx="minor">
+            <a:schemeClr val="lt1"/>
+          </a:fontRef>
+        </p:style>
+        <p:txBody>
+          <a:bodyPr rtlCol="0" anchor="ctr"/>
+          <a:lstStyle/>
+          <a:p>
+            <a:pPr algn="ctr"/>
+            <a:r>
+              <a:rPr lang="en-US" altLang="zh-CN" sz="1600" smtClean="0">
+                <a:latin typeface="Microsoft YaHei Mono" pitchFamily="49" charset="-122"/>
+                <a:ea typeface="Microsoft YaHei Mono" pitchFamily="49" charset="-122"/>
+              </a:rPr>
+              <a:t>erx</a:t>
+            </a:r>
+            <a:r>
+              <a:rPr lang="zh-CN" altLang="en-US" sz="1600" smtClean="0">
+                <a:latin typeface="Microsoft YaHei Mono" pitchFamily="49" charset="-122"/>
+                <a:ea typeface="Microsoft YaHei Mono" pitchFamily="49" charset="-122"/>
+              </a:rPr>
+              <a:t>线程接口：</a:t>
+            </a:r>
+            <a:r>
+              <a:rPr lang="en-US" altLang="zh-CN" sz="1600" smtClean="0">
+                <a:latin typeface="Microsoft YaHei Mono" pitchFamily="49" charset="-122"/>
+                <a:ea typeface="Microsoft YaHei Mono" pitchFamily="49" charset="-122"/>
+              </a:rPr>
+              <a:t>eth_rx_thread_entry</a:t>
+            </a:r>
+            <a:endParaRPr lang="zh-CN" altLang="en-US" sz="1600">
+              <a:latin typeface="Microsoft YaHei Mono" pitchFamily="49" charset="-122"/>
+              <a:ea typeface="Microsoft YaHei Mono" pitchFamily="49" charset="-122"/>
+            </a:endParaRPr>
+          </a:p>
+        </p:txBody>
+      </p:sp>
+      <p:sp>
+        <p:nvSpPr>
+          <p:cNvPr id="7" name="圆角矩形 6"/>
+          <p:cNvSpPr/>
+          <p:nvPr/>
+        </p:nvSpPr>
+        <p:spPr>
+          <a:xfrm>
+            <a:off x="983432" y="5986595"/>
+            <a:ext cx="4536503" cy="741171"/>
+          </a:xfrm>
+          <a:prstGeom prst="roundRect">
+            <a:avLst/>
+          </a:prstGeom>
+        </p:spPr>
+        <p:style>
+          <a:lnRef idx="2">
+            <a:schemeClr val="accent4">
+              <a:shade val="50000"/>
+            </a:schemeClr>
+          </a:lnRef>
+          <a:fillRef idx="1">
+            <a:schemeClr val="accent4"/>
+          </a:fillRef>
+          <a:effectRef idx="0">
+            <a:schemeClr val="accent4"/>
+          </a:effectRef>
+          <a:fontRef idx="minor">
+            <a:schemeClr val="lt1"/>
+          </a:fontRef>
+        </p:style>
+        <p:txBody>
+          <a:bodyPr rtlCol="0" anchor="ctr"/>
+          <a:lstStyle/>
+          <a:p>
+            <a:pPr algn="ctr"/>
+            <a:r>
+              <a:rPr lang="zh-CN" altLang="en-US" sz="1600" smtClean="0">
+                <a:latin typeface="Microsoft YaHei Mono" pitchFamily="49" charset="-122"/>
+                <a:ea typeface="Microsoft YaHei Mono" pitchFamily="49" charset="-122"/>
+              </a:rPr>
+              <a:t>驱动设备接口：</a:t>
+            </a:r>
+            <a:r>
+              <a:rPr lang="en-US" altLang="zh-CN" sz="1600" smtClean="0">
+                <a:latin typeface="Microsoft YaHei Mono" pitchFamily="49" charset="-122"/>
+                <a:ea typeface="Microsoft YaHei Mono" pitchFamily="49" charset="-122"/>
+              </a:rPr>
+              <a:t>rt_imxrt_eth_rx</a:t>
+            </a:r>
+            <a:endParaRPr lang="zh-CN" altLang="en-US" sz="1600">
+              <a:latin typeface="Microsoft YaHei Mono" pitchFamily="49" charset="-122"/>
+              <a:ea typeface="Microsoft YaHei Mono" pitchFamily="49" charset="-122"/>
+            </a:endParaRPr>
+          </a:p>
+        </p:txBody>
+      </p:sp>
+      <p:sp>
+        <p:nvSpPr>
+          <p:cNvPr id="9" name="右大括号 8"/>
+          <p:cNvSpPr/>
+          <p:nvPr/>
+        </p:nvSpPr>
+        <p:spPr>
+          <a:xfrm>
+            <a:off x="5735960" y="1372380"/>
+            <a:ext cx="299464" cy="741171"/>
+          </a:xfrm>
+          <a:prstGeom prst="rightBrace">
+            <a:avLst/>
+          </a:prstGeom>
+        </p:spPr>
+        <p:style>
+          <a:lnRef idx="1">
+            <a:schemeClr val="accent1"/>
+          </a:lnRef>
+          <a:fillRef idx="0">
+            <a:schemeClr val="accent1"/>
+          </a:fillRef>
+          <a:effectRef idx="0">
+            <a:schemeClr val="accent1"/>
+          </a:effectRef>
+          <a:fontRef idx="minor">
+            <a:schemeClr val="tx1"/>
+          </a:fontRef>
+        </p:style>
+        <p:txBody>
+          <a:bodyPr rtlCol="0" anchor="ctr"/>
+          <a:lstStyle/>
+          <a:p>
+            <a:pPr algn="ctr"/>
+            <a:endParaRPr lang="zh-CN" altLang="en-US"/>
+          </a:p>
+        </p:txBody>
+      </p:sp>
+      <p:sp>
+        <p:nvSpPr>
+          <p:cNvPr id="10" name="右大括号 9"/>
+          <p:cNvSpPr/>
+          <p:nvPr/>
+        </p:nvSpPr>
+        <p:spPr>
+          <a:xfrm>
+            <a:off x="5735960" y="3662834"/>
+            <a:ext cx="299464" cy="741171"/>
+          </a:xfrm>
+          <a:prstGeom prst="rightBrace">
+            <a:avLst/>
+          </a:prstGeom>
+        </p:spPr>
+        <p:style>
+          <a:lnRef idx="1">
+            <a:schemeClr val="accent1"/>
+          </a:lnRef>
+          <a:fillRef idx="0">
+            <a:schemeClr val="accent1"/>
+          </a:fillRef>
+          <a:effectRef idx="0">
+            <a:schemeClr val="accent1"/>
+          </a:effectRef>
+          <a:fontRef idx="minor">
+            <a:schemeClr val="tx1"/>
+          </a:fontRef>
+        </p:style>
+        <p:txBody>
+          <a:bodyPr rtlCol="0" anchor="ctr"/>
+          <a:lstStyle/>
+          <a:p>
+            <a:pPr algn="ctr"/>
+            <a:endParaRPr lang="zh-CN" altLang="en-US"/>
+          </a:p>
+        </p:txBody>
+      </p:sp>
+      <p:sp>
+        <p:nvSpPr>
+          <p:cNvPr id="11" name="右大括号 10"/>
+          <p:cNvSpPr/>
+          <p:nvPr/>
+        </p:nvSpPr>
+        <p:spPr>
+          <a:xfrm>
+            <a:off x="5735960" y="4836231"/>
+            <a:ext cx="299464" cy="741171"/>
+          </a:xfrm>
+          <a:prstGeom prst="rightBrace">
+            <a:avLst/>
+          </a:prstGeom>
+        </p:spPr>
+        <p:style>
+          <a:lnRef idx="1">
+            <a:schemeClr val="accent1"/>
+          </a:lnRef>
+          <a:fillRef idx="0">
+            <a:schemeClr val="accent1"/>
+          </a:fillRef>
+          <a:effectRef idx="0">
+            <a:schemeClr val="accent1"/>
+          </a:effectRef>
+          <a:fontRef idx="minor">
+            <a:schemeClr val="tx1"/>
+          </a:fontRef>
+        </p:style>
+        <p:txBody>
+          <a:bodyPr rtlCol="0" anchor="ctr"/>
+          <a:lstStyle/>
+          <a:p>
+            <a:pPr algn="ctr"/>
+            <a:endParaRPr lang="zh-CN" altLang="en-US"/>
+          </a:p>
+        </p:txBody>
+      </p:sp>
+      <p:sp>
+        <p:nvSpPr>
+          <p:cNvPr id="12" name="右大括号 11"/>
+          <p:cNvSpPr/>
+          <p:nvPr/>
+        </p:nvSpPr>
+        <p:spPr>
+          <a:xfrm>
+            <a:off x="5735960" y="5986595"/>
+            <a:ext cx="299464" cy="741171"/>
+          </a:xfrm>
+          <a:prstGeom prst="rightBrace">
+            <a:avLst/>
+          </a:prstGeom>
+        </p:spPr>
+        <p:style>
+          <a:lnRef idx="1">
+            <a:schemeClr val="accent1"/>
+          </a:lnRef>
+          <a:fillRef idx="0">
+            <a:schemeClr val="accent1"/>
+          </a:fillRef>
+          <a:effectRef idx="0">
+            <a:schemeClr val="accent1"/>
+          </a:effectRef>
+          <a:fontRef idx="minor">
+            <a:schemeClr val="tx1"/>
+          </a:fontRef>
+        </p:style>
+        <p:txBody>
+          <a:bodyPr rtlCol="0" anchor="ctr"/>
+          <a:lstStyle/>
+          <a:p>
+            <a:pPr algn="ctr"/>
+            <a:endParaRPr lang="zh-CN" altLang="en-US"/>
+          </a:p>
+        </p:txBody>
+      </p:sp>
+      <p:sp>
+        <p:nvSpPr>
+          <p:cNvPr id="13" name="右大括号 12"/>
+          <p:cNvSpPr/>
+          <p:nvPr/>
+        </p:nvSpPr>
+        <p:spPr>
+          <a:xfrm>
+            <a:off x="5735960" y="2552012"/>
+            <a:ext cx="299464" cy="741171"/>
+          </a:xfrm>
+          <a:prstGeom prst="rightBrace">
+            <a:avLst/>
+          </a:prstGeom>
+        </p:spPr>
+        <p:style>
+          <a:lnRef idx="1">
+            <a:schemeClr val="accent1"/>
+          </a:lnRef>
+          <a:fillRef idx="0">
+            <a:schemeClr val="accent1"/>
+          </a:fillRef>
+          <a:effectRef idx="0">
+            <a:schemeClr val="accent1"/>
+          </a:effectRef>
+          <a:fontRef idx="minor">
+            <a:schemeClr val="tx1"/>
+          </a:fontRef>
+        </p:style>
+        <p:txBody>
+          <a:bodyPr rtlCol="0" anchor="ctr"/>
+          <a:lstStyle/>
+          <a:p>
+            <a:pPr algn="ctr"/>
+            <a:endParaRPr lang="zh-CN" altLang="en-US"/>
+          </a:p>
+        </p:txBody>
+      </p:sp>
+      <p:sp>
+        <p:nvSpPr>
+          <p:cNvPr id="14" name="圆角矩形 13"/>
+          <p:cNvSpPr/>
+          <p:nvPr/>
+        </p:nvSpPr>
+        <p:spPr>
+          <a:xfrm>
+            <a:off x="6312024" y="1484784"/>
+            <a:ext cx="3024336" cy="504056"/>
+          </a:xfrm>
+          <a:prstGeom prst="roundRect">
+            <a:avLst/>
+          </a:prstGeom>
+        </p:spPr>
+        <p:style>
+          <a:lnRef idx="2">
+            <a:schemeClr val="accent6"/>
+          </a:lnRef>
+          <a:fillRef idx="1">
+            <a:schemeClr val="lt1"/>
+          </a:fillRef>
+          <a:effectRef idx="0">
+            <a:schemeClr val="accent6"/>
+          </a:effectRef>
+          <a:fontRef idx="minor">
+            <a:schemeClr val="dk1"/>
+          </a:fontRef>
+        </p:style>
+        <p:txBody>
+          <a:bodyPr rtlCol="0" anchor="ctr"/>
+          <a:lstStyle/>
+          <a:p>
+            <a:pPr algn="ctr"/>
+            <a:r>
+              <a:rPr lang="zh-CN" altLang="en-US" sz="1400" smtClean="0">
+                <a:latin typeface="Microsoft YaHei Mono" pitchFamily="49" charset="-122"/>
+                <a:ea typeface="Microsoft YaHei Mono" pitchFamily="49" charset="-122"/>
+              </a:rPr>
+              <a:t>给</a:t>
+            </a:r>
+            <a:r>
+              <a:rPr lang="en-US" altLang="zh-CN" sz="1400" smtClean="0">
+                <a:latin typeface="Microsoft YaHei Mono" pitchFamily="49" charset="-122"/>
+                <a:ea typeface="Microsoft YaHei Mono" pitchFamily="49" charset="-122"/>
+              </a:rPr>
+              <a:t>tcpip</a:t>
+            </a:r>
+            <a:r>
+              <a:rPr lang="zh-CN" altLang="en-US" sz="1400" smtClean="0">
+                <a:latin typeface="Microsoft YaHei Mono" pitchFamily="49" charset="-122"/>
+                <a:ea typeface="Microsoft YaHei Mono" pitchFamily="49" charset="-122"/>
+              </a:rPr>
+              <a:t>线程发送</a:t>
+            </a:r>
+            <a:r>
+              <a:rPr lang="en-US" altLang="zh-CN" sz="1400" smtClean="0">
+                <a:latin typeface="Microsoft YaHei Mono" pitchFamily="49" charset="-122"/>
+                <a:ea typeface="Microsoft YaHei Mono" pitchFamily="49" charset="-122"/>
+              </a:rPr>
+              <a:t>packet</a:t>
+            </a:r>
+            <a:endParaRPr lang="zh-CN" altLang="en-US" sz="1400">
+              <a:latin typeface="Microsoft YaHei Mono" pitchFamily="49" charset="-122"/>
+              <a:ea typeface="Microsoft YaHei Mono" pitchFamily="49" charset="-122"/>
+            </a:endParaRPr>
+          </a:p>
+        </p:txBody>
+      </p:sp>
+      <p:sp>
+        <p:nvSpPr>
+          <p:cNvPr id="15" name="圆角矩形 14"/>
+          <p:cNvSpPr/>
+          <p:nvPr/>
+        </p:nvSpPr>
+        <p:spPr>
+          <a:xfrm>
+            <a:off x="6312024" y="2670568"/>
+            <a:ext cx="3024336" cy="504056"/>
+          </a:xfrm>
+          <a:prstGeom prst="roundRect">
+            <a:avLst/>
+          </a:prstGeom>
+        </p:spPr>
+        <p:style>
+          <a:lnRef idx="2">
+            <a:schemeClr val="accent5"/>
+          </a:lnRef>
+          <a:fillRef idx="1">
+            <a:schemeClr val="lt1"/>
+          </a:fillRef>
+          <a:effectRef idx="0">
+            <a:schemeClr val="accent5"/>
+          </a:effectRef>
+          <a:fontRef idx="minor">
+            <a:schemeClr val="dk1"/>
+          </a:fontRef>
+        </p:style>
+        <p:txBody>
+          <a:bodyPr rtlCol="0" anchor="ctr"/>
+          <a:lstStyle/>
+          <a:p>
+            <a:pPr algn="ctr"/>
+            <a:r>
+              <a:rPr lang="en-US" altLang="zh-CN" sz="1400">
+                <a:latin typeface="Microsoft YaHei Mono" pitchFamily="49" charset="-122"/>
+                <a:ea typeface="Microsoft YaHei Mono" pitchFamily="49" charset="-122"/>
+              </a:rPr>
+              <a:t>t</a:t>
+            </a:r>
+            <a:r>
+              <a:rPr lang="en-US" altLang="zh-CN" sz="1400" smtClean="0">
+                <a:latin typeface="Microsoft YaHei Mono" pitchFamily="49" charset="-122"/>
+                <a:ea typeface="Microsoft YaHei Mono" pitchFamily="49" charset="-122"/>
+              </a:rPr>
+              <a:t>cpdump</a:t>
+            </a:r>
+            <a:r>
+              <a:rPr lang="zh-CN" altLang="en-US" sz="1400" smtClean="0">
+                <a:latin typeface="Microsoft YaHei Mono" pitchFamily="49" charset="-122"/>
+                <a:ea typeface="Microsoft YaHei Mono" pitchFamily="49" charset="-122"/>
+              </a:rPr>
+              <a:t>截获</a:t>
+            </a:r>
+            <a:r>
+              <a:rPr lang="en-US" altLang="zh-CN" sz="1400" smtClean="0">
+                <a:latin typeface="Microsoft YaHei Mono" pitchFamily="49" charset="-122"/>
+                <a:ea typeface="Microsoft YaHei Mono" pitchFamily="49" charset="-122"/>
+              </a:rPr>
+              <a:t>rx</a:t>
+            </a:r>
+            <a:r>
+              <a:rPr lang="zh-CN" altLang="en-US" sz="1400" smtClean="0">
+                <a:latin typeface="Microsoft YaHei Mono" pitchFamily="49" charset="-122"/>
+                <a:ea typeface="Microsoft YaHei Mono" pitchFamily="49" charset="-122"/>
+              </a:rPr>
+              <a:t>数据入口</a:t>
+            </a:r>
+            <a:endParaRPr lang="zh-CN" altLang="en-US" sz="1600">
+              <a:latin typeface="Microsoft YaHei Mono" pitchFamily="49" charset="-122"/>
+              <a:ea typeface="Microsoft YaHei Mono" pitchFamily="49" charset="-122"/>
+            </a:endParaRPr>
+          </a:p>
+        </p:txBody>
+      </p:sp>
+      <p:sp>
+        <p:nvSpPr>
+          <p:cNvPr id="16" name="圆角矩形 15"/>
+          <p:cNvSpPr/>
+          <p:nvPr/>
+        </p:nvSpPr>
+        <p:spPr>
+          <a:xfrm>
+            <a:off x="6312024" y="3781391"/>
+            <a:ext cx="3024336" cy="504056"/>
+          </a:xfrm>
+          <a:prstGeom prst="roundRect">
+            <a:avLst/>
+          </a:prstGeom>
+        </p:spPr>
+        <p:style>
+          <a:lnRef idx="2">
+            <a:schemeClr val="accent6"/>
+          </a:lnRef>
+          <a:fillRef idx="1">
+            <a:schemeClr val="lt1"/>
+          </a:fillRef>
+          <a:effectRef idx="0">
+            <a:schemeClr val="accent6"/>
+          </a:effectRef>
+          <a:fontRef idx="minor">
+            <a:schemeClr val="dk1"/>
+          </a:fontRef>
+        </p:style>
+        <p:txBody>
+          <a:bodyPr rtlCol="0" anchor="ctr"/>
+          <a:lstStyle/>
+          <a:p>
+            <a:pPr algn="ctr"/>
+            <a:r>
+              <a:rPr lang="en-US" altLang="zh-CN" sz="1400">
+                <a:latin typeface="Microsoft YaHei Mono" pitchFamily="49" charset="-122"/>
+                <a:ea typeface="Microsoft YaHei Mono" pitchFamily="49" charset="-122"/>
+              </a:rPr>
+              <a:t>l</a:t>
+            </a:r>
+            <a:r>
+              <a:rPr lang="en-US" altLang="zh-CN" sz="1400" smtClean="0">
+                <a:latin typeface="Microsoft YaHei Mono" pitchFamily="49" charset="-122"/>
+                <a:ea typeface="Microsoft YaHei Mono" pitchFamily="49" charset="-122"/>
+              </a:rPr>
+              <a:t>wip</a:t>
+            </a:r>
+            <a:r>
+              <a:rPr lang="zh-CN" altLang="en-US" sz="1400" smtClean="0">
+                <a:latin typeface="Microsoft YaHei Mono" pitchFamily="49" charset="-122"/>
+                <a:ea typeface="Microsoft YaHei Mono" pitchFamily="49" charset="-122"/>
+              </a:rPr>
+              <a:t>接口层</a:t>
+            </a:r>
+            <a:endParaRPr lang="zh-CN" altLang="en-US" sz="1400">
+              <a:latin typeface="Microsoft YaHei Mono" pitchFamily="49" charset="-122"/>
+              <a:ea typeface="Microsoft YaHei Mono" pitchFamily="49" charset="-122"/>
+            </a:endParaRPr>
+          </a:p>
+        </p:txBody>
+      </p:sp>
+      <p:sp>
+        <p:nvSpPr>
+          <p:cNvPr id="17" name="圆角矩形 16"/>
+          <p:cNvSpPr/>
+          <p:nvPr/>
+        </p:nvSpPr>
+        <p:spPr>
+          <a:xfrm>
+            <a:off x="6342112" y="4954788"/>
+            <a:ext cx="2994248" cy="504056"/>
+          </a:xfrm>
+          <a:prstGeom prst="roundRect">
+            <a:avLst/>
+          </a:prstGeom>
+        </p:spPr>
+        <p:style>
+          <a:lnRef idx="2">
+            <a:schemeClr val="accent1"/>
+          </a:lnRef>
+          <a:fillRef idx="1">
+            <a:schemeClr val="lt1"/>
+          </a:fillRef>
+          <a:effectRef idx="0">
+            <a:schemeClr val="accent1"/>
+          </a:effectRef>
+          <a:fontRef idx="minor">
+            <a:schemeClr val="dk1"/>
+          </a:fontRef>
+        </p:style>
+        <p:txBody>
+          <a:bodyPr rtlCol="0" anchor="ctr"/>
+          <a:lstStyle/>
+          <a:p>
+            <a:pPr algn="ctr"/>
+            <a:r>
+              <a:rPr lang="en-US" altLang="zh-CN" sz="1400" smtClean="0">
+                <a:latin typeface="Microsoft YaHei Mono" pitchFamily="49" charset="-122"/>
+                <a:ea typeface="Microsoft YaHei Mono" pitchFamily="49" charset="-122"/>
+              </a:rPr>
+              <a:t>e</a:t>
+            </a:r>
+            <a:r>
+              <a:rPr lang="en-US" altLang="zh-CN" sz="1400">
+                <a:latin typeface="Microsoft YaHei Mono" pitchFamily="49" charset="-122"/>
+                <a:ea typeface="Microsoft YaHei Mono" pitchFamily="49" charset="-122"/>
+              </a:rPr>
+              <a:t>r</a:t>
+            </a:r>
+            <a:r>
+              <a:rPr lang="en-US" altLang="zh-CN" sz="1400" smtClean="0">
+                <a:latin typeface="Microsoft YaHei Mono" pitchFamily="49" charset="-122"/>
+                <a:ea typeface="Microsoft YaHei Mono" pitchFamily="49" charset="-122"/>
+              </a:rPr>
+              <a:t>x</a:t>
+            </a:r>
+            <a:r>
+              <a:rPr lang="zh-CN" altLang="en-US" sz="1400" smtClean="0">
+                <a:latin typeface="Microsoft YaHei Mono" pitchFamily="49" charset="-122"/>
+                <a:ea typeface="Microsoft YaHei Mono" pitchFamily="49" charset="-122"/>
+              </a:rPr>
+              <a:t>线程里调用</a:t>
+            </a:r>
+            <a:r>
+              <a:rPr lang="en-US" altLang="zh-CN" sz="1400" smtClean="0">
+                <a:latin typeface="Microsoft YaHei Mono" pitchFamily="49" charset="-122"/>
+                <a:ea typeface="Microsoft YaHei Mono" pitchFamily="49" charset="-122"/>
+              </a:rPr>
+              <a:t>input</a:t>
+            </a:r>
+            <a:r>
+              <a:rPr lang="zh-CN" altLang="en-US" sz="1400" smtClean="0">
+                <a:latin typeface="Microsoft YaHei Mono" pitchFamily="49" charset="-122"/>
+                <a:ea typeface="Microsoft YaHei Mono" pitchFamily="49" charset="-122"/>
+              </a:rPr>
+              <a:t>接口</a:t>
+            </a:r>
+            <a:endParaRPr lang="zh-CN" altLang="en-US" sz="1400">
+              <a:latin typeface="Microsoft YaHei Mono" pitchFamily="49" charset="-122"/>
+              <a:ea typeface="Microsoft YaHei Mono" pitchFamily="49" charset="-122"/>
+            </a:endParaRPr>
+          </a:p>
+        </p:txBody>
+      </p:sp>
+      <p:sp>
+        <p:nvSpPr>
+          <p:cNvPr id="18" name="圆角矩形 17"/>
+          <p:cNvSpPr/>
+          <p:nvPr/>
+        </p:nvSpPr>
+        <p:spPr>
+          <a:xfrm>
+            <a:off x="6342112" y="6105152"/>
+            <a:ext cx="2994248" cy="504056"/>
+          </a:xfrm>
+          <a:prstGeom prst="roundRect">
+            <a:avLst/>
+          </a:prstGeom>
+        </p:spPr>
+        <p:style>
+          <a:lnRef idx="2">
+            <a:schemeClr val="accent4"/>
+          </a:lnRef>
+          <a:fillRef idx="1">
+            <a:schemeClr val="lt1"/>
+          </a:fillRef>
+          <a:effectRef idx="0">
+            <a:schemeClr val="accent4"/>
+          </a:effectRef>
+          <a:fontRef idx="minor">
+            <a:schemeClr val="dk1"/>
+          </a:fontRef>
+        </p:style>
+        <p:txBody>
+          <a:bodyPr rtlCol="0" anchor="ctr"/>
+          <a:lstStyle/>
+          <a:p>
+            <a:pPr algn="ctr"/>
+            <a:r>
+              <a:rPr lang="zh-CN" altLang="en-US" sz="1400">
+                <a:latin typeface="Microsoft YaHei Mono" pitchFamily="49" charset="-122"/>
+                <a:ea typeface="Microsoft YaHei Mono" pitchFamily="49" charset="-122"/>
+              </a:rPr>
+              <a:t>网卡</a:t>
+            </a:r>
+            <a:r>
+              <a:rPr lang="zh-CN" altLang="en-US" sz="1400" smtClean="0">
+                <a:latin typeface="Microsoft YaHei Mono" pitchFamily="49" charset="-122"/>
+                <a:ea typeface="Microsoft YaHei Mono" pitchFamily="49" charset="-122"/>
+              </a:rPr>
+              <a:t>驱动层</a:t>
+            </a:r>
+            <a:endParaRPr lang="zh-CN" altLang="en-US" sz="1600">
+              <a:latin typeface="Microsoft YaHei Mono" pitchFamily="49" charset="-122"/>
+              <a:ea typeface="Microsoft YaHei Mono" pitchFamily="49" charset="-122"/>
+            </a:endParaRPr>
+          </a:p>
+        </p:txBody>
+      </p:sp>
+      <p:sp>
+        <p:nvSpPr>
+          <p:cNvPr id="19" name="上箭头 18"/>
+          <p:cNvSpPr/>
+          <p:nvPr/>
+        </p:nvSpPr>
+        <p:spPr>
+          <a:xfrm flipH="1">
+            <a:off x="131048" y="1628801"/>
+            <a:ext cx="708368" cy="4942263"/>
+          </a:xfrm>
+          <a:prstGeom prst="upArrow">
+            <a:avLst/>
+          </a:prstGeom>
+        </p:spPr>
+        <p:style>
+          <a:lnRef idx="2">
+            <a:schemeClr val="accent2"/>
+          </a:lnRef>
+          <a:fillRef idx="1">
+            <a:schemeClr val="lt1"/>
+          </a:fillRef>
+          <a:effectRef idx="0">
+            <a:schemeClr val="accent2"/>
+          </a:effectRef>
+          <a:fontRef idx="minor">
+            <a:schemeClr val="dk1"/>
+          </a:fontRef>
+        </p:style>
+        <p:txBody>
+          <a:bodyPr vert="wordArtVertRtl" rtlCol="0" anchor="ctr"/>
+          <a:lstStyle/>
+          <a:p>
+            <a:pPr algn="ctr"/>
+            <a:r>
+              <a:rPr lang="en-US" altLang="zh-CN" sz="1600" smtClean="0">
+                <a:solidFill>
+                  <a:srgbClr val="00B0F0"/>
+                </a:solidFill>
+                <a:latin typeface="Microsoft YaHei Mono" pitchFamily="49" charset="-122"/>
+                <a:ea typeface="Microsoft YaHei Mono" pitchFamily="49" charset="-122"/>
+              </a:rPr>
+              <a:t>Rx</a:t>
+            </a:r>
+            <a:r>
+              <a:rPr lang="zh-CN" altLang="en-US" sz="1600" smtClean="0">
+                <a:solidFill>
+                  <a:srgbClr val="00B0F0"/>
+                </a:solidFill>
                 <a:latin typeface="Microsoft YaHei Mono" pitchFamily="49" charset="-122"/>
                 <a:ea typeface="Microsoft YaHei Mono" pitchFamily="49" charset="-122"/>
               </a:rPr>
               <a:t>数据流向</a:t>
             </a:r>
-            <a:endParaRPr lang="zh-CN" altLang="en-US"/>
+            <a:endParaRPr lang="en-US" altLang="zh-CN" sz="1600" smtClean="0">
+              <a:solidFill>
+                <a:srgbClr val="00B0F0"/>
+              </a:solidFill>
+              <a:latin typeface="Microsoft YaHei Mono" pitchFamily="49" charset="-122"/>
+              <a:ea typeface="Microsoft YaHei Mono" pitchFamily="49" charset="-122"/>
+            </a:endParaRPr>
           </a:p>
         </p:txBody>
       </p:sp>
@@ -8359,6 +9378,1789 @@
   <p:clrMapOvr>
     <a:masterClrMapping/>
   </p:clrMapOvr>
+  <p:timing>
+    <p:tnLst>
+      <p:par>
+        <p:cTn id="1" dur="indefinite" restart="never" nodeType="tmRoot"/>
+      </p:par>
+    </p:tnLst>
+  </p:timing>
+</p:sld>
+</file>
+
+<file path=ppt/slides/slide5.xml><?xml version="1.0" encoding="utf-8"?>
+<p:sld xmlns:a="http://schemas.openxmlformats.org/drawingml/2006/main" xmlns:r="http://schemas.openxmlformats.org/officeDocument/2006/relationships" xmlns:p="http://schemas.openxmlformats.org/presentationml/2006/main">
+  <p:cSld>
+    <p:spTree>
+      <p:nvGrpSpPr>
+        <p:cNvPr id="1" name=""/>
+        <p:cNvGrpSpPr/>
+        <p:nvPr/>
+      </p:nvGrpSpPr>
+      <p:grpSpPr>
+        <a:xfrm>
+          <a:off x="0" y="0"/>
+          <a:ext cx="0" cy="0"/>
+          <a:chOff x="0" y="0"/>
+          <a:chExt cx="0" cy="0"/>
+        </a:xfrm>
+      </p:grpSpPr>
+      <p:sp>
+        <p:nvSpPr>
+          <p:cNvPr id="2" name="标题 1"/>
+          <p:cNvSpPr>
+            <a:spLocks noGrp="1"/>
+          </p:cNvSpPr>
+          <p:nvPr>
+            <p:ph type="title"/>
+          </p:nvPr>
+        </p:nvSpPr>
+        <p:spPr/>
+        <p:txBody>
+          <a:bodyPr/>
+          <a:lstStyle/>
+          <a:p>
+            <a:r>
+              <a:rPr lang="en-US" altLang="zh-CN">
+                <a:latin typeface="Microsoft YaHei Mono" pitchFamily="49" charset="-122"/>
+                <a:ea typeface="Microsoft YaHei Mono" pitchFamily="49" charset="-122"/>
+              </a:rPr>
+              <a:t>t</a:t>
+            </a:r>
+            <a:r>
+              <a:rPr lang="en-US" altLang="zh-CN" smtClean="0">
+                <a:latin typeface="Microsoft YaHei Mono" pitchFamily="49" charset="-122"/>
+                <a:ea typeface="Microsoft YaHei Mono" pitchFamily="49" charset="-122"/>
+              </a:rPr>
+              <a:t>cpdump</a:t>
+            </a:r>
+            <a:r>
+              <a:rPr lang="zh-CN" altLang="en-US" smtClean="0">
+                <a:latin typeface="Microsoft YaHei Mono" pitchFamily="49" charset="-122"/>
+                <a:ea typeface="Microsoft YaHei Mono" pitchFamily="49" charset="-122"/>
+              </a:rPr>
+              <a:t>初始化</a:t>
+            </a:r>
+            <a:endParaRPr lang="zh-CN" altLang="en-US">
+              <a:latin typeface="Microsoft YaHei Mono" pitchFamily="49" charset="-122"/>
+              <a:ea typeface="Microsoft YaHei Mono" pitchFamily="49" charset="-122"/>
+            </a:endParaRPr>
+          </a:p>
+        </p:txBody>
+      </p:sp>
+      <p:sp>
+        <p:nvSpPr>
+          <p:cNvPr id="3" name="圆角矩形 2"/>
+          <p:cNvSpPr/>
+          <p:nvPr/>
+        </p:nvSpPr>
+        <p:spPr>
+          <a:xfrm>
+            <a:off x="767408" y="1628800"/>
+            <a:ext cx="2304256" cy="576064"/>
+          </a:xfrm>
+          <a:prstGeom prst="roundRect">
+            <a:avLst/>
+          </a:prstGeom>
+        </p:spPr>
+        <p:style>
+          <a:lnRef idx="1">
+            <a:schemeClr val="accent5"/>
+          </a:lnRef>
+          <a:fillRef idx="3">
+            <a:schemeClr val="accent5"/>
+          </a:fillRef>
+          <a:effectRef idx="2">
+            <a:schemeClr val="accent5"/>
+          </a:effectRef>
+          <a:fontRef idx="minor">
+            <a:schemeClr val="lt1"/>
+          </a:fontRef>
+        </p:style>
+        <p:txBody>
+          <a:bodyPr rtlCol="0" anchor="ctr"/>
+          <a:lstStyle/>
+          <a:p>
+            <a:pPr algn="ctr"/>
+            <a:r>
+              <a:rPr lang="zh-CN" altLang="en-US" sz="1400" smtClean="0">
+                <a:latin typeface="Microsoft YaHei Mono" pitchFamily="49" charset="-122"/>
+                <a:ea typeface="Microsoft YaHei Mono" pitchFamily="49" charset="-122"/>
+              </a:rPr>
+              <a:t>寻找设备</a:t>
+            </a:r>
+            <a:endParaRPr lang="zh-CN" altLang="en-US" sz="1400">
+              <a:latin typeface="Microsoft YaHei Mono" pitchFamily="49" charset="-122"/>
+              <a:ea typeface="Microsoft YaHei Mono" pitchFamily="49" charset="-122"/>
+            </a:endParaRPr>
+          </a:p>
+        </p:txBody>
+      </p:sp>
+    </p:spTree>
+    <p:extLst>
+      <p:ext uri="{BB962C8B-B14F-4D97-AF65-F5344CB8AC3E}">
+        <p14:creationId xmlns:p14="http://schemas.microsoft.com/office/powerpoint/2010/main" val="15669606"/>
+      </p:ext>
+    </p:extLst>
+  </p:cSld>
+  <p:clrMapOvr>
+    <a:masterClrMapping/>
+  </p:clrMapOvr>
+  <p:timing>
+    <p:tnLst>
+      <p:par>
+        <p:cTn id="1" dur="indefinite" restart="never" nodeType="tmRoot"/>
+      </p:par>
+    </p:tnLst>
+  </p:timing>
+</p:sld>
+</file>
+
+<file path=ppt/slides/slide6.xml><?xml version="1.0" encoding="utf-8"?>
+<p:sld xmlns:a="http://schemas.openxmlformats.org/drawingml/2006/main" xmlns:r="http://schemas.openxmlformats.org/officeDocument/2006/relationships" xmlns:p="http://schemas.openxmlformats.org/presentationml/2006/main">
+  <p:cSld>
+    <p:spTree>
+      <p:nvGrpSpPr>
+        <p:cNvPr id="1" name=""/>
+        <p:cNvGrpSpPr/>
+        <p:nvPr/>
+      </p:nvGrpSpPr>
+      <p:grpSpPr>
+        <a:xfrm>
+          <a:off x="0" y="0"/>
+          <a:ext cx="0" cy="0"/>
+          <a:chOff x="0" y="0"/>
+          <a:chExt cx="0" cy="0"/>
+        </a:xfrm>
+      </p:grpSpPr>
+      <p:sp>
+        <p:nvSpPr>
+          <p:cNvPr id="2" name="标题 1"/>
+          <p:cNvSpPr>
+            <a:spLocks noGrp="1"/>
+          </p:cNvSpPr>
+          <p:nvPr>
+            <p:ph type="title"/>
+          </p:nvPr>
+        </p:nvSpPr>
+        <p:spPr/>
+        <p:txBody>
+          <a:bodyPr/>
+          <a:lstStyle/>
+          <a:p>
+            <a:endParaRPr lang="zh-CN" altLang="en-US"/>
+          </a:p>
+        </p:txBody>
+      </p:sp>
+      <p:sp>
+        <p:nvSpPr>
+          <p:cNvPr id="3" name="圆角矩形 2"/>
+          <p:cNvSpPr/>
+          <p:nvPr/>
+        </p:nvSpPr>
+        <p:spPr>
+          <a:xfrm>
+            <a:off x="839416" y="2629039"/>
+            <a:ext cx="2168951" cy="741171"/>
+          </a:xfrm>
+          <a:prstGeom prst="roundRect">
+            <a:avLst/>
+          </a:prstGeom>
+        </p:spPr>
+        <p:style>
+          <a:lnRef idx="1">
+            <a:schemeClr val="accent5"/>
+          </a:lnRef>
+          <a:fillRef idx="2">
+            <a:schemeClr val="accent5"/>
+          </a:fillRef>
+          <a:effectRef idx="1">
+            <a:schemeClr val="accent5"/>
+          </a:effectRef>
+          <a:fontRef idx="minor">
+            <a:schemeClr val="dk1"/>
+          </a:fontRef>
+        </p:style>
+        <p:txBody>
+          <a:bodyPr rtlCol="0" anchor="ctr"/>
+          <a:lstStyle/>
+          <a:p>
+            <a:pPr algn="ctr"/>
+            <a:r>
+              <a:rPr lang="zh-CN" altLang="en-US" sz="1400" smtClean="0">
+                <a:latin typeface="Microsoft YaHei Mono" pitchFamily="49" charset="-122"/>
+                <a:ea typeface="Microsoft YaHei Mono" pitchFamily="49" charset="-122"/>
+              </a:rPr>
+              <a:t>从接口处</a:t>
+            </a:r>
+            <a:r>
+              <a:rPr lang="zh-CN" altLang="en-US" sz="1400" smtClean="0">
+                <a:latin typeface="Microsoft YaHei Mono" pitchFamily="49" charset="-122"/>
+                <a:ea typeface="Microsoft YaHei Mono" pitchFamily="49" charset="-122"/>
+              </a:rPr>
+              <a:t>获得</a:t>
+            </a:r>
+            <a:r>
+              <a:rPr lang="en-US" altLang="zh-CN" sz="1400" smtClean="0">
+                <a:latin typeface="Microsoft YaHei Mono" pitchFamily="49" charset="-122"/>
+                <a:ea typeface="Microsoft YaHei Mono" pitchFamily="49" charset="-122"/>
+              </a:rPr>
+              <a:t>tx</a:t>
+            </a:r>
+            <a:r>
+              <a:rPr lang="zh-CN" altLang="en-US" sz="1400" smtClean="0">
+                <a:latin typeface="Microsoft YaHei Mono" pitchFamily="49" charset="-122"/>
+                <a:ea typeface="Microsoft YaHei Mono" pitchFamily="49" charset="-122"/>
+              </a:rPr>
+              <a:t>数据</a:t>
+            </a:r>
+            <a:r>
+              <a:rPr lang="zh-CN" altLang="en-US" sz="1400" smtClean="0">
+                <a:latin typeface="Microsoft YaHei Mono" pitchFamily="49" charset="-122"/>
+                <a:ea typeface="Microsoft YaHei Mono" pitchFamily="49" charset="-122"/>
+              </a:rPr>
+              <a:t>：</a:t>
+            </a:r>
+            <a:r>
+              <a:rPr lang="en-US" altLang="zh-CN" sz="1400">
+                <a:latin typeface="Microsoft YaHei Mono" pitchFamily="49" charset="-122"/>
+                <a:ea typeface="Microsoft YaHei Mono" pitchFamily="49" charset="-122"/>
+              </a:rPr>
+              <a:t>_</a:t>
+            </a:r>
+            <a:r>
+              <a:rPr lang="en-US" altLang="zh-CN" sz="1400" smtClean="0">
+                <a:latin typeface="Microsoft YaHei Mono" pitchFamily="49" charset="-122"/>
+                <a:ea typeface="Microsoft YaHei Mono" pitchFamily="49" charset="-122"/>
+              </a:rPr>
+              <a:t>netif_linkoutput</a:t>
+            </a:r>
+            <a:endParaRPr lang="zh-CN" altLang="en-US" sz="1400">
+              <a:latin typeface="Microsoft YaHei Mono" pitchFamily="49" charset="-122"/>
+              <a:ea typeface="Microsoft YaHei Mono" pitchFamily="49" charset="-122"/>
+            </a:endParaRPr>
+          </a:p>
+        </p:txBody>
+      </p:sp>
+      <p:sp>
+        <p:nvSpPr>
+          <p:cNvPr id="4" name="圆角矩形 3"/>
+          <p:cNvSpPr/>
+          <p:nvPr/>
+        </p:nvSpPr>
+        <p:spPr>
+          <a:xfrm>
+            <a:off x="838681" y="4251849"/>
+            <a:ext cx="2168951" cy="741171"/>
+          </a:xfrm>
+          <a:prstGeom prst="roundRect">
+            <a:avLst/>
+          </a:prstGeom>
+        </p:spPr>
+        <p:style>
+          <a:lnRef idx="1">
+            <a:schemeClr val="accent5"/>
+          </a:lnRef>
+          <a:fillRef idx="3">
+            <a:schemeClr val="accent5"/>
+          </a:fillRef>
+          <a:effectRef idx="2">
+            <a:schemeClr val="accent5"/>
+          </a:effectRef>
+          <a:fontRef idx="minor">
+            <a:schemeClr val="lt1"/>
+          </a:fontRef>
+        </p:style>
+        <p:txBody>
+          <a:bodyPr rtlCol="0" anchor="ctr"/>
+          <a:lstStyle/>
+          <a:p>
+            <a:pPr algn="ctr"/>
+            <a:r>
+              <a:rPr lang="zh-CN" altLang="en-US" sz="1400" smtClean="0">
+                <a:latin typeface="Microsoft YaHei Mono" pitchFamily="49" charset="-122"/>
+                <a:ea typeface="Microsoft YaHei Mono" pitchFamily="49" charset="-122"/>
+              </a:rPr>
+              <a:t>从接口处</a:t>
+            </a:r>
+            <a:r>
+              <a:rPr lang="zh-CN" altLang="en-US" sz="1400" smtClean="0">
+                <a:latin typeface="Microsoft YaHei Mono" pitchFamily="49" charset="-122"/>
+                <a:ea typeface="Microsoft YaHei Mono" pitchFamily="49" charset="-122"/>
+              </a:rPr>
+              <a:t>获得</a:t>
+            </a:r>
+            <a:r>
+              <a:rPr lang="en-US" altLang="zh-CN" sz="1400" smtClean="0">
+                <a:latin typeface="Microsoft YaHei Mono" pitchFamily="49" charset="-122"/>
+                <a:ea typeface="Microsoft YaHei Mono" pitchFamily="49" charset="-122"/>
+              </a:rPr>
+              <a:t>rx</a:t>
+            </a:r>
+            <a:r>
+              <a:rPr lang="zh-CN" altLang="en-US" sz="1400" smtClean="0">
+                <a:latin typeface="Microsoft YaHei Mono" pitchFamily="49" charset="-122"/>
+                <a:ea typeface="Microsoft YaHei Mono" pitchFamily="49" charset="-122"/>
+              </a:rPr>
+              <a:t>数据：</a:t>
+            </a:r>
+            <a:r>
+              <a:rPr lang="en-US" altLang="zh-CN" sz="1400">
+                <a:latin typeface="Microsoft YaHei Mono" pitchFamily="49" charset="-122"/>
+                <a:ea typeface="Microsoft YaHei Mono" pitchFamily="49" charset="-122"/>
+              </a:rPr>
+              <a:t>_netif_input</a:t>
+            </a:r>
+            <a:endParaRPr lang="zh-CN" altLang="en-US" sz="1400">
+              <a:latin typeface="Microsoft YaHei Mono" pitchFamily="49" charset="-122"/>
+              <a:ea typeface="Microsoft YaHei Mono" pitchFamily="49" charset="-122"/>
+            </a:endParaRPr>
+          </a:p>
+        </p:txBody>
+      </p:sp>
+      <p:sp>
+        <p:nvSpPr>
+          <p:cNvPr id="5" name="右箭头 4"/>
+          <p:cNvSpPr/>
+          <p:nvPr/>
+        </p:nvSpPr>
+        <p:spPr>
+          <a:xfrm>
+            <a:off x="3503712" y="2693174"/>
+            <a:ext cx="1460830" cy="612902"/>
+          </a:xfrm>
+          <a:prstGeom prst="rightArrow">
+            <a:avLst/>
+          </a:prstGeom>
+        </p:spPr>
+        <p:style>
+          <a:lnRef idx="1">
+            <a:schemeClr val="accent5"/>
+          </a:lnRef>
+          <a:fillRef idx="2">
+            <a:schemeClr val="accent5"/>
+          </a:fillRef>
+          <a:effectRef idx="1">
+            <a:schemeClr val="accent5"/>
+          </a:effectRef>
+          <a:fontRef idx="minor">
+            <a:schemeClr val="dk1"/>
+          </a:fontRef>
+        </p:style>
+        <p:txBody>
+          <a:bodyPr rtlCol="0" anchor="ctr"/>
+          <a:lstStyle/>
+          <a:p>
+            <a:pPr algn="ctr"/>
+            <a:r>
+              <a:rPr lang="zh-CN" altLang="en-US" sz="1050" smtClean="0">
+                <a:latin typeface="Microsoft YaHei Mono" pitchFamily="49" charset="-122"/>
+                <a:ea typeface="Microsoft YaHei Mono" pitchFamily="49" charset="-122"/>
+              </a:rPr>
+              <a:t>通过</a:t>
+            </a:r>
+            <a:r>
+              <a:rPr lang="zh-CN" altLang="en-US" sz="1050">
+                <a:latin typeface="Microsoft YaHei Mono" pitchFamily="49" charset="-122"/>
+                <a:ea typeface="Microsoft YaHei Mono" pitchFamily="49" charset="-122"/>
+              </a:rPr>
+              <a:t>邮箱</a:t>
+            </a:r>
+            <a:r>
+              <a:rPr lang="zh-CN" altLang="en-US" sz="1050" smtClean="0">
+                <a:latin typeface="Microsoft YaHei Mono" pitchFamily="49" charset="-122"/>
+                <a:ea typeface="Microsoft YaHei Mono" pitchFamily="49" charset="-122"/>
+              </a:rPr>
+              <a:t>发送 </a:t>
+            </a:r>
+            <a:endParaRPr lang="zh-CN" altLang="en-US" sz="1050">
+              <a:latin typeface="Microsoft YaHei Mono" pitchFamily="49" charset="-122"/>
+              <a:ea typeface="Microsoft YaHei Mono" pitchFamily="49" charset="-122"/>
+            </a:endParaRPr>
+          </a:p>
+        </p:txBody>
+      </p:sp>
+      <p:sp>
+        <p:nvSpPr>
+          <p:cNvPr id="6" name="右箭头 5"/>
+          <p:cNvSpPr/>
+          <p:nvPr/>
+        </p:nvSpPr>
+        <p:spPr>
+          <a:xfrm>
+            <a:off x="3503712" y="4315984"/>
+            <a:ext cx="1460830" cy="612902"/>
+          </a:xfrm>
+          <a:prstGeom prst="rightArrow">
+            <a:avLst/>
+          </a:prstGeom>
+        </p:spPr>
+        <p:style>
+          <a:lnRef idx="1">
+            <a:schemeClr val="accent5"/>
+          </a:lnRef>
+          <a:fillRef idx="3">
+            <a:schemeClr val="accent5"/>
+          </a:fillRef>
+          <a:effectRef idx="2">
+            <a:schemeClr val="accent5"/>
+          </a:effectRef>
+          <a:fontRef idx="minor">
+            <a:schemeClr val="lt1"/>
+          </a:fontRef>
+        </p:style>
+        <p:txBody>
+          <a:bodyPr rtlCol="0" anchor="ctr"/>
+          <a:lstStyle/>
+          <a:p>
+            <a:pPr algn="ctr"/>
+            <a:r>
+              <a:rPr lang="zh-CN" altLang="en-US" sz="1050" smtClean="0">
+                <a:latin typeface="Microsoft YaHei Mono" pitchFamily="49" charset="-122"/>
+                <a:ea typeface="Microsoft YaHei Mono" pitchFamily="49" charset="-122"/>
+              </a:rPr>
+              <a:t>通过邮箱发送</a:t>
+            </a:r>
+            <a:endParaRPr lang="zh-CN" altLang="en-US" sz="1050">
+              <a:latin typeface="Microsoft YaHei Mono" pitchFamily="49" charset="-122"/>
+              <a:ea typeface="Microsoft YaHei Mono" pitchFamily="49" charset="-122"/>
+            </a:endParaRPr>
+          </a:p>
+        </p:txBody>
+      </p:sp>
+      <p:sp>
+        <p:nvSpPr>
+          <p:cNvPr id="7" name="右大括号 6"/>
+          <p:cNvSpPr/>
+          <p:nvPr/>
+        </p:nvSpPr>
+        <p:spPr>
+          <a:xfrm>
+            <a:off x="5480239" y="2999625"/>
+            <a:ext cx="720080" cy="1622810"/>
+          </a:xfrm>
+          <a:prstGeom prst="rightBrace">
+            <a:avLst/>
+          </a:prstGeom>
+        </p:spPr>
+        <p:style>
+          <a:lnRef idx="1">
+            <a:schemeClr val="accent3"/>
+          </a:lnRef>
+          <a:fillRef idx="0">
+            <a:schemeClr val="accent3"/>
+          </a:fillRef>
+          <a:effectRef idx="0">
+            <a:schemeClr val="accent3"/>
+          </a:effectRef>
+          <a:fontRef idx="minor">
+            <a:schemeClr val="tx1"/>
+          </a:fontRef>
+        </p:style>
+        <p:txBody>
+          <a:bodyPr rtlCol="0" anchor="ctr"/>
+          <a:lstStyle/>
+          <a:p>
+            <a:pPr algn="ctr"/>
+            <a:endParaRPr lang="zh-CN" altLang="en-US"/>
+          </a:p>
+        </p:txBody>
+      </p:sp>
+      <p:sp>
+        <p:nvSpPr>
+          <p:cNvPr id="8" name="圆角矩形 7"/>
+          <p:cNvSpPr/>
+          <p:nvPr/>
+        </p:nvSpPr>
+        <p:spPr>
+          <a:xfrm>
+            <a:off x="6456040" y="2693174"/>
+            <a:ext cx="4752528" cy="2299846"/>
+          </a:xfrm>
+          <a:prstGeom prst="roundRect">
+            <a:avLst/>
+          </a:prstGeom>
+        </p:spPr>
+        <p:style>
+          <a:lnRef idx="2">
+            <a:schemeClr val="accent2"/>
+          </a:lnRef>
+          <a:fillRef idx="1">
+            <a:schemeClr val="lt1"/>
+          </a:fillRef>
+          <a:effectRef idx="0">
+            <a:schemeClr val="accent2"/>
+          </a:effectRef>
+          <a:fontRef idx="minor">
+            <a:schemeClr val="dk1"/>
+          </a:fontRef>
+        </p:style>
+        <p:txBody>
+          <a:bodyPr rtlCol="0" anchor="t"/>
+          <a:lstStyle/>
+          <a:p>
+            <a:pPr algn="ctr"/>
+            <a:r>
+              <a:rPr lang="en-US" altLang="zh-CN" sz="1400">
+                <a:solidFill>
+                  <a:schemeClr val="accent2"/>
+                </a:solidFill>
+                <a:latin typeface="Microsoft YaHei Mono" pitchFamily="49" charset="-122"/>
+                <a:ea typeface="Microsoft YaHei Mono" pitchFamily="49" charset="-122"/>
+              </a:rPr>
+              <a:t>tcpdump</a:t>
+            </a:r>
+            <a:r>
+              <a:rPr lang="zh-CN" altLang="en-US" sz="1400">
+                <a:solidFill>
+                  <a:schemeClr val="accent2"/>
+                </a:solidFill>
+                <a:latin typeface="Microsoft YaHei Mono" pitchFamily="49" charset="-122"/>
+                <a:ea typeface="Microsoft YaHei Mono" pitchFamily="49" charset="-122"/>
+              </a:rPr>
+              <a:t>线程入口：</a:t>
+            </a:r>
+            <a:r>
+              <a:rPr lang="en-US" altLang="zh-CN" sz="1400">
+                <a:solidFill>
+                  <a:schemeClr val="accent2"/>
+                </a:solidFill>
+                <a:latin typeface="Microsoft YaHei Mono" pitchFamily="49" charset="-122"/>
+                <a:ea typeface="Microsoft YaHei Mono" pitchFamily="49" charset="-122"/>
+              </a:rPr>
+              <a:t>rt_tcpdump_thread_entry</a:t>
+            </a:r>
+            <a:endParaRPr lang="zh-CN" altLang="en-US" sz="1400">
+              <a:solidFill>
+                <a:schemeClr val="accent2"/>
+              </a:solidFill>
+              <a:latin typeface="Microsoft YaHei Mono" pitchFamily="49" charset="-122"/>
+              <a:ea typeface="Microsoft YaHei Mono" pitchFamily="49" charset="-122"/>
+            </a:endParaRPr>
+          </a:p>
+        </p:txBody>
+      </p:sp>
+    </p:spTree>
+    <p:extLst>
+      <p:ext uri="{BB962C8B-B14F-4D97-AF65-F5344CB8AC3E}">
+        <p14:creationId xmlns:p14="http://schemas.microsoft.com/office/powerpoint/2010/main" val="4733322"/>
+      </p:ext>
+    </p:extLst>
+  </p:cSld>
+  <p:clrMapOvr>
+    <a:masterClrMapping/>
+  </p:clrMapOvr>
+  <p:timing>
+    <p:tnLst>
+      <p:par>
+        <p:cTn id="1" dur="indefinite" restart="never" nodeType="tmRoot"/>
+      </p:par>
+    </p:tnLst>
+  </p:timing>
+</p:sld>
+</file>
+
+<file path=ppt/slides/slide7.xml><?xml version="1.0" encoding="utf-8"?>
+<p:sld xmlns:a="http://schemas.openxmlformats.org/drawingml/2006/main" xmlns:r="http://schemas.openxmlformats.org/officeDocument/2006/relationships" xmlns:p="http://schemas.openxmlformats.org/presentationml/2006/main">
+  <p:cSld>
+    <p:spTree>
+      <p:nvGrpSpPr>
+        <p:cNvPr id="1" name=""/>
+        <p:cNvGrpSpPr/>
+        <p:nvPr/>
+      </p:nvGrpSpPr>
+      <p:grpSpPr>
+        <a:xfrm>
+          <a:off x="0" y="0"/>
+          <a:ext cx="0" cy="0"/>
+          <a:chOff x="0" y="0"/>
+          <a:chExt cx="0" cy="0"/>
+        </a:xfrm>
+      </p:grpSpPr>
+      <p:sp>
+        <p:nvSpPr>
+          <p:cNvPr id="2" name="标题 1"/>
+          <p:cNvSpPr>
+            <a:spLocks noGrp="1"/>
+          </p:cNvSpPr>
+          <p:nvPr>
+            <p:ph type="title"/>
+          </p:nvPr>
+        </p:nvSpPr>
+        <p:spPr/>
+        <p:txBody>
+          <a:bodyPr/>
+          <a:lstStyle/>
+          <a:p>
+            <a:r>
+              <a:rPr lang="en-US" altLang="zh-CN">
+                <a:latin typeface="Microsoft YaHei Mono" pitchFamily="49" charset="-122"/>
+                <a:ea typeface="Microsoft YaHei Mono" pitchFamily="49" charset="-122"/>
+              </a:rPr>
+              <a:t>t</a:t>
+            </a:r>
+            <a:r>
+              <a:rPr lang="en-US" altLang="zh-CN" smtClean="0">
+                <a:latin typeface="Microsoft YaHei Mono" pitchFamily="49" charset="-122"/>
+                <a:ea typeface="Microsoft YaHei Mono" pitchFamily="49" charset="-122"/>
+              </a:rPr>
+              <a:t>cpdump</a:t>
+            </a:r>
+            <a:r>
+              <a:rPr lang="zh-CN" altLang="en-US" smtClean="0">
+                <a:latin typeface="Microsoft YaHei Mono" pitchFamily="49" charset="-122"/>
+                <a:ea typeface="Microsoft YaHei Mono" pitchFamily="49" charset="-122"/>
+              </a:rPr>
+              <a:t>内部数据流程处理</a:t>
+            </a:r>
+            <a:endParaRPr lang="zh-CN" altLang="en-US">
+              <a:latin typeface="Microsoft YaHei Mono" pitchFamily="49" charset="-122"/>
+              <a:ea typeface="Microsoft YaHei Mono" pitchFamily="49" charset="-122"/>
+            </a:endParaRPr>
+          </a:p>
+        </p:txBody>
+      </p:sp>
+      <p:sp>
+        <p:nvSpPr>
+          <p:cNvPr id="3" name="圆角矩形 2"/>
+          <p:cNvSpPr/>
+          <p:nvPr/>
+        </p:nvSpPr>
+        <p:spPr>
+          <a:xfrm>
+            <a:off x="119336" y="1484783"/>
+            <a:ext cx="2168951" cy="741171"/>
+          </a:xfrm>
+          <a:prstGeom prst="roundRect">
+            <a:avLst/>
+          </a:prstGeom>
+        </p:spPr>
+        <p:style>
+          <a:lnRef idx="1">
+            <a:schemeClr val="accent5"/>
+          </a:lnRef>
+          <a:fillRef idx="2">
+            <a:schemeClr val="accent5"/>
+          </a:fillRef>
+          <a:effectRef idx="1">
+            <a:schemeClr val="accent5"/>
+          </a:effectRef>
+          <a:fontRef idx="minor">
+            <a:schemeClr val="dk1"/>
+          </a:fontRef>
+        </p:style>
+        <p:txBody>
+          <a:bodyPr rtlCol="0" anchor="ctr"/>
+          <a:lstStyle/>
+          <a:p>
+            <a:pPr algn="ctr"/>
+            <a:r>
+              <a:rPr lang="zh-CN" altLang="en-US" sz="1400" smtClean="0">
+                <a:latin typeface="Microsoft YaHei Mono" pitchFamily="49" charset="-122"/>
+                <a:ea typeface="Microsoft YaHei Mono" pitchFamily="49" charset="-122"/>
+              </a:rPr>
+              <a:t>从接口处</a:t>
+            </a:r>
+            <a:r>
+              <a:rPr lang="zh-CN" altLang="en-US" sz="1400" smtClean="0">
+                <a:latin typeface="Microsoft YaHei Mono" pitchFamily="49" charset="-122"/>
+                <a:ea typeface="Microsoft YaHei Mono" pitchFamily="49" charset="-122"/>
+              </a:rPr>
+              <a:t>获得</a:t>
+            </a:r>
+            <a:r>
+              <a:rPr lang="en-US" altLang="zh-CN" sz="1400" smtClean="0">
+                <a:latin typeface="Microsoft YaHei Mono" pitchFamily="49" charset="-122"/>
+                <a:ea typeface="Microsoft YaHei Mono" pitchFamily="49" charset="-122"/>
+              </a:rPr>
+              <a:t>tx</a:t>
+            </a:r>
+            <a:r>
+              <a:rPr lang="zh-CN" altLang="en-US" sz="1400" smtClean="0">
+                <a:latin typeface="Microsoft YaHei Mono" pitchFamily="49" charset="-122"/>
+                <a:ea typeface="Microsoft YaHei Mono" pitchFamily="49" charset="-122"/>
+              </a:rPr>
+              <a:t>数据</a:t>
+            </a:r>
+            <a:r>
+              <a:rPr lang="zh-CN" altLang="en-US" sz="1400" smtClean="0">
+                <a:latin typeface="Microsoft YaHei Mono" pitchFamily="49" charset="-122"/>
+                <a:ea typeface="Microsoft YaHei Mono" pitchFamily="49" charset="-122"/>
+              </a:rPr>
+              <a:t>：</a:t>
+            </a:r>
+            <a:r>
+              <a:rPr lang="en-US" altLang="zh-CN" sz="1400">
+                <a:latin typeface="Microsoft YaHei Mono" pitchFamily="49" charset="-122"/>
+                <a:ea typeface="Microsoft YaHei Mono" pitchFamily="49" charset="-122"/>
+              </a:rPr>
+              <a:t>_</a:t>
+            </a:r>
+            <a:r>
+              <a:rPr lang="en-US" altLang="zh-CN" sz="1400" smtClean="0">
+                <a:latin typeface="Microsoft YaHei Mono" pitchFamily="49" charset="-122"/>
+                <a:ea typeface="Microsoft YaHei Mono" pitchFamily="49" charset="-122"/>
+              </a:rPr>
+              <a:t>netif_linkoutput</a:t>
+            </a:r>
+            <a:endParaRPr lang="zh-CN" altLang="en-US" sz="1400">
+              <a:latin typeface="Microsoft YaHei Mono" pitchFamily="49" charset="-122"/>
+              <a:ea typeface="Microsoft YaHei Mono" pitchFamily="49" charset="-122"/>
+            </a:endParaRPr>
+          </a:p>
+        </p:txBody>
+      </p:sp>
+      <p:sp>
+        <p:nvSpPr>
+          <p:cNvPr id="4" name="圆角矩形 3"/>
+          <p:cNvSpPr/>
+          <p:nvPr/>
+        </p:nvSpPr>
+        <p:spPr>
+          <a:xfrm>
+            <a:off x="119336" y="2558826"/>
+            <a:ext cx="2168951" cy="741171"/>
+          </a:xfrm>
+          <a:prstGeom prst="roundRect">
+            <a:avLst/>
+          </a:prstGeom>
+        </p:spPr>
+        <p:style>
+          <a:lnRef idx="1">
+            <a:schemeClr val="accent5"/>
+          </a:lnRef>
+          <a:fillRef idx="3">
+            <a:schemeClr val="accent5"/>
+          </a:fillRef>
+          <a:effectRef idx="2">
+            <a:schemeClr val="accent5"/>
+          </a:effectRef>
+          <a:fontRef idx="minor">
+            <a:schemeClr val="lt1"/>
+          </a:fontRef>
+        </p:style>
+        <p:txBody>
+          <a:bodyPr rtlCol="0" anchor="ctr"/>
+          <a:lstStyle/>
+          <a:p>
+            <a:pPr algn="ctr"/>
+            <a:r>
+              <a:rPr lang="zh-CN" altLang="en-US" sz="1400" smtClean="0">
+                <a:latin typeface="Microsoft YaHei Mono" pitchFamily="49" charset="-122"/>
+                <a:ea typeface="Microsoft YaHei Mono" pitchFamily="49" charset="-122"/>
+              </a:rPr>
+              <a:t>从接口处</a:t>
+            </a:r>
+            <a:r>
+              <a:rPr lang="zh-CN" altLang="en-US" sz="1400" smtClean="0">
+                <a:latin typeface="Microsoft YaHei Mono" pitchFamily="49" charset="-122"/>
+                <a:ea typeface="Microsoft YaHei Mono" pitchFamily="49" charset="-122"/>
+              </a:rPr>
+              <a:t>获得</a:t>
+            </a:r>
+            <a:r>
+              <a:rPr lang="en-US" altLang="zh-CN" sz="1400" smtClean="0">
+                <a:latin typeface="Microsoft YaHei Mono" pitchFamily="49" charset="-122"/>
+                <a:ea typeface="Microsoft YaHei Mono" pitchFamily="49" charset="-122"/>
+              </a:rPr>
+              <a:t>rx</a:t>
+            </a:r>
+            <a:r>
+              <a:rPr lang="zh-CN" altLang="en-US" sz="1400" smtClean="0">
+                <a:latin typeface="Microsoft YaHei Mono" pitchFamily="49" charset="-122"/>
+                <a:ea typeface="Microsoft YaHei Mono" pitchFamily="49" charset="-122"/>
+              </a:rPr>
+              <a:t>数据：</a:t>
+            </a:r>
+            <a:r>
+              <a:rPr lang="en-US" altLang="zh-CN" sz="1400">
+                <a:latin typeface="Microsoft YaHei Mono" pitchFamily="49" charset="-122"/>
+                <a:ea typeface="Microsoft YaHei Mono" pitchFamily="49" charset="-122"/>
+              </a:rPr>
+              <a:t>_netif_input</a:t>
+            </a:r>
+            <a:endParaRPr lang="zh-CN" altLang="en-US" sz="1400">
+              <a:latin typeface="Microsoft YaHei Mono" pitchFamily="49" charset="-122"/>
+              <a:ea typeface="Microsoft YaHei Mono" pitchFamily="49" charset="-122"/>
+            </a:endParaRPr>
+          </a:p>
+        </p:txBody>
+      </p:sp>
+      <p:sp>
+        <p:nvSpPr>
+          <p:cNvPr id="7" name="右箭头 6"/>
+          <p:cNvSpPr/>
+          <p:nvPr/>
+        </p:nvSpPr>
+        <p:spPr>
+          <a:xfrm>
+            <a:off x="2402922" y="1613052"/>
+            <a:ext cx="1224136" cy="484632"/>
+          </a:xfrm>
+          <a:prstGeom prst="rightArrow">
+            <a:avLst/>
+          </a:prstGeom>
+        </p:spPr>
+        <p:style>
+          <a:lnRef idx="1">
+            <a:schemeClr val="accent5"/>
+          </a:lnRef>
+          <a:fillRef idx="2">
+            <a:schemeClr val="accent5"/>
+          </a:fillRef>
+          <a:effectRef idx="1">
+            <a:schemeClr val="accent5"/>
+          </a:effectRef>
+          <a:fontRef idx="minor">
+            <a:schemeClr val="dk1"/>
+          </a:fontRef>
+        </p:style>
+        <p:txBody>
+          <a:bodyPr rtlCol="0" anchor="ctr"/>
+          <a:lstStyle/>
+          <a:p>
+            <a:pPr algn="ctr"/>
+            <a:r>
+              <a:rPr lang="zh-CN" altLang="en-US" sz="1050" smtClean="0">
+                <a:latin typeface="Microsoft YaHei Mono" pitchFamily="49" charset="-122"/>
+                <a:ea typeface="Microsoft YaHei Mono" pitchFamily="49" charset="-122"/>
+              </a:rPr>
+              <a:t>通过</a:t>
+            </a:r>
+            <a:r>
+              <a:rPr lang="en-US" altLang="zh-CN" sz="1050" smtClean="0">
+                <a:latin typeface="Microsoft YaHei Mono" pitchFamily="49" charset="-122"/>
+                <a:ea typeface="Microsoft YaHei Mono" pitchFamily="49" charset="-122"/>
+              </a:rPr>
+              <a:t>FIFO</a:t>
+            </a:r>
+            <a:r>
+              <a:rPr lang="zh-CN" altLang="en-US" sz="1050" smtClean="0">
+                <a:latin typeface="Microsoft YaHei Mono" pitchFamily="49" charset="-122"/>
+                <a:ea typeface="Microsoft YaHei Mono" pitchFamily="49" charset="-122"/>
+              </a:rPr>
+              <a:t>发送 </a:t>
+            </a:r>
+            <a:endParaRPr lang="zh-CN" altLang="en-US" sz="1050">
+              <a:latin typeface="Microsoft YaHei Mono" pitchFamily="49" charset="-122"/>
+              <a:ea typeface="Microsoft YaHei Mono" pitchFamily="49" charset="-122"/>
+            </a:endParaRPr>
+          </a:p>
+        </p:txBody>
+      </p:sp>
+      <p:sp>
+        <p:nvSpPr>
+          <p:cNvPr id="8" name="右箭头 7"/>
+          <p:cNvSpPr/>
+          <p:nvPr/>
+        </p:nvSpPr>
+        <p:spPr>
+          <a:xfrm>
+            <a:off x="2402922" y="2687095"/>
+            <a:ext cx="1224136" cy="484632"/>
+          </a:xfrm>
+          <a:prstGeom prst="rightArrow">
+            <a:avLst/>
+          </a:prstGeom>
+        </p:spPr>
+        <p:style>
+          <a:lnRef idx="1">
+            <a:schemeClr val="accent5"/>
+          </a:lnRef>
+          <a:fillRef idx="3">
+            <a:schemeClr val="accent5"/>
+          </a:fillRef>
+          <a:effectRef idx="2">
+            <a:schemeClr val="accent5"/>
+          </a:effectRef>
+          <a:fontRef idx="minor">
+            <a:schemeClr val="lt1"/>
+          </a:fontRef>
+        </p:style>
+        <p:txBody>
+          <a:bodyPr rtlCol="0" anchor="ctr"/>
+          <a:lstStyle/>
+          <a:p>
+            <a:pPr algn="ctr"/>
+            <a:r>
+              <a:rPr lang="zh-CN" altLang="en-US" sz="1050" smtClean="0">
+                <a:latin typeface="Microsoft YaHei Mono" pitchFamily="49" charset="-122"/>
+                <a:ea typeface="Microsoft YaHei Mono" pitchFamily="49" charset="-122"/>
+              </a:rPr>
+              <a:t>通过</a:t>
+            </a:r>
+            <a:r>
+              <a:rPr lang="en-US" altLang="zh-CN" sz="1050" smtClean="0">
+                <a:latin typeface="Microsoft YaHei Mono" pitchFamily="49" charset="-122"/>
+                <a:ea typeface="Microsoft YaHei Mono" pitchFamily="49" charset="-122"/>
+              </a:rPr>
+              <a:t>FIFO</a:t>
+            </a:r>
+            <a:r>
+              <a:rPr lang="zh-CN" altLang="en-US" sz="1050" smtClean="0">
+                <a:latin typeface="Microsoft YaHei Mono" pitchFamily="49" charset="-122"/>
+                <a:ea typeface="Microsoft YaHei Mono" pitchFamily="49" charset="-122"/>
+              </a:rPr>
+              <a:t>发送</a:t>
+            </a:r>
+            <a:endParaRPr lang="zh-CN" altLang="en-US" sz="1050">
+              <a:latin typeface="Microsoft YaHei Mono" pitchFamily="49" charset="-122"/>
+              <a:ea typeface="Microsoft YaHei Mono" pitchFamily="49" charset="-122"/>
+            </a:endParaRPr>
+          </a:p>
+        </p:txBody>
+      </p:sp>
+      <p:sp>
+        <p:nvSpPr>
+          <p:cNvPr id="9" name="圆角矩形 8"/>
+          <p:cNvSpPr/>
+          <p:nvPr/>
+        </p:nvSpPr>
+        <p:spPr>
+          <a:xfrm>
+            <a:off x="4290047" y="2097684"/>
+            <a:ext cx="1800200" cy="564562"/>
+          </a:xfrm>
+          <a:prstGeom prst="roundRect">
+            <a:avLst/>
+          </a:prstGeom>
+        </p:spPr>
+        <p:style>
+          <a:lnRef idx="1">
+            <a:schemeClr val="accent3"/>
+          </a:lnRef>
+          <a:fillRef idx="2">
+            <a:schemeClr val="accent3"/>
+          </a:fillRef>
+          <a:effectRef idx="1">
+            <a:schemeClr val="accent3"/>
+          </a:effectRef>
+          <a:fontRef idx="minor">
+            <a:schemeClr val="dk1"/>
+          </a:fontRef>
+        </p:style>
+        <p:txBody>
+          <a:bodyPr rtlCol="0" anchor="ctr"/>
+          <a:lstStyle/>
+          <a:p>
+            <a:pPr algn="ctr"/>
+            <a:r>
+              <a:rPr lang="en-US" altLang="zh-CN" sz="1400" smtClean="0">
+                <a:latin typeface="Microsoft YaHei Mono" pitchFamily="49" charset="-122"/>
+                <a:ea typeface="Microsoft YaHei Mono" pitchFamily="49" charset="-122"/>
+              </a:rPr>
+              <a:t>FIFO</a:t>
+            </a:r>
+            <a:r>
+              <a:rPr lang="zh-CN" altLang="en-US" sz="1400" smtClean="0">
+                <a:latin typeface="Microsoft YaHei Mono" pitchFamily="49" charset="-122"/>
+                <a:ea typeface="Microsoft YaHei Mono" pitchFamily="49" charset="-122"/>
+              </a:rPr>
+              <a:t>接收</a:t>
+            </a:r>
+            <a:r>
+              <a:rPr lang="en-US" altLang="zh-CN" sz="1400" smtClean="0">
+                <a:latin typeface="Microsoft YaHei Mono" pitchFamily="49" charset="-122"/>
+                <a:ea typeface="Microsoft YaHei Mono" pitchFamily="49" charset="-122"/>
+              </a:rPr>
+              <a:t>packet</a:t>
+            </a:r>
+            <a:r>
+              <a:rPr lang="zh-CN" altLang="en-US" sz="1400" smtClean="0">
+                <a:latin typeface="Microsoft YaHei Mono" pitchFamily="49" charset="-122"/>
+                <a:ea typeface="Microsoft YaHei Mono" pitchFamily="49" charset="-122"/>
+              </a:rPr>
+              <a:t>：</a:t>
+            </a:r>
+            <a:r>
+              <a:rPr lang="en-US" altLang="zh-CN" sz="1400" smtClean="0">
+                <a:latin typeface="Microsoft YaHei Mono" pitchFamily="49" charset="-122"/>
+                <a:ea typeface="Microsoft YaHei Mono" pitchFamily="49" charset="-122"/>
+              </a:rPr>
+              <a:t>rt_mq_recv</a:t>
+            </a:r>
+            <a:endParaRPr lang="zh-CN" altLang="en-US" sz="1400">
+              <a:latin typeface="Microsoft YaHei Mono" pitchFamily="49" charset="-122"/>
+              <a:ea typeface="Microsoft YaHei Mono" pitchFamily="49" charset="-122"/>
+            </a:endParaRPr>
+          </a:p>
+        </p:txBody>
+      </p:sp>
+      <p:sp>
+        <p:nvSpPr>
+          <p:cNvPr id="10" name="右大括号 9"/>
+          <p:cNvSpPr/>
+          <p:nvPr/>
+        </p:nvSpPr>
+        <p:spPr>
+          <a:xfrm>
+            <a:off x="3719736" y="1855368"/>
+            <a:ext cx="422956" cy="1074043"/>
+          </a:xfrm>
+          <a:prstGeom prst="rightBrace">
+            <a:avLst/>
+          </a:prstGeom>
+        </p:spPr>
+        <p:style>
+          <a:lnRef idx="1">
+            <a:schemeClr val="accent3"/>
+          </a:lnRef>
+          <a:fillRef idx="0">
+            <a:schemeClr val="accent3"/>
+          </a:fillRef>
+          <a:effectRef idx="0">
+            <a:schemeClr val="accent3"/>
+          </a:effectRef>
+          <a:fontRef idx="minor">
+            <a:schemeClr val="tx1"/>
+          </a:fontRef>
+        </p:style>
+        <p:txBody>
+          <a:bodyPr rtlCol="0" anchor="ctr"/>
+          <a:lstStyle/>
+          <a:p>
+            <a:pPr algn="ctr"/>
+            <a:endParaRPr lang="zh-CN" altLang="en-US"/>
+          </a:p>
+        </p:txBody>
+      </p:sp>
+      <p:sp>
+        <p:nvSpPr>
+          <p:cNvPr id="11" name="圆角矩形 10"/>
+          <p:cNvSpPr/>
+          <p:nvPr/>
+        </p:nvSpPr>
+        <p:spPr>
+          <a:xfrm>
+            <a:off x="6520108" y="2097684"/>
+            <a:ext cx="2376264" cy="564562"/>
+          </a:xfrm>
+          <a:prstGeom prst="roundRect">
+            <a:avLst/>
+          </a:prstGeom>
+        </p:spPr>
+        <p:style>
+          <a:lnRef idx="1">
+            <a:schemeClr val="accent3"/>
+          </a:lnRef>
+          <a:fillRef idx="2">
+            <a:schemeClr val="accent3"/>
+          </a:fillRef>
+          <a:effectRef idx="1">
+            <a:schemeClr val="accent3"/>
+          </a:effectRef>
+          <a:fontRef idx="minor">
+            <a:schemeClr val="dk1"/>
+          </a:fontRef>
+        </p:style>
+        <p:txBody>
+          <a:bodyPr rtlCol="0" anchor="ctr"/>
+          <a:lstStyle/>
+          <a:p>
+            <a:pPr algn="ctr"/>
+            <a:r>
+              <a:rPr lang="en-US" altLang="zh-CN" sz="1200" smtClean="0">
+                <a:latin typeface="Microsoft YaHei Mono" pitchFamily="49" charset="-122"/>
+                <a:ea typeface="Microsoft YaHei Mono" pitchFamily="49" charset="-122"/>
+              </a:rPr>
+              <a:t>Tcpdump file</a:t>
+            </a:r>
+            <a:r>
+              <a:rPr lang="zh-CN" altLang="en-US" sz="1200" smtClean="0">
+                <a:latin typeface="Microsoft YaHei Mono" pitchFamily="49" charset="-122"/>
+                <a:ea typeface="Microsoft YaHei Mono" pitchFamily="49" charset="-122"/>
+              </a:rPr>
+              <a:t>初始化：</a:t>
+            </a:r>
+            <a:r>
+              <a:rPr lang="en-US" altLang="zh-CN" sz="1200" smtClean="0">
+                <a:latin typeface="Microsoft YaHei Mono" pitchFamily="49" charset="-122"/>
+                <a:ea typeface="Microsoft YaHei Mono" pitchFamily="49" charset="-122"/>
+              </a:rPr>
+              <a:t>rt_tcpdump_pcap_file_init</a:t>
+            </a:r>
+            <a:endParaRPr lang="zh-CN" altLang="en-US" sz="1200">
+              <a:latin typeface="Microsoft YaHei Mono" pitchFamily="49" charset="-122"/>
+              <a:ea typeface="Microsoft YaHei Mono" pitchFamily="49" charset="-122"/>
+            </a:endParaRPr>
+          </a:p>
+        </p:txBody>
+      </p:sp>
+      <p:cxnSp>
+        <p:nvCxnSpPr>
+          <p:cNvPr id="13" name="直接箭头连接符 12"/>
+          <p:cNvCxnSpPr>
+            <a:stCxn id="9" idx="3"/>
+          </p:cNvCxnSpPr>
+          <p:nvPr/>
+        </p:nvCxnSpPr>
+        <p:spPr>
+          <a:xfrm>
+            <a:off x="6090247" y="2379965"/>
+            <a:ext cx="432048" cy="0"/>
+          </a:xfrm>
+          <a:prstGeom prst="straightConnector1">
+            <a:avLst/>
+          </a:prstGeom>
+          <a:ln>
+            <a:tailEnd type="arrow"/>
+          </a:ln>
+        </p:spPr>
+        <p:style>
+          <a:lnRef idx="1">
+            <a:schemeClr val="accent1"/>
+          </a:lnRef>
+          <a:fillRef idx="0">
+            <a:schemeClr val="accent1"/>
+          </a:fillRef>
+          <a:effectRef idx="0">
+            <a:schemeClr val="accent1"/>
+          </a:effectRef>
+          <a:fontRef idx="minor">
+            <a:schemeClr val="tx1"/>
+          </a:fontRef>
+        </p:style>
+      </p:cxnSp>
+      <p:sp>
+        <p:nvSpPr>
+          <p:cNvPr id="16" name="右大括号 15"/>
+          <p:cNvSpPr/>
+          <p:nvPr/>
+        </p:nvSpPr>
+        <p:spPr>
+          <a:xfrm>
+            <a:off x="8986128" y="2110108"/>
+            <a:ext cx="216024" cy="564561"/>
+          </a:xfrm>
+          <a:prstGeom prst="rightBrace">
+            <a:avLst/>
+          </a:prstGeom>
+        </p:spPr>
+        <p:style>
+          <a:lnRef idx="1">
+            <a:schemeClr val="accent1"/>
+          </a:lnRef>
+          <a:fillRef idx="0">
+            <a:schemeClr val="accent1"/>
+          </a:fillRef>
+          <a:effectRef idx="0">
+            <a:schemeClr val="accent1"/>
+          </a:effectRef>
+          <a:fontRef idx="minor">
+            <a:schemeClr val="tx1"/>
+          </a:fontRef>
+        </p:style>
+        <p:txBody>
+          <a:bodyPr rtlCol="0" anchor="ctr"/>
+          <a:lstStyle/>
+          <a:p>
+            <a:pPr algn="ctr"/>
+            <a:endParaRPr lang="zh-CN" altLang="en-US"/>
+          </a:p>
+        </p:txBody>
+      </p:sp>
+      <p:sp>
+        <p:nvSpPr>
+          <p:cNvPr id="20" name="圆角矩形 19"/>
+          <p:cNvSpPr/>
+          <p:nvPr/>
+        </p:nvSpPr>
+        <p:spPr>
+          <a:xfrm>
+            <a:off x="9408368" y="2097638"/>
+            <a:ext cx="2376265" cy="564561"/>
+          </a:xfrm>
+          <a:prstGeom prst="roundRect">
+            <a:avLst/>
+          </a:prstGeom>
+        </p:spPr>
+        <p:style>
+          <a:lnRef idx="2">
+            <a:schemeClr val="accent3"/>
+          </a:lnRef>
+          <a:fillRef idx="1">
+            <a:schemeClr val="lt1"/>
+          </a:fillRef>
+          <a:effectRef idx="0">
+            <a:schemeClr val="accent3"/>
+          </a:effectRef>
+          <a:fontRef idx="minor">
+            <a:schemeClr val="dk1"/>
+          </a:fontRef>
+        </p:style>
+        <p:txBody>
+          <a:bodyPr rtlCol="0" anchor="ctr"/>
+          <a:lstStyle/>
+          <a:p>
+            <a:pPr algn="ctr"/>
+            <a:r>
+              <a:rPr lang="zh-CN" altLang="en-US" sz="1100" smtClean="0">
+                <a:latin typeface="Microsoft YaHei Mono" pitchFamily="49" charset="-122"/>
+                <a:ea typeface="Microsoft YaHei Mono" pitchFamily="49" charset="-122"/>
+              </a:rPr>
+              <a:t>打开文件，写入</a:t>
+            </a:r>
+            <a:r>
+              <a:rPr lang="en-US" altLang="zh-CN" sz="1100" smtClean="0">
+                <a:latin typeface="Microsoft YaHei Mono" pitchFamily="49" charset="-122"/>
+                <a:ea typeface="Microsoft YaHei Mono" pitchFamily="49" charset="-122"/>
+              </a:rPr>
+              <a:t>file header</a:t>
+            </a:r>
+            <a:r>
+              <a:rPr lang="zh-CN" altLang="en-US" sz="1100" smtClean="0">
+                <a:latin typeface="Microsoft YaHei Mono" pitchFamily="49" charset="-122"/>
+                <a:ea typeface="Microsoft YaHei Mono" pitchFamily="49" charset="-122"/>
+              </a:rPr>
+              <a:t>，每次抓包只初始化一次</a:t>
+            </a:r>
+            <a:endParaRPr lang="zh-CN" altLang="en-US" sz="1100">
+              <a:latin typeface="Microsoft YaHei Mono" pitchFamily="49" charset="-122"/>
+              <a:ea typeface="Microsoft YaHei Mono" pitchFamily="49" charset="-122"/>
+            </a:endParaRPr>
+          </a:p>
+        </p:txBody>
+      </p:sp>
+      <p:sp>
+        <p:nvSpPr>
+          <p:cNvPr id="22" name="圆角矩形 21"/>
+          <p:cNvSpPr/>
+          <p:nvPr/>
+        </p:nvSpPr>
+        <p:spPr>
+          <a:xfrm>
+            <a:off x="6522295" y="3145125"/>
+            <a:ext cx="2374078" cy="564562"/>
+          </a:xfrm>
+          <a:prstGeom prst="roundRect">
+            <a:avLst/>
+          </a:prstGeom>
+        </p:spPr>
+        <p:style>
+          <a:lnRef idx="1">
+            <a:schemeClr val="accent3"/>
+          </a:lnRef>
+          <a:fillRef idx="2">
+            <a:schemeClr val="accent3"/>
+          </a:fillRef>
+          <a:effectRef idx="1">
+            <a:schemeClr val="accent3"/>
+          </a:effectRef>
+          <a:fontRef idx="minor">
+            <a:schemeClr val="dk1"/>
+          </a:fontRef>
+        </p:style>
+        <p:txBody>
+          <a:bodyPr rtlCol="0" anchor="ctr"/>
+          <a:lstStyle/>
+          <a:p>
+            <a:pPr algn="ctr"/>
+            <a:r>
+              <a:rPr lang="zh-CN" altLang="en-US" sz="1200" smtClean="0">
+                <a:latin typeface="Microsoft YaHei Mono" pitchFamily="49" charset="-122"/>
+                <a:ea typeface="Microsoft YaHei Mono" pitchFamily="49" charset="-122"/>
+              </a:rPr>
+              <a:t>写数据报头</a:t>
+            </a:r>
+            <a:r>
+              <a:rPr lang="en-US" altLang="zh-CN" sz="1200" smtClean="0">
+                <a:latin typeface="Microsoft YaHei Mono" pitchFamily="49" charset="-122"/>
+                <a:ea typeface="Microsoft YaHei Mono" pitchFamily="49" charset="-122"/>
+              </a:rPr>
+              <a:t>pkthdr</a:t>
+            </a:r>
+            <a:endParaRPr lang="zh-CN" altLang="en-US" sz="1200">
+              <a:latin typeface="Microsoft YaHei Mono" pitchFamily="49" charset="-122"/>
+              <a:ea typeface="Microsoft YaHei Mono" pitchFamily="49" charset="-122"/>
+            </a:endParaRPr>
+          </a:p>
+        </p:txBody>
+      </p:sp>
+      <p:cxnSp>
+        <p:nvCxnSpPr>
+          <p:cNvPr id="24" name="直接箭头连接符 23"/>
+          <p:cNvCxnSpPr>
+            <a:stCxn id="11" idx="2"/>
+            <a:endCxn id="22" idx="0"/>
+          </p:cNvCxnSpPr>
+          <p:nvPr/>
+        </p:nvCxnSpPr>
+        <p:spPr>
+          <a:xfrm>
+            <a:off x="7708240" y="2662246"/>
+            <a:ext cx="1094" cy="482879"/>
+          </a:xfrm>
+          <a:prstGeom prst="straightConnector1">
+            <a:avLst/>
+          </a:prstGeom>
+          <a:ln>
+            <a:tailEnd type="arrow"/>
+          </a:ln>
+        </p:spPr>
+        <p:style>
+          <a:lnRef idx="1">
+            <a:schemeClr val="accent1"/>
+          </a:lnRef>
+          <a:fillRef idx="0">
+            <a:schemeClr val="accent1"/>
+          </a:fillRef>
+          <a:effectRef idx="0">
+            <a:schemeClr val="accent1"/>
+          </a:effectRef>
+          <a:fontRef idx="minor">
+            <a:schemeClr val="tx1"/>
+          </a:fontRef>
+        </p:style>
+      </p:cxnSp>
+      <p:sp>
+        <p:nvSpPr>
+          <p:cNvPr id="26" name="圆角矩形 25"/>
+          <p:cNvSpPr/>
+          <p:nvPr/>
+        </p:nvSpPr>
+        <p:spPr>
+          <a:xfrm>
+            <a:off x="6522295" y="4221088"/>
+            <a:ext cx="2374077" cy="564562"/>
+          </a:xfrm>
+          <a:prstGeom prst="roundRect">
+            <a:avLst/>
+          </a:prstGeom>
+        </p:spPr>
+        <p:style>
+          <a:lnRef idx="1">
+            <a:schemeClr val="accent3"/>
+          </a:lnRef>
+          <a:fillRef idx="2">
+            <a:schemeClr val="accent3"/>
+          </a:fillRef>
+          <a:effectRef idx="1">
+            <a:schemeClr val="accent3"/>
+          </a:effectRef>
+          <a:fontRef idx="minor">
+            <a:schemeClr val="dk1"/>
+          </a:fontRef>
+        </p:style>
+        <p:txBody>
+          <a:bodyPr rtlCol="0" anchor="ctr"/>
+          <a:lstStyle/>
+          <a:p>
+            <a:pPr algn="ctr"/>
+            <a:r>
+              <a:rPr lang="zh-CN" altLang="en-US" sz="1200" smtClean="0">
+                <a:latin typeface="Microsoft YaHei Mono" pitchFamily="49" charset="-122"/>
+                <a:ea typeface="Microsoft YaHei Mono" pitchFamily="49" charset="-122"/>
+              </a:rPr>
+              <a:t>写</a:t>
+            </a:r>
+            <a:r>
+              <a:rPr lang="en-US" altLang="zh-CN" sz="1200" smtClean="0">
+                <a:latin typeface="Microsoft YaHei Mono" pitchFamily="49" charset="-122"/>
+                <a:ea typeface="Microsoft YaHei Mono" pitchFamily="49" charset="-122"/>
+              </a:rPr>
+              <a:t>packet</a:t>
+            </a:r>
+            <a:endParaRPr lang="zh-CN" altLang="en-US" sz="1200">
+              <a:latin typeface="Microsoft YaHei Mono" pitchFamily="49" charset="-122"/>
+              <a:ea typeface="Microsoft YaHei Mono" pitchFamily="49" charset="-122"/>
+            </a:endParaRPr>
+          </a:p>
+        </p:txBody>
+      </p:sp>
+      <p:sp>
+        <p:nvSpPr>
+          <p:cNvPr id="27" name="圆角矩形 26"/>
+          <p:cNvSpPr/>
+          <p:nvPr/>
+        </p:nvSpPr>
+        <p:spPr>
+          <a:xfrm>
+            <a:off x="4189874" y="1556792"/>
+            <a:ext cx="5114900" cy="4752528"/>
+          </a:xfrm>
+          <a:prstGeom prst="roundRect">
+            <a:avLst/>
+          </a:prstGeom>
+          <a:noFill/>
+        </p:spPr>
+        <p:style>
+          <a:lnRef idx="2">
+            <a:schemeClr val="dk1"/>
+          </a:lnRef>
+          <a:fillRef idx="1">
+            <a:schemeClr val="lt1"/>
+          </a:fillRef>
+          <a:effectRef idx="0">
+            <a:schemeClr val="dk1"/>
+          </a:effectRef>
+          <a:fontRef idx="minor">
+            <a:schemeClr val="dk1"/>
+          </a:fontRef>
+        </p:style>
+        <p:txBody>
+          <a:bodyPr rtlCol="0" anchor="t"/>
+          <a:lstStyle/>
+          <a:p>
+            <a:pPr algn="ctr"/>
+            <a:r>
+              <a:rPr lang="en-US" altLang="zh-CN" sz="1400">
+                <a:solidFill>
+                  <a:schemeClr val="accent2"/>
+                </a:solidFill>
+                <a:latin typeface="Microsoft YaHei Mono" pitchFamily="49" charset="-122"/>
+                <a:ea typeface="Microsoft YaHei Mono" pitchFamily="49" charset="-122"/>
+              </a:rPr>
+              <a:t>tcpdump</a:t>
+            </a:r>
+            <a:r>
+              <a:rPr lang="zh-CN" altLang="en-US" sz="1400">
+                <a:solidFill>
+                  <a:schemeClr val="accent2"/>
+                </a:solidFill>
+                <a:latin typeface="Microsoft YaHei Mono" pitchFamily="49" charset="-122"/>
+                <a:ea typeface="Microsoft YaHei Mono" pitchFamily="49" charset="-122"/>
+              </a:rPr>
+              <a:t>线程</a:t>
+            </a:r>
+            <a:r>
+              <a:rPr lang="zh-CN" altLang="en-US" sz="1400" smtClean="0">
+                <a:solidFill>
+                  <a:schemeClr val="accent2"/>
+                </a:solidFill>
+                <a:latin typeface="Microsoft YaHei Mono" pitchFamily="49" charset="-122"/>
+                <a:ea typeface="Microsoft YaHei Mono" pitchFamily="49" charset="-122"/>
+              </a:rPr>
+              <a:t>入口：</a:t>
+            </a:r>
+            <a:r>
+              <a:rPr lang="en-US" altLang="zh-CN" sz="1400" smtClean="0">
+                <a:solidFill>
+                  <a:schemeClr val="accent2"/>
+                </a:solidFill>
+                <a:latin typeface="Microsoft YaHei Mono" pitchFamily="49" charset="-122"/>
+                <a:ea typeface="Microsoft YaHei Mono" pitchFamily="49" charset="-122"/>
+              </a:rPr>
+              <a:t>rt_tcpdump_thread_entry</a:t>
+            </a:r>
+            <a:endParaRPr lang="zh-CN" altLang="en-US" sz="1400">
+              <a:solidFill>
+                <a:schemeClr val="accent2"/>
+              </a:solidFill>
+              <a:latin typeface="Microsoft YaHei Mono" pitchFamily="49" charset="-122"/>
+              <a:ea typeface="Microsoft YaHei Mono" pitchFamily="49" charset="-122"/>
+            </a:endParaRPr>
+          </a:p>
+        </p:txBody>
+      </p:sp>
+      <p:cxnSp>
+        <p:nvCxnSpPr>
+          <p:cNvPr id="29" name="直接箭头连接符 28"/>
+          <p:cNvCxnSpPr>
+            <a:stCxn id="22" idx="2"/>
+            <a:endCxn id="26" idx="0"/>
+          </p:cNvCxnSpPr>
+          <p:nvPr/>
+        </p:nvCxnSpPr>
+        <p:spPr>
+          <a:xfrm>
+            <a:off x="7709334" y="3709687"/>
+            <a:ext cx="0" cy="511401"/>
+          </a:xfrm>
+          <a:prstGeom prst="straightConnector1">
+            <a:avLst/>
+          </a:prstGeom>
+          <a:ln>
+            <a:tailEnd type="arrow"/>
+          </a:ln>
+        </p:spPr>
+        <p:style>
+          <a:lnRef idx="1">
+            <a:schemeClr val="accent1"/>
+          </a:lnRef>
+          <a:fillRef idx="0">
+            <a:schemeClr val="accent1"/>
+          </a:fillRef>
+          <a:effectRef idx="0">
+            <a:schemeClr val="accent1"/>
+          </a:effectRef>
+          <a:fontRef idx="minor">
+            <a:schemeClr val="tx1"/>
+          </a:fontRef>
+        </p:style>
+      </p:cxnSp>
+      <p:cxnSp>
+        <p:nvCxnSpPr>
+          <p:cNvPr id="46" name="肘形连接符 45"/>
+          <p:cNvCxnSpPr>
+            <a:stCxn id="26" idx="1"/>
+            <a:endCxn id="9" idx="2"/>
+          </p:cNvCxnSpPr>
+          <p:nvPr/>
+        </p:nvCxnSpPr>
+        <p:spPr>
+          <a:xfrm rot="10800000">
+            <a:off x="5190147" y="2662247"/>
+            <a:ext cx="1332148" cy="1841123"/>
+          </a:xfrm>
+          <a:prstGeom prst="bentConnector2">
+            <a:avLst/>
+          </a:prstGeom>
+          <a:ln>
+            <a:tailEnd type="arrow"/>
+          </a:ln>
+        </p:spPr>
+        <p:style>
+          <a:lnRef idx="1">
+            <a:schemeClr val="accent6"/>
+          </a:lnRef>
+          <a:fillRef idx="0">
+            <a:schemeClr val="accent6"/>
+          </a:fillRef>
+          <a:effectRef idx="0">
+            <a:schemeClr val="accent6"/>
+          </a:effectRef>
+          <a:fontRef idx="minor">
+            <a:schemeClr val="tx1"/>
+          </a:fontRef>
+        </p:style>
+      </p:cxnSp>
+      <p:cxnSp>
+        <p:nvCxnSpPr>
+          <p:cNvPr id="50" name="直接箭头连接符 49"/>
+          <p:cNvCxnSpPr/>
+          <p:nvPr/>
+        </p:nvCxnSpPr>
+        <p:spPr>
+          <a:xfrm>
+            <a:off x="7708240" y="4785650"/>
+            <a:ext cx="0" cy="511401"/>
+          </a:xfrm>
+          <a:prstGeom prst="straightConnector1">
+            <a:avLst/>
+          </a:prstGeom>
+          <a:ln>
+            <a:tailEnd type="arrow"/>
+          </a:ln>
+        </p:spPr>
+        <p:style>
+          <a:lnRef idx="1">
+            <a:schemeClr val="accent1"/>
+          </a:lnRef>
+          <a:fillRef idx="0">
+            <a:schemeClr val="accent1"/>
+          </a:fillRef>
+          <a:effectRef idx="0">
+            <a:schemeClr val="accent1"/>
+          </a:effectRef>
+          <a:fontRef idx="minor">
+            <a:schemeClr val="tx1"/>
+          </a:fontRef>
+        </p:style>
+      </p:cxnSp>
+      <p:cxnSp>
+        <p:nvCxnSpPr>
+          <p:cNvPr id="54" name="肘形连接符 53"/>
+          <p:cNvCxnSpPr>
+            <a:stCxn id="9" idx="3"/>
+            <a:endCxn id="22" idx="1"/>
+          </p:cNvCxnSpPr>
+          <p:nvPr/>
+        </p:nvCxnSpPr>
+        <p:spPr>
+          <a:xfrm>
+            <a:off x="6090247" y="2379965"/>
+            <a:ext cx="432048" cy="1047441"/>
+          </a:xfrm>
+          <a:prstGeom prst="bentConnector3">
+            <a:avLst/>
+          </a:prstGeom>
+          <a:ln>
+            <a:tailEnd type="arrow"/>
+          </a:ln>
+        </p:spPr>
+        <p:style>
+          <a:lnRef idx="1">
+            <a:schemeClr val="accent6"/>
+          </a:lnRef>
+          <a:fillRef idx="0">
+            <a:schemeClr val="accent6"/>
+          </a:fillRef>
+          <a:effectRef idx="0">
+            <a:schemeClr val="accent6"/>
+          </a:effectRef>
+          <a:fontRef idx="minor">
+            <a:schemeClr val="tx1"/>
+          </a:fontRef>
+        </p:style>
+      </p:cxnSp>
+      <p:cxnSp>
+        <p:nvCxnSpPr>
+          <p:cNvPr id="55" name="直接箭头连接符 54"/>
+          <p:cNvCxnSpPr/>
+          <p:nvPr/>
+        </p:nvCxnSpPr>
+        <p:spPr>
+          <a:xfrm>
+            <a:off x="7104112" y="3706089"/>
+            <a:ext cx="0" cy="511401"/>
+          </a:xfrm>
+          <a:prstGeom prst="straightConnector1">
+            <a:avLst/>
+          </a:prstGeom>
+          <a:ln>
+            <a:tailEnd type="arrow"/>
+          </a:ln>
+        </p:spPr>
+        <p:style>
+          <a:lnRef idx="1">
+            <a:schemeClr val="accent6"/>
+          </a:lnRef>
+          <a:fillRef idx="0">
+            <a:schemeClr val="accent6"/>
+          </a:fillRef>
+          <a:effectRef idx="0">
+            <a:schemeClr val="accent6"/>
+          </a:effectRef>
+          <a:fontRef idx="minor">
+            <a:schemeClr val="tx1"/>
+          </a:fontRef>
+        </p:style>
+      </p:cxnSp>
+      <p:sp>
+        <p:nvSpPr>
+          <p:cNvPr id="56" name="圆角矩形 55"/>
+          <p:cNvSpPr/>
+          <p:nvPr/>
+        </p:nvSpPr>
+        <p:spPr>
+          <a:xfrm>
+            <a:off x="6520108" y="5289375"/>
+            <a:ext cx="2376264" cy="564562"/>
+          </a:xfrm>
+          <a:prstGeom prst="roundRect">
+            <a:avLst/>
+          </a:prstGeom>
+        </p:spPr>
+        <p:style>
+          <a:lnRef idx="1">
+            <a:schemeClr val="accent3"/>
+          </a:lnRef>
+          <a:fillRef idx="2">
+            <a:schemeClr val="accent3"/>
+          </a:fillRef>
+          <a:effectRef idx="1">
+            <a:schemeClr val="accent3"/>
+          </a:effectRef>
+          <a:fontRef idx="minor">
+            <a:schemeClr val="dk1"/>
+          </a:fontRef>
+        </p:style>
+        <p:txBody>
+          <a:bodyPr rtlCol="0" anchor="ctr"/>
+          <a:lstStyle/>
+          <a:p>
+            <a:pPr algn="ctr"/>
+            <a:r>
+              <a:rPr lang="en-US" altLang="zh-CN" sz="1400">
+                <a:latin typeface="Microsoft YaHei Mono" pitchFamily="49" charset="-122"/>
+                <a:ea typeface="Microsoft YaHei Mono" pitchFamily="49" charset="-122"/>
+              </a:rPr>
+              <a:t>m</a:t>
+            </a:r>
+            <a:r>
+              <a:rPr lang="en-US" altLang="zh-CN" sz="1400" smtClean="0">
+                <a:latin typeface="Microsoft YaHei Mono" pitchFamily="49" charset="-122"/>
+                <a:ea typeface="Microsoft YaHei Mono" pitchFamily="49" charset="-122"/>
+              </a:rPr>
+              <a:t>sh/&gt;</a:t>
+            </a:r>
+            <a:r>
+              <a:rPr lang="zh-CN" altLang="en-US" sz="1400" smtClean="0">
+                <a:latin typeface="Microsoft YaHei Mono" pitchFamily="49" charset="-122"/>
+                <a:ea typeface="Microsoft YaHei Mono" pitchFamily="49" charset="-122"/>
+              </a:rPr>
+              <a:t>命令行保存</a:t>
+            </a:r>
+            <a:endParaRPr lang="zh-CN" altLang="en-US" sz="1400">
+              <a:latin typeface="Microsoft YaHei Mono" pitchFamily="49" charset="-122"/>
+              <a:ea typeface="Microsoft YaHei Mono" pitchFamily="49" charset="-122"/>
+            </a:endParaRPr>
+          </a:p>
+        </p:txBody>
+      </p:sp>
+    </p:spTree>
+    <p:extLst>
+      <p:ext uri="{BB962C8B-B14F-4D97-AF65-F5344CB8AC3E}">
+        <p14:creationId xmlns:p14="http://schemas.microsoft.com/office/powerpoint/2010/main" val="416475862"/>
+      </p:ext>
+    </p:extLst>
+  </p:cSld>
+  <p:clrMapOvr>
+    <a:masterClrMapping/>
+  </p:clrMapOvr>
+  <p:timing>
+    <p:tnLst>
+      <p:par>
+        <p:cTn id="1" dur="indefinite" restart="never" nodeType="tmRoot"/>
+      </p:par>
+    </p:tnLst>
+  </p:timing>
+</p:sld>
+</file>
+
+<file path=ppt/slides/slide8.xml><?xml version="1.0" encoding="utf-8"?>
+<p:sld xmlns:a="http://schemas.openxmlformats.org/drawingml/2006/main" xmlns:r="http://schemas.openxmlformats.org/officeDocument/2006/relationships" xmlns:p="http://schemas.openxmlformats.org/presentationml/2006/main">
+  <p:cSld>
+    <p:spTree>
+      <p:nvGrpSpPr>
+        <p:cNvPr id="1" name=""/>
+        <p:cNvGrpSpPr/>
+        <p:nvPr/>
+      </p:nvGrpSpPr>
+      <p:grpSpPr>
+        <a:xfrm>
+          <a:off x="0" y="0"/>
+          <a:ext cx="0" cy="0"/>
+          <a:chOff x="0" y="0"/>
+          <a:chExt cx="0" cy="0"/>
+        </a:xfrm>
+      </p:grpSpPr>
+      <p:sp>
+        <p:nvSpPr>
+          <p:cNvPr id="2" name="标题 1"/>
+          <p:cNvSpPr>
+            <a:spLocks noGrp="1"/>
+          </p:cNvSpPr>
+          <p:nvPr>
+            <p:ph type="title"/>
+          </p:nvPr>
+        </p:nvSpPr>
+        <p:spPr/>
+        <p:txBody>
+          <a:bodyPr/>
+          <a:lstStyle/>
+          <a:p>
+            <a:endParaRPr lang="zh-CN" altLang="en-US"/>
+          </a:p>
+        </p:txBody>
+      </p:sp>
+    </p:spTree>
+    <p:extLst>
+      <p:ext uri="{BB962C8B-B14F-4D97-AF65-F5344CB8AC3E}">
+        <p14:creationId xmlns:p14="http://schemas.microsoft.com/office/powerpoint/2010/main" val="1071604748"/>
+      </p:ext>
+    </p:extLst>
+  </p:cSld>
+  <p:clrMapOvr>
+    <a:masterClrMapping/>
+  </p:clrMapOvr>
+  <p:timing>
+    <p:tnLst>
+      <p:par>
+        <p:cTn id="1" dur="indefinite" restart="never" nodeType="tmRoot"/>
+      </p:par>
+    </p:tnLst>
+  </p:timing>
 </p:sld>
 </file>
 
@@ -8940,7 +11742,7 @@
   <a:extraClrSchemeLst/>
   <a:extLst>
     <a:ext uri="{05A4C25C-085E-4340-85A3-A5531E510DB2}">
-      <thm15:themeFamily xmlns:thm15="http://schemas.microsoft.com/office/thememl/2012/main" xmlns="" name="Office Theme" id="{62F939B6-93AF-4DB8-9C6B-D6C7DFDC589F}" vid="{4A3C46E8-61CC-4603-A589-7422A47A8E4A}"/>
+      <thm15:themeFamily xmlns="" xmlns:thm15="http://schemas.microsoft.com/office/thememl/2012/main" name="Office Theme" id="{62F939B6-93AF-4DB8-9C6B-D6C7DFDC589F}" vid="{4A3C46E8-61CC-4603-A589-7422A47A8E4A}"/>
     </a:ext>
   </a:extLst>
 </a:theme>

--- a/tcpdump.pptx
+++ b/tcpdump.pptx
@@ -5,17 +5,15 @@
     <p:sldMasterId id="2147483656" r:id="rId1"/>
   </p:sldMasterIdLst>
   <p:notesMasterIdLst>
-    <p:notesMasterId r:id="rId10"/>
+    <p:notesMasterId r:id="rId8"/>
   </p:notesMasterIdLst>
   <p:sldIdLst>
     <p:sldId id="258" r:id="rId2"/>
     <p:sldId id="313" r:id="rId3"/>
     <p:sldId id="316" r:id="rId4"/>
     <p:sldId id="315" r:id="rId5"/>
-    <p:sldId id="320" r:id="rId6"/>
-    <p:sldId id="319" r:id="rId7"/>
-    <p:sldId id="317" r:id="rId8"/>
-    <p:sldId id="318" r:id="rId9"/>
+    <p:sldId id="319" r:id="rId6"/>
+    <p:sldId id="317" r:id="rId7"/>
   </p:sldIdLst>
   <p:sldSz cx="12192000" cy="6858000"/>
   <p:notesSz cx="6858000" cy="9144000"/>
@@ -116,7 +114,7 @@
   </p:defaultTextStyle>
   <p:extLst>
     <p:ext uri="{EFAFB233-063F-42B5-8137-9DF3F51BA10A}">
-      <p15:sldGuideLst xmlns="" xmlns:p15="http://schemas.microsoft.com/office/powerpoint/2012/main">
+      <p15:sldGuideLst xmlns:p15="http://schemas.microsoft.com/office/powerpoint/2012/main" xmlns="">
         <p15:guide id="1" orient="horz" pos="2160" userDrawn="1">
           <p15:clr>
             <a:srgbClr val="A4A3A4"/>
@@ -219,7 +217,7 @@
           <a:p>
             <a:fld id="{8846F4B9-E833-452C-BAB3-A32CAEA9F541}" type="datetimeFigureOut">
               <a:rPr lang="zh-CN" altLang="en-US" smtClean="0"/>
-              <a:t>2018/7/6</a:t>
+              <a:t>2018/7/8</a:t>
             </a:fld>
             <a:endParaRPr lang="zh-CN" altLang="en-US"/>
           </a:p>
@@ -551,7 +549,7 @@
           <a:p>
             <a:fld id="{0328CFAC-F816-40AD-A33C-FCF3FC1EA0A4}" type="slidenum">
               <a:rPr lang="zh-CN" altLang="en-US" smtClean="0"/>
-              <a:t>7</a:t>
+              <a:t>6</a:t>
             </a:fld>
             <a:endParaRPr lang="zh-CN" altLang="en-US"/>
           </a:p>
@@ -1058,7 +1056,7 @@
             <a:fld id="{536E3643-A79B-4477-8B7F-6CA6C8BFD2C9}" type="datetimeFigureOut">
               <a:rPr lang="zh-CN" altLang="en-US" smtClean="0"/>
               <a:pPr/>
-              <a:t>2018/7/6</a:t>
+              <a:t>2018/7/8</a:t>
             </a:fld>
             <a:endParaRPr lang="zh-CN" altLang="en-US"/>
           </a:p>
@@ -1324,7 +1322,7 @@
             <a:fld id="{536E3643-A79B-4477-8B7F-6CA6C8BFD2C9}" type="datetimeFigureOut">
               <a:rPr lang="zh-CN" altLang="en-US" smtClean="0"/>
               <a:pPr/>
-              <a:t>2018/7/6</a:t>
+              <a:t>2018/7/8</a:t>
             </a:fld>
             <a:endParaRPr lang="zh-CN" altLang="en-US"/>
           </a:p>
@@ -1420,7 +1418,7 @@
             <a:fld id="{536E3643-A79B-4477-8B7F-6CA6C8BFD2C9}" type="datetimeFigureOut">
               <a:rPr lang="zh-CN" altLang="en-US" smtClean="0"/>
               <a:pPr/>
-              <a:t>2018/7/6</a:t>
+              <a:t>2018/7/8</a:t>
             </a:fld>
             <a:endParaRPr lang="zh-CN" altLang="en-US"/>
           </a:p>
@@ -1680,7 +1678,7 @@
             <a:fld id="{536E3643-A79B-4477-8B7F-6CA6C8BFD2C9}" type="datetimeFigureOut">
               <a:rPr lang="zh-CN" altLang="en-US" smtClean="0"/>
               <a:pPr/>
-              <a:t>2018/7/6</a:t>
+              <a:t>2018/7/8</a:t>
             </a:fld>
             <a:endParaRPr lang="zh-CN" altLang="en-US"/>
           </a:p>
@@ -7495,14 +7493,7 @@
                 <a:latin typeface="Microsoft YaHei Mono" pitchFamily="49" charset="-122"/>
                 <a:ea typeface="Microsoft YaHei Mono" pitchFamily="49" charset="-122"/>
               </a:rPr>
-              <a:t>lwip</a:t>
-            </a:r>
-            <a:r>
-              <a:rPr lang="en-US" altLang="zh-CN" sz="1600" smtClean="0">
-                <a:latin typeface="Microsoft YaHei Mono" pitchFamily="49" charset="-122"/>
-                <a:ea typeface="Microsoft YaHei Mono" pitchFamily="49" charset="-122"/>
-              </a:rPr>
-              <a:t> </a:t>
+              <a:t>lwip </a:t>
             </a:r>
             <a:r>
               <a:rPr lang="zh-CN" altLang="en-US" sz="1600">
@@ -7587,14 +7578,7 @@
                 <a:latin typeface="Microsoft YaHei Mono" pitchFamily="49" charset="-122"/>
                 <a:ea typeface="Microsoft YaHei Mono" pitchFamily="49" charset="-122"/>
               </a:rPr>
-              <a:t>接口</a:t>
-            </a:r>
-            <a:r>
-              <a:rPr lang="zh-CN" altLang="en-US" sz="1600" smtClean="0">
-                <a:latin typeface="Microsoft YaHei Mono" pitchFamily="49" charset="-122"/>
-                <a:ea typeface="Microsoft YaHei Mono" pitchFamily="49" charset="-122"/>
-              </a:rPr>
-              <a:t>：</a:t>
+              <a:t>接口：</a:t>
             </a:r>
             <a:r>
               <a:rPr lang="en-US" altLang="zh-CN" sz="1600">
@@ -8401,14 +8385,7 @@
                 <a:latin typeface="Microsoft YaHei Mono" pitchFamily="49" charset="-122"/>
                 <a:ea typeface="Microsoft YaHei Mono" pitchFamily="49" charset="-122"/>
               </a:rPr>
-              <a:t>数据流</a:t>
-            </a:r>
-            <a:r>
-              <a:rPr lang="zh-CN" altLang="en-US">
-                <a:latin typeface="Microsoft YaHei Mono" pitchFamily="49" charset="-122"/>
-                <a:ea typeface="Microsoft YaHei Mono" pitchFamily="49" charset="-122"/>
-              </a:rPr>
-              <a:t>向</a:t>
+              <a:t>数据流向</a:t>
             </a:r>
             <a:r>
               <a:rPr lang="en-US" altLang="zh-CN" smtClean="0">
@@ -8476,14 +8453,7 @@
                 <a:latin typeface="Microsoft YaHei Mono" pitchFamily="49" charset="-122"/>
                 <a:ea typeface="Microsoft YaHei Mono" pitchFamily="49" charset="-122"/>
               </a:rPr>
-              <a:t>数据</a:t>
-            </a:r>
-            <a:r>
-              <a:rPr lang="zh-CN" altLang="en-US" sz="1600" smtClean="0">
-                <a:latin typeface="Microsoft YaHei Mono" pitchFamily="49" charset="-122"/>
-                <a:ea typeface="Microsoft YaHei Mono" pitchFamily="49" charset="-122"/>
-              </a:rPr>
-              <a:t>：</a:t>
+              <a:t>数据：</a:t>
             </a:r>
             <a:r>
               <a:rPr lang="en-US" altLang="zh-CN" sz="1600">
@@ -9420,134 +9390,6 @@
           <a:bodyPr/>
           <a:lstStyle/>
           <a:p>
-            <a:r>
-              <a:rPr lang="en-US" altLang="zh-CN">
-                <a:latin typeface="Microsoft YaHei Mono" pitchFamily="49" charset="-122"/>
-                <a:ea typeface="Microsoft YaHei Mono" pitchFamily="49" charset="-122"/>
-              </a:rPr>
-              <a:t>t</a:t>
-            </a:r>
-            <a:r>
-              <a:rPr lang="en-US" altLang="zh-CN" smtClean="0">
-                <a:latin typeface="Microsoft YaHei Mono" pitchFamily="49" charset="-122"/>
-                <a:ea typeface="Microsoft YaHei Mono" pitchFamily="49" charset="-122"/>
-              </a:rPr>
-              <a:t>cpdump</a:t>
-            </a:r>
-            <a:r>
-              <a:rPr lang="zh-CN" altLang="en-US" smtClean="0">
-                <a:latin typeface="Microsoft YaHei Mono" pitchFamily="49" charset="-122"/>
-                <a:ea typeface="Microsoft YaHei Mono" pitchFamily="49" charset="-122"/>
-              </a:rPr>
-              <a:t>初始化</a:t>
-            </a:r>
-            <a:endParaRPr lang="zh-CN" altLang="en-US">
-              <a:latin typeface="Microsoft YaHei Mono" pitchFamily="49" charset="-122"/>
-              <a:ea typeface="Microsoft YaHei Mono" pitchFamily="49" charset="-122"/>
-            </a:endParaRPr>
-          </a:p>
-        </p:txBody>
-      </p:sp>
-      <p:sp>
-        <p:nvSpPr>
-          <p:cNvPr id="3" name="圆角矩形 2"/>
-          <p:cNvSpPr/>
-          <p:nvPr/>
-        </p:nvSpPr>
-        <p:spPr>
-          <a:xfrm>
-            <a:off x="767408" y="1628800"/>
-            <a:ext cx="2304256" cy="576064"/>
-          </a:xfrm>
-          <a:prstGeom prst="roundRect">
-            <a:avLst/>
-          </a:prstGeom>
-        </p:spPr>
-        <p:style>
-          <a:lnRef idx="1">
-            <a:schemeClr val="accent5"/>
-          </a:lnRef>
-          <a:fillRef idx="3">
-            <a:schemeClr val="accent5"/>
-          </a:fillRef>
-          <a:effectRef idx="2">
-            <a:schemeClr val="accent5"/>
-          </a:effectRef>
-          <a:fontRef idx="minor">
-            <a:schemeClr val="lt1"/>
-          </a:fontRef>
-        </p:style>
-        <p:txBody>
-          <a:bodyPr rtlCol="0" anchor="ctr"/>
-          <a:lstStyle/>
-          <a:p>
-            <a:pPr algn="ctr"/>
-            <a:r>
-              <a:rPr lang="zh-CN" altLang="en-US" sz="1400" smtClean="0">
-                <a:latin typeface="Microsoft YaHei Mono" pitchFamily="49" charset="-122"/>
-                <a:ea typeface="Microsoft YaHei Mono" pitchFamily="49" charset="-122"/>
-              </a:rPr>
-              <a:t>寻找设备</a:t>
-            </a:r>
-            <a:endParaRPr lang="zh-CN" altLang="en-US" sz="1400">
-              <a:latin typeface="Microsoft YaHei Mono" pitchFamily="49" charset="-122"/>
-              <a:ea typeface="Microsoft YaHei Mono" pitchFamily="49" charset="-122"/>
-            </a:endParaRPr>
-          </a:p>
-        </p:txBody>
-      </p:sp>
-    </p:spTree>
-    <p:extLst>
-      <p:ext uri="{BB962C8B-B14F-4D97-AF65-F5344CB8AC3E}">
-        <p14:creationId xmlns:p14="http://schemas.microsoft.com/office/powerpoint/2010/main" val="15669606"/>
-      </p:ext>
-    </p:extLst>
-  </p:cSld>
-  <p:clrMapOvr>
-    <a:masterClrMapping/>
-  </p:clrMapOvr>
-  <p:timing>
-    <p:tnLst>
-      <p:par>
-        <p:cTn id="1" dur="indefinite" restart="never" nodeType="tmRoot"/>
-      </p:par>
-    </p:tnLst>
-  </p:timing>
-</p:sld>
-</file>
-
-<file path=ppt/slides/slide6.xml><?xml version="1.0" encoding="utf-8"?>
-<p:sld xmlns:a="http://schemas.openxmlformats.org/drawingml/2006/main" xmlns:r="http://schemas.openxmlformats.org/officeDocument/2006/relationships" xmlns:p="http://schemas.openxmlformats.org/presentationml/2006/main">
-  <p:cSld>
-    <p:spTree>
-      <p:nvGrpSpPr>
-        <p:cNvPr id="1" name=""/>
-        <p:cNvGrpSpPr/>
-        <p:nvPr/>
-      </p:nvGrpSpPr>
-      <p:grpSpPr>
-        <a:xfrm>
-          <a:off x="0" y="0"/>
-          <a:ext cx="0" cy="0"/>
-          <a:chOff x="0" y="0"/>
-          <a:chExt cx="0" cy="0"/>
-        </a:xfrm>
-      </p:grpSpPr>
-      <p:sp>
-        <p:nvSpPr>
-          <p:cNvPr id="2" name="标题 1"/>
-          <p:cNvSpPr>
-            <a:spLocks noGrp="1"/>
-          </p:cNvSpPr>
-          <p:nvPr>
-            <p:ph type="title"/>
-          </p:nvPr>
-        </p:nvSpPr>
-        <p:spPr/>
-        <p:txBody>
-          <a:bodyPr/>
-          <a:lstStyle/>
-          <a:p>
             <a:endParaRPr lang="zh-CN" altLang="en-US"/>
           </a:p>
         </p:txBody>
@@ -9591,35 +9433,21 @@
                 <a:latin typeface="Microsoft YaHei Mono" pitchFamily="49" charset="-122"/>
                 <a:ea typeface="Microsoft YaHei Mono" pitchFamily="49" charset="-122"/>
               </a:rPr>
-              <a:t>从接口处</a:t>
+              <a:t>从接口处获得</a:t>
+            </a:r>
+            <a:r>
+              <a:rPr lang="en-US" altLang="zh-CN" sz="1400" smtClean="0">
+                <a:latin typeface="Microsoft YaHei Mono" pitchFamily="49" charset="-122"/>
+                <a:ea typeface="Microsoft YaHei Mono" pitchFamily="49" charset="-122"/>
+              </a:rPr>
+              <a:t>tx</a:t>
             </a:r>
             <a:r>
               <a:rPr lang="zh-CN" altLang="en-US" sz="1400" smtClean="0">
                 <a:latin typeface="Microsoft YaHei Mono" pitchFamily="49" charset="-122"/>
                 <a:ea typeface="Microsoft YaHei Mono" pitchFamily="49" charset="-122"/>
               </a:rPr>
-              <a:t>获得</a:t>
-            </a:r>
-            <a:r>
-              <a:rPr lang="en-US" altLang="zh-CN" sz="1400" smtClean="0">
-                <a:latin typeface="Microsoft YaHei Mono" pitchFamily="49" charset="-122"/>
-                <a:ea typeface="Microsoft YaHei Mono" pitchFamily="49" charset="-122"/>
-              </a:rPr>
-              <a:t>tx</a:t>
-            </a:r>
-            <a:r>
-              <a:rPr lang="zh-CN" altLang="en-US" sz="1400" smtClean="0">
-                <a:latin typeface="Microsoft YaHei Mono" pitchFamily="49" charset="-122"/>
-                <a:ea typeface="Microsoft YaHei Mono" pitchFamily="49" charset="-122"/>
-              </a:rPr>
-              <a:t>数据</a:t>
-            </a:r>
-            <a:r>
-              <a:rPr lang="zh-CN" altLang="en-US" sz="1400" smtClean="0">
-                <a:latin typeface="Microsoft YaHei Mono" pitchFamily="49" charset="-122"/>
-                <a:ea typeface="Microsoft YaHei Mono" pitchFamily="49" charset="-122"/>
-              </a:rPr>
-              <a:t>：</a:t>
+              <a:t>数据：</a:t>
             </a:r>
             <a:r>
               <a:rPr lang="en-US" altLang="zh-CN" sz="1400">
@@ -9681,14 +9509,7 @@
                 <a:latin typeface="Microsoft YaHei Mono" pitchFamily="49" charset="-122"/>
                 <a:ea typeface="Microsoft YaHei Mono" pitchFamily="49" charset="-122"/>
               </a:rPr>
-              <a:t>从接口处</a:t>
-            </a:r>
-            <a:r>
-              <a:rPr lang="zh-CN" altLang="en-US" sz="1400" smtClean="0">
-                <a:latin typeface="Microsoft YaHei Mono" pitchFamily="49" charset="-122"/>
-                <a:ea typeface="Microsoft YaHei Mono" pitchFamily="49" charset="-122"/>
-              </a:rPr>
-              <a:t>获得</a:t>
+              <a:t>从接口处获得</a:t>
             </a:r>
             <a:r>
               <a:rPr lang="en-US" altLang="zh-CN" sz="1400" smtClean="0">
@@ -9960,7 +9781,7 @@
 </p:sld>
 </file>
 
-<file path=ppt/slides/slide7.xml><?xml version="1.0" encoding="utf-8"?>
+<file path=ppt/slides/slide6.xml><?xml version="1.0" encoding="utf-8"?>
 <p:sld xmlns:a="http://schemas.openxmlformats.org/drawingml/2006/main" xmlns:r="http://schemas.openxmlformats.org/officeDocument/2006/relationships" xmlns:p="http://schemas.openxmlformats.org/presentationml/2006/main">
   <p:cSld>
     <p:spTree>
@@ -10022,304 +9843,14 @@
       </p:sp>
       <p:sp>
         <p:nvSpPr>
-          <p:cNvPr id="3" name="圆角矩形 2"/>
-          <p:cNvSpPr/>
-          <p:nvPr/>
-        </p:nvSpPr>
-        <p:spPr>
-          <a:xfrm>
-            <a:off x="119336" y="1484783"/>
-            <a:ext cx="2168951" cy="741171"/>
-          </a:xfrm>
-          <a:prstGeom prst="roundRect">
-            <a:avLst/>
-          </a:prstGeom>
-        </p:spPr>
-        <p:style>
-          <a:lnRef idx="1">
-            <a:schemeClr val="accent5"/>
-          </a:lnRef>
-          <a:fillRef idx="2">
-            <a:schemeClr val="accent5"/>
-          </a:fillRef>
-          <a:effectRef idx="1">
-            <a:schemeClr val="accent5"/>
-          </a:effectRef>
-          <a:fontRef idx="minor">
-            <a:schemeClr val="dk1"/>
-          </a:fontRef>
-        </p:style>
-        <p:txBody>
-          <a:bodyPr rtlCol="0" anchor="ctr"/>
-          <a:lstStyle/>
-          <a:p>
-            <a:pPr algn="ctr"/>
-            <a:r>
-              <a:rPr lang="zh-CN" altLang="en-US" sz="1400" smtClean="0">
-                <a:latin typeface="Microsoft YaHei Mono" pitchFamily="49" charset="-122"/>
-                <a:ea typeface="Microsoft YaHei Mono" pitchFamily="49" charset="-122"/>
-              </a:rPr>
-              <a:t>从接口处</a:t>
-            </a:r>
-            <a:r>
-              <a:rPr lang="zh-CN" altLang="en-US" sz="1400" smtClean="0">
-                <a:latin typeface="Microsoft YaHei Mono" pitchFamily="49" charset="-122"/>
-                <a:ea typeface="Microsoft YaHei Mono" pitchFamily="49" charset="-122"/>
-              </a:rPr>
-              <a:t>获得</a:t>
-            </a:r>
-            <a:r>
-              <a:rPr lang="en-US" altLang="zh-CN" sz="1400" smtClean="0">
-                <a:latin typeface="Microsoft YaHei Mono" pitchFamily="49" charset="-122"/>
-                <a:ea typeface="Microsoft YaHei Mono" pitchFamily="49" charset="-122"/>
-              </a:rPr>
-              <a:t>tx</a:t>
-            </a:r>
-            <a:r>
-              <a:rPr lang="zh-CN" altLang="en-US" sz="1400" smtClean="0">
-                <a:latin typeface="Microsoft YaHei Mono" pitchFamily="49" charset="-122"/>
-                <a:ea typeface="Microsoft YaHei Mono" pitchFamily="49" charset="-122"/>
-              </a:rPr>
-              <a:t>数据</a:t>
-            </a:r>
-            <a:r>
-              <a:rPr lang="zh-CN" altLang="en-US" sz="1400" smtClean="0">
-                <a:latin typeface="Microsoft YaHei Mono" pitchFamily="49" charset="-122"/>
-                <a:ea typeface="Microsoft YaHei Mono" pitchFamily="49" charset="-122"/>
-              </a:rPr>
-              <a:t>：</a:t>
-            </a:r>
-            <a:r>
-              <a:rPr lang="en-US" altLang="zh-CN" sz="1400">
-                <a:latin typeface="Microsoft YaHei Mono" pitchFamily="49" charset="-122"/>
-                <a:ea typeface="Microsoft YaHei Mono" pitchFamily="49" charset="-122"/>
-              </a:rPr>
-              <a:t>_</a:t>
-            </a:r>
-            <a:r>
-              <a:rPr lang="en-US" altLang="zh-CN" sz="1400" smtClean="0">
-                <a:latin typeface="Microsoft YaHei Mono" pitchFamily="49" charset="-122"/>
-                <a:ea typeface="Microsoft YaHei Mono" pitchFamily="49" charset="-122"/>
-              </a:rPr>
-              <a:t>netif_linkoutput</a:t>
-            </a:r>
-            <a:endParaRPr lang="zh-CN" altLang="en-US" sz="1400">
-              <a:latin typeface="Microsoft YaHei Mono" pitchFamily="49" charset="-122"/>
-              <a:ea typeface="Microsoft YaHei Mono" pitchFamily="49" charset="-122"/>
-            </a:endParaRPr>
-          </a:p>
-        </p:txBody>
-      </p:sp>
-      <p:sp>
-        <p:nvSpPr>
-          <p:cNvPr id="4" name="圆角矩形 3"/>
-          <p:cNvSpPr/>
-          <p:nvPr/>
-        </p:nvSpPr>
-        <p:spPr>
-          <a:xfrm>
-            <a:off x="119336" y="2558826"/>
-            <a:ext cx="2168951" cy="741171"/>
-          </a:xfrm>
-          <a:prstGeom prst="roundRect">
-            <a:avLst/>
-          </a:prstGeom>
-        </p:spPr>
-        <p:style>
-          <a:lnRef idx="1">
-            <a:schemeClr val="accent5"/>
-          </a:lnRef>
-          <a:fillRef idx="3">
-            <a:schemeClr val="accent5"/>
-          </a:fillRef>
-          <a:effectRef idx="2">
-            <a:schemeClr val="accent5"/>
-          </a:effectRef>
-          <a:fontRef idx="minor">
-            <a:schemeClr val="lt1"/>
-          </a:fontRef>
-        </p:style>
-        <p:txBody>
-          <a:bodyPr rtlCol="0" anchor="ctr"/>
-          <a:lstStyle/>
-          <a:p>
-            <a:pPr algn="ctr"/>
-            <a:r>
-              <a:rPr lang="zh-CN" altLang="en-US" sz="1400" smtClean="0">
-                <a:latin typeface="Microsoft YaHei Mono" pitchFamily="49" charset="-122"/>
-                <a:ea typeface="Microsoft YaHei Mono" pitchFamily="49" charset="-122"/>
-              </a:rPr>
-              <a:t>从接口处</a:t>
-            </a:r>
-            <a:r>
-              <a:rPr lang="zh-CN" altLang="en-US" sz="1400" smtClean="0">
-                <a:latin typeface="Microsoft YaHei Mono" pitchFamily="49" charset="-122"/>
-                <a:ea typeface="Microsoft YaHei Mono" pitchFamily="49" charset="-122"/>
-              </a:rPr>
-              <a:t>获得</a:t>
-            </a:r>
-            <a:r>
-              <a:rPr lang="en-US" altLang="zh-CN" sz="1400" smtClean="0">
-                <a:latin typeface="Microsoft YaHei Mono" pitchFamily="49" charset="-122"/>
-                <a:ea typeface="Microsoft YaHei Mono" pitchFamily="49" charset="-122"/>
-              </a:rPr>
-              <a:t>rx</a:t>
-            </a:r>
-            <a:r>
-              <a:rPr lang="zh-CN" altLang="en-US" sz="1400" smtClean="0">
-                <a:latin typeface="Microsoft YaHei Mono" pitchFamily="49" charset="-122"/>
-                <a:ea typeface="Microsoft YaHei Mono" pitchFamily="49" charset="-122"/>
-              </a:rPr>
-              <a:t>数据：</a:t>
-            </a:r>
-            <a:r>
-              <a:rPr lang="en-US" altLang="zh-CN" sz="1400">
-                <a:latin typeface="Microsoft YaHei Mono" pitchFamily="49" charset="-122"/>
-                <a:ea typeface="Microsoft YaHei Mono" pitchFamily="49" charset="-122"/>
-              </a:rPr>
-              <a:t>_netif_input</a:t>
-            </a:r>
-            <a:endParaRPr lang="zh-CN" altLang="en-US" sz="1400">
-              <a:latin typeface="Microsoft YaHei Mono" pitchFamily="49" charset="-122"/>
-              <a:ea typeface="Microsoft YaHei Mono" pitchFamily="49" charset="-122"/>
-            </a:endParaRPr>
-          </a:p>
-        </p:txBody>
-      </p:sp>
-      <p:sp>
-        <p:nvSpPr>
-          <p:cNvPr id="7" name="右箭头 6"/>
-          <p:cNvSpPr/>
-          <p:nvPr/>
-        </p:nvSpPr>
-        <p:spPr>
-          <a:xfrm>
-            <a:off x="2402922" y="1613052"/>
-            <a:ext cx="1224136" cy="484632"/>
-          </a:xfrm>
-          <a:prstGeom prst="rightArrow">
-            <a:avLst/>
-          </a:prstGeom>
-        </p:spPr>
-        <p:style>
-          <a:lnRef idx="1">
-            <a:schemeClr val="accent5"/>
-          </a:lnRef>
-          <a:fillRef idx="2">
-            <a:schemeClr val="accent5"/>
-          </a:fillRef>
-          <a:effectRef idx="1">
-            <a:schemeClr val="accent5"/>
-          </a:effectRef>
-          <a:fontRef idx="minor">
-            <a:schemeClr val="dk1"/>
-          </a:fontRef>
-        </p:style>
-        <p:txBody>
-          <a:bodyPr rtlCol="0" anchor="ctr"/>
-          <a:lstStyle/>
-          <a:p>
-            <a:pPr algn="ctr"/>
-            <a:r>
-              <a:rPr lang="zh-CN" altLang="en-US" sz="1050" smtClean="0">
-                <a:latin typeface="Microsoft YaHei Mono" pitchFamily="49" charset="-122"/>
-                <a:ea typeface="Microsoft YaHei Mono" pitchFamily="49" charset="-122"/>
-              </a:rPr>
-              <a:t>通过</a:t>
-            </a:r>
-            <a:r>
-              <a:rPr lang="en-US" altLang="zh-CN" sz="1050" smtClean="0">
-                <a:latin typeface="Microsoft YaHei Mono" pitchFamily="49" charset="-122"/>
-                <a:ea typeface="Microsoft YaHei Mono" pitchFamily="49" charset="-122"/>
-              </a:rPr>
-              <a:t>FIFO</a:t>
-            </a:r>
-            <a:r>
-              <a:rPr lang="zh-CN" altLang="en-US" sz="1050" smtClean="0">
-                <a:latin typeface="Microsoft YaHei Mono" pitchFamily="49" charset="-122"/>
-                <a:ea typeface="Microsoft YaHei Mono" pitchFamily="49" charset="-122"/>
-              </a:rPr>
-              <a:t>发送 </a:t>
-            </a:r>
-            <a:endParaRPr lang="zh-CN" altLang="en-US" sz="1050">
-              <a:latin typeface="Microsoft YaHei Mono" pitchFamily="49" charset="-122"/>
-              <a:ea typeface="Microsoft YaHei Mono" pitchFamily="49" charset="-122"/>
-            </a:endParaRPr>
-          </a:p>
-        </p:txBody>
-      </p:sp>
-      <p:sp>
-        <p:nvSpPr>
-          <p:cNvPr id="8" name="右箭头 7"/>
-          <p:cNvSpPr/>
-          <p:nvPr/>
-        </p:nvSpPr>
-        <p:spPr>
-          <a:xfrm>
-            <a:off x="2402922" y="2687095"/>
-            <a:ext cx="1224136" cy="484632"/>
-          </a:xfrm>
-          <a:prstGeom prst="rightArrow">
-            <a:avLst/>
-          </a:prstGeom>
-        </p:spPr>
-        <p:style>
-          <a:lnRef idx="1">
-            <a:schemeClr val="accent5"/>
-          </a:lnRef>
-          <a:fillRef idx="3">
-            <a:schemeClr val="accent5"/>
-          </a:fillRef>
-          <a:effectRef idx="2">
-            <a:schemeClr val="accent5"/>
-          </a:effectRef>
-          <a:fontRef idx="minor">
-            <a:schemeClr val="lt1"/>
-          </a:fontRef>
-        </p:style>
-        <p:txBody>
-          <a:bodyPr rtlCol="0" anchor="ctr"/>
-          <a:lstStyle/>
-          <a:p>
-            <a:pPr algn="ctr"/>
-            <a:r>
-              <a:rPr lang="zh-CN" altLang="en-US" sz="1050" smtClean="0">
-                <a:latin typeface="Microsoft YaHei Mono" pitchFamily="49" charset="-122"/>
-                <a:ea typeface="Microsoft YaHei Mono" pitchFamily="49" charset="-122"/>
-              </a:rPr>
-              <a:t>通过</a:t>
-            </a:r>
-            <a:r>
-              <a:rPr lang="en-US" altLang="zh-CN" sz="1050" smtClean="0">
-                <a:latin typeface="Microsoft YaHei Mono" pitchFamily="49" charset="-122"/>
-                <a:ea typeface="Microsoft YaHei Mono" pitchFamily="49" charset="-122"/>
-              </a:rPr>
-              <a:t>FIFO</a:t>
-            </a:r>
-            <a:r>
-              <a:rPr lang="zh-CN" altLang="en-US" sz="1050" smtClean="0">
-                <a:latin typeface="Microsoft YaHei Mono" pitchFamily="49" charset="-122"/>
-                <a:ea typeface="Microsoft YaHei Mono" pitchFamily="49" charset="-122"/>
-              </a:rPr>
-              <a:t>发送</a:t>
-            </a:r>
-            <a:endParaRPr lang="zh-CN" altLang="en-US" sz="1050">
-              <a:latin typeface="Microsoft YaHei Mono" pitchFamily="49" charset="-122"/>
-              <a:ea typeface="Microsoft YaHei Mono" pitchFamily="49" charset="-122"/>
-            </a:endParaRPr>
-          </a:p>
-        </p:txBody>
-      </p:sp>
-      <p:sp>
-        <p:nvSpPr>
           <p:cNvPr id="9" name="圆角矩形 8"/>
           <p:cNvSpPr/>
           <p:nvPr/>
         </p:nvSpPr>
         <p:spPr>
           <a:xfrm>
-            <a:off x="4290047" y="2097684"/>
-            <a:ext cx="1800200" cy="564562"/>
+            <a:off x="1055440" y="2379916"/>
+            <a:ext cx="2376263" cy="564562"/>
           </a:xfrm>
           <a:prstGeom prst="roundRect">
             <a:avLst/>
@@ -10345,11 +9876,11 @@
           <a:p>
             <a:pPr algn="ctr"/>
             <a:r>
-              <a:rPr lang="en-US" altLang="zh-CN" sz="1400" smtClean="0">
-                <a:latin typeface="Microsoft YaHei Mono" pitchFamily="49" charset="-122"/>
-                <a:ea typeface="Microsoft YaHei Mono" pitchFamily="49" charset="-122"/>
-              </a:rPr>
-              <a:t>FIFO</a:t>
+              <a:rPr lang="zh-CN" altLang="en-US" sz="1400">
+                <a:latin typeface="Microsoft YaHei Mono" pitchFamily="49" charset="-122"/>
+                <a:ea typeface="Microsoft YaHei Mono" pitchFamily="49" charset="-122"/>
+              </a:rPr>
+              <a:t>邮箱</a:t>
             </a:r>
             <a:r>
               <a:rPr lang="zh-CN" altLang="en-US" sz="1400" smtClean="0">
@@ -10383,44 +9914,6 @@
               <a:latin typeface="Microsoft YaHei Mono" pitchFamily="49" charset="-122"/>
               <a:ea typeface="Microsoft YaHei Mono" pitchFamily="49" charset="-122"/>
             </a:endParaRPr>
-          </a:p>
-        </p:txBody>
-      </p:sp>
-      <p:sp>
-        <p:nvSpPr>
-          <p:cNvPr id="10" name="右大括号 9"/>
-          <p:cNvSpPr/>
-          <p:nvPr/>
-        </p:nvSpPr>
-        <p:spPr>
-          <a:xfrm>
-            <a:off x="3719736" y="1855368"/>
-            <a:ext cx="422956" cy="1074043"/>
-          </a:xfrm>
-          <a:prstGeom prst="rightBrace">
-            <a:avLst/>
-          </a:prstGeom>
-        </p:spPr>
-        <p:style>
-          <a:lnRef idx="1">
-            <a:schemeClr val="accent3"/>
-          </a:lnRef>
-          <a:fillRef idx="0">
-            <a:schemeClr val="accent3"/>
-          </a:fillRef>
-          <a:effectRef idx="0">
-            <a:schemeClr val="accent3"/>
-          </a:effectRef>
-          <a:fontRef idx="minor">
-            <a:schemeClr val="tx1"/>
-          </a:fontRef>
-        </p:style>
-        <p:txBody>
-          <a:bodyPr rtlCol="0" anchor="ctr"/>
-          <a:lstStyle/>
-          <a:p>
-            <a:pPr algn="ctr"/>
-            <a:endParaRPr lang="zh-CN" altLang="en-US"/>
           </a:p>
         </p:txBody>
       </p:sp>
@@ -10432,7 +9925,7 @@
         </p:nvSpPr>
         <p:spPr>
           <a:xfrm>
-            <a:off x="6520108" y="2097684"/>
+            <a:off x="4377003" y="2379916"/>
             <a:ext cx="2376264" cy="564562"/>
           </a:xfrm>
           <a:prstGeom prst="roundRect">
@@ -10463,7 +9956,21 @@
                 <a:latin typeface="Microsoft YaHei Mono" pitchFamily="49" charset="-122"/>
                 <a:ea typeface="Microsoft YaHei Mono" pitchFamily="49" charset="-122"/>
               </a:rPr>
-              <a:t>Tcpdump file</a:t>
+              <a:t>t</a:t>
+            </a:r>
+            <a:r>
+              <a:rPr lang="en-US" altLang="zh-CN" sz="1200" smtClean="0">
+                <a:latin typeface="Microsoft YaHei Mono" pitchFamily="49" charset="-122"/>
+                <a:ea typeface="Microsoft YaHei Mono" pitchFamily="49" charset="-122"/>
+              </a:rPr>
+              <a:t>cpdump </a:t>
+            </a:r>
+            <a:r>
+              <a:rPr lang="en-US" altLang="zh-CN" sz="1200" smtClean="0">
+                <a:latin typeface="Microsoft YaHei Mono" pitchFamily="49" charset="-122"/>
+                <a:ea typeface="Microsoft YaHei Mono" pitchFamily="49" charset="-122"/>
+              </a:rPr>
+              <a:t>file</a:t>
             </a:r>
             <a:r>
               <a:rPr lang="zh-CN" altLang="en-US" sz="1200" smtClean="0">
@@ -10486,41 +9993,6 @@
           </a:p>
         </p:txBody>
       </p:sp>
-      <p:cxnSp>
-        <p:nvCxnSpPr>
-          <p:cNvPr id="13" name="直接箭头连接符 12"/>
-          <p:cNvCxnSpPr>
-            <a:stCxn id="9" idx="3"/>
-          </p:cNvCxnSpPr>
-          <p:nvPr/>
-        </p:nvCxnSpPr>
-        <p:spPr>
-          <a:xfrm>
-            <a:off x="6090247" y="2379965"/>
-            <a:ext cx="432048" cy="0"/>
-          </a:xfrm>
-          <a:prstGeom prst="straightConnector1">
-            <a:avLst/>
-          </a:prstGeom>
-          <a:ln>
-            <a:tailEnd type="arrow"/>
-          </a:ln>
-        </p:spPr>
-        <p:style>
-          <a:lnRef idx="1">
-            <a:schemeClr val="accent1"/>
-          </a:lnRef>
-          <a:fillRef idx="0">
-            <a:schemeClr val="accent1"/>
-          </a:fillRef>
-          <a:effectRef idx="0">
-            <a:schemeClr val="accent1"/>
-          </a:effectRef>
-          <a:fontRef idx="minor">
-            <a:schemeClr val="tx1"/>
-          </a:fontRef>
-        </p:style>
-      </p:cxnSp>
       <p:sp>
         <p:nvSpPr>
           <p:cNvPr id="16" name="右大括号 15"/>
@@ -10529,8 +10001,8 @@
         </p:nvSpPr>
         <p:spPr>
           <a:xfrm>
-            <a:off x="8986128" y="2110108"/>
-            <a:ext cx="216024" cy="564561"/>
+            <a:off x="6983592" y="2379918"/>
+            <a:ext cx="216024" cy="564558"/>
           </a:xfrm>
           <a:prstGeom prst="rightBrace">
             <a:avLst/>
@@ -10567,7 +10039,7 @@
         </p:nvSpPr>
         <p:spPr>
           <a:xfrm>
-            <a:off x="9408368" y="2097638"/>
+            <a:off x="7619663" y="2379918"/>
             <a:ext cx="2376265" cy="564561"/>
           </a:xfrm>
           <a:prstGeom prst="roundRect">
@@ -10629,8 +10101,8 @@
         </p:nvSpPr>
         <p:spPr>
           <a:xfrm>
-            <a:off x="6522295" y="3145125"/>
-            <a:ext cx="2374078" cy="564562"/>
+            <a:off x="4377003" y="3650775"/>
+            <a:ext cx="2376264" cy="564562"/>
           </a:xfrm>
           <a:prstGeom prst="roundRect">
             <a:avLst/>
@@ -10676,42 +10148,6 @@
           </a:p>
         </p:txBody>
       </p:sp>
-      <p:cxnSp>
-        <p:nvCxnSpPr>
-          <p:cNvPr id="24" name="直接箭头连接符 23"/>
-          <p:cNvCxnSpPr>
-            <a:stCxn id="11" idx="2"/>
-            <a:endCxn id="22" idx="0"/>
-          </p:cNvCxnSpPr>
-          <p:nvPr/>
-        </p:nvCxnSpPr>
-        <p:spPr>
-          <a:xfrm>
-            <a:off x="7708240" y="2662246"/>
-            <a:ext cx="1094" cy="482879"/>
-          </a:xfrm>
-          <a:prstGeom prst="straightConnector1">
-            <a:avLst/>
-          </a:prstGeom>
-          <a:ln>
-            <a:tailEnd type="arrow"/>
-          </a:ln>
-        </p:spPr>
-        <p:style>
-          <a:lnRef idx="1">
-            <a:schemeClr val="accent1"/>
-          </a:lnRef>
-          <a:fillRef idx="0">
-            <a:schemeClr val="accent1"/>
-          </a:fillRef>
-          <a:effectRef idx="0">
-            <a:schemeClr val="accent1"/>
-          </a:effectRef>
-          <a:fontRef idx="minor">
-            <a:schemeClr val="tx1"/>
-          </a:fontRef>
-        </p:style>
-      </p:cxnSp>
       <p:sp>
         <p:nvSpPr>
           <p:cNvPr id="26" name="圆角矩形 25"/>
@@ -10720,7 +10156,147 @@
         </p:nvSpPr>
         <p:spPr>
           <a:xfrm>
-            <a:off x="6522295" y="4221088"/>
+            <a:off x="1055439" y="3650775"/>
+            <a:ext cx="2376263" cy="564562"/>
+          </a:xfrm>
+          <a:prstGeom prst="roundRect">
+            <a:avLst/>
+          </a:prstGeom>
+        </p:spPr>
+        <p:style>
+          <a:lnRef idx="1">
+            <a:schemeClr val="accent3"/>
+          </a:lnRef>
+          <a:fillRef idx="2">
+            <a:schemeClr val="accent3"/>
+          </a:fillRef>
+          <a:effectRef idx="1">
+            <a:schemeClr val="accent3"/>
+          </a:effectRef>
+          <a:fontRef idx="minor">
+            <a:schemeClr val="dk1"/>
+          </a:fontRef>
+        </p:style>
+        <p:txBody>
+          <a:bodyPr rtlCol="0" anchor="ctr"/>
+          <a:lstStyle/>
+          <a:p>
+            <a:pPr algn="ctr"/>
+            <a:r>
+              <a:rPr lang="zh-CN" altLang="en-US" sz="1200" smtClean="0">
+                <a:latin typeface="Microsoft YaHei Mono" pitchFamily="49" charset="-122"/>
+                <a:ea typeface="Microsoft YaHei Mono" pitchFamily="49" charset="-122"/>
+              </a:rPr>
+              <a:t>写</a:t>
+            </a:r>
+            <a:r>
+              <a:rPr lang="en-US" altLang="zh-CN" sz="1200" smtClean="0">
+                <a:latin typeface="Microsoft YaHei Mono" pitchFamily="49" charset="-122"/>
+                <a:ea typeface="Microsoft YaHei Mono" pitchFamily="49" charset="-122"/>
+              </a:rPr>
+              <a:t>packet</a:t>
+            </a:r>
+            <a:endParaRPr lang="zh-CN" altLang="en-US" sz="1200">
+              <a:latin typeface="Microsoft YaHei Mono" pitchFamily="49" charset="-122"/>
+              <a:ea typeface="Microsoft YaHei Mono" pitchFamily="49" charset="-122"/>
+            </a:endParaRPr>
+          </a:p>
+        </p:txBody>
+      </p:sp>
+      <p:sp>
+        <p:nvSpPr>
+          <p:cNvPr id="27" name="圆角矩形 26"/>
+          <p:cNvSpPr/>
+          <p:nvPr/>
+        </p:nvSpPr>
+        <p:spPr>
+          <a:xfrm>
+            <a:off x="623392" y="1556792"/>
+            <a:ext cx="9721080" cy="4752528"/>
+          </a:xfrm>
+          <a:prstGeom prst="roundRect">
+            <a:avLst/>
+          </a:prstGeom>
+          <a:noFill/>
+        </p:spPr>
+        <p:style>
+          <a:lnRef idx="2">
+            <a:schemeClr val="accent2"/>
+          </a:lnRef>
+          <a:fillRef idx="1">
+            <a:schemeClr val="lt1"/>
+          </a:fillRef>
+          <a:effectRef idx="0">
+            <a:schemeClr val="accent2"/>
+          </a:effectRef>
+          <a:fontRef idx="minor">
+            <a:schemeClr val="dk1"/>
+          </a:fontRef>
+        </p:style>
+        <p:txBody>
+          <a:bodyPr rtlCol="0" anchor="t"/>
+          <a:lstStyle/>
+          <a:p>
+            <a:pPr algn="ctr"/>
+            <a:r>
+              <a:rPr lang="en-US" altLang="zh-CN" sz="1400">
+                <a:solidFill>
+                  <a:schemeClr val="accent2"/>
+                </a:solidFill>
+                <a:latin typeface="Microsoft YaHei Mono" pitchFamily="49" charset="-122"/>
+                <a:ea typeface="Microsoft YaHei Mono" pitchFamily="49" charset="-122"/>
+              </a:rPr>
+              <a:t>tcpdump</a:t>
+            </a:r>
+            <a:r>
+              <a:rPr lang="zh-CN" altLang="en-US" sz="1400">
+                <a:solidFill>
+                  <a:schemeClr val="accent2"/>
+                </a:solidFill>
+                <a:latin typeface="Microsoft YaHei Mono" pitchFamily="49" charset="-122"/>
+                <a:ea typeface="Microsoft YaHei Mono" pitchFamily="49" charset="-122"/>
+              </a:rPr>
+              <a:t>线程</a:t>
+            </a:r>
+            <a:r>
+              <a:rPr lang="zh-CN" altLang="en-US" sz="1400" smtClean="0">
+                <a:solidFill>
+                  <a:schemeClr val="accent2"/>
+                </a:solidFill>
+                <a:latin typeface="Microsoft YaHei Mono" pitchFamily="49" charset="-122"/>
+                <a:ea typeface="Microsoft YaHei Mono" pitchFamily="49" charset="-122"/>
+              </a:rPr>
+              <a:t>入口：</a:t>
+            </a:r>
+            <a:r>
+              <a:rPr lang="en-US" altLang="zh-CN" sz="1400" smtClean="0">
+                <a:solidFill>
+                  <a:schemeClr val="accent2"/>
+                </a:solidFill>
+                <a:latin typeface="Microsoft YaHei Mono" pitchFamily="49" charset="-122"/>
+                <a:ea typeface="Microsoft YaHei Mono" pitchFamily="49" charset="-122"/>
+              </a:rPr>
+              <a:t>rt_tcpdump_thread_entry</a:t>
+            </a:r>
+            <a:endParaRPr lang="zh-CN" altLang="en-US" sz="1400">
+              <a:solidFill>
+                <a:schemeClr val="accent2"/>
+              </a:solidFill>
+              <a:latin typeface="Microsoft YaHei Mono" pitchFamily="49" charset="-122"/>
+              <a:ea typeface="Microsoft YaHei Mono" pitchFamily="49" charset="-122"/>
+            </a:endParaRPr>
+          </a:p>
+        </p:txBody>
+      </p:sp>
+      <p:sp>
+        <p:nvSpPr>
+          <p:cNvPr id="32" name="圆角矩形 31"/>
+          <p:cNvSpPr/>
+          <p:nvPr/>
+        </p:nvSpPr>
+        <p:spPr>
+          <a:xfrm>
+            <a:off x="1055439" y="4869160"/>
             <a:ext cx="2374077" cy="564562"/>
           </a:xfrm>
           <a:prstGeom prst="roundRect">
@@ -10751,101 +10327,23 @@
                 <a:latin typeface="Microsoft YaHei Mono" pitchFamily="49" charset="-122"/>
                 <a:ea typeface="Microsoft YaHei Mono" pitchFamily="49" charset="-122"/>
               </a:rPr>
-              <a:t>写</a:t>
+              <a:t>保存</a:t>
             </a:r>
             <a:r>
               <a:rPr lang="en-US" altLang="zh-CN" sz="1200" smtClean="0">
                 <a:latin typeface="Microsoft YaHei Mono" pitchFamily="49" charset="-122"/>
                 <a:ea typeface="Microsoft YaHei Mono" pitchFamily="49" charset="-122"/>
               </a:rPr>
-              <a:t>packet</a:t>
+              <a:t>SD</a:t>
+            </a:r>
+            <a:r>
+              <a:rPr lang="zh-CN" altLang="en-US" sz="1200" smtClean="0">
+                <a:latin typeface="Microsoft YaHei Mono" pitchFamily="49" charset="-122"/>
+                <a:ea typeface="Microsoft YaHei Mono" pitchFamily="49" charset="-122"/>
+              </a:rPr>
+              <a:t>卡</a:t>
             </a:r>
             <a:endParaRPr lang="zh-CN" altLang="en-US" sz="1200">
-              <a:latin typeface="Microsoft YaHei Mono" pitchFamily="49" charset="-122"/>
-              <a:ea typeface="Microsoft YaHei Mono" pitchFamily="49" charset="-122"/>
-            </a:endParaRPr>
-          </a:p>
-        </p:txBody>
-      </p:sp>
-      <p:sp>
-        <p:nvSpPr>
-          <p:cNvPr id="27" name="圆角矩形 26"/>
-          <p:cNvSpPr/>
-          <p:nvPr/>
-        </p:nvSpPr>
-        <p:spPr>
-          <a:xfrm>
-            <a:off x="4189874" y="1556792"/>
-            <a:ext cx="5114900" cy="4752528"/>
-          </a:xfrm>
-          <a:prstGeom prst="roundRect">
-            <a:avLst/>
-          </a:prstGeom>
-          <a:noFill/>
-        </p:spPr>
-        <p:style>
-          <a:lnRef idx="2">
-            <a:schemeClr val="dk1"/>
-          </a:lnRef>
-          <a:fillRef idx="1">
-            <a:schemeClr val="lt1"/>
-          </a:fillRef>
-          <a:effectRef idx="0">
-            <a:schemeClr val="dk1"/>
-          </a:effectRef>
-          <a:fontRef idx="minor">
-            <a:schemeClr val="dk1"/>
-          </a:fontRef>
-        </p:style>
-        <p:txBody>
-          <a:bodyPr rtlCol="0" anchor="t"/>
-          <a:lstStyle/>
-          <a:p>
-            <a:pPr algn="ctr"/>
-            <a:r>
-              <a:rPr lang="en-US" altLang="zh-CN" sz="1400">
-                <a:solidFill>
-                  <a:schemeClr val="accent2"/>
-                </a:solidFill>
-                <a:latin typeface="Microsoft YaHei Mono" pitchFamily="49" charset="-122"/>
-                <a:ea typeface="Microsoft YaHei Mono" pitchFamily="49" charset="-122"/>
-              </a:rPr>
-              <a:t>tcpdump</a:t>
-            </a:r>
-            <a:r>
-              <a:rPr lang="zh-CN" altLang="en-US" sz="1400">
-                <a:solidFill>
-                  <a:schemeClr val="accent2"/>
-                </a:solidFill>
-                <a:latin typeface="Microsoft YaHei Mono" pitchFamily="49" charset="-122"/>
-                <a:ea typeface="Microsoft YaHei Mono" pitchFamily="49" charset="-122"/>
-              </a:rPr>
-              <a:t>线程</a:t>
-            </a:r>
-            <a:r>
-              <a:rPr lang="zh-CN" altLang="en-US" sz="1400" smtClean="0">
-                <a:solidFill>
-                  <a:schemeClr val="accent2"/>
-                </a:solidFill>
-                <a:latin typeface="Microsoft YaHei Mono" pitchFamily="49" charset="-122"/>
-                <a:ea typeface="Microsoft YaHei Mono" pitchFamily="49" charset="-122"/>
-              </a:rPr>
-              <a:t>入口：</a:t>
-            </a:r>
-            <a:r>
-              <a:rPr lang="en-US" altLang="zh-CN" sz="1400" smtClean="0">
-                <a:solidFill>
-                  <a:schemeClr val="accent2"/>
-                </a:solidFill>
-                <a:latin typeface="Microsoft YaHei Mono" pitchFamily="49" charset="-122"/>
-                <a:ea typeface="Microsoft YaHei Mono" pitchFamily="49" charset="-122"/>
-              </a:rPr>
-              <a:t>rt_tcpdump_thread_entry</a:t>
-            </a:r>
-            <a:endParaRPr lang="zh-CN" altLang="en-US" sz="1400">
-              <a:solidFill>
-                <a:schemeClr val="accent2"/>
-              </a:solidFill>
               <a:latin typeface="Microsoft YaHei Mono" pitchFamily="49" charset="-122"/>
               <a:ea typeface="Microsoft YaHei Mono" pitchFamily="49" charset="-122"/>
             </a:endParaRPr>
@@ -10854,17 +10352,17 @@
       </p:sp>
       <p:cxnSp>
         <p:nvCxnSpPr>
-          <p:cNvPr id="29" name="直接箭头连接符 28"/>
+          <p:cNvPr id="25" name="直接箭头连接符 24"/>
           <p:cNvCxnSpPr>
-            <a:stCxn id="22" idx="2"/>
-            <a:endCxn id="26" idx="0"/>
+            <a:stCxn id="11" idx="2"/>
+            <a:endCxn id="22" idx="0"/>
           </p:cNvCxnSpPr>
           <p:nvPr/>
         </p:nvCxnSpPr>
         <p:spPr>
           <a:xfrm>
-            <a:off x="7709334" y="3709687"/>
-            <a:ext cx="0" cy="511401"/>
+            <a:off x="5565135" y="2944478"/>
+            <a:ext cx="0" cy="706297"/>
           </a:xfrm>
           <a:prstGeom prst="straightConnector1">
             <a:avLst/>
@@ -10890,19 +10388,19 @@
       </p:cxnSp>
       <p:cxnSp>
         <p:nvCxnSpPr>
-          <p:cNvPr id="46" name="肘形连接符 45"/>
+          <p:cNvPr id="30" name="直接箭头连接符 29"/>
           <p:cNvCxnSpPr>
-            <a:stCxn id="26" idx="1"/>
-            <a:endCxn id="9" idx="2"/>
+            <a:stCxn id="22" idx="1"/>
+            <a:endCxn id="26" idx="3"/>
           </p:cNvCxnSpPr>
           <p:nvPr/>
         </p:nvCxnSpPr>
         <p:spPr>
-          <a:xfrm rot="10800000">
-            <a:off x="5190147" y="2662247"/>
-            <a:ext cx="1332148" cy="1841123"/>
+          <a:xfrm flipH="1">
+            <a:off x="3431702" y="3933056"/>
+            <a:ext cx="945301" cy="0"/>
           </a:xfrm>
-          <a:prstGeom prst="bentConnector2">
+          <a:prstGeom prst="straightConnector1">
             <a:avLst/>
           </a:prstGeom>
           <a:ln>
@@ -10911,13 +10409,13 @@
         </p:spPr>
         <p:style>
           <a:lnRef idx="1">
-            <a:schemeClr val="accent6"/>
+            <a:schemeClr val="accent2"/>
           </a:lnRef>
           <a:fillRef idx="0">
-            <a:schemeClr val="accent6"/>
+            <a:schemeClr val="accent2"/>
           </a:fillRef>
           <a:effectRef idx="0">
-            <a:schemeClr val="accent6"/>
+            <a:schemeClr val="accent2"/>
           </a:effectRef>
           <a:fontRef idx="minor">
             <a:schemeClr val="tx1"/>
@@ -10926,14 +10424,53 @@
       </p:cxnSp>
       <p:cxnSp>
         <p:nvCxnSpPr>
-          <p:cNvPr id="50" name="直接箭头连接符 49"/>
-          <p:cNvCxnSpPr/>
+          <p:cNvPr id="33" name="直接箭头连接符 32"/>
+          <p:cNvCxnSpPr>
+            <a:stCxn id="26" idx="0"/>
+            <a:endCxn id="9" idx="2"/>
+          </p:cNvCxnSpPr>
+          <p:nvPr/>
+        </p:nvCxnSpPr>
+        <p:spPr>
+          <a:xfrm flipV="1">
+            <a:off x="2243571" y="2944478"/>
+            <a:ext cx="1" cy="706297"/>
+          </a:xfrm>
+          <a:prstGeom prst="straightConnector1">
+            <a:avLst/>
+          </a:prstGeom>
+          <a:ln>
+            <a:tailEnd type="arrow"/>
+          </a:ln>
+        </p:spPr>
+        <p:style>
+          <a:lnRef idx="1">
+            <a:schemeClr val="accent2"/>
+          </a:lnRef>
+          <a:fillRef idx="0">
+            <a:schemeClr val="accent2"/>
+          </a:fillRef>
+          <a:effectRef idx="0">
+            <a:schemeClr val="accent2"/>
+          </a:effectRef>
+          <a:fontRef idx="minor">
+            <a:schemeClr val="tx1"/>
+          </a:fontRef>
+        </p:style>
+      </p:cxnSp>
+      <p:cxnSp>
+        <p:nvCxnSpPr>
+          <p:cNvPr id="49" name="直接箭头连接符 48"/>
+          <p:cNvCxnSpPr>
+            <a:stCxn id="9" idx="3"/>
+            <a:endCxn id="11" idx="1"/>
+          </p:cNvCxnSpPr>
           <p:nvPr/>
         </p:nvCxnSpPr>
         <p:spPr>
           <a:xfrm>
-            <a:off x="7708240" y="4785650"/>
-            <a:ext cx="0" cy="511401"/>
+            <a:off x="3431703" y="2662197"/>
+            <a:ext cx="945300" cy="0"/>
           </a:xfrm>
           <a:prstGeom prst="straightConnector1">
             <a:avLst/>
@@ -10959,20 +10496,21 @@
       </p:cxnSp>
       <p:cxnSp>
         <p:nvCxnSpPr>
-          <p:cNvPr id="54" name="肘形连接符 53"/>
+          <p:cNvPr id="59" name="肘形连接符 58"/>
           <p:cNvCxnSpPr>
             <a:stCxn id="9" idx="3"/>
-            <a:endCxn id="22" idx="1"/>
           </p:cNvCxnSpPr>
           <p:nvPr/>
         </p:nvCxnSpPr>
         <p:spPr>
           <a:xfrm>
-            <a:off x="6090247" y="2379965"/>
-            <a:ext cx="432048" cy="1047441"/>
+            <a:off x="3431703" y="2662197"/>
+            <a:ext cx="2133432" cy="635429"/>
           </a:xfrm>
           <a:prstGeom prst="bentConnector3">
-            <a:avLst/>
+            <a:avLst>
+              <a:gd name="adj1" fmla="val 22513"/>
+            </a:avLst>
           </a:prstGeom>
           <a:ln>
             <a:tailEnd type="arrow"/>
@@ -10980,13 +10518,13 @@
         </p:spPr>
         <p:style>
           <a:lnRef idx="1">
-            <a:schemeClr val="accent6"/>
+            <a:schemeClr val="accent2"/>
           </a:lnRef>
           <a:fillRef idx="0">
-            <a:schemeClr val="accent6"/>
+            <a:schemeClr val="accent2"/>
           </a:fillRef>
           <a:effectRef idx="0">
-            <a:schemeClr val="accent6"/>
+            <a:schemeClr val="accent2"/>
           </a:effectRef>
           <a:fontRef idx="minor">
             <a:schemeClr val="tx1"/>
@@ -10995,14 +10533,17 @@
       </p:cxnSp>
       <p:cxnSp>
         <p:nvCxnSpPr>
-          <p:cNvPr id="55" name="直接箭头连接符 54"/>
-          <p:cNvCxnSpPr/>
+          <p:cNvPr id="62" name="直接箭头连接符 61"/>
+          <p:cNvCxnSpPr>
+            <a:stCxn id="26" idx="2"/>
+            <a:endCxn id="32" idx="0"/>
+          </p:cNvCxnSpPr>
           <p:nvPr/>
         </p:nvCxnSpPr>
         <p:spPr>
-          <a:xfrm>
-            <a:off x="7104112" y="3706089"/>
-            <a:ext cx="0" cy="511401"/>
+          <a:xfrm flipH="1">
+            <a:off x="2242478" y="4215337"/>
+            <a:ext cx="1093" cy="653823"/>
           </a:xfrm>
           <a:prstGeom prst="straightConnector1">
             <a:avLst/>
@@ -11013,141 +10554,23 @@
         </p:spPr>
         <p:style>
           <a:lnRef idx="1">
-            <a:schemeClr val="accent6"/>
+            <a:schemeClr val="accent1"/>
           </a:lnRef>
           <a:fillRef idx="0">
-            <a:schemeClr val="accent6"/>
+            <a:schemeClr val="accent1"/>
           </a:fillRef>
           <a:effectRef idx="0">
-            <a:schemeClr val="accent6"/>
+            <a:schemeClr val="accent1"/>
           </a:effectRef>
           <a:fontRef idx="minor">
             <a:schemeClr val="tx1"/>
           </a:fontRef>
         </p:style>
       </p:cxnSp>
-      <p:sp>
-        <p:nvSpPr>
-          <p:cNvPr id="56" name="圆角矩形 55"/>
-          <p:cNvSpPr/>
-          <p:nvPr/>
-        </p:nvSpPr>
-        <p:spPr>
-          <a:xfrm>
-            <a:off x="6520108" y="5289375"/>
-            <a:ext cx="2376264" cy="564562"/>
-          </a:xfrm>
-          <a:prstGeom prst="roundRect">
-            <a:avLst/>
-          </a:prstGeom>
-        </p:spPr>
-        <p:style>
-          <a:lnRef idx="1">
-            <a:schemeClr val="accent3"/>
-          </a:lnRef>
-          <a:fillRef idx="2">
-            <a:schemeClr val="accent3"/>
-          </a:fillRef>
-          <a:effectRef idx="1">
-            <a:schemeClr val="accent3"/>
-          </a:effectRef>
-          <a:fontRef idx="minor">
-            <a:schemeClr val="dk1"/>
-          </a:fontRef>
-        </p:style>
-        <p:txBody>
-          <a:bodyPr rtlCol="0" anchor="ctr"/>
-          <a:lstStyle/>
-          <a:p>
-            <a:pPr algn="ctr"/>
-            <a:r>
-              <a:rPr lang="en-US" altLang="zh-CN" sz="1400">
-                <a:latin typeface="Microsoft YaHei Mono" pitchFamily="49" charset="-122"/>
-                <a:ea typeface="Microsoft YaHei Mono" pitchFamily="49" charset="-122"/>
-              </a:rPr>
-              <a:t>m</a:t>
-            </a:r>
-            <a:r>
-              <a:rPr lang="en-US" altLang="zh-CN" sz="1400" smtClean="0">
-                <a:latin typeface="Microsoft YaHei Mono" pitchFamily="49" charset="-122"/>
-                <a:ea typeface="Microsoft YaHei Mono" pitchFamily="49" charset="-122"/>
-              </a:rPr>
-              <a:t>sh/&gt;</a:t>
-            </a:r>
-            <a:r>
-              <a:rPr lang="zh-CN" altLang="en-US" sz="1400" smtClean="0">
-                <a:latin typeface="Microsoft YaHei Mono" pitchFamily="49" charset="-122"/>
-                <a:ea typeface="Microsoft YaHei Mono" pitchFamily="49" charset="-122"/>
-              </a:rPr>
-              <a:t>命令行保存</a:t>
-            </a:r>
-            <a:endParaRPr lang="zh-CN" altLang="en-US" sz="1400">
-              <a:latin typeface="Microsoft YaHei Mono" pitchFamily="49" charset="-122"/>
-              <a:ea typeface="Microsoft YaHei Mono" pitchFamily="49" charset="-122"/>
-            </a:endParaRPr>
-          </a:p>
-        </p:txBody>
-      </p:sp>
     </p:spTree>
     <p:extLst>
       <p:ext uri="{BB962C8B-B14F-4D97-AF65-F5344CB8AC3E}">
         <p14:creationId xmlns:p14="http://schemas.microsoft.com/office/powerpoint/2010/main" val="416475862"/>
-      </p:ext>
-    </p:extLst>
-  </p:cSld>
-  <p:clrMapOvr>
-    <a:masterClrMapping/>
-  </p:clrMapOvr>
-  <p:timing>
-    <p:tnLst>
-      <p:par>
-        <p:cTn id="1" dur="indefinite" restart="never" nodeType="tmRoot"/>
-      </p:par>
-    </p:tnLst>
-  </p:timing>
-</p:sld>
-</file>
-
-<file path=ppt/slides/slide8.xml><?xml version="1.0" encoding="utf-8"?>
-<p:sld xmlns:a="http://schemas.openxmlformats.org/drawingml/2006/main" xmlns:r="http://schemas.openxmlformats.org/officeDocument/2006/relationships" xmlns:p="http://schemas.openxmlformats.org/presentationml/2006/main">
-  <p:cSld>
-    <p:spTree>
-      <p:nvGrpSpPr>
-        <p:cNvPr id="1" name=""/>
-        <p:cNvGrpSpPr/>
-        <p:nvPr/>
-      </p:nvGrpSpPr>
-      <p:grpSpPr>
-        <a:xfrm>
-          <a:off x="0" y="0"/>
-          <a:ext cx="0" cy="0"/>
-          <a:chOff x="0" y="0"/>
-          <a:chExt cx="0" cy="0"/>
-        </a:xfrm>
-      </p:grpSpPr>
-      <p:sp>
-        <p:nvSpPr>
-          <p:cNvPr id="2" name="标题 1"/>
-          <p:cNvSpPr>
-            <a:spLocks noGrp="1"/>
-          </p:cNvSpPr>
-          <p:nvPr>
-            <p:ph type="title"/>
-          </p:nvPr>
-        </p:nvSpPr>
-        <p:spPr/>
-        <p:txBody>
-          <a:bodyPr/>
-          <a:lstStyle/>
-          <a:p>
-            <a:endParaRPr lang="zh-CN" altLang="en-US"/>
-          </a:p>
-        </p:txBody>
-      </p:sp>
-    </p:spTree>
-    <p:extLst>
-      <p:ext uri="{BB962C8B-B14F-4D97-AF65-F5344CB8AC3E}">
-        <p14:creationId xmlns:p14="http://schemas.microsoft.com/office/powerpoint/2010/main" val="1071604748"/>
       </p:ext>
     </p:extLst>
   </p:cSld>
@@ -11742,7 +11165,7 @@
   <a:extraClrSchemeLst/>
   <a:extLst>
     <a:ext uri="{05A4C25C-085E-4340-85A3-A5531E510DB2}">
-      <thm15:themeFamily xmlns="" xmlns:thm15="http://schemas.microsoft.com/office/thememl/2012/main" name="Office Theme" id="{62F939B6-93AF-4DB8-9C6B-D6C7DFDC589F}" vid="{4A3C46E8-61CC-4603-A589-7422A47A8E4A}"/>
+      <thm15:themeFamily xmlns:thm15="http://schemas.microsoft.com/office/thememl/2012/main" xmlns="" name="Office Theme" id="{62F939B6-93AF-4DB8-9C6B-D6C7DFDC589F}" vid="{4A3C46E8-61CC-4603-A589-7422A47A8E4A}"/>
     </a:ext>
   </a:extLst>
 </a:theme>

--- a/tcpdump.pptx
+++ b/tcpdump.pptx
@@ -114,7 +114,7 @@
   </p:defaultTextStyle>
   <p:extLst>
     <p:ext uri="{EFAFB233-063F-42B5-8137-9DF3F51BA10A}">
-      <p15:sldGuideLst xmlns:p15="http://schemas.microsoft.com/office/powerpoint/2012/main" xmlns="">
+      <p15:sldGuideLst xmlns="" xmlns:p15="http://schemas.microsoft.com/office/powerpoint/2012/main">
         <p15:guide id="1" orient="horz" pos="2160" userDrawn="1">
           <p15:clr>
             <a:srgbClr val="A4A3A4"/>
@@ -7382,8 +7382,8 @@
         </p:nvSpPr>
         <p:spPr>
           <a:xfrm>
-            <a:off x="983432" y="2552011"/>
-            <a:ext cx="4536504" cy="741171"/>
+            <a:off x="2495600" y="2552011"/>
+            <a:ext cx="3024336" cy="741171"/>
           </a:xfrm>
           <a:prstGeom prst="roundRect">
             <a:avLst/>
@@ -8315,6 +8315,210 @@
               <a:t>驱动层</a:t>
             </a:r>
             <a:endParaRPr lang="zh-CN" altLang="en-US" sz="1600">
+              <a:latin typeface="Microsoft YaHei Mono" pitchFamily="49" charset="-122"/>
+              <a:ea typeface="Microsoft YaHei Mono" pitchFamily="49" charset="-122"/>
+            </a:endParaRPr>
+          </a:p>
+        </p:txBody>
+      </p:sp>
+      <p:sp>
+        <p:nvSpPr>
+          <p:cNvPr id="9" name="下箭头 8"/>
+          <p:cNvSpPr/>
+          <p:nvPr/>
+        </p:nvSpPr>
+        <p:spPr>
+          <a:xfrm>
+            <a:off x="1343472" y="2371324"/>
+            <a:ext cx="432048" cy="1057676"/>
+          </a:xfrm>
+          <a:prstGeom prst="downArrow">
+            <a:avLst/>
+          </a:prstGeom>
+        </p:spPr>
+        <p:style>
+          <a:lnRef idx="2">
+            <a:schemeClr val="accent6">
+              <a:shade val="50000"/>
+            </a:schemeClr>
+          </a:lnRef>
+          <a:fillRef idx="1">
+            <a:schemeClr val="accent6"/>
+          </a:fillRef>
+          <a:effectRef idx="0">
+            <a:schemeClr val="accent6"/>
+          </a:effectRef>
+          <a:fontRef idx="minor">
+            <a:schemeClr val="lt1"/>
+          </a:fontRef>
+        </p:style>
+        <p:txBody>
+          <a:bodyPr rtlCol="0" anchor="ctr"/>
+          <a:lstStyle/>
+          <a:p>
+            <a:pPr algn="ctr"/>
+            <a:endParaRPr lang="zh-CN" altLang="en-US"/>
+          </a:p>
+        </p:txBody>
+      </p:sp>
+      <p:sp>
+        <p:nvSpPr>
+          <p:cNvPr id="10" name="下箭头 9"/>
+          <p:cNvSpPr/>
+          <p:nvPr/>
+        </p:nvSpPr>
+        <p:spPr>
+          <a:xfrm rot="18962173">
+            <a:off x="2095734" y="2152094"/>
+            <a:ext cx="288032" cy="438460"/>
+          </a:xfrm>
+          <a:prstGeom prst="downArrow">
+            <a:avLst/>
+          </a:prstGeom>
+        </p:spPr>
+        <p:style>
+          <a:lnRef idx="2">
+            <a:schemeClr val="accent5">
+              <a:shade val="50000"/>
+            </a:schemeClr>
+          </a:lnRef>
+          <a:fillRef idx="1">
+            <a:schemeClr val="accent5"/>
+          </a:fillRef>
+          <a:effectRef idx="0">
+            <a:schemeClr val="accent5"/>
+          </a:effectRef>
+          <a:fontRef idx="minor">
+            <a:schemeClr val="lt1"/>
+          </a:fontRef>
+        </p:style>
+        <p:txBody>
+          <a:bodyPr rtlCol="0" anchor="ctr"/>
+          <a:lstStyle/>
+          <a:p>
+            <a:pPr algn="ctr"/>
+            <a:endParaRPr lang="zh-CN" altLang="en-US"/>
+          </a:p>
+        </p:txBody>
+      </p:sp>
+      <p:sp>
+        <p:nvSpPr>
+          <p:cNvPr id="23" name="下箭头 22"/>
+          <p:cNvSpPr/>
+          <p:nvPr/>
+        </p:nvSpPr>
+        <p:spPr>
+          <a:xfrm rot="2422344">
+            <a:off x="2095733" y="3224773"/>
+            <a:ext cx="288032" cy="438460"/>
+          </a:xfrm>
+          <a:prstGeom prst="downArrow">
+            <a:avLst/>
+          </a:prstGeom>
+        </p:spPr>
+        <p:style>
+          <a:lnRef idx="2">
+            <a:schemeClr val="accent5">
+              <a:shade val="50000"/>
+            </a:schemeClr>
+          </a:lnRef>
+          <a:fillRef idx="1">
+            <a:schemeClr val="accent5"/>
+          </a:fillRef>
+          <a:effectRef idx="0">
+            <a:schemeClr val="accent5"/>
+          </a:effectRef>
+          <a:fontRef idx="minor">
+            <a:schemeClr val="lt1"/>
+          </a:fontRef>
+        </p:style>
+        <p:txBody>
+          <a:bodyPr rtlCol="0" anchor="ctr"/>
+          <a:lstStyle/>
+          <a:p>
+            <a:pPr algn="ctr"/>
+            <a:endParaRPr lang="zh-CN" altLang="en-US"/>
+          </a:p>
+        </p:txBody>
+      </p:sp>
+      <p:sp>
+        <p:nvSpPr>
+          <p:cNvPr id="11" name="TextBox 10"/>
+          <p:cNvSpPr txBox="1"/>
+          <p:nvPr/>
+        </p:nvSpPr>
+        <p:spPr>
+          <a:xfrm>
+            <a:off x="2495600" y="2240107"/>
+            <a:ext cx="1170513" cy="307777"/>
+          </a:xfrm>
+          <a:prstGeom prst="rect">
+            <a:avLst/>
+          </a:prstGeom>
+          <a:noFill/>
+        </p:spPr>
+        <p:txBody>
+          <a:bodyPr wrap="none" rtlCol="0">
+            <a:spAutoFit/>
+          </a:bodyPr>
+          <a:lstStyle/>
+          <a:p>
+            <a:r>
+              <a:rPr lang="zh-CN" altLang="en-US" sz="1400" smtClean="0">
+                <a:solidFill>
+                  <a:schemeClr val="accent5"/>
+                </a:solidFill>
+                <a:latin typeface="Microsoft YaHei Mono" pitchFamily="49" charset="-122"/>
+                <a:ea typeface="Microsoft YaHei Mono" pitchFamily="49" charset="-122"/>
+              </a:rPr>
+              <a:t>新数据流向</a:t>
+            </a:r>
+            <a:endParaRPr lang="zh-CN" altLang="en-US" sz="1400">
+              <a:solidFill>
+                <a:schemeClr val="accent5"/>
+              </a:solidFill>
+              <a:latin typeface="Microsoft YaHei Mono" pitchFamily="49" charset="-122"/>
+              <a:ea typeface="Microsoft YaHei Mono" pitchFamily="49" charset="-122"/>
+            </a:endParaRPr>
+          </a:p>
+        </p:txBody>
+      </p:sp>
+      <p:sp>
+        <p:nvSpPr>
+          <p:cNvPr id="14" name="TextBox 13"/>
+          <p:cNvSpPr txBox="1"/>
+          <p:nvPr/>
+        </p:nvSpPr>
+        <p:spPr>
+          <a:xfrm>
+            <a:off x="964932" y="2371324"/>
+            <a:ext cx="400110" cy="990015"/>
+          </a:xfrm>
+          <a:prstGeom prst="rect">
+            <a:avLst/>
+          </a:prstGeom>
+          <a:noFill/>
+        </p:spPr>
+        <p:txBody>
+          <a:bodyPr vert="eaVert" wrap="none" rtlCol="0">
+            <a:spAutoFit/>
+          </a:bodyPr>
+          <a:lstStyle/>
+          <a:p>
+            <a:r>
+              <a:rPr lang="zh-CN" altLang="en-US" sz="1400" smtClean="0">
+                <a:solidFill>
+                  <a:schemeClr val="accent6"/>
+                </a:solidFill>
+                <a:latin typeface="Microsoft YaHei Mono" pitchFamily="49" charset="-122"/>
+                <a:ea typeface="Microsoft YaHei Mono" pitchFamily="49" charset="-122"/>
+              </a:rPr>
+              <a:t>旧数据流向</a:t>
+            </a:r>
+            <a:endParaRPr lang="zh-CN" altLang="en-US" sz="1400">
+              <a:solidFill>
+                <a:schemeClr val="accent6"/>
+              </a:solidFill>
               <a:latin typeface="Microsoft YaHei Mono" pitchFamily="49" charset="-122"/>
               <a:ea typeface="Microsoft YaHei Mono" pitchFamily="49" charset="-122"/>
             </a:endParaRPr>
@@ -8406,8 +8610,8 @@
         </p:nvSpPr>
         <p:spPr>
           <a:xfrm>
-            <a:off x="983432" y="2552011"/>
-            <a:ext cx="4536504" cy="741171"/>
+            <a:off x="2495600" y="2552011"/>
+            <a:ext cx="3024336" cy="741171"/>
           </a:xfrm>
           <a:prstGeom prst="roundRect">
             <a:avLst/>
@@ -9331,6 +9535,210 @@
             <a:endParaRPr lang="en-US" altLang="zh-CN" sz="1600" smtClean="0">
               <a:solidFill>
                 <a:srgbClr val="00B0F0"/>
+              </a:solidFill>
+              <a:latin typeface="Microsoft YaHei Mono" pitchFamily="49" charset="-122"/>
+              <a:ea typeface="Microsoft YaHei Mono" pitchFamily="49" charset="-122"/>
+            </a:endParaRPr>
+          </a:p>
+        </p:txBody>
+      </p:sp>
+      <p:sp>
+        <p:nvSpPr>
+          <p:cNvPr id="20" name="下箭头 19"/>
+          <p:cNvSpPr/>
+          <p:nvPr/>
+        </p:nvSpPr>
+        <p:spPr>
+          <a:xfrm rot="10800000">
+            <a:off x="1343472" y="2371324"/>
+            <a:ext cx="432048" cy="1057676"/>
+          </a:xfrm>
+          <a:prstGeom prst="downArrow">
+            <a:avLst/>
+          </a:prstGeom>
+        </p:spPr>
+        <p:style>
+          <a:lnRef idx="2">
+            <a:schemeClr val="accent6">
+              <a:shade val="50000"/>
+            </a:schemeClr>
+          </a:lnRef>
+          <a:fillRef idx="1">
+            <a:schemeClr val="accent6"/>
+          </a:fillRef>
+          <a:effectRef idx="0">
+            <a:schemeClr val="accent6"/>
+          </a:effectRef>
+          <a:fontRef idx="minor">
+            <a:schemeClr val="lt1"/>
+          </a:fontRef>
+        </p:style>
+        <p:txBody>
+          <a:bodyPr rtlCol="0" anchor="ctr"/>
+          <a:lstStyle/>
+          <a:p>
+            <a:pPr algn="ctr"/>
+            <a:endParaRPr lang="zh-CN" altLang="en-US"/>
+          </a:p>
+        </p:txBody>
+      </p:sp>
+      <p:sp>
+        <p:nvSpPr>
+          <p:cNvPr id="21" name="下箭头 20"/>
+          <p:cNvSpPr/>
+          <p:nvPr/>
+        </p:nvSpPr>
+        <p:spPr>
+          <a:xfrm rot="8102097">
+            <a:off x="2095734" y="2152094"/>
+            <a:ext cx="288032" cy="438460"/>
+          </a:xfrm>
+          <a:prstGeom prst="downArrow">
+            <a:avLst/>
+          </a:prstGeom>
+        </p:spPr>
+        <p:style>
+          <a:lnRef idx="2">
+            <a:schemeClr val="accent5">
+              <a:shade val="50000"/>
+            </a:schemeClr>
+          </a:lnRef>
+          <a:fillRef idx="1">
+            <a:schemeClr val="accent5"/>
+          </a:fillRef>
+          <a:effectRef idx="0">
+            <a:schemeClr val="accent5"/>
+          </a:effectRef>
+          <a:fontRef idx="minor">
+            <a:schemeClr val="lt1"/>
+          </a:fontRef>
+        </p:style>
+        <p:txBody>
+          <a:bodyPr rtlCol="0" anchor="ctr"/>
+          <a:lstStyle/>
+          <a:p>
+            <a:pPr algn="ctr"/>
+            <a:endParaRPr lang="zh-CN" altLang="en-US"/>
+          </a:p>
+        </p:txBody>
+      </p:sp>
+      <p:sp>
+        <p:nvSpPr>
+          <p:cNvPr id="22" name="下箭头 21"/>
+          <p:cNvSpPr/>
+          <p:nvPr/>
+        </p:nvSpPr>
+        <p:spPr>
+          <a:xfrm rot="13280201">
+            <a:off x="2095733" y="3183877"/>
+            <a:ext cx="288032" cy="438460"/>
+          </a:xfrm>
+          <a:prstGeom prst="downArrow">
+            <a:avLst/>
+          </a:prstGeom>
+        </p:spPr>
+        <p:style>
+          <a:lnRef idx="2">
+            <a:schemeClr val="accent5">
+              <a:shade val="50000"/>
+            </a:schemeClr>
+          </a:lnRef>
+          <a:fillRef idx="1">
+            <a:schemeClr val="accent5"/>
+          </a:fillRef>
+          <a:effectRef idx="0">
+            <a:schemeClr val="accent5"/>
+          </a:effectRef>
+          <a:fontRef idx="minor">
+            <a:schemeClr val="lt1"/>
+          </a:fontRef>
+        </p:style>
+        <p:txBody>
+          <a:bodyPr rtlCol="0" anchor="ctr"/>
+          <a:lstStyle/>
+          <a:p>
+            <a:pPr algn="ctr"/>
+            <a:endParaRPr lang="zh-CN" altLang="en-US"/>
+          </a:p>
+        </p:txBody>
+      </p:sp>
+      <p:sp>
+        <p:nvSpPr>
+          <p:cNvPr id="23" name="TextBox 22"/>
+          <p:cNvSpPr txBox="1"/>
+          <p:nvPr/>
+        </p:nvSpPr>
+        <p:spPr>
+          <a:xfrm>
+            <a:off x="2495600" y="2240107"/>
+            <a:ext cx="1170513" cy="307777"/>
+          </a:xfrm>
+          <a:prstGeom prst="rect">
+            <a:avLst/>
+          </a:prstGeom>
+          <a:noFill/>
+        </p:spPr>
+        <p:txBody>
+          <a:bodyPr wrap="none" rtlCol="0">
+            <a:spAutoFit/>
+          </a:bodyPr>
+          <a:lstStyle/>
+          <a:p>
+            <a:r>
+              <a:rPr lang="zh-CN" altLang="en-US" sz="1400" smtClean="0">
+                <a:solidFill>
+                  <a:schemeClr val="accent5"/>
+                </a:solidFill>
+                <a:latin typeface="Microsoft YaHei Mono" pitchFamily="49" charset="-122"/>
+                <a:ea typeface="Microsoft YaHei Mono" pitchFamily="49" charset="-122"/>
+              </a:rPr>
+              <a:t>新数据流向</a:t>
+            </a:r>
+            <a:endParaRPr lang="zh-CN" altLang="en-US" sz="1400">
+              <a:solidFill>
+                <a:schemeClr val="accent5"/>
+              </a:solidFill>
+              <a:latin typeface="Microsoft YaHei Mono" pitchFamily="49" charset="-122"/>
+              <a:ea typeface="Microsoft YaHei Mono" pitchFamily="49" charset="-122"/>
+            </a:endParaRPr>
+          </a:p>
+        </p:txBody>
+      </p:sp>
+      <p:sp>
+        <p:nvSpPr>
+          <p:cNvPr id="24" name="TextBox 23"/>
+          <p:cNvSpPr txBox="1"/>
+          <p:nvPr/>
+        </p:nvSpPr>
+        <p:spPr>
+          <a:xfrm>
+            <a:off x="982890" y="2457491"/>
+            <a:ext cx="400110" cy="990015"/>
+          </a:xfrm>
+          <a:prstGeom prst="rect">
+            <a:avLst/>
+          </a:prstGeom>
+          <a:noFill/>
+        </p:spPr>
+        <p:txBody>
+          <a:bodyPr vert="eaVert" wrap="none" rtlCol="0">
+            <a:spAutoFit/>
+          </a:bodyPr>
+          <a:lstStyle/>
+          <a:p>
+            <a:r>
+              <a:rPr lang="zh-CN" altLang="en-US" sz="1400" smtClean="0">
+                <a:solidFill>
+                  <a:schemeClr val="accent6"/>
+                </a:solidFill>
+                <a:latin typeface="Microsoft YaHei Mono" pitchFamily="49" charset="-122"/>
+                <a:ea typeface="Microsoft YaHei Mono" pitchFamily="49" charset="-122"/>
+              </a:rPr>
+              <a:t>旧数据流向</a:t>
+            </a:r>
+            <a:endParaRPr lang="zh-CN" altLang="en-US" sz="1400">
+              <a:solidFill>
+                <a:schemeClr val="accent6"/>
               </a:solidFill>
               <a:latin typeface="Microsoft YaHei Mono" pitchFamily="49" charset="-122"/>
               <a:ea typeface="Microsoft YaHei Mono" pitchFamily="49" charset="-122"/>
@@ -9761,6 +10169,99 @@
           </a:p>
         </p:txBody>
       </p:sp>
+      <p:sp>
+        <p:nvSpPr>
+          <p:cNvPr id="11" name="圆角矩形 10"/>
+          <p:cNvSpPr/>
+          <p:nvPr/>
+        </p:nvSpPr>
+        <p:spPr>
+          <a:xfrm>
+            <a:off x="7968208" y="3522998"/>
+            <a:ext cx="1872208" cy="576064"/>
+          </a:xfrm>
+          <a:prstGeom prst="roundRect">
+            <a:avLst/>
+          </a:prstGeom>
+        </p:spPr>
+        <p:style>
+          <a:lnRef idx="1">
+            <a:schemeClr val="accent3"/>
+          </a:lnRef>
+          <a:fillRef idx="2">
+            <a:schemeClr val="accent3"/>
+          </a:fillRef>
+          <a:effectRef idx="1">
+            <a:schemeClr val="accent3"/>
+          </a:effectRef>
+          <a:fontRef idx="minor">
+            <a:schemeClr val="dk1"/>
+          </a:fontRef>
+        </p:style>
+        <p:txBody>
+          <a:bodyPr rtlCol="0" anchor="ctr"/>
+          <a:lstStyle/>
+          <a:p>
+            <a:pPr algn="ctr"/>
+            <a:r>
+              <a:rPr lang="zh-CN" altLang="en-US" sz="1600" smtClean="0">
+                <a:latin typeface="Microsoft YaHei Mono" pitchFamily="49" charset="-122"/>
+                <a:ea typeface="Microsoft YaHei Mono" pitchFamily="49" charset="-122"/>
+              </a:rPr>
+              <a:t>邮箱接收</a:t>
+            </a:r>
+            <a:r>
+              <a:rPr lang="en-US" altLang="zh-CN" sz="1600" smtClean="0">
+                <a:latin typeface="Microsoft YaHei Mono" pitchFamily="49" charset="-122"/>
+                <a:ea typeface="Microsoft YaHei Mono" pitchFamily="49" charset="-122"/>
+              </a:rPr>
+              <a:t>packet</a:t>
+            </a:r>
+            <a:endParaRPr lang="zh-CN" altLang="en-US" sz="1600">
+              <a:latin typeface="Microsoft YaHei Mono" pitchFamily="49" charset="-122"/>
+              <a:ea typeface="Microsoft YaHei Mono" pitchFamily="49" charset="-122"/>
+            </a:endParaRPr>
+          </a:p>
+        </p:txBody>
+      </p:sp>
+      <p:sp>
+        <p:nvSpPr>
+          <p:cNvPr id="12" name="右箭头 11"/>
+          <p:cNvSpPr/>
+          <p:nvPr/>
+        </p:nvSpPr>
+        <p:spPr>
+          <a:xfrm>
+            <a:off x="6672064" y="3590620"/>
+            <a:ext cx="1152128" cy="440819"/>
+          </a:xfrm>
+          <a:prstGeom prst="rightArrow">
+            <a:avLst/>
+          </a:prstGeom>
+        </p:spPr>
+        <p:style>
+          <a:lnRef idx="1">
+            <a:schemeClr val="accent3"/>
+          </a:lnRef>
+          <a:fillRef idx="2">
+            <a:schemeClr val="accent3"/>
+          </a:fillRef>
+          <a:effectRef idx="1">
+            <a:schemeClr val="accent3"/>
+          </a:effectRef>
+          <a:fontRef idx="minor">
+            <a:schemeClr val="dk1"/>
+          </a:fontRef>
+        </p:style>
+        <p:txBody>
+          <a:bodyPr rtlCol="0" anchor="ctr"/>
+          <a:lstStyle/>
+          <a:p>
+            <a:pPr algn="ctr"/>
+            <a:endParaRPr lang="zh-CN" altLang="en-US"/>
+          </a:p>
+        </p:txBody>
+      </p:sp>
     </p:spTree>
     <p:extLst>
       <p:ext uri="{BB962C8B-B14F-4D97-AF65-F5344CB8AC3E}">
@@ -9925,7 +10426,7 @@
         </p:nvSpPr>
         <p:spPr>
           <a:xfrm>
-            <a:off x="4377003" y="2379916"/>
+            <a:off x="4598065" y="2379914"/>
             <a:ext cx="2376264" cy="564562"/>
           </a:xfrm>
           <a:prstGeom prst="roundRect">
@@ -9956,21 +10457,7 @@
                 <a:latin typeface="Microsoft YaHei Mono" pitchFamily="49" charset="-122"/>
                 <a:ea typeface="Microsoft YaHei Mono" pitchFamily="49" charset="-122"/>
               </a:rPr>
-              <a:t>t</a:t>
-            </a:r>
-            <a:r>
-              <a:rPr lang="en-US" altLang="zh-CN" sz="1200" smtClean="0">
-                <a:latin typeface="Microsoft YaHei Mono" pitchFamily="49" charset="-122"/>
-                <a:ea typeface="Microsoft YaHei Mono" pitchFamily="49" charset="-122"/>
-              </a:rPr>
-              <a:t>cpdump </a:t>
-            </a:r>
-            <a:r>
-              <a:rPr lang="en-US" altLang="zh-CN" sz="1200" smtClean="0">
-                <a:latin typeface="Microsoft YaHei Mono" pitchFamily="49" charset="-122"/>
-                <a:ea typeface="Microsoft YaHei Mono" pitchFamily="49" charset="-122"/>
-              </a:rPr>
-              <a:t>file</a:t>
+              <a:t>tcpdump file</a:t>
             </a:r>
             <a:r>
               <a:rPr lang="zh-CN" altLang="en-US" sz="1200" smtClean="0">
@@ -10001,7 +10488,7 @@
         </p:nvSpPr>
         <p:spPr>
           <a:xfrm>
-            <a:off x="6983592" y="2379918"/>
+            <a:off x="7199616" y="2379918"/>
             <a:ext cx="216024" cy="564558"/>
           </a:xfrm>
           <a:prstGeom prst="rightBrace">
@@ -10101,7 +10588,7 @@
         </p:nvSpPr>
         <p:spPr>
           <a:xfrm>
-            <a:off x="4377003" y="3650775"/>
+            <a:off x="4598538" y="3650775"/>
             <a:ext cx="2376264" cy="564562"/>
           </a:xfrm>
           <a:prstGeom prst="roundRect">
@@ -10361,8 +10848,8 @@
         </p:nvCxnSpPr>
         <p:spPr>
           <a:xfrm>
-            <a:off x="5565135" y="2944478"/>
-            <a:ext cx="0" cy="706297"/>
+            <a:off x="5786197" y="2944476"/>
+            <a:ext cx="473" cy="706299"/>
           </a:xfrm>
           <a:prstGeom prst="straightConnector1">
             <a:avLst/>
@@ -10398,7 +10885,7 @@
         <p:spPr>
           <a:xfrm flipH="1">
             <a:off x="3431702" y="3933056"/>
-            <a:ext cx="945301" cy="0"/>
+            <a:ext cx="1166836" cy="0"/>
           </a:xfrm>
           <a:prstGeom prst="straightConnector1">
             <a:avLst/>
@@ -10468,9 +10955,9 @@
           <p:nvPr/>
         </p:nvCxnSpPr>
         <p:spPr>
-          <a:xfrm>
-            <a:off x="3431703" y="2662197"/>
-            <a:ext cx="945300" cy="0"/>
+          <a:xfrm flipV="1">
+            <a:off x="3431703" y="2662195"/>
+            <a:ext cx="1166362" cy="2"/>
           </a:xfrm>
           <a:prstGeom prst="straightConnector1">
             <a:avLst/>
@@ -10505,11 +10992,11 @@
         <p:spPr>
           <a:xfrm>
             <a:off x="3431703" y="2662197"/>
-            <a:ext cx="2133432" cy="635429"/>
+            <a:ext cx="2354967" cy="635428"/>
           </a:xfrm>
           <a:prstGeom prst="bentConnector3">
             <a:avLst>
-              <a:gd name="adj1" fmla="val 22513"/>
+              <a:gd name="adj1" fmla="val 25943"/>
             </a:avLst>
           </a:prstGeom>
           <a:ln>
@@ -10554,19 +11041,203 @@
         </p:spPr>
         <p:style>
           <a:lnRef idx="1">
-            <a:schemeClr val="accent1"/>
+            <a:schemeClr val="accent4"/>
           </a:lnRef>
           <a:fillRef idx="0">
-            <a:schemeClr val="accent1"/>
+            <a:schemeClr val="accent4"/>
           </a:fillRef>
           <a:effectRef idx="0">
-            <a:schemeClr val="accent1"/>
+            <a:schemeClr val="accent4"/>
           </a:effectRef>
           <a:fontRef idx="minor">
             <a:schemeClr val="tx1"/>
           </a:fontRef>
         </p:style>
       </p:cxnSp>
+      <p:sp>
+        <p:nvSpPr>
+          <p:cNvPr id="3" name="TextBox 2"/>
+          <p:cNvSpPr txBox="1"/>
+          <p:nvPr/>
+        </p:nvSpPr>
+        <p:spPr>
+          <a:xfrm>
+            <a:off x="3439275" y="2385199"/>
+            <a:ext cx="947487" cy="276999"/>
+          </a:xfrm>
+          <a:prstGeom prst="rect">
+            <a:avLst/>
+          </a:prstGeom>
+          <a:noFill/>
+        </p:spPr>
+        <p:txBody>
+          <a:bodyPr wrap="square" rtlCol="0">
+            <a:spAutoFit/>
+          </a:bodyPr>
+          <a:lstStyle/>
+          <a:p>
+            <a:r>
+              <a:rPr lang="zh-CN" altLang="en-US" sz="1200" smtClean="0">
+                <a:solidFill>
+                  <a:schemeClr val="tx2">
+                    <a:lumMod val="60000"/>
+                    <a:lumOff val="40000"/>
+                  </a:schemeClr>
+                </a:solidFill>
+                <a:latin typeface="Microsoft YaHei Mono" pitchFamily="49" charset="-122"/>
+                <a:ea typeface="Microsoft YaHei Mono" pitchFamily="49" charset="-122"/>
+              </a:rPr>
+              <a:t>初始化？</a:t>
+            </a:r>
+            <a:endParaRPr lang="zh-CN" altLang="en-US" sz="1200">
+              <a:solidFill>
+                <a:schemeClr val="tx2">
+                  <a:lumMod val="60000"/>
+                  <a:lumOff val="40000"/>
+                </a:schemeClr>
+              </a:solidFill>
+              <a:latin typeface="Microsoft YaHei Mono" pitchFamily="49" charset="-122"/>
+              <a:ea typeface="Microsoft YaHei Mono" pitchFamily="49" charset="-122"/>
+            </a:endParaRPr>
+          </a:p>
+        </p:txBody>
+      </p:sp>
+      <p:sp>
+        <p:nvSpPr>
+          <p:cNvPr id="4" name="TextBox 3"/>
+          <p:cNvSpPr txBox="1"/>
+          <p:nvPr/>
+        </p:nvSpPr>
+        <p:spPr>
+          <a:xfrm>
+            <a:off x="3694804" y="3051405"/>
+            <a:ext cx="369332" cy="246221"/>
+          </a:xfrm>
+          <a:prstGeom prst="rect">
+            <a:avLst/>
+          </a:prstGeom>
+          <a:noFill/>
+        </p:spPr>
+        <p:txBody>
+          <a:bodyPr vert="eaVert" wrap="none" rtlCol="0">
+            <a:spAutoFit/>
+          </a:bodyPr>
+          <a:lstStyle/>
+          <a:p>
+            <a:r>
+              <a:rPr lang="zh-CN" altLang="en-US" sz="1200" smtClean="0">
+                <a:solidFill>
+                  <a:schemeClr val="accent2"/>
+                </a:solidFill>
+                <a:latin typeface="Microsoft YaHei Mono" pitchFamily="49" charset="-122"/>
+                <a:ea typeface="Microsoft YaHei Mono" pitchFamily="49" charset="-122"/>
+              </a:rPr>
+              <a:t>否</a:t>
+            </a:r>
+            <a:endParaRPr lang="zh-CN" altLang="en-US" sz="1200">
+              <a:solidFill>
+                <a:schemeClr val="accent2"/>
+              </a:solidFill>
+              <a:latin typeface="Microsoft YaHei Mono" pitchFamily="49" charset="-122"/>
+              <a:ea typeface="Microsoft YaHei Mono" pitchFamily="49" charset="-122"/>
+            </a:endParaRPr>
+          </a:p>
+        </p:txBody>
+      </p:sp>
+      <p:sp>
+        <p:nvSpPr>
+          <p:cNvPr id="12" name="TextBox 11"/>
+          <p:cNvSpPr txBox="1"/>
+          <p:nvPr/>
+        </p:nvSpPr>
+        <p:spPr>
+          <a:xfrm>
+            <a:off x="4243954" y="2385199"/>
+            <a:ext cx="354584" cy="276999"/>
+          </a:xfrm>
+          <a:prstGeom prst="rect">
+            <a:avLst/>
+          </a:prstGeom>
+          <a:noFill/>
+        </p:spPr>
+        <p:txBody>
+          <a:bodyPr wrap="none" rtlCol="0">
+            <a:spAutoFit/>
+          </a:bodyPr>
+          <a:lstStyle/>
+          <a:p>
+            <a:r>
+              <a:rPr lang="zh-CN" altLang="en-US" sz="1200" smtClean="0">
+                <a:solidFill>
+                  <a:schemeClr val="accent1"/>
+                </a:solidFill>
+                <a:latin typeface="Microsoft YaHei Mono" pitchFamily="49" charset="-122"/>
+                <a:ea typeface="Microsoft YaHei Mono" pitchFamily="49" charset="-122"/>
+              </a:rPr>
+              <a:t>是</a:t>
+            </a:r>
+            <a:endParaRPr lang="zh-CN" altLang="en-US" sz="1200">
+              <a:solidFill>
+                <a:schemeClr val="accent1"/>
+              </a:solidFill>
+              <a:latin typeface="Microsoft YaHei Mono" pitchFamily="49" charset="-122"/>
+              <a:ea typeface="Microsoft YaHei Mono" pitchFamily="49" charset="-122"/>
+            </a:endParaRPr>
+          </a:p>
+        </p:txBody>
+      </p:sp>
+      <p:sp>
+        <p:nvSpPr>
+          <p:cNvPr id="13" name="TextBox 12"/>
+          <p:cNvSpPr txBox="1"/>
+          <p:nvPr/>
+        </p:nvSpPr>
+        <p:spPr>
+          <a:xfrm>
+            <a:off x="2243572" y="4491874"/>
+            <a:ext cx="2949846" cy="307777"/>
+          </a:xfrm>
+          <a:prstGeom prst="rect">
+            <a:avLst/>
+          </a:prstGeom>
+          <a:noFill/>
+        </p:spPr>
+        <p:txBody>
+          <a:bodyPr wrap="none" rtlCol="0">
+            <a:spAutoFit/>
+          </a:bodyPr>
+          <a:lstStyle/>
+          <a:p>
+            <a:r>
+              <a:rPr lang="en-US" altLang="zh-CN" sz="1400" smtClean="0">
+                <a:solidFill>
+                  <a:schemeClr val="accent4"/>
+                </a:solidFill>
+                <a:latin typeface="Microsoft YaHei Mono" pitchFamily="49" charset="-122"/>
+                <a:ea typeface="Microsoft YaHei Mono" pitchFamily="49" charset="-122"/>
+              </a:rPr>
+              <a:t>Packet</a:t>
+            </a:r>
+            <a:r>
+              <a:rPr lang="zh-CN" altLang="en-US" sz="1400" smtClean="0">
+                <a:solidFill>
+                  <a:schemeClr val="accent4"/>
+                </a:solidFill>
+                <a:latin typeface="Microsoft YaHei Mono" pitchFamily="49" charset="-122"/>
+                <a:ea typeface="Microsoft YaHei Mono" pitchFamily="49" charset="-122"/>
+              </a:rPr>
+              <a:t>数目符号预设，保存文件</a:t>
+            </a:r>
+            <a:endParaRPr lang="zh-CN" altLang="en-US" sz="1400">
+              <a:solidFill>
+                <a:schemeClr val="accent4"/>
+              </a:solidFill>
+              <a:latin typeface="Microsoft YaHei Mono" pitchFamily="49" charset="-122"/>
+              <a:ea typeface="Microsoft YaHei Mono" pitchFamily="49" charset="-122"/>
+            </a:endParaRPr>
+          </a:p>
+        </p:txBody>
+      </p:sp>
     </p:spTree>
     <p:extLst>
       <p:ext uri="{BB962C8B-B14F-4D97-AF65-F5344CB8AC3E}">
@@ -11165,7 +11836,7 @@
   <a:extraClrSchemeLst/>
   <a:extLst>
     <a:ext uri="{05A4C25C-085E-4340-85A3-A5531E510DB2}">
-      <thm15:themeFamily xmlns:thm15="http://schemas.microsoft.com/office/thememl/2012/main" xmlns="" name="Office Theme" id="{62F939B6-93AF-4DB8-9C6B-D6C7DFDC589F}" vid="{4A3C46E8-61CC-4603-A589-7422A47A8E4A}"/>
+      <thm15:themeFamily xmlns="" xmlns:thm15="http://schemas.microsoft.com/office/thememl/2012/main" name="Office Theme" id="{62F939B6-93AF-4DB8-9C6B-D6C7DFDC589F}" vid="{4A3C46E8-61CC-4603-A589-7422A47A8E4A}"/>
     </a:ext>
   </a:extLst>
 </a:theme>

--- a/tcpdump.pptx
+++ b/tcpdump.pptx
@@ -114,7 +114,7 @@
   </p:defaultTextStyle>
   <p:extLst>
     <p:ext uri="{EFAFB233-063F-42B5-8137-9DF3F51BA10A}">
-      <p15:sldGuideLst xmlns="" xmlns:p15="http://schemas.microsoft.com/office/powerpoint/2012/main">
+      <p15:sldGuideLst xmlns:p15="http://schemas.microsoft.com/office/powerpoint/2012/main" xmlns="">
         <p15:guide id="1" orient="horz" pos="2160" userDrawn="1">
           <p15:clr>
             <a:srgbClr val="A4A3A4"/>
@@ -217,7 +217,7 @@
           <a:p>
             <a:fld id="{8846F4B9-E833-452C-BAB3-A32CAEA9F541}" type="datetimeFigureOut">
               <a:rPr lang="zh-CN" altLang="en-US" smtClean="0"/>
-              <a:t>2018/7/8</a:t>
+              <a:t>2018/7/9</a:t>
             </a:fld>
             <a:endParaRPr lang="zh-CN" altLang="en-US"/>
           </a:p>
@@ -1056,7 +1056,7 @@
             <a:fld id="{536E3643-A79B-4477-8B7F-6CA6C8BFD2C9}" type="datetimeFigureOut">
               <a:rPr lang="zh-CN" altLang="en-US" smtClean="0"/>
               <a:pPr/>
-              <a:t>2018/7/8</a:t>
+              <a:t>2018/7/9</a:t>
             </a:fld>
             <a:endParaRPr lang="zh-CN" altLang="en-US"/>
           </a:p>
@@ -1322,7 +1322,7 @@
             <a:fld id="{536E3643-A79B-4477-8B7F-6CA6C8BFD2C9}" type="datetimeFigureOut">
               <a:rPr lang="zh-CN" altLang="en-US" smtClean="0"/>
               <a:pPr/>
-              <a:t>2018/7/8</a:t>
+              <a:t>2018/7/9</a:t>
             </a:fld>
             <a:endParaRPr lang="zh-CN" altLang="en-US"/>
           </a:p>
@@ -1418,7 +1418,7 @@
             <a:fld id="{536E3643-A79B-4477-8B7F-6CA6C8BFD2C9}" type="datetimeFigureOut">
               <a:rPr lang="zh-CN" altLang="en-US" smtClean="0"/>
               <a:pPr/>
-              <a:t>2018/7/8</a:t>
+              <a:t>2018/7/9</a:t>
             </a:fld>
             <a:endParaRPr lang="zh-CN" altLang="en-US"/>
           </a:p>
@@ -1678,7 +1678,7 @@
             <a:fld id="{536E3643-A79B-4477-8B7F-6CA6C8BFD2C9}" type="datetimeFigureOut">
               <a:rPr lang="zh-CN" altLang="en-US" smtClean="0"/>
               <a:pPr/>
-              <a:t>2018/7/8</a:t>
+              <a:t>2018/7/9</a:t>
             </a:fld>
             <a:endParaRPr lang="zh-CN" altLang="en-US"/>
           </a:p>
@@ -7076,10 +7076,6 @@
               <a:pPr algn="ctr">
                 <a:buSzPct val="25000"/>
               </a:pPr>
-              <a:r>
-                <a:rPr lang="zh-CN" altLang="en-US" sz="2400" b="1" smtClean="0"/>
-                <a:t>标题文本预设</a:t>
-              </a:r>
               <a:endParaRPr lang="zh-CN" altLang="en-US" sz="2400" b="1" dirty="0"/>
             </a:p>
           </p:txBody>
@@ -9798,7 +9794,61 @@
           <a:bodyPr/>
           <a:lstStyle/>
           <a:p>
-            <a:endParaRPr lang="zh-CN" altLang="en-US"/>
+            <a:r>
+              <a:rPr lang="en-US" altLang="zh-CN">
+                <a:latin typeface="Microsoft YaHei Mono" pitchFamily="49" charset="-122"/>
+                <a:ea typeface="Microsoft YaHei Mono" pitchFamily="49" charset="-122"/>
+              </a:rPr>
+              <a:t>lwip</a:t>
+            </a:r>
+            <a:r>
+              <a:rPr lang="zh-CN" altLang="en-US">
+                <a:latin typeface="Microsoft YaHei Mono" pitchFamily="49" charset="-122"/>
+                <a:ea typeface="Microsoft YaHei Mono" pitchFamily="49" charset="-122"/>
+              </a:rPr>
+              <a:t>数据流</a:t>
+            </a:r>
+            <a:r>
+              <a:rPr lang="zh-CN" altLang="en-US">
+                <a:latin typeface="Microsoft YaHei Mono" pitchFamily="49" charset="-122"/>
+                <a:ea typeface="Microsoft YaHei Mono" pitchFamily="49" charset="-122"/>
+              </a:rPr>
+              <a:t>向</a:t>
+            </a:r>
+            <a:r>
+              <a:rPr lang="en-US" altLang="zh-CN" smtClean="0">
+                <a:latin typeface="Microsoft YaHei Mono" pitchFamily="49" charset="-122"/>
+                <a:ea typeface="Microsoft YaHei Mono" pitchFamily="49" charset="-122"/>
+              </a:rPr>
+              <a:t>-</a:t>
+            </a:r>
+            <a:r>
+              <a:rPr lang="zh-CN" altLang="en-US" smtClean="0">
+                <a:latin typeface="Microsoft YaHei Mono" pitchFamily="49" charset="-122"/>
+                <a:ea typeface="Microsoft YaHei Mono" pitchFamily="49" charset="-122"/>
+              </a:rPr>
+              <a:t>接口层</a:t>
+            </a:r>
+            <a:r>
+              <a:rPr lang="en-US" altLang="zh-CN" smtClean="0">
+                <a:latin typeface="Microsoft YaHei Mono" pitchFamily="49" charset="-122"/>
+                <a:ea typeface="Microsoft YaHei Mono" pitchFamily="49" charset="-122"/>
+                <a:sym typeface="Wingdings" pitchFamily="2" charset="2"/>
+              </a:rPr>
+              <a:t></a:t>
+            </a:r>
+            <a:r>
+              <a:rPr lang="zh-CN" altLang="en-US" smtClean="0">
+                <a:latin typeface="Microsoft YaHei Mono" pitchFamily="49" charset="-122"/>
+                <a:ea typeface="Microsoft YaHei Mono" pitchFamily="49" charset="-122"/>
+                <a:sym typeface="Wingdings" pitchFamily="2" charset="2"/>
+              </a:rPr>
+              <a:t>线程</a:t>
+            </a:r>
+            <a:endParaRPr lang="zh-CN" altLang="en-US">
+              <a:latin typeface="Microsoft YaHei Mono" pitchFamily="49" charset="-122"/>
+              <a:ea typeface="Microsoft YaHei Mono" pitchFamily="49" charset="-122"/>
+            </a:endParaRPr>
           </a:p>
         </p:txBody>
       </p:sp>
@@ -10420,13 +10470,13 @@
       </p:sp>
       <p:sp>
         <p:nvSpPr>
-          <p:cNvPr id="11" name="圆角矩形 10"/>
+          <p:cNvPr id="22" name="圆角矩形 21"/>
           <p:cNvSpPr/>
           <p:nvPr/>
         </p:nvSpPr>
         <p:spPr>
           <a:xfrm>
-            <a:off x="4598065" y="2379914"/>
+            <a:off x="4295800" y="2379914"/>
             <a:ext cx="2376264" cy="564562"/>
           </a:xfrm>
           <a:prstGeom prst="roundRect">
@@ -10453,168 +10503,6 @@
           <a:p>
             <a:pPr algn="ctr"/>
             <a:r>
-              <a:rPr lang="en-US" altLang="zh-CN" sz="1200" smtClean="0">
-                <a:latin typeface="Microsoft YaHei Mono" pitchFamily="49" charset="-122"/>
-                <a:ea typeface="Microsoft YaHei Mono" pitchFamily="49" charset="-122"/>
-              </a:rPr>
-              <a:t>tcpdump file</a:t>
-            </a:r>
-            <a:r>
-              <a:rPr lang="zh-CN" altLang="en-US" sz="1200" smtClean="0">
-                <a:latin typeface="Microsoft YaHei Mono" pitchFamily="49" charset="-122"/>
-                <a:ea typeface="Microsoft YaHei Mono" pitchFamily="49" charset="-122"/>
-              </a:rPr>
-              <a:t>初始化：</a:t>
-            </a:r>
-            <a:r>
-              <a:rPr lang="en-US" altLang="zh-CN" sz="1200" smtClean="0">
-                <a:latin typeface="Microsoft YaHei Mono" pitchFamily="49" charset="-122"/>
-                <a:ea typeface="Microsoft YaHei Mono" pitchFamily="49" charset="-122"/>
-              </a:rPr>
-              <a:t>rt_tcpdump_pcap_file_init</a:t>
-            </a:r>
-            <a:endParaRPr lang="zh-CN" altLang="en-US" sz="1200">
-              <a:latin typeface="Microsoft YaHei Mono" pitchFamily="49" charset="-122"/>
-              <a:ea typeface="Microsoft YaHei Mono" pitchFamily="49" charset="-122"/>
-            </a:endParaRPr>
-          </a:p>
-        </p:txBody>
-      </p:sp>
-      <p:sp>
-        <p:nvSpPr>
-          <p:cNvPr id="16" name="右大括号 15"/>
-          <p:cNvSpPr/>
-          <p:nvPr/>
-        </p:nvSpPr>
-        <p:spPr>
-          <a:xfrm>
-            <a:off x="7199616" y="2379918"/>
-            <a:ext cx="216024" cy="564558"/>
-          </a:xfrm>
-          <a:prstGeom prst="rightBrace">
-            <a:avLst/>
-          </a:prstGeom>
-        </p:spPr>
-        <p:style>
-          <a:lnRef idx="1">
-            <a:schemeClr val="accent1"/>
-          </a:lnRef>
-          <a:fillRef idx="0">
-            <a:schemeClr val="accent1"/>
-          </a:fillRef>
-          <a:effectRef idx="0">
-            <a:schemeClr val="accent1"/>
-          </a:effectRef>
-          <a:fontRef idx="minor">
-            <a:schemeClr val="tx1"/>
-          </a:fontRef>
-        </p:style>
-        <p:txBody>
-          <a:bodyPr rtlCol="0" anchor="ctr"/>
-          <a:lstStyle/>
-          <a:p>
-            <a:pPr algn="ctr"/>
-            <a:endParaRPr lang="zh-CN" altLang="en-US"/>
-          </a:p>
-        </p:txBody>
-      </p:sp>
-      <p:sp>
-        <p:nvSpPr>
-          <p:cNvPr id="20" name="圆角矩形 19"/>
-          <p:cNvSpPr/>
-          <p:nvPr/>
-        </p:nvSpPr>
-        <p:spPr>
-          <a:xfrm>
-            <a:off x="7619663" y="2379918"/>
-            <a:ext cx="2376265" cy="564561"/>
-          </a:xfrm>
-          <a:prstGeom prst="roundRect">
-            <a:avLst/>
-          </a:prstGeom>
-        </p:spPr>
-        <p:style>
-          <a:lnRef idx="2">
-            <a:schemeClr val="accent3"/>
-          </a:lnRef>
-          <a:fillRef idx="1">
-            <a:schemeClr val="lt1"/>
-          </a:fillRef>
-          <a:effectRef idx="0">
-            <a:schemeClr val="accent3"/>
-          </a:effectRef>
-          <a:fontRef idx="minor">
-            <a:schemeClr val="dk1"/>
-          </a:fontRef>
-        </p:style>
-        <p:txBody>
-          <a:bodyPr rtlCol="0" anchor="ctr"/>
-          <a:lstStyle/>
-          <a:p>
-            <a:pPr algn="ctr"/>
-            <a:r>
-              <a:rPr lang="zh-CN" altLang="en-US" sz="1100" smtClean="0">
-                <a:latin typeface="Microsoft YaHei Mono" pitchFamily="49" charset="-122"/>
-                <a:ea typeface="Microsoft YaHei Mono" pitchFamily="49" charset="-122"/>
-              </a:rPr>
-              <a:t>打开文件，写入</a:t>
-            </a:r>
-            <a:r>
-              <a:rPr lang="en-US" altLang="zh-CN" sz="1100" smtClean="0">
-                <a:latin typeface="Microsoft YaHei Mono" pitchFamily="49" charset="-122"/>
-                <a:ea typeface="Microsoft YaHei Mono" pitchFamily="49" charset="-122"/>
-              </a:rPr>
-              <a:t>file header</a:t>
-            </a:r>
-            <a:r>
-              <a:rPr lang="zh-CN" altLang="en-US" sz="1100" smtClean="0">
-                <a:latin typeface="Microsoft YaHei Mono" pitchFamily="49" charset="-122"/>
-                <a:ea typeface="Microsoft YaHei Mono" pitchFamily="49" charset="-122"/>
-              </a:rPr>
-              <a:t>，每次抓包只初始化一次</a:t>
-            </a:r>
-            <a:endParaRPr lang="zh-CN" altLang="en-US" sz="1100">
-              <a:latin typeface="Microsoft YaHei Mono" pitchFamily="49" charset="-122"/>
-              <a:ea typeface="Microsoft YaHei Mono" pitchFamily="49" charset="-122"/>
-            </a:endParaRPr>
-          </a:p>
-        </p:txBody>
-      </p:sp>
-      <p:sp>
-        <p:nvSpPr>
-          <p:cNvPr id="22" name="圆角矩形 21"/>
-          <p:cNvSpPr/>
-          <p:nvPr/>
-        </p:nvSpPr>
-        <p:spPr>
-          <a:xfrm>
-            <a:off x="4598538" y="3650775"/>
-            <a:ext cx="2376264" cy="564562"/>
-          </a:xfrm>
-          <a:prstGeom prst="roundRect">
-            <a:avLst/>
-          </a:prstGeom>
-        </p:spPr>
-        <p:style>
-          <a:lnRef idx="1">
-            <a:schemeClr val="accent3"/>
-          </a:lnRef>
-          <a:fillRef idx="2">
-            <a:schemeClr val="accent3"/>
-          </a:fillRef>
-          <a:effectRef idx="1">
-            <a:schemeClr val="accent3"/>
-          </a:effectRef>
-          <a:fontRef idx="minor">
-            <a:schemeClr val="dk1"/>
-          </a:fontRef>
-        </p:style>
-        <p:txBody>
-          <a:bodyPr rtlCol="0" anchor="ctr"/>
-          <a:lstStyle/>
-          <a:p>
-            <a:pPr algn="ctr"/>
-            <a:r>
               <a:rPr lang="zh-CN" altLang="en-US" sz="1200" smtClean="0">
                 <a:latin typeface="Microsoft YaHei Mono" pitchFamily="49" charset="-122"/>
                 <a:ea typeface="Microsoft YaHei Mono" pitchFamily="49" charset="-122"/>
@@ -10643,7 +10531,7 @@
         </p:nvSpPr>
         <p:spPr>
           <a:xfrm>
-            <a:off x="1055439" y="3650775"/>
+            <a:off x="7464152" y="2379916"/>
             <a:ext cx="2376263" cy="564562"/>
           </a:xfrm>
           <a:prstGeom prst="roundRect">
@@ -10699,7 +10587,7 @@
         <p:spPr>
           <a:xfrm>
             <a:off x="623392" y="1556792"/>
-            <a:ext cx="9721080" cy="4752528"/>
+            <a:ext cx="10081120" cy="4752528"/>
           </a:xfrm>
           <a:prstGeom prst="roundRect">
             <a:avLst/>
@@ -10783,7 +10671,7 @@
         </p:nvSpPr>
         <p:spPr>
           <a:xfrm>
-            <a:off x="1055439" y="4869160"/>
+            <a:off x="7466338" y="3969973"/>
             <a:ext cx="2374077" cy="564562"/>
           </a:xfrm>
           <a:prstGeom prst="roundRect">
@@ -10839,53 +10727,17 @@
       </p:sp>
       <p:cxnSp>
         <p:nvCxnSpPr>
-          <p:cNvPr id="25" name="直接箭头连接符 24"/>
+          <p:cNvPr id="6" name="直接箭头连接符 5"/>
           <p:cNvCxnSpPr>
-            <a:stCxn id="11" idx="2"/>
-            <a:endCxn id="22" idx="0"/>
+            <a:stCxn id="9" idx="3"/>
+            <a:endCxn id="22" idx="1"/>
           </p:cNvCxnSpPr>
           <p:nvPr/>
         </p:nvCxnSpPr>
         <p:spPr>
-          <a:xfrm>
-            <a:off x="5786197" y="2944476"/>
-            <a:ext cx="473" cy="706299"/>
-          </a:xfrm>
-          <a:prstGeom prst="straightConnector1">
-            <a:avLst/>
-          </a:prstGeom>
-          <a:ln>
-            <a:tailEnd type="arrow"/>
-          </a:ln>
-        </p:spPr>
-        <p:style>
-          <a:lnRef idx="1">
-            <a:schemeClr val="accent1"/>
-          </a:lnRef>
-          <a:fillRef idx="0">
-            <a:schemeClr val="accent1"/>
-          </a:fillRef>
-          <a:effectRef idx="0">
-            <a:schemeClr val="accent1"/>
-          </a:effectRef>
-          <a:fontRef idx="minor">
-            <a:schemeClr val="tx1"/>
-          </a:fontRef>
-        </p:style>
-      </p:cxnSp>
-      <p:cxnSp>
-        <p:nvCxnSpPr>
-          <p:cNvPr id="30" name="直接箭头连接符 29"/>
-          <p:cNvCxnSpPr>
-            <a:stCxn id="22" idx="1"/>
-            <a:endCxn id="26" idx="3"/>
-          </p:cNvCxnSpPr>
-          <p:nvPr/>
-        </p:nvCxnSpPr>
-        <p:spPr>
-          <a:xfrm flipH="1">
-            <a:off x="3431702" y="3933056"/>
-            <a:ext cx="1166836" cy="0"/>
+          <a:xfrm flipV="1">
+            <a:off x="3431703" y="2662195"/>
+            <a:ext cx="864097" cy="2"/>
           </a:xfrm>
           <a:prstGeom prst="straightConnector1">
             <a:avLst/>
@@ -10911,17 +10763,17 @@
       </p:cxnSp>
       <p:cxnSp>
         <p:nvCxnSpPr>
-          <p:cNvPr id="33" name="直接箭头连接符 32"/>
+          <p:cNvPr id="8" name="直接箭头连接符 7"/>
           <p:cNvCxnSpPr>
-            <a:stCxn id="26" idx="0"/>
-            <a:endCxn id="9" idx="2"/>
+            <a:stCxn id="22" idx="3"/>
+            <a:endCxn id="26" idx="1"/>
           </p:cNvCxnSpPr>
           <p:nvPr/>
         </p:nvCxnSpPr>
         <p:spPr>
-          <a:xfrm flipV="1">
-            <a:off x="2243571" y="2944478"/>
-            <a:ext cx="1" cy="706297"/>
+          <a:xfrm>
+            <a:off x="6672064" y="2662195"/>
+            <a:ext cx="792088" cy="2"/>
           </a:xfrm>
           <a:prstGeom prst="straightConnector1">
             <a:avLst/>
@@ -10947,17 +10799,17 @@
       </p:cxnSp>
       <p:cxnSp>
         <p:nvCxnSpPr>
-          <p:cNvPr id="49" name="直接箭头连接符 48"/>
+          <p:cNvPr id="14" name="直接箭头连接符 13"/>
           <p:cNvCxnSpPr>
-            <a:stCxn id="9" idx="3"/>
-            <a:endCxn id="11" idx="1"/>
+            <a:stCxn id="26" idx="2"/>
+            <a:endCxn id="32" idx="0"/>
           </p:cNvCxnSpPr>
           <p:nvPr/>
         </p:nvCxnSpPr>
         <p:spPr>
-          <a:xfrm flipV="1">
-            <a:off x="3431703" y="2662195"/>
-            <a:ext cx="1166362" cy="2"/>
+          <a:xfrm>
+            <a:off x="8652284" y="2944478"/>
+            <a:ext cx="1093" cy="1025495"/>
           </a:xfrm>
           <a:prstGeom prst="straightConnector1">
             <a:avLst/>
@@ -10968,13 +10820,13 @@
         </p:spPr>
         <p:style>
           <a:lnRef idx="1">
-            <a:schemeClr val="accent1"/>
+            <a:schemeClr val="accent5"/>
           </a:lnRef>
           <a:fillRef idx="0">
-            <a:schemeClr val="accent1"/>
+            <a:schemeClr val="accent5"/>
           </a:fillRef>
           <a:effectRef idx="0">
-            <a:schemeClr val="accent1"/>
+            <a:schemeClr val="accent5"/>
           </a:effectRef>
           <a:fontRef idx="minor">
             <a:schemeClr val="tx1"/>
@@ -10983,20 +10835,21 @@
       </p:cxnSp>
       <p:cxnSp>
         <p:nvCxnSpPr>
-          <p:cNvPr id="59" name="肘形连接符 58"/>
+          <p:cNvPr id="17" name="肘形连接符 16"/>
           <p:cNvCxnSpPr>
-            <a:stCxn id="9" idx="3"/>
+            <a:stCxn id="26" idx="2"/>
+            <a:endCxn id="9" idx="2"/>
           </p:cNvCxnSpPr>
           <p:nvPr/>
         </p:nvCxnSpPr>
         <p:spPr>
-          <a:xfrm>
-            <a:off x="3431703" y="2662197"/>
-            <a:ext cx="2354967" cy="635428"/>
+          <a:xfrm rot="5400000">
+            <a:off x="5447928" y="-259878"/>
+            <a:ext cx="12700" cy="6408712"/>
           </a:xfrm>
           <a:prstGeom prst="bentConnector3">
             <a:avLst>
-              <a:gd name="adj1" fmla="val 25943"/>
+              <a:gd name="adj1" fmla="val 3834780"/>
             </a:avLst>
           </a:prstGeom>
           <a:ln>
@@ -11018,142 +10871,16 @@
           </a:fontRef>
         </p:style>
       </p:cxnSp>
-      <p:cxnSp>
-        <p:nvCxnSpPr>
-          <p:cNvPr id="62" name="直接箭头连接符 61"/>
-          <p:cNvCxnSpPr>
-            <a:stCxn id="26" idx="2"/>
-            <a:endCxn id="32" idx="0"/>
-          </p:cNvCxnSpPr>
-          <p:nvPr/>
-        </p:nvCxnSpPr>
-        <p:spPr>
-          <a:xfrm flipH="1">
-            <a:off x="2242478" y="4215337"/>
-            <a:ext cx="1093" cy="653823"/>
-          </a:xfrm>
-          <a:prstGeom prst="straightConnector1">
-            <a:avLst/>
-          </a:prstGeom>
-          <a:ln>
-            <a:tailEnd type="arrow"/>
-          </a:ln>
-        </p:spPr>
-        <p:style>
-          <a:lnRef idx="1">
-            <a:schemeClr val="accent4"/>
-          </a:lnRef>
-          <a:fillRef idx="0">
-            <a:schemeClr val="accent4"/>
-          </a:fillRef>
-          <a:effectRef idx="0">
-            <a:schemeClr val="accent4"/>
-          </a:effectRef>
-          <a:fontRef idx="minor">
-            <a:schemeClr val="tx1"/>
-          </a:fontRef>
-        </p:style>
-      </p:cxnSp>
       <p:sp>
         <p:nvSpPr>
-          <p:cNvPr id="3" name="TextBox 2"/>
+          <p:cNvPr id="31" name="TextBox 30"/>
           <p:cNvSpPr txBox="1"/>
           <p:nvPr/>
         </p:nvSpPr>
         <p:spPr>
           <a:xfrm>
-            <a:off x="3439275" y="2385199"/>
-            <a:ext cx="947487" cy="276999"/>
-          </a:xfrm>
-          <a:prstGeom prst="rect">
-            <a:avLst/>
-          </a:prstGeom>
-          <a:noFill/>
-        </p:spPr>
-        <p:txBody>
-          <a:bodyPr wrap="square" rtlCol="0">
-            <a:spAutoFit/>
-          </a:bodyPr>
-          <a:lstStyle/>
-          <a:p>
-            <a:r>
-              <a:rPr lang="zh-CN" altLang="en-US" sz="1200" smtClean="0">
-                <a:solidFill>
-                  <a:schemeClr val="tx2">
-                    <a:lumMod val="60000"/>
-                    <a:lumOff val="40000"/>
-                  </a:schemeClr>
-                </a:solidFill>
-                <a:latin typeface="Microsoft YaHei Mono" pitchFamily="49" charset="-122"/>
-                <a:ea typeface="Microsoft YaHei Mono" pitchFamily="49" charset="-122"/>
-              </a:rPr>
-              <a:t>初始化？</a:t>
-            </a:r>
-            <a:endParaRPr lang="zh-CN" altLang="en-US" sz="1200">
-              <a:solidFill>
-                <a:schemeClr val="tx2">
-                  <a:lumMod val="60000"/>
-                  <a:lumOff val="40000"/>
-                </a:schemeClr>
-              </a:solidFill>
-              <a:latin typeface="Microsoft YaHei Mono" pitchFamily="49" charset="-122"/>
-              <a:ea typeface="Microsoft YaHei Mono" pitchFamily="49" charset="-122"/>
-            </a:endParaRPr>
-          </a:p>
-        </p:txBody>
-      </p:sp>
-      <p:sp>
-        <p:nvSpPr>
-          <p:cNvPr id="4" name="TextBox 3"/>
-          <p:cNvSpPr txBox="1"/>
-          <p:nvPr/>
-        </p:nvSpPr>
-        <p:spPr>
-          <a:xfrm>
-            <a:off x="3694804" y="3051405"/>
-            <a:ext cx="369332" cy="246221"/>
-          </a:xfrm>
-          <a:prstGeom prst="rect">
-            <a:avLst/>
-          </a:prstGeom>
-          <a:noFill/>
-        </p:spPr>
-        <p:txBody>
-          <a:bodyPr vert="eaVert" wrap="none" rtlCol="0">
-            <a:spAutoFit/>
-          </a:bodyPr>
-          <a:lstStyle/>
-          <a:p>
-            <a:r>
-              <a:rPr lang="zh-CN" altLang="en-US" sz="1200" smtClean="0">
-                <a:solidFill>
-                  <a:schemeClr val="accent2"/>
-                </a:solidFill>
-                <a:latin typeface="Microsoft YaHei Mono" pitchFamily="49" charset="-122"/>
-                <a:ea typeface="Microsoft YaHei Mono" pitchFamily="49" charset="-122"/>
-              </a:rPr>
-              <a:t>否</a:t>
-            </a:r>
-            <a:endParaRPr lang="zh-CN" altLang="en-US" sz="1200">
-              <a:solidFill>
-                <a:schemeClr val="accent2"/>
-              </a:solidFill>
-              <a:latin typeface="Microsoft YaHei Mono" pitchFamily="49" charset="-122"/>
-              <a:ea typeface="Microsoft YaHei Mono" pitchFamily="49" charset="-122"/>
-            </a:endParaRPr>
-          </a:p>
-        </p:txBody>
-      </p:sp>
-      <p:sp>
-        <p:nvSpPr>
-          <p:cNvPr id="12" name="TextBox 11"/>
-          <p:cNvSpPr txBox="1"/>
-          <p:nvPr/>
-        </p:nvSpPr>
-        <p:spPr>
-          <a:xfrm>
-            <a:off x="4243954" y="2385199"/>
-            <a:ext cx="354584" cy="276999"/>
+            <a:off x="8721485" y="3662196"/>
+            <a:ext cx="1866217" cy="307777"/>
           </a:xfrm>
           <a:prstGeom prst="rect">
             <a:avLst/>
@@ -11167,70 +10894,58 @@
           <a:lstStyle/>
           <a:p>
             <a:r>
-              <a:rPr lang="zh-CN" altLang="en-US" sz="1200" smtClean="0">
+              <a:rPr lang="en-US" altLang="zh-CN" sz="1400">
                 <a:solidFill>
-                  <a:schemeClr val="accent1"/>
+                  <a:srgbClr val="00B0F0"/>
                 </a:solidFill>
                 <a:latin typeface="Microsoft YaHei Mono" pitchFamily="49" charset="-122"/>
                 <a:ea typeface="Microsoft YaHei Mono" pitchFamily="49" charset="-122"/>
               </a:rPr>
-              <a:t>是</a:t>
-            </a:r>
-            <a:endParaRPr lang="zh-CN" altLang="en-US" sz="1200">
-              <a:solidFill>
-                <a:schemeClr val="accent1"/>
-              </a:solidFill>
-              <a:latin typeface="Microsoft YaHei Mono" pitchFamily="49" charset="-122"/>
-              <a:ea typeface="Microsoft YaHei Mono" pitchFamily="49" charset="-122"/>
-            </a:endParaRPr>
-          </a:p>
-        </p:txBody>
-      </p:sp>
-      <p:sp>
-        <p:nvSpPr>
-          <p:cNvPr id="13" name="TextBox 12"/>
-          <p:cNvSpPr txBox="1"/>
-          <p:nvPr/>
-        </p:nvSpPr>
-        <p:spPr>
-          <a:xfrm>
-            <a:off x="2243572" y="4491874"/>
-            <a:ext cx="2949846" cy="307777"/>
-          </a:xfrm>
-          <a:prstGeom prst="rect">
-            <a:avLst/>
-          </a:prstGeom>
-          <a:noFill/>
-        </p:spPr>
-        <p:txBody>
-          <a:bodyPr wrap="none" rtlCol="0">
-            <a:spAutoFit/>
-          </a:bodyPr>
-          <a:lstStyle/>
-          <a:p>
+              <a:t>m</a:t>
+            </a:r>
             <a:r>
               <a:rPr lang="en-US" altLang="zh-CN" sz="1400" smtClean="0">
                 <a:solidFill>
-                  <a:schemeClr val="accent4"/>
+                  <a:srgbClr val="00B0F0"/>
                 </a:solidFill>
                 <a:latin typeface="Microsoft YaHei Mono" pitchFamily="49" charset="-122"/>
                 <a:ea typeface="Microsoft YaHei Mono" pitchFamily="49" charset="-122"/>
               </a:rPr>
-              <a:t>Packet</a:t>
+              <a:t>sh</a:t>
             </a:r>
             <a:r>
               <a:rPr lang="zh-CN" altLang="en-US" sz="1400" smtClean="0">
                 <a:solidFill>
-                  <a:schemeClr val="accent4"/>
+                  <a:srgbClr val="00B0F0"/>
                 </a:solidFill>
                 <a:latin typeface="Microsoft YaHei Mono" pitchFamily="49" charset="-122"/>
                 <a:ea typeface="Microsoft YaHei Mono" pitchFamily="49" charset="-122"/>
               </a:rPr>
-              <a:t>数目符号预设，保存文件</a:t>
+              <a:t>接收到</a:t>
+            </a:r>
+            <a:r>
+              <a:rPr lang="en-US" altLang="zh-CN" sz="1400" smtClean="0">
+                <a:solidFill>
+                  <a:srgbClr val="00B0F0"/>
+                </a:solidFill>
+                <a:latin typeface="Microsoft YaHei Mono" pitchFamily="49" charset="-122"/>
+                <a:ea typeface="Microsoft YaHei Mono" pitchFamily="49" charset="-122"/>
+              </a:rPr>
+              <a:t>stop</a:t>
+            </a:r>
+            <a:r>
+              <a:rPr lang="zh-CN" altLang="en-US" sz="1400" smtClean="0">
+                <a:solidFill>
+                  <a:srgbClr val="00B0F0"/>
+                </a:solidFill>
+                <a:latin typeface="Microsoft YaHei Mono" pitchFamily="49" charset="-122"/>
+                <a:ea typeface="Microsoft YaHei Mono" pitchFamily="49" charset="-122"/>
+              </a:rPr>
+              <a:t>命令</a:t>
             </a:r>
             <a:endParaRPr lang="zh-CN" altLang="en-US" sz="1400">
               <a:solidFill>
-                <a:schemeClr val="accent4"/>
+                <a:srgbClr val="00B0F0"/>
               </a:solidFill>
               <a:latin typeface="Microsoft YaHei Mono" pitchFamily="49" charset="-122"/>
               <a:ea typeface="Microsoft YaHei Mono" pitchFamily="49" charset="-122"/>
@@ -11836,7 +11551,7 @@
   <a:extraClrSchemeLst/>
   <a:extLst>
     <a:ext uri="{05A4C25C-085E-4340-85A3-A5531E510DB2}">
-      <thm15:themeFamily xmlns="" xmlns:thm15="http://schemas.microsoft.com/office/thememl/2012/main" name="Office Theme" id="{62F939B6-93AF-4DB8-9C6B-D6C7DFDC589F}" vid="{4A3C46E8-61CC-4603-A589-7422A47A8E4A}"/>
+      <thm15:themeFamily xmlns:thm15="http://schemas.microsoft.com/office/thememl/2012/main" xmlns="" name="Office Theme" id="{62F939B6-93AF-4DB8-9C6B-D6C7DFDC589F}" vid="{4A3C46E8-61CC-4603-A589-7422A47A8E4A}"/>
     </a:ext>
   </a:extLst>
 </a:theme>

--- a/tcpdump.pptx
+++ b/tcpdump.pptx
@@ -5,15 +5,16 @@
     <p:sldMasterId id="2147483656" r:id="rId1"/>
   </p:sldMasterIdLst>
   <p:notesMasterIdLst>
-    <p:notesMasterId r:id="rId8"/>
+    <p:notesMasterId r:id="rId9"/>
   </p:notesMasterIdLst>
   <p:sldIdLst>
     <p:sldId id="258" r:id="rId2"/>
     <p:sldId id="313" r:id="rId3"/>
     <p:sldId id="316" r:id="rId4"/>
     <p:sldId id="315" r:id="rId5"/>
-    <p:sldId id="319" r:id="rId6"/>
-    <p:sldId id="317" r:id="rId7"/>
+    <p:sldId id="320" r:id="rId6"/>
+    <p:sldId id="319" r:id="rId7"/>
+    <p:sldId id="317" r:id="rId8"/>
   </p:sldIdLst>
   <p:sldSz cx="12192000" cy="6858000"/>
   <p:notesSz cx="6858000" cy="9144000"/>
@@ -114,7 +115,7 @@
   </p:defaultTextStyle>
   <p:extLst>
     <p:ext uri="{EFAFB233-063F-42B5-8137-9DF3F51BA10A}">
-      <p15:sldGuideLst xmlns:p15="http://schemas.microsoft.com/office/powerpoint/2012/main" xmlns="">
+      <p15:sldGuideLst xmlns="" xmlns:p15="http://schemas.microsoft.com/office/powerpoint/2012/main">
         <p15:guide id="1" orient="horz" pos="2160" userDrawn="1">
           <p15:clr>
             <a:srgbClr val="A4A3A4"/>
@@ -217,7 +218,7 @@
           <a:p>
             <a:fld id="{8846F4B9-E833-452C-BAB3-A32CAEA9F541}" type="datetimeFigureOut">
               <a:rPr lang="zh-CN" altLang="en-US" smtClean="0"/>
-              <a:t>2018/7/9</a:t>
+              <a:t>2018/7/13</a:t>
             </a:fld>
             <a:endParaRPr lang="zh-CN" altLang="en-US"/>
           </a:p>
@@ -549,7 +550,7 @@
           <a:p>
             <a:fld id="{0328CFAC-F816-40AD-A33C-FCF3FC1EA0A4}" type="slidenum">
               <a:rPr lang="zh-CN" altLang="en-US" smtClean="0"/>
-              <a:t>6</a:t>
+              <a:t>7</a:t>
             </a:fld>
             <a:endParaRPr lang="zh-CN" altLang="en-US"/>
           </a:p>
@@ -1056,7 +1057,7 @@
             <a:fld id="{536E3643-A79B-4477-8B7F-6CA6C8BFD2C9}" type="datetimeFigureOut">
               <a:rPr lang="zh-CN" altLang="en-US" smtClean="0"/>
               <a:pPr/>
-              <a:t>2018/7/9</a:t>
+              <a:t>2018/7/13</a:t>
             </a:fld>
             <a:endParaRPr lang="zh-CN" altLang="en-US"/>
           </a:p>
@@ -1322,7 +1323,7 @@
             <a:fld id="{536E3643-A79B-4477-8B7F-6CA6C8BFD2C9}" type="datetimeFigureOut">
               <a:rPr lang="zh-CN" altLang="en-US" smtClean="0"/>
               <a:pPr/>
-              <a:t>2018/7/9</a:t>
+              <a:t>2018/7/13</a:t>
             </a:fld>
             <a:endParaRPr lang="zh-CN" altLang="en-US"/>
           </a:p>
@@ -1418,7 +1419,7 @@
             <a:fld id="{536E3643-A79B-4477-8B7F-6CA6C8BFD2C9}" type="datetimeFigureOut">
               <a:rPr lang="zh-CN" altLang="en-US" smtClean="0"/>
               <a:pPr/>
-              <a:t>2018/7/9</a:t>
+              <a:t>2018/7/13</a:t>
             </a:fld>
             <a:endParaRPr lang="zh-CN" altLang="en-US"/>
           </a:p>
@@ -1678,7 +1679,7 @@
             <a:fld id="{536E3643-A79B-4477-8B7F-6CA6C8BFD2C9}" type="datetimeFigureOut">
               <a:rPr lang="zh-CN" altLang="en-US" smtClean="0"/>
               <a:pPr/>
-              <a:t>2018/7/9</a:t>
+              <a:t>2018/7/13</a:t>
             </a:fld>
             <a:endParaRPr lang="zh-CN" altLang="en-US"/>
           </a:p>
@@ -2132,18 +2133,30 @@
           <a:lstStyle/>
           <a:p>
             <a:r>
-              <a:rPr lang="en-US" altLang="zh-CN"/>
+              <a:rPr lang="en-US" altLang="zh-CN">
+                <a:latin typeface="Microsoft YaHei Mono" pitchFamily="49" charset="-122"/>
+                <a:ea typeface="Microsoft YaHei Mono" pitchFamily="49" charset="-122"/>
+              </a:rPr>
               <a:t>t</a:t>
             </a:r>
             <a:r>
-              <a:rPr lang="en-US" altLang="zh-CN" smtClean="0"/>
+              <a:rPr lang="en-US" altLang="zh-CN" smtClean="0">
+                <a:latin typeface="Microsoft YaHei Mono" pitchFamily="49" charset="-122"/>
+                <a:ea typeface="Microsoft YaHei Mono" pitchFamily="49" charset="-122"/>
+              </a:rPr>
               <a:t>cpdump</a:t>
             </a:r>
             <a:r>
-              <a:rPr lang="zh-CN" altLang="en-US" smtClean="0"/>
+              <a:rPr lang="zh-CN" altLang="en-US" smtClean="0">
+                <a:latin typeface="Microsoft YaHei Mono" pitchFamily="49" charset="-122"/>
+                <a:ea typeface="Microsoft YaHei Mono" pitchFamily="49" charset="-122"/>
+              </a:rPr>
               <a:t>数据结构</a:t>
             </a:r>
-            <a:endParaRPr lang="zh-CN" altLang="en-US"/>
+            <a:endParaRPr lang="zh-CN" altLang="en-US">
+              <a:latin typeface="Microsoft YaHei Mono" pitchFamily="49" charset="-122"/>
+              <a:ea typeface="Microsoft YaHei Mono" pitchFamily="49" charset="-122"/>
+            </a:endParaRPr>
           </a:p>
         </p:txBody>
       </p:sp>
@@ -9799,6 +9812,79 @@
                 <a:latin typeface="Microsoft YaHei Mono" pitchFamily="49" charset="-122"/>
                 <a:ea typeface="Microsoft YaHei Mono" pitchFamily="49" charset="-122"/>
               </a:rPr>
+              <a:t>t</a:t>
+            </a:r>
+            <a:r>
+              <a:rPr lang="en-US" altLang="zh-CN" smtClean="0">
+                <a:latin typeface="Microsoft YaHei Mono" pitchFamily="49" charset="-122"/>
+                <a:ea typeface="Microsoft YaHei Mono" pitchFamily="49" charset="-122"/>
+              </a:rPr>
+              <a:t>cpdump</a:t>
+            </a:r>
+            <a:r>
+              <a:rPr lang="zh-CN" altLang="en-US" smtClean="0">
+                <a:latin typeface="Microsoft YaHei Mono" pitchFamily="49" charset="-122"/>
+                <a:ea typeface="Microsoft YaHei Mono" pitchFamily="49" charset="-122"/>
+              </a:rPr>
+              <a:t>程序流程图</a:t>
+            </a:r>
+            <a:endParaRPr lang="zh-CN" altLang="en-US">
+              <a:latin typeface="Microsoft YaHei Mono" pitchFamily="49" charset="-122"/>
+              <a:ea typeface="Microsoft YaHei Mono" pitchFamily="49" charset="-122"/>
+            </a:endParaRPr>
+          </a:p>
+        </p:txBody>
+      </p:sp>
+    </p:spTree>
+    <p:extLst>
+      <p:ext uri="{BB962C8B-B14F-4D97-AF65-F5344CB8AC3E}">
+        <p14:creationId xmlns:p14="http://schemas.microsoft.com/office/powerpoint/2010/main" val="4162951865"/>
+      </p:ext>
+    </p:extLst>
+  </p:cSld>
+  <p:clrMapOvr>
+    <a:masterClrMapping/>
+  </p:clrMapOvr>
+</p:sld>
+</file>
+
+<file path=ppt/slides/slide6.xml><?xml version="1.0" encoding="utf-8"?>
+<p:sld xmlns:a="http://schemas.openxmlformats.org/drawingml/2006/main" xmlns:r="http://schemas.openxmlformats.org/officeDocument/2006/relationships" xmlns:p="http://schemas.openxmlformats.org/presentationml/2006/main">
+  <p:cSld>
+    <p:spTree>
+      <p:nvGrpSpPr>
+        <p:cNvPr id="1" name=""/>
+        <p:cNvGrpSpPr/>
+        <p:nvPr/>
+      </p:nvGrpSpPr>
+      <p:grpSpPr>
+        <a:xfrm>
+          <a:off x="0" y="0"/>
+          <a:ext cx="0" cy="0"/>
+          <a:chOff x="0" y="0"/>
+          <a:chExt cx="0" cy="0"/>
+        </a:xfrm>
+      </p:grpSpPr>
+      <p:sp>
+        <p:nvSpPr>
+          <p:cNvPr id="2" name="标题 1"/>
+          <p:cNvSpPr>
+            <a:spLocks noGrp="1"/>
+          </p:cNvSpPr>
+          <p:nvPr>
+            <p:ph type="title"/>
+          </p:nvPr>
+        </p:nvSpPr>
+        <p:spPr/>
+        <p:txBody>
+          <a:bodyPr/>
+          <a:lstStyle/>
+          <a:p>
+            <a:r>
+              <a:rPr lang="en-US" altLang="zh-CN">
+                <a:latin typeface="Microsoft YaHei Mono" pitchFamily="49" charset="-122"/>
+                <a:ea typeface="Microsoft YaHei Mono" pitchFamily="49" charset="-122"/>
+              </a:rPr>
               <a:t>lwip</a:t>
             </a:r>
             <a:r>
@@ -9806,14 +9892,7 @@
                 <a:latin typeface="Microsoft YaHei Mono" pitchFamily="49" charset="-122"/>
                 <a:ea typeface="Microsoft YaHei Mono" pitchFamily="49" charset="-122"/>
               </a:rPr>
-              <a:t>数据流</a:t>
-            </a:r>
-            <a:r>
-              <a:rPr lang="zh-CN" altLang="en-US">
-                <a:latin typeface="Microsoft YaHei Mono" pitchFamily="49" charset="-122"/>
-                <a:ea typeface="Microsoft YaHei Mono" pitchFamily="49" charset="-122"/>
-              </a:rPr>
-              <a:t>向</a:t>
+              <a:t>数据流向</a:t>
             </a:r>
             <a:r>
               <a:rPr lang="en-US" altLang="zh-CN" smtClean="0">
@@ -10332,7 +10411,7 @@
 </p:sld>
 </file>
 
-<file path=ppt/slides/slide6.xml><?xml version="1.0" encoding="utf-8"?>
+<file path=ppt/slides/slide7.xml><?xml version="1.0" encoding="utf-8"?>
 <p:sld xmlns:a="http://schemas.openxmlformats.org/drawingml/2006/main" xmlns:r="http://schemas.openxmlformats.org/officeDocument/2006/relationships" xmlns:p="http://schemas.openxmlformats.org/presentationml/2006/main">
   <p:cSld>
     <p:spTree>
@@ -11551,7 +11630,7 @@
   <a:extraClrSchemeLst/>
   <a:extLst>
     <a:ext uri="{05A4C25C-085E-4340-85A3-A5531E510DB2}">
-      <thm15:themeFamily xmlns:thm15="http://schemas.microsoft.com/office/thememl/2012/main" xmlns="" name="Office Theme" id="{62F939B6-93AF-4DB8-9C6B-D6C7DFDC589F}" vid="{4A3C46E8-61CC-4603-A589-7422A47A8E4A}"/>
+      <thm15:themeFamily xmlns="" xmlns:thm15="http://schemas.microsoft.com/office/thememl/2012/main" name="Office Theme" id="{62F939B6-93AF-4DB8-9C6B-D6C7DFDC589F}" vid="{4A3C46E8-61CC-4603-A589-7422A47A8E4A}"/>
     </a:ext>
   </a:extLst>
 </a:theme>

--- a/tcpdump.pptx
+++ b/tcpdump.pptx
@@ -5,16 +5,17 @@
     <p:sldMasterId id="2147483656" r:id="rId1"/>
   </p:sldMasterIdLst>
   <p:notesMasterIdLst>
-    <p:notesMasterId r:id="rId9"/>
+    <p:notesMasterId r:id="rId10"/>
   </p:notesMasterIdLst>
   <p:sldIdLst>
     <p:sldId id="258" r:id="rId2"/>
-    <p:sldId id="313" r:id="rId3"/>
-    <p:sldId id="316" r:id="rId4"/>
-    <p:sldId id="315" r:id="rId5"/>
-    <p:sldId id="320" r:id="rId6"/>
+    <p:sldId id="324" r:id="rId3"/>
+    <p:sldId id="313" r:id="rId4"/>
+    <p:sldId id="316" r:id="rId5"/>
+    <p:sldId id="315" r:id="rId6"/>
     <p:sldId id="319" r:id="rId7"/>
-    <p:sldId id="317" r:id="rId8"/>
+    <p:sldId id="321" r:id="rId8"/>
+    <p:sldId id="320" r:id="rId9"/>
   </p:sldIdLst>
   <p:sldSz cx="12192000" cy="6858000"/>
   <p:notesSz cx="6858000" cy="9144000"/>
@@ -218,7 +219,7 @@
           <a:p>
             <a:fld id="{8846F4B9-E833-452C-BAB3-A32CAEA9F541}" type="datetimeFigureOut">
               <a:rPr lang="zh-CN" altLang="en-US" smtClean="0"/>
-              <a:t>2018/7/13</a:t>
+              <a:t>2018/7/17</a:t>
             </a:fld>
             <a:endParaRPr lang="zh-CN" altLang="en-US"/>
           </a:p>
@@ -483,90 +484,6 @@
     </a:lvl9pPr>
   </p:notesStyle>
 </p:notesMaster>
-</file>
-
-<file path=ppt/notesSlides/notesSlide1.xml><?xml version="1.0" encoding="utf-8"?>
-<p:notes xmlns:a="http://schemas.openxmlformats.org/drawingml/2006/main" xmlns:r="http://schemas.openxmlformats.org/officeDocument/2006/relationships" xmlns:p="http://schemas.openxmlformats.org/presentationml/2006/main">
-  <p:cSld>
-    <p:spTree>
-      <p:nvGrpSpPr>
-        <p:cNvPr id="1" name=""/>
-        <p:cNvGrpSpPr/>
-        <p:nvPr/>
-      </p:nvGrpSpPr>
-      <p:grpSpPr>
-        <a:xfrm>
-          <a:off x="0" y="0"/>
-          <a:ext cx="0" cy="0"/>
-          <a:chOff x="0" y="0"/>
-          <a:chExt cx="0" cy="0"/>
-        </a:xfrm>
-      </p:grpSpPr>
-      <p:sp>
-        <p:nvSpPr>
-          <p:cNvPr id="2" name="幻灯片图像占位符 1"/>
-          <p:cNvSpPr>
-            <a:spLocks noGrp="1" noRot="1" noChangeAspect="1"/>
-          </p:cNvSpPr>
-          <p:nvPr>
-            <p:ph type="sldImg"/>
-          </p:nvPr>
-        </p:nvSpPr>
-        <p:spPr/>
-      </p:sp>
-      <p:sp>
-        <p:nvSpPr>
-          <p:cNvPr id="3" name="备注占位符 2"/>
-          <p:cNvSpPr>
-            <a:spLocks noGrp="1"/>
-          </p:cNvSpPr>
-          <p:nvPr>
-            <p:ph type="body" idx="1"/>
-          </p:nvPr>
-        </p:nvSpPr>
-        <p:spPr/>
-        <p:txBody>
-          <a:bodyPr/>
-          <a:lstStyle/>
-          <a:p>
-            <a:endParaRPr lang="zh-CN" altLang="en-US"/>
-          </a:p>
-        </p:txBody>
-      </p:sp>
-      <p:sp>
-        <p:nvSpPr>
-          <p:cNvPr id="4" name="灯片编号占位符 3"/>
-          <p:cNvSpPr>
-            <a:spLocks noGrp="1"/>
-          </p:cNvSpPr>
-          <p:nvPr>
-            <p:ph type="sldNum" sz="quarter" idx="10"/>
-          </p:nvPr>
-        </p:nvSpPr>
-        <p:spPr/>
-        <p:txBody>
-          <a:bodyPr/>
-          <a:lstStyle/>
-          <a:p>
-            <a:fld id="{0328CFAC-F816-40AD-A33C-FCF3FC1EA0A4}" type="slidenum">
-              <a:rPr lang="zh-CN" altLang="en-US" smtClean="0"/>
-              <a:t>7</a:t>
-            </a:fld>
-            <a:endParaRPr lang="zh-CN" altLang="en-US"/>
-          </a:p>
-        </p:txBody>
-      </p:sp>
-    </p:spTree>
-    <p:extLst>
-      <p:ext uri="{BB962C8B-B14F-4D97-AF65-F5344CB8AC3E}">
-        <p14:creationId xmlns:p14="http://schemas.microsoft.com/office/powerpoint/2010/main" val="3756583938"/>
-      </p:ext>
-    </p:extLst>
-  </p:cSld>
-  <p:clrMapOvr>
-    <a:masterClrMapping/>
-  </p:clrMapOvr>
-</p:notes>
 </file>
 
 <file path=ppt/slideLayouts/slideLayout1.xml><?xml version="1.0" encoding="utf-8"?>
@@ -1057,7 +974,7 @@
             <a:fld id="{536E3643-A79B-4477-8B7F-6CA6C8BFD2C9}" type="datetimeFigureOut">
               <a:rPr lang="zh-CN" altLang="en-US" smtClean="0"/>
               <a:pPr/>
-              <a:t>2018/7/13</a:t>
+              <a:t>2018/7/17</a:t>
             </a:fld>
             <a:endParaRPr lang="zh-CN" altLang="en-US"/>
           </a:p>
@@ -1323,7 +1240,7 @@
             <a:fld id="{536E3643-A79B-4477-8B7F-6CA6C8BFD2C9}" type="datetimeFigureOut">
               <a:rPr lang="zh-CN" altLang="en-US" smtClean="0"/>
               <a:pPr/>
-              <a:t>2018/7/13</a:t>
+              <a:t>2018/7/17</a:t>
             </a:fld>
             <a:endParaRPr lang="zh-CN" altLang="en-US"/>
           </a:p>
@@ -1419,7 +1336,7 @@
             <a:fld id="{536E3643-A79B-4477-8B7F-6CA6C8BFD2C9}" type="datetimeFigureOut">
               <a:rPr lang="zh-CN" altLang="en-US" smtClean="0"/>
               <a:pPr/>
-              <a:t>2018/7/13</a:t>
+              <a:t>2018/7/17</a:t>
             </a:fld>
             <a:endParaRPr lang="zh-CN" altLang="en-US"/>
           </a:p>
@@ -1679,7 +1596,7 @@
             <a:fld id="{536E3643-A79B-4477-8B7F-6CA6C8BFD2C9}" type="datetimeFigureOut">
               <a:rPr lang="zh-CN" altLang="en-US" smtClean="0"/>
               <a:pPr/>
-              <a:t>2018/7/13</a:t>
+              <a:t>2018/7/17</a:t>
             </a:fld>
             <a:endParaRPr lang="zh-CN" altLang="en-US"/>
           </a:p>
@@ -2047,21 +1964,18 @@
           <a:p>
             <a:r>
               <a:rPr lang="en-US" altLang="zh-CN" smtClean="0">
-                <a:latin typeface="Microsoft YaHei Mono" pitchFamily="49" charset="-122"/>
-                <a:ea typeface="Microsoft YaHei Mono" pitchFamily="49" charset="-122"/>
+                <a:latin typeface="+mj-ea"/>
               </a:rPr>
               <a:t>TCPDUMP</a:t>
             </a:r>
             <a:r>
               <a:rPr lang="zh-CN" altLang="en-US" smtClean="0">
-                <a:latin typeface="Microsoft YaHei Mono" pitchFamily="49" charset="-122"/>
-                <a:ea typeface="Microsoft YaHei Mono" pitchFamily="49" charset="-122"/>
+                <a:latin typeface="+mj-ea"/>
               </a:rPr>
               <a:t>数据流程处理</a:t>
             </a:r>
             <a:endParaRPr lang="zh-CN" altLang="en-US" dirty="0">
-              <a:latin typeface="Microsoft YaHei Mono" pitchFamily="49" charset="-122"/>
-              <a:ea typeface="Microsoft YaHei Mono" pitchFamily="49" charset="-122"/>
+              <a:latin typeface="+mj-ea"/>
             </a:endParaRPr>
           </a:p>
         </p:txBody>
@@ -2134,28 +2048,981 @@
           <a:p>
             <a:r>
               <a:rPr lang="en-US" altLang="zh-CN">
-                <a:latin typeface="Microsoft YaHei Mono" pitchFamily="49" charset="-122"/>
-                <a:ea typeface="Microsoft YaHei Mono" pitchFamily="49" charset="-122"/>
+                <a:latin typeface="+mj-ea"/>
+              </a:rPr>
+              <a:t>tcpdump</a:t>
+            </a:r>
+            <a:r>
+              <a:rPr lang="zh-CN" altLang="en-US">
+                <a:latin typeface="+mj-ea"/>
+              </a:rPr>
+              <a:t>介绍</a:t>
+            </a:r>
+            <a:endParaRPr lang="zh-CN" altLang="en-US"/>
+          </a:p>
+        </p:txBody>
+      </p:sp>
+      <p:sp>
+        <p:nvSpPr>
+          <p:cNvPr id="12" name="íṧľíḓê"/>
+          <p:cNvSpPr/>
+          <p:nvPr/>
+        </p:nvSpPr>
+        <p:spPr>
+          <a:xfrm rot="10800000" flipH="1">
+            <a:off x="1287160" y="1836118"/>
+            <a:ext cx="62823" cy="759139"/>
+          </a:xfrm>
+          <a:prstGeom prst="round2SameRect">
+            <a:avLst>
+              <a:gd name="adj1" fmla="val 50000"/>
+              <a:gd name="adj2" fmla="val 50000"/>
+            </a:avLst>
+          </a:prstGeom>
+          <a:solidFill>
+            <a:schemeClr val="accent1"/>
+          </a:solidFill>
+          <a:ln>
+            <a:noFill/>
+          </a:ln>
+        </p:spPr>
+        <p:style>
+          <a:lnRef idx="2">
+            <a:schemeClr val="accent1">
+              <a:shade val="50000"/>
+            </a:schemeClr>
+          </a:lnRef>
+          <a:fillRef idx="1">
+            <a:schemeClr val="accent1"/>
+          </a:fillRef>
+          <a:effectRef idx="0">
+            <a:schemeClr val="accent1"/>
+          </a:effectRef>
+          <a:fontRef idx="minor">
+            <a:schemeClr val="lt1"/>
+          </a:fontRef>
+        </p:style>
+        <p:txBody>
+          <a:bodyPr anchor="ctr"/>
+          <a:lstStyle/>
+          <a:p>
+            <a:pPr algn="ctr"/>
+            <a:endParaRPr/>
+          </a:p>
+        </p:txBody>
+      </p:sp>
+      <p:sp>
+        <p:nvSpPr>
+          <p:cNvPr id="13" name="íṩḷîḋé"/>
+          <p:cNvSpPr txBox="1"/>
+          <p:nvPr/>
+        </p:nvSpPr>
+        <p:spPr>
+          <a:xfrm>
+            <a:off x="625386" y="1827523"/>
+            <a:ext cx="625831" cy="738674"/>
+          </a:xfrm>
+          <a:prstGeom prst="rect">
+            <a:avLst/>
+          </a:prstGeom>
+          <a:noFill/>
+        </p:spPr>
+        <p:txBody>
+          <a:bodyPr wrap="none" lIns="182889" tIns="91445" rIns="182889" bIns="91445">
+            <a:normAutofit/>
+          </a:bodyPr>
+          <a:lstStyle/>
+          <a:p>
+            <a:pPr algn="r"/>
+            <a:r>
+              <a:rPr lang="id-ID" sz="3600" b="1">
+                <a:solidFill>
+                  <a:schemeClr val="accent1"/>
+                </a:solidFill>
+              </a:rPr>
+              <a:t>1</a:t>
+            </a:r>
+          </a:p>
+        </p:txBody>
+      </p:sp>
+      <p:sp>
+        <p:nvSpPr>
+          <p:cNvPr id="14" name="íŝḻíḓè"/>
+          <p:cNvSpPr/>
+          <p:nvPr/>
+        </p:nvSpPr>
+        <p:spPr>
+          <a:xfrm rot="10800000" flipH="1">
+            <a:off x="1295848" y="3481948"/>
+            <a:ext cx="62823" cy="759139"/>
+          </a:xfrm>
+          <a:prstGeom prst="round2SameRect">
+            <a:avLst>
+              <a:gd name="adj1" fmla="val 50000"/>
+              <a:gd name="adj2" fmla="val 50000"/>
+            </a:avLst>
+          </a:prstGeom>
+          <a:solidFill>
+            <a:schemeClr val="accent2"/>
+          </a:solidFill>
+          <a:ln>
+            <a:noFill/>
+          </a:ln>
+        </p:spPr>
+        <p:style>
+          <a:lnRef idx="2">
+            <a:schemeClr val="accent1">
+              <a:shade val="50000"/>
+            </a:schemeClr>
+          </a:lnRef>
+          <a:fillRef idx="1">
+            <a:schemeClr val="accent1"/>
+          </a:fillRef>
+          <a:effectRef idx="0">
+            <a:schemeClr val="accent1"/>
+          </a:effectRef>
+          <a:fontRef idx="minor">
+            <a:schemeClr val="lt1"/>
+          </a:fontRef>
+        </p:style>
+        <p:txBody>
+          <a:bodyPr anchor="ctr"/>
+          <a:lstStyle/>
+          <a:p>
+            <a:pPr algn="ctr"/>
+            <a:endParaRPr/>
+          </a:p>
+        </p:txBody>
+      </p:sp>
+      <p:sp>
+        <p:nvSpPr>
+          <p:cNvPr id="15" name="ïṩľïďè"/>
+          <p:cNvSpPr/>
+          <p:nvPr/>
+        </p:nvSpPr>
+        <p:spPr>
+          <a:xfrm rot="10800000" flipH="1">
+            <a:off x="1299922" y="5051808"/>
+            <a:ext cx="62823" cy="759139"/>
+          </a:xfrm>
+          <a:prstGeom prst="round2SameRect">
+            <a:avLst>
+              <a:gd name="adj1" fmla="val 50000"/>
+              <a:gd name="adj2" fmla="val 50000"/>
+            </a:avLst>
+          </a:prstGeom>
+          <a:solidFill>
+            <a:schemeClr val="accent3"/>
+          </a:solidFill>
+          <a:ln>
+            <a:noFill/>
+          </a:ln>
+        </p:spPr>
+        <p:style>
+          <a:lnRef idx="2">
+            <a:schemeClr val="accent1">
+              <a:shade val="50000"/>
+            </a:schemeClr>
+          </a:lnRef>
+          <a:fillRef idx="1">
+            <a:schemeClr val="accent1"/>
+          </a:fillRef>
+          <a:effectRef idx="0">
+            <a:schemeClr val="accent1"/>
+          </a:effectRef>
+          <a:fontRef idx="minor">
+            <a:schemeClr val="lt1"/>
+          </a:fontRef>
+        </p:style>
+        <p:txBody>
+          <a:bodyPr anchor="ctr"/>
+          <a:lstStyle/>
+          <a:p>
+            <a:pPr algn="ctr"/>
+            <a:endParaRPr/>
+          </a:p>
+        </p:txBody>
+      </p:sp>
+      <p:sp>
+        <p:nvSpPr>
+          <p:cNvPr id="17" name="ïṣḷïďe"/>
+          <p:cNvSpPr txBox="1"/>
+          <p:nvPr/>
+        </p:nvSpPr>
+        <p:spPr>
+          <a:xfrm>
+            <a:off x="625386" y="3473353"/>
+            <a:ext cx="625831" cy="738674"/>
+          </a:xfrm>
+          <a:prstGeom prst="rect">
+            <a:avLst/>
+          </a:prstGeom>
+          <a:noFill/>
+        </p:spPr>
+        <p:txBody>
+          <a:bodyPr wrap="none" lIns="182889" tIns="91445" rIns="182889" bIns="91445">
+            <a:normAutofit/>
+          </a:bodyPr>
+          <a:lstStyle/>
+          <a:p>
+            <a:pPr algn="r"/>
+            <a:r>
+              <a:rPr lang="id-ID" sz="3600" b="1">
+                <a:solidFill>
+                  <a:schemeClr val="accent2"/>
+                </a:solidFill>
+              </a:rPr>
+              <a:t>2</a:t>
+            </a:r>
+          </a:p>
+        </p:txBody>
+      </p:sp>
+      <p:sp>
+        <p:nvSpPr>
+          <p:cNvPr id="18" name="ïśḷïďe"/>
+          <p:cNvSpPr txBox="1"/>
+          <p:nvPr/>
+        </p:nvSpPr>
+        <p:spPr>
+          <a:xfrm>
+            <a:off x="625386" y="5043213"/>
+            <a:ext cx="625831" cy="738674"/>
+          </a:xfrm>
+          <a:prstGeom prst="rect">
+            <a:avLst/>
+          </a:prstGeom>
+          <a:noFill/>
+        </p:spPr>
+        <p:txBody>
+          <a:bodyPr wrap="none" lIns="182889" tIns="91445" rIns="182889" bIns="91445">
+            <a:normAutofit/>
+          </a:bodyPr>
+          <a:lstStyle/>
+          <a:p>
+            <a:pPr algn="r"/>
+            <a:r>
+              <a:rPr lang="id-ID" sz="3600" b="1">
+                <a:solidFill>
+                  <a:schemeClr val="accent3"/>
+                </a:solidFill>
+              </a:rPr>
+              <a:t>3</a:t>
+            </a:r>
+          </a:p>
+        </p:txBody>
+      </p:sp>
+      <p:sp>
+        <p:nvSpPr>
+          <p:cNvPr id="19" name="iŝļiḍê"/>
+          <p:cNvSpPr txBox="1"/>
+          <p:nvPr/>
+        </p:nvSpPr>
+        <p:spPr>
+          <a:xfrm>
+            <a:off x="625386" y="5346799"/>
+            <a:ext cx="625831" cy="738674"/>
+          </a:xfrm>
+          <a:prstGeom prst="rect">
+            <a:avLst/>
+          </a:prstGeom>
+          <a:noFill/>
+        </p:spPr>
+        <p:txBody>
+          <a:bodyPr wrap="none" lIns="182889" tIns="91445" rIns="182889" bIns="91445">
+            <a:normAutofit/>
+          </a:bodyPr>
+          <a:lstStyle/>
+          <a:p>
+            <a:pPr algn="r"/>
+            <a:endParaRPr lang="id-ID" sz="3600" b="1">
+              <a:solidFill>
+                <a:schemeClr val="accent4"/>
+              </a:solidFill>
+            </a:endParaRPr>
+          </a:p>
+        </p:txBody>
+      </p:sp>
+      <p:sp>
+        <p:nvSpPr>
+          <p:cNvPr id="20" name="iśḷïḓê"/>
+          <p:cNvSpPr/>
+          <p:nvPr/>
+        </p:nvSpPr>
+        <p:spPr>
+          <a:xfrm>
+            <a:off x="1385917" y="1700808"/>
+            <a:ext cx="4252077" cy="377026"/>
+          </a:xfrm>
+          <a:prstGeom prst="rect">
+            <a:avLst/>
+          </a:prstGeom>
+        </p:spPr>
+        <p:txBody>
+          <a:bodyPr wrap="none">
+            <a:normAutofit/>
+          </a:bodyPr>
+          <a:lstStyle/>
+          <a:p>
+            <a:pPr lvl="0"/>
+            <a:r>
+              <a:rPr lang="en-US" altLang="zh-CN" sz="1400" b="1">
+                <a:solidFill>
+                  <a:schemeClr val="accent1"/>
+                </a:solidFill>
               </a:rPr>
               <a:t>t</a:t>
             </a:r>
             <a:r>
-              <a:rPr lang="en-US" altLang="zh-CN" smtClean="0">
-                <a:latin typeface="Microsoft YaHei Mono" pitchFamily="49" charset="-122"/>
-                <a:ea typeface="Microsoft YaHei Mono" pitchFamily="49" charset="-122"/>
+              <a:rPr lang="en-US" altLang="zh-CN" sz="1400" b="1" smtClean="0">
+                <a:solidFill>
+                  <a:schemeClr val="accent1"/>
+                </a:solidFill>
               </a:rPr>
               <a:t>cpdump</a:t>
             </a:r>
             <a:r>
-              <a:rPr lang="zh-CN" altLang="en-US" smtClean="0">
-                <a:latin typeface="Microsoft YaHei Mono" pitchFamily="49" charset="-122"/>
-                <a:ea typeface="Microsoft YaHei Mono" pitchFamily="49" charset="-122"/>
-              </a:rPr>
-              <a:t>数据结构</a:t>
-            </a:r>
-            <a:endParaRPr lang="zh-CN" altLang="en-US">
+              <a:rPr lang="zh-CN" altLang="en-US" sz="1400" b="1" smtClean="0">
+                <a:solidFill>
+                  <a:schemeClr val="accent1"/>
+                </a:solidFill>
+              </a:rPr>
+              <a:t>是什么？</a:t>
+            </a:r>
+            <a:endParaRPr lang="zh-CN" altLang="en-US" sz="1400" b="1">
+              <a:solidFill>
+                <a:schemeClr val="accent1"/>
+              </a:solidFill>
+            </a:endParaRPr>
+          </a:p>
+        </p:txBody>
+      </p:sp>
+      <p:sp>
+        <p:nvSpPr>
+          <p:cNvPr id="21" name="ïṣḷiḋé"/>
+          <p:cNvSpPr/>
+          <p:nvPr/>
+        </p:nvSpPr>
+        <p:spPr>
+          <a:xfrm>
+            <a:off x="1385917" y="2077834"/>
+            <a:ext cx="8814539" cy="615093"/>
+          </a:xfrm>
+          <a:prstGeom prst="rect">
+            <a:avLst/>
+          </a:prstGeom>
+        </p:spPr>
+        <p:txBody>
+          <a:bodyPr wrap="square">
+            <a:normAutofit/>
+          </a:bodyPr>
+          <a:lstStyle/>
+          <a:p>
+            <a:pPr lvl="0">
+              <a:lnSpc>
+                <a:spcPct val="120000"/>
+              </a:lnSpc>
+            </a:pPr>
+            <a:r>
+              <a:rPr lang="en-US" altLang="zh-CN" sz="1050" smtClean="0">
+                <a:solidFill>
+                  <a:schemeClr val="bg1">
+                    <a:lumMod val="50000"/>
+                  </a:schemeClr>
+                </a:solidFill>
+                <a:latin typeface="Microsoft YaHei Mono" pitchFamily="49" charset="-122"/>
+                <a:ea typeface="Microsoft YaHei Mono" pitchFamily="49" charset="-122"/>
+              </a:rPr>
+              <a:t>t</a:t>
+            </a:r>
+            <a:r>
+              <a:rPr lang="en-US" altLang="zh-CN" sz="1050" smtClean="0">
+                <a:solidFill>
+                  <a:schemeClr val="bg1">
+                    <a:lumMod val="50000"/>
+                  </a:schemeClr>
+                </a:solidFill>
+                <a:latin typeface="Microsoft YaHei Mono" pitchFamily="49" charset="-122"/>
+                <a:ea typeface="Microsoft YaHei Mono" pitchFamily="49" charset="-122"/>
+              </a:rPr>
+              <a:t>cpdump </a:t>
+            </a:r>
+            <a:r>
+              <a:rPr lang="zh-CN" altLang="en-US" sz="1050" smtClean="0">
+                <a:solidFill>
+                  <a:schemeClr val="bg1">
+                    <a:lumMod val="50000"/>
+                  </a:schemeClr>
+                </a:solidFill>
+                <a:latin typeface="Microsoft YaHei Mono" pitchFamily="49" charset="-122"/>
+                <a:ea typeface="Microsoft YaHei Mono" pitchFamily="49" charset="-122"/>
+              </a:rPr>
+              <a:t>是一个</a:t>
+            </a:r>
+            <a:r>
+              <a:rPr lang="zh-CN" altLang="en-US" sz="1050" smtClean="0">
+                <a:solidFill>
+                  <a:schemeClr val="bg1">
+                    <a:lumMod val="50000"/>
+                  </a:schemeClr>
+                </a:solidFill>
+                <a:latin typeface="Microsoft YaHei Mono" pitchFamily="49" charset="-122"/>
+                <a:ea typeface="Microsoft YaHei Mono" pitchFamily="49" charset="-122"/>
+              </a:rPr>
+              <a:t>基于 </a:t>
+            </a:r>
+            <a:r>
+              <a:rPr lang="en-US" altLang="zh-CN" sz="1050">
+                <a:solidFill>
+                  <a:schemeClr val="bg1">
+                    <a:lumMod val="50000"/>
+                  </a:schemeClr>
+                </a:solidFill>
+                <a:latin typeface="Microsoft YaHei Mono" pitchFamily="49" charset="-122"/>
+                <a:ea typeface="Microsoft YaHei Mono" pitchFamily="49" charset="-122"/>
+              </a:rPr>
+              <a:t>RT-Thread </a:t>
+            </a:r>
+            <a:r>
+              <a:rPr lang="zh-CN" altLang="en-US" sz="1050">
+                <a:solidFill>
+                  <a:schemeClr val="bg1">
+                    <a:lumMod val="50000"/>
+                  </a:schemeClr>
+                </a:solidFill>
+                <a:latin typeface="Microsoft YaHei Mono" pitchFamily="49" charset="-122"/>
+                <a:ea typeface="Microsoft YaHei Mono" pitchFamily="49" charset="-122"/>
+              </a:rPr>
+              <a:t>的</a:t>
+            </a:r>
+            <a:r>
+              <a:rPr lang="zh-CN" altLang="en-US" sz="1050" smtClean="0">
+                <a:solidFill>
+                  <a:schemeClr val="bg1">
+                    <a:lumMod val="50000"/>
+                  </a:schemeClr>
+                </a:solidFill>
+                <a:latin typeface="Microsoft YaHei Mono" pitchFamily="49" charset="-122"/>
+                <a:ea typeface="Microsoft YaHei Mono" pitchFamily="49" charset="-122"/>
+              </a:rPr>
+              <a:t>捕获</a:t>
+            </a:r>
+            <a:r>
+              <a:rPr lang="en-US" altLang="zh-CN" sz="1050" smtClean="0">
+                <a:solidFill>
+                  <a:schemeClr val="bg1">
+                    <a:lumMod val="50000"/>
+                  </a:schemeClr>
+                </a:solidFill>
+                <a:latin typeface="Microsoft YaHei Mono" pitchFamily="49" charset="-122"/>
+                <a:ea typeface="Microsoft YaHei Mono" pitchFamily="49" charset="-122"/>
+              </a:rPr>
+              <a:t>IP</a:t>
+            </a:r>
+            <a:r>
+              <a:rPr lang="zh-CN" altLang="en-US" sz="1050" smtClean="0">
+                <a:solidFill>
+                  <a:schemeClr val="bg1">
+                    <a:lumMod val="50000"/>
+                  </a:schemeClr>
+                </a:solidFill>
+                <a:latin typeface="Microsoft YaHei Mono" pitchFamily="49" charset="-122"/>
+                <a:ea typeface="Microsoft YaHei Mono" pitchFamily="49" charset="-122"/>
+              </a:rPr>
+              <a:t>报文</a:t>
+            </a:r>
+            <a:r>
+              <a:rPr lang="zh-CN" altLang="en-US" sz="1050">
+                <a:solidFill>
+                  <a:schemeClr val="bg1">
+                    <a:lumMod val="50000"/>
+                  </a:schemeClr>
+                </a:solidFill>
+                <a:latin typeface="Microsoft YaHei Mono" pitchFamily="49" charset="-122"/>
+                <a:ea typeface="Microsoft YaHei Mono" pitchFamily="49" charset="-122"/>
+              </a:rPr>
+              <a:t>的小工具</a:t>
+            </a:r>
+            <a:endParaRPr lang="zh-CN" altLang="en-US" sz="1050" dirty="0">
+              <a:solidFill>
+                <a:schemeClr val="bg1">
+                  <a:lumMod val="50000"/>
+                </a:schemeClr>
+              </a:solidFill>
               <a:latin typeface="Microsoft YaHei Mono" pitchFamily="49" charset="-122"/>
               <a:ea typeface="Microsoft YaHei Mono" pitchFamily="49" charset="-122"/>
+            </a:endParaRPr>
+          </a:p>
+        </p:txBody>
+      </p:sp>
+      <p:sp>
+        <p:nvSpPr>
+          <p:cNvPr id="22" name="îŝḻiḓé"/>
+          <p:cNvSpPr/>
+          <p:nvPr/>
+        </p:nvSpPr>
+        <p:spPr>
+          <a:xfrm>
+            <a:off x="1394605" y="3346640"/>
+            <a:ext cx="4252077" cy="377026"/>
+          </a:xfrm>
+          <a:prstGeom prst="rect">
+            <a:avLst/>
+          </a:prstGeom>
+        </p:spPr>
+        <p:txBody>
+          <a:bodyPr wrap="none">
+            <a:normAutofit/>
+          </a:bodyPr>
+          <a:lstStyle/>
+          <a:p>
+            <a:pPr lvl="0"/>
+            <a:r>
+              <a:rPr lang="en-US" altLang="zh-CN" sz="1400" b="1">
+                <a:solidFill>
+                  <a:schemeClr val="accent2"/>
+                </a:solidFill>
+              </a:rPr>
+              <a:t>t</a:t>
+            </a:r>
+            <a:r>
+              <a:rPr lang="en-US" altLang="zh-CN" sz="1400" b="1" smtClean="0">
+                <a:solidFill>
+                  <a:schemeClr val="accent2"/>
+                </a:solidFill>
+              </a:rPr>
+              <a:t>cpdump</a:t>
+            </a:r>
+            <a:r>
+              <a:rPr lang="zh-CN" altLang="en-US" sz="1400" b="1" smtClean="0">
+                <a:solidFill>
+                  <a:schemeClr val="accent2"/>
+                </a:solidFill>
+              </a:rPr>
+              <a:t>干什么的？</a:t>
+            </a:r>
+            <a:endParaRPr lang="zh-CN" altLang="en-US" sz="1400" b="1">
+              <a:solidFill>
+                <a:schemeClr val="accent2"/>
+              </a:solidFill>
+            </a:endParaRPr>
+          </a:p>
+        </p:txBody>
+      </p:sp>
+      <p:sp>
+        <p:nvSpPr>
+          <p:cNvPr id="23" name="ïṡḻîḑè"/>
+          <p:cNvSpPr/>
+          <p:nvPr/>
+        </p:nvSpPr>
+        <p:spPr>
+          <a:xfrm>
+            <a:off x="1394605" y="3723666"/>
+            <a:ext cx="8814539" cy="615093"/>
+          </a:xfrm>
+          <a:prstGeom prst="rect">
+            <a:avLst/>
+          </a:prstGeom>
+        </p:spPr>
+        <p:txBody>
+          <a:bodyPr wrap="square">
+            <a:normAutofit/>
+          </a:bodyPr>
+          <a:lstStyle/>
+          <a:p>
+            <a:pPr lvl="0">
+              <a:lnSpc>
+                <a:spcPct val="120000"/>
+              </a:lnSpc>
+            </a:pPr>
+            <a:r>
+              <a:rPr lang="en-US" altLang="zh-CN" sz="1050" smtClean="0">
+                <a:solidFill>
+                  <a:schemeClr val="bg1">
+                    <a:lumMod val="50000"/>
+                  </a:schemeClr>
+                </a:solidFill>
+                <a:latin typeface="Microsoft YaHei Mono" pitchFamily="49" charset="-122"/>
+                <a:ea typeface="Microsoft YaHei Mono" pitchFamily="49" charset="-122"/>
+              </a:rPr>
+              <a:t>t</a:t>
+            </a:r>
+            <a:r>
+              <a:rPr lang="en-US" altLang="zh-CN" sz="1050" smtClean="0">
+                <a:solidFill>
+                  <a:schemeClr val="bg1">
+                    <a:lumMod val="50000"/>
+                  </a:schemeClr>
+                </a:solidFill>
+                <a:latin typeface="Microsoft YaHei Mono" pitchFamily="49" charset="-122"/>
+                <a:ea typeface="Microsoft YaHei Mono" pitchFamily="49" charset="-122"/>
+              </a:rPr>
+              <a:t>cpdump </a:t>
+            </a:r>
+            <a:r>
+              <a:rPr lang="zh-CN" altLang="en-US" sz="1050">
+                <a:solidFill>
+                  <a:schemeClr val="bg1">
+                    <a:lumMod val="50000"/>
+                  </a:schemeClr>
+                </a:solidFill>
+                <a:latin typeface="Microsoft YaHei Mono" pitchFamily="49" charset="-122"/>
+                <a:ea typeface="Microsoft YaHei Mono" pitchFamily="49" charset="-122"/>
+              </a:rPr>
+              <a:t>捕获</a:t>
+            </a:r>
+            <a:r>
+              <a:rPr lang="zh-CN" altLang="en-US" sz="1050" smtClean="0">
+                <a:solidFill>
+                  <a:schemeClr val="bg1">
+                    <a:lumMod val="50000"/>
+                  </a:schemeClr>
+                </a:solidFill>
+                <a:latin typeface="Microsoft YaHei Mono" pitchFamily="49" charset="-122"/>
+                <a:ea typeface="Microsoft YaHei Mono" pitchFamily="49" charset="-122"/>
+              </a:rPr>
+              <a:t>网络数据包，对数据加工，保存下来，用</a:t>
+            </a:r>
+            <a:r>
+              <a:rPr lang="en-US" altLang="zh-CN" sz="1050" smtClean="0">
+                <a:solidFill>
+                  <a:schemeClr val="bg1">
+                    <a:lumMod val="50000"/>
+                  </a:schemeClr>
+                </a:solidFill>
+                <a:latin typeface="Microsoft YaHei Mono" pitchFamily="49" charset="-122"/>
+                <a:ea typeface="Microsoft YaHei Mono" pitchFamily="49" charset="-122"/>
+              </a:rPr>
+              <a:t>wireshark</a:t>
+            </a:r>
+            <a:r>
+              <a:rPr lang="zh-CN" altLang="en-US" sz="1050" smtClean="0">
+                <a:solidFill>
+                  <a:schemeClr val="bg1">
+                    <a:lumMod val="50000"/>
+                  </a:schemeClr>
+                </a:solidFill>
+                <a:latin typeface="Microsoft YaHei Mono" pitchFamily="49" charset="-122"/>
+                <a:ea typeface="Microsoft YaHei Mono" pitchFamily="49" charset="-122"/>
+              </a:rPr>
+              <a:t>软件分析</a:t>
+            </a:r>
+            <a:endParaRPr lang="zh-CN" altLang="en-US" sz="1050" dirty="0">
+              <a:solidFill>
+                <a:schemeClr val="bg1">
+                  <a:lumMod val="50000"/>
+                </a:schemeClr>
+              </a:solidFill>
+              <a:latin typeface="Microsoft YaHei Mono" pitchFamily="49" charset="-122"/>
+              <a:ea typeface="Microsoft YaHei Mono" pitchFamily="49" charset="-122"/>
+            </a:endParaRPr>
+          </a:p>
+        </p:txBody>
+      </p:sp>
+      <p:sp>
+        <p:nvSpPr>
+          <p:cNvPr id="24" name="îşļíḑè"/>
+          <p:cNvSpPr/>
+          <p:nvPr/>
+        </p:nvSpPr>
+        <p:spPr>
+          <a:xfrm>
+            <a:off x="1398677" y="4916500"/>
+            <a:ext cx="4252077" cy="377026"/>
+          </a:xfrm>
+          <a:prstGeom prst="rect">
+            <a:avLst/>
+          </a:prstGeom>
+        </p:spPr>
+        <p:txBody>
+          <a:bodyPr wrap="none">
+            <a:normAutofit/>
+          </a:bodyPr>
+          <a:lstStyle/>
+          <a:p>
+            <a:pPr lvl="0"/>
+            <a:r>
+              <a:rPr lang="en-US" altLang="zh-CN" sz="1400" b="1">
+                <a:solidFill>
+                  <a:schemeClr val="accent3"/>
+                </a:solidFill>
+              </a:rPr>
+              <a:t>t</a:t>
+            </a:r>
+            <a:r>
+              <a:rPr lang="en-US" altLang="zh-CN" sz="1400" b="1" smtClean="0">
+                <a:solidFill>
+                  <a:schemeClr val="accent3"/>
+                </a:solidFill>
+              </a:rPr>
+              <a:t>cpdump</a:t>
+            </a:r>
+            <a:r>
+              <a:rPr lang="zh-CN" altLang="en-US" sz="1400" b="1" smtClean="0">
+                <a:solidFill>
+                  <a:schemeClr val="accent3"/>
+                </a:solidFill>
+              </a:rPr>
+              <a:t>支持哪些操作方式？</a:t>
+            </a:r>
+            <a:endParaRPr lang="zh-CN" altLang="en-US" sz="1400" b="1">
+              <a:solidFill>
+                <a:schemeClr val="accent3"/>
+              </a:solidFill>
+            </a:endParaRPr>
+          </a:p>
+        </p:txBody>
+      </p:sp>
+      <p:sp>
+        <p:nvSpPr>
+          <p:cNvPr id="25" name="ïSḻíḓe"/>
+          <p:cNvSpPr/>
+          <p:nvPr/>
+        </p:nvSpPr>
+        <p:spPr>
+          <a:xfrm>
+            <a:off x="1398677" y="5293526"/>
+            <a:ext cx="8814539" cy="615093"/>
+          </a:xfrm>
+          <a:prstGeom prst="rect">
+            <a:avLst/>
+          </a:prstGeom>
+        </p:spPr>
+        <p:txBody>
+          <a:bodyPr wrap="square">
+            <a:normAutofit/>
+          </a:bodyPr>
+          <a:lstStyle/>
+          <a:p>
+            <a:pPr lvl="0">
+              <a:lnSpc>
+                <a:spcPct val="120000"/>
+              </a:lnSpc>
+            </a:pPr>
+            <a:r>
+              <a:rPr lang="en-US" altLang="zh-CN" sz="1050">
+                <a:solidFill>
+                  <a:schemeClr val="bg1">
+                    <a:lumMod val="50000"/>
+                  </a:schemeClr>
+                </a:solidFill>
+                <a:latin typeface="Microsoft YaHei Mono" pitchFamily="49" charset="-122"/>
+                <a:ea typeface="Microsoft YaHei Mono" pitchFamily="49" charset="-122"/>
+              </a:rPr>
+              <a:t>t</a:t>
+            </a:r>
+            <a:r>
+              <a:rPr lang="en-US" altLang="zh-CN" sz="1050" smtClean="0">
+                <a:solidFill>
+                  <a:schemeClr val="bg1">
+                    <a:lumMod val="50000"/>
+                  </a:schemeClr>
+                </a:solidFill>
+                <a:latin typeface="Microsoft YaHei Mono" pitchFamily="49" charset="-122"/>
+                <a:ea typeface="Microsoft YaHei Mono" pitchFamily="49" charset="-122"/>
+              </a:rPr>
+              <a:t>cpdump </a:t>
+            </a:r>
+            <a:r>
+              <a:rPr lang="zh-CN" altLang="en-US" sz="1050" smtClean="0">
+                <a:solidFill>
+                  <a:schemeClr val="bg1">
+                    <a:lumMod val="50000"/>
+                  </a:schemeClr>
+                </a:solidFill>
+                <a:latin typeface="Microsoft YaHei Mono" pitchFamily="49" charset="-122"/>
+                <a:ea typeface="Microsoft YaHei Mono" pitchFamily="49" charset="-122"/>
+              </a:rPr>
+              <a:t>支持</a:t>
+            </a:r>
+            <a:r>
+              <a:rPr lang="zh-CN" altLang="en-US" sz="1050" smtClean="0">
+                <a:solidFill>
+                  <a:schemeClr val="bg1">
+                    <a:lumMod val="50000"/>
+                  </a:schemeClr>
+                </a:solidFill>
+                <a:latin typeface="Microsoft YaHei Mono" pitchFamily="49" charset="-122"/>
+                <a:ea typeface="Microsoft YaHei Mono" pitchFamily="49" charset="-122"/>
+              </a:rPr>
+              <a:t>文件系统保存捕获到的数据 和 </a:t>
+            </a:r>
+            <a:r>
+              <a:rPr lang="en-US" altLang="zh-CN" sz="1050" smtClean="0">
+                <a:solidFill>
+                  <a:schemeClr val="bg1">
+                    <a:lumMod val="50000"/>
+                  </a:schemeClr>
+                </a:solidFill>
+                <a:latin typeface="Microsoft YaHei Mono" pitchFamily="49" charset="-122"/>
+                <a:ea typeface="Microsoft YaHei Mono" pitchFamily="49" charset="-122"/>
+              </a:rPr>
+              <a:t>rdb</a:t>
+            </a:r>
+            <a:r>
+              <a:rPr lang="zh-CN" altLang="en-US" sz="1050" smtClean="0">
+                <a:solidFill>
+                  <a:schemeClr val="bg1">
+                    <a:lumMod val="50000"/>
+                  </a:schemeClr>
+                </a:solidFill>
+                <a:latin typeface="Microsoft YaHei Mono" pitchFamily="49" charset="-122"/>
+                <a:ea typeface="Microsoft YaHei Mono" pitchFamily="49" charset="-122"/>
+              </a:rPr>
+              <a:t>工具将</a:t>
+            </a:r>
+            <a:r>
+              <a:rPr lang="en-US" altLang="zh-CN" sz="1050" smtClean="0">
+                <a:solidFill>
+                  <a:schemeClr val="bg1">
+                    <a:lumMod val="50000"/>
+                  </a:schemeClr>
+                </a:solidFill>
+                <a:latin typeface="Microsoft YaHei Mono" pitchFamily="49" charset="-122"/>
+                <a:ea typeface="Microsoft YaHei Mono" pitchFamily="49" charset="-122"/>
+              </a:rPr>
+              <a:t>IP</a:t>
+            </a:r>
+            <a:r>
+              <a:rPr lang="zh-CN" altLang="en-US" sz="1050" smtClean="0">
+                <a:solidFill>
+                  <a:schemeClr val="bg1">
+                    <a:lumMod val="50000"/>
+                  </a:schemeClr>
+                </a:solidFill>
+                <a:latin typeface="Microsoft YaHei Mono" pitchFamily="49" charset="-122"/>
+                <a:ea typeface="Microsoft YaHei Mono" pitchFamily="49" charset="-122"/>
+              </a:rPr>
+              <a:t>报文导入</a:t>
+            </a:r>
+            <a:r>
+              <a:rPr lang="en-US" altLang="zh-CN" sz="1050" smtClean="0">
+                <a:solidFill>
+                  <a:schemeClr val="bg1">
+                    <a:lumMod val="50000"/>
+                  </a:schemeClr>
+                </a:solidFill>
+                <a:latin typeface="Microsoft YaHei Mono" pitchFamily="49" charset="-122"/>
+                <a:ea typeface="Microsoft YaHei Mono" pitchFamily="49" charset="-122"/>
+              </a:rPr>
+              <a:t>PC</a:t>
+            </a:r>
+            <a:r>
+              <a:rPr lang="zh-CN" altLang="en-US" sz="1050" smtClean="0">
+                <a:solidFill>
+                  <a:schemeClr val="bg1">
+                    <a:lumMod val="50000"/>
+                  </a:schemeClr>
+                </a:solidFill>
+                <a:latin typeface="Microsoft YaHei Mono" pitchFamily="49" charset="-122"/>
+                <a:ea typeface="Microsoft YaHei Mono" pitchFamily="49" charset="-122"/>
+              </a:rPr>
+              <a:t>，再有</a:t>
+            </a:r>
+            <a:r>
+              <a:rPr lang="en-US" altLang="zh-CN" sz="1050" smtClean="0">
+                <a:solidFill>
+                  <a:schemeClr val="bg1">
+                    <a:lumMod val="50000"/>
+                  </a:schemeClr>
+                </a:solidFill>
+                <a:latin typeface="Microsoft YaHei Mono" pitchFamily="49" charset="-122"/>
+                <a:ea typeface="Microsoft YaHei Mono" pitchFamily="49" charset="-122"/>
+              </a:rPr>
+              <a:t>wireshark</a:t>
+            </a:r>
+            <a:r>
+              <a:rPr lang="zh-CN" altLang="en-US" sz="1050" smtClean="0">
+                <a:solidFill>
+                  <a:schemeClr val="bg1">
+                    <a:lumMod val="50000"/>
+                  </a:schemeClr>
+                </a:solidFill>
+                <a:latin typeface="Microsoft YaHei Mono" pitchFamily="49" charset="-122"/>
+                <a:ea typeface="Microsoft YaHei Mono" pitchFamily="49" charset="-122"/>
+              </a:rPr>
+              <a:t>软件分析网络流</a:t>
+            </a:r>
+            <a:endParaRPr lang="zh-CN" altLang="en-US" sz="1050" dirty="0">
+              <a:solidFill>
+                <a:schemeClr val="bg1">
+                  <a:lumMod val="50000"/>
+                </a:schemeClr>
+              </a:solidFill>
+              <a:latin typeface="Microsoft YaHei Mono" pitchFamily="49" charset="-122"/>
+              <a:ea typeface="Microsoft YaHei Mono" pitchFamily="49" charset="-122"/>
+            </a:endParaRPr>
+          </a:p>
+        </p:txBody>
+      </p:sp>
+    </p:spTree>
+    <p:extLst>
+      <p:ext uri="{BB962C8B-B14F-4D97-AF65-F5344CB8AC3E}">
+        <p14:creationId xmlns:p14="http://schemas.microsoft.com/office/powerpoint/2010/main" val="3665335978"/>
+      </p:ext>
+    </p:extLst>
+  </p:cSld>
+  <p:clrMapOvr>
+    <a:masterClrMapping/>
+  </p:clrMapOvr>
+</p:sld>
+</file>
+
+<file path=ppt/slides/slide3.xml><?xml version="1.0" encoding="utf-8"?>
+<p:sld xmlns:a="http://schemas.openxmlformats.org/drawingml/2006/main" xmlns:r="http://schemas.openxmlformats.org/officeDocument/2006/relationships" xmlns:p="http://schemas.openxmlformats.org/presentationml/2006/main">
+  <p:cSld>
+    <p:spTree>
+      <p:nvGrpSpPr>
+        <p:cNvPr id="1" name=""/>
+        <p:cNvGrpSpPr/>
+        <p:nvPr/>
+      </p:nvGrpSpPr>
+      <p:grpSpPr>
+        <a:xfrm>
+          <a:off x="0" y="0"/>
+          <a:ext cx="0" cy="0"/>
+          <a:chOff x="0" y="0"/>
+          <a:chExt cx="0" cy="0"/>
+        </a:xfrm>
+      </p:grpSpPr>
+      <p:sp>
+        <p:nvSpPr>
+          <p:cNvPr id="2" name="标题 1"/>
+          <p:cNvSpPr>
+            <a:spLocks noGrp="1"/>
+          </p:cNvSpPr>
+          <p:nvPr>
+            <p:ph type="title"/>
+          </p:nvPr>
+        </p:nvSpPr>
+        <p:spPr/>
+        <p:txBody>
+          <a:bodyPr/>
+          <a:lstStyle/>
+          <a:p>
+            <a:r>
+              <a:rPr lang="en-US" altLang="zh-CN">
+                <a:latin typeface="+mn-ea"/>
+                <a:ea typeface="+mn-ea"/>
+              </a:rPr>
+              <a:t>t</a:t>
+            </a:r>
+            <a:r>
+              <a:rPr lang="en-US" altLang="zh-CN" smtClean="0">
+                <a:latin typeface="+mn-ea"/>
+                <a:ea typeface="+mn-ea"/>
+              </a:rPr>
+              <a:t>cpdump</a:t>
+            </a:r>
+            <a:r>
+              <a:rPr lang="zh-CN" altLang="en-US" smtClean="0">
+                <a:latin typeface="+mn-ea"/>
+                <a:ea typeface="+mn-ea"/>
+              </a:rPr>
+              <a:t>数据结构</a:t>
+            </a:r>
+            <a:endParaRPr lang="zh-CN" altLang="en-US">
+              <a:latin typeface="+mn-ea"/>
+              <a:ea typeface="+mn-ea"/>
             </a:endParaRPr>
           </a:p>
         </p:txBody>
@@ -6860,9 +7727,12 @@
             <a:lstStyle/>
             <a:p>
               <a:r>
-                <a:rPr lang="en-US" altLang="zh-CN" sz="1600">
+                <a:rPr lang="en-US" altLang="zh-CN" sz="1400">
                   <a:solidFill>
-                    <a:schemeClr val="accent1"/>
+                    <a:schemeClr val="tx2">
+                      <a:lumMod val="60000"/>
+                      <a:lumOff val="40000"/>
+                    </a:schemeClr>
                   </a:solidFill>
                   <a:latin typeface="Microsoft YaHei Mono" pitchFamily="49" charset="-122"/>
                   <a:ea typeface="Microsoft YaHei Mono" pitchFamily="49" charset="-122"/>
@@ -6870,9 +7740,12 @@
                 <a:t>/* pcap</a:t>
               </a:r>
               <a:r>
-                <a:rPr lang="zh-CN" altLang="en-US" sz="1600">
+                <a:rPr lang="zh-CN" altLang="en-US" sz="1400">
                   <a:solidFill>
-                    <a:schemeClr val="accent1"/>
+                    <a:schemeClr val="tx2">
+                      <a:lumMod val="60000"/>
+                      <a:lumOff val="40000"/>
+                    </a:schemeClr>
                   </a:solidFill>
                   <a:latin typeface="Microsoft YaHei Mono" pitchFamily="49" charset="-122"/>
                   <a:ea typeface="Microsoft YaHei Mono" pitchFamily="49" charset="-122"/>
@@ -6880,32 +7753,37 @@
                 <a:t>文件头格式</a:t>
               </a:r>
               <a:r>
-                <a:rPr lang="en-US" altLang="zh-CN" sz="1600">
+                <a:rPr lang="en-US" altLang="zh-CN" sz="1400">
                   <a:solidFill>
-                    <a:schemeClr val="accent1"/>
+                    <a:schemeClr val="tx2">
+                      <a:lumMod val="60000"/>
+                      <a:lumOff val="40000"/>
+                    </a:schemeClr>
                   </a:solidFill>
                   <a:latin typeface="Microsoft YaHei Mono" pitchFamily="49" charset="-122"/>
                   <a:ea typeface="Microsoft YaHei Mono" pitchFamily="49" charset="-122"/>
                 </a:rPr>
-                <a:t> */</a:t>
-              </a:r>
-              <a:r>
-                <a:rPr lang="en-US" altLang="zh-CN" sz="1600">
-                  <a:latin typeface="Microsoft YaHei Mono" pitchFamily="49" charset="-122"/>
-                  <a:ea typeface="Microsoft YaHei Mono" pitchFamily="49" charset="-122"/>
-                </a:rPr>
-                <a:t>	</a:t>
+                <a:t> */	</a:t>
               </a:r>
               <a:br>
-                <a:rPr lang="en-US" altLang="zh-CN" sz="1600">
+                <a:rPr lang="en-US" altLang="zh-CN" sz="1400">
+                  <a:solidFill>
+                    <a:schemeClr val="tx2">
+                      <a:lumMod val="60000"/>
+                      <a:lumOff val="40000"/>
+                    </a:schemeClr>
+                  </a:solidFill>
                   <a:latin typeface="Microsoft YaHei Mono" pitchFamily="49" charset="-122"/>
                   <a:ea typeface="Microsoft YaHei Mono" pitchFamily="49" charset="-122"/>
                 </a:rPr>
               </a:br>
               <a:r>
-                <a:rPr lang="en-US" altLang="zh-CN" sz="1600">
+                <a:rPr lang="en-US" altLang="zh-CN" sz="1400">
                   <a:solidFill>
-                    <a:schemeClr val="accent1"/>
+                    <a:schemeClr val="tx2">
+                      <a:lumMod val="60000"/>
+                      <a:lumOff val="40000"/>
+                    </a:schemeClr>
                   </a:solidFill>
                   <a:latin typeface="Microsoft YaHei Mono" pitchFamily="49" charset="-122"/>
                   <a:ea typeface="Microsoft YaHei Mono" pitchFamily="49" charset="-122"/>
@@ -6915,9 +7793,12 @@
             </a:p>
             <a:p>
               <a:r>
-                <a:rPr lang="en-US" altLang="zh-CN" sz="1600">
+                <a:rPr lang="en-US" altLang="zh-CN" sz="1400">
                   <a:solidFill>
-                    <a:schemeClr val="accent1"/>
+                    <a:schemeClr val="tx2">
+                      <a:lumMod val="60000"/>
+                      <a:lumOff val="40000"/>
+                    </a:schemeClr>
                   </a:solidFill>
                   <a:latin typeface="Microsoft YaHei Mono" pitchFamily="49" charset="-122"/>
                   <a:ea typeface="Microsoft YaHei Mono" pitchFamily="49" charset="-122"/>
@@ -6927,9 +7808,12 @@
             </a:p>
             <a:p>
               <a:r>
-                <a:rPr lang="en-US" altLang="zh-CN" sz="1600">
+                <a:rPr lang="en-US" altLang="zh-CN" sz="1400">
                   <a:solidFill>
-                    <a:schemeClr val="accent1"/>
+                    <a:schemeClr val="tx2">
+                      <a:lumMod val="60000"/>
+                      <a:lumOff val="40000"/>
+                    </a:schemeClr>
                   </a:solidFill>
                   <a:latin typeface="Microsoft YaHei Mono" pitchFamily="49" charset="-122"/>
                   <a:ea typeface="Microsoft YaHei Mono" pitchFamily="49" charset="-122"/>
@@ -6939,9 +7823,12 @@
             </a:p>
             <a:p>
               <a:r>
-                <a:rPr lang="en-US" altLang="zh-CN" sz="1600">
+                <a:rPr lang="en-US" altLang="zh-CN" sz="1400">
                   <a:solidFill>
-                    <a:schemeClr val="accent1"/>
+                    <a:schemeClr val="tx2">
+                      <a:lumMod val="60000"/>
+                      <a:lumOff val="40000"/>
+                    </a:schemeClr>
                   </a:solidFill>
                   <a:latin typeface="Microsoft YaHei Mono" pitchFamily="49" charset="-122"/>
                   <a:ea typeface="Microsoft YaHei Mono" pitchFamily="49" charset="-122"/>
@@ -6951,9 +7838,12 @@
             </a:p>
             <a:p>
               <a:r>
-                <a:rPr lang="en-US" altLang="zh-CN" sz="1600">
+                <a:rPr lang="en-US" altLang="zh-CN" sz="1400">
                   <a:solidFill>
-                    <a:schemeClr val="accent1"/>
+                    <a:schemeClr val="tx2">
+                      <a:lumMod val="60000"/>
+                      <a:lumOff val="40000"/>
+                    </a:schemeClr>
                   </a:solidFill>
                   <a:latin typeface="Microsoft YaHei Mono" pitchFamily="49" charset="-122"/>
                   <a:ea typeface="Microsoft YaHei Mono" pitchFamily="49" charset="-122"/>
@@ -6963,9 +7853,12 @@
             </a:p>
             <a:p>
               <a:r>
-                <a:rPr lang="en-US" altLang="zh-CN" sz="1600">
+                <a:rPr lang="en-US" altLang="zh-CN" sz="1400">
                   <a:solidFill>
-                    <a:schemeClr val="accent1"/>
+                    <a:schemeClr val="tx2">
+                      <a:lumMod val="60000"/>
+                      <a:lumOff val="40000"/>
+                    </a:schemeClr>
                   </a:solidFill>
                   <a:latin typeface="Microsoft YaHei Mono" pitchFamily="49" charset="-122"/>
                   <a:ea typeface="Microsoft YaHei Mono" pitchFamily="49" charset="-122"/>
@@ -6975,9 +7868,12 @@
             </a:p>
             <a:p>
               <a:r>
-                <a:rPr lang="en-US" altLang="zh-CN" sz="1600">
+                <a:rPr lang="en-US" altLang="zh-CN" sz="1400">
                   <a:solidFill>
-                    <a:schemeClr val="accent1"/>
+                    <a:schemeClr val="tx2">
+                      <a:lumMod val="60000"/>
+                      <a:lumOff val="40000"/>
+                    </a:schemeClr>
                   </a:solidFill>
                   <a:latin typeface="Microsoft YaHei Mono" pitchFamily="49" charset="-122"/>
                   <a:ea typeface="Microsoft YaHei Mono" pitchFamily="49" charset="-122"/>
@@ -6987,9 +7883,12 @@
             </a:p>
             <a:p>
               <a:r>
-                <a:rPr lang="en-US" altLang="zh-CN" sz="1600">
+                <a:rPr lang="en-US" altLang="zh-CN" sz="1400">
                   <a:solidFill>
-                    <a:schemeClr val="accent1"/>
+                    <a:schemeClr val="tx2">
+                      <a:lumMod val="60000"/>
+                      <a:lumOff val="40000"/>
+                    </a:schemeClr>
                   </a:solidFill>
                   <a:latin typeface="Microsoft YaHei Mono" pitchFamily="49" charset="-122"/>
                   <a:ea typeface="Microsoft YaHei Mono" pitchFamily="49" charset="-122"/>
@@ -6999,9 +7898,12 @@
             </a:p>
             <a:p>
               <a:r>
-                <a:rPr lang="en-US" altLang="zh-CN" sz="1600">
+                <a:rPr lang="en-US" altLang="zh-CN" sz="1400">
                   <a:solidFill>
-                    <a:schemeClr val="accent1"/>
+                    <a:schemeClr val="tx2">
+                      <a:lumMod val="60000"/>
+                      <a:lumOff val="40000"/>
+                    </a:schemeClr>
                   </a:solidFill>
                   <a:latin typeface="Microsoft YaHei Mono" pitchFamily="49" charset="-122"/>
                   <a:ea typeface="Microsoft YaHei Mono" pitchFamily="49" charset="-122"/>
@@ -7011,9 +7913,12 @@
             </a:p>
             <a:p>
               <a:r>
-                <a:rPr lang="en-US" altLang="zh-CN" sz="1600">
+                <a:rPr lang="en-US" altLang="zh-CN" sz="1400">
                   <a:solidFill>
-                    <a:schemeClr val="accent1"/>
+                    <a:schemeClr val="tx2">
+                      <a:lumMod val="60000"/>
+                      <a:lumOff val="40000"/>
+                    </a:schemeClr>
                   </a:solidFill>
                   <a:latin typeface="Microsoft YaHei Mono" pitchFamily="49" charset="-122"/>
                   <a:ea typeface="Microsoft YaHei Mono" pitchFamily="49" charset="-122"/>
@@ -7143,8 +8048,8 @@
           </p:nvCxnSpPr>
           <p:spPr>
             <a:xfrm flipH="1">
-              <a:off x="4797510" y="2539384"/>
-              <a:ext cx="36004" cy="3387388"/>
+              <a:off x="4797510" y="2582496"/>
+              <a:ext cx="36004" cy="3344276"/>
             </a:xfrm>
             <a:prstGeom prst="line">
               <a:avLst/>
@@ -7323,7 +8228,7 @@
 </p:sld>
 </file>
 
-<file path=ppt/slides/slide3.xml><?xml version="1.0" encoding="utf-8"?>
+<file path=ppt/slides/slide4.xml><?xml version="1.0" encoding="utf-8"?>
 <p:sld xmlns:a="http://schemas.openxmlformats.org/drawingml/2006/main" xmlns:r="http://schemas.openxmlformats.org/officeDocument/2006/relationships" xmlns:p="http://schemas.openxmlformats.org/presentationml/2006/main">
   <p:cSld>
     <p:spTree>
@@ -7357,28 +8262,28 @@
           <a:p>
             <a:r>
               <a:rPr lang="en-US" altLang="zh-CN" smtClean="0">
-                <a:latin typeface="Microsoft YaHei Mono" pitchFamily="49" charset="-122"/>
-                <a:ea typeface="Microsoft YaHei Mono" pitchFamily="49" charset="-122"/>
+                <a:latin typeface="+mn-ea"/>
+                <a:ea typeface="+mn-ea"/>
               </a:rPr>
               <a:t>lwip</a:t>
             </a:r>
             <a:r>
               <a:rPr lang="zh-CN" altLang="en-US" smtClean="0">
-                <a:latin typeface="Microsoft YaHei Mono" pitchFamily="49" charset="-122"/>
-                <a:ea typeface="Microsoft YaHei Mono" pitchFamily="49" charset="-122"/>
+                <a:latin typeface="+mn-ea"/>
+                <a:ea typeface="+mn-ea"/>
               </a:rPr>
               <a:t>数据流向</a:t>
             </a:r>
             <a:r>
               <a:rPr lang="en-US" altLang="zh-CN" smtClean="0">
-                <a:latin typeface="Microsoft YaHei Mono" pitchFamily="49" charset="-122"/>
-                <a:ea typeface="Microsoft YaHei Mono" pitchFamily="49" charset="-122"/>
+                <a:latin typeface="+mn-ea"/>
+                <a:ea typeface="+mn-ea"/>
               </a:rPr>
               <a:t>-tx</a:t>
             </a:r>
             <a:endParaRPr lang="zh-CN" altLang="en-US">
-              <a:latin typeface="Microsoft YaHei Mono" pitchFamily="49" charset="-122"/>
-              <a:ea typeface="Microsoft YaHei Mono" pitchFamily="49" charset="-122"/>
+              <a:latin typeface="+mn-ea"/>
+              <a:ea typeface="+mn-ea"/>
             </a:endParaRPr>
           </a:p>
         </p:txBody>
@@ -7399,19 +8304,17 @@
           </a:prstGeom>
         </p:spPr>
         <p:style>
-          <a:lnRef idx="2">
-            <a:schemeClr val="accent5">
-              <a:shade val="50000"/>
-            </a:schemeClr>
+          <a:lnRef idx="1">
+            <a:schemeClr val="accent5"/>
           </a:lnRef>
-          <a:fillRef idx="1">
+          <a:fillRef idx="2">
             <a:schemeClr val="accent5"/>
           </a:fillRef>
-          <a:effectRef idx="0">
+          <a:effectRef idx="1">
             <a:schemeClr val="accent5"/>
           </a:effectRef>
           <a:fontRef idx="minor">
-            <a:schemeClr val="lt1"/>
+            <a:schemeClr val="dk1"/>
           </a:fontRef>
         </p:style>
         <p:txBody>
@@ -7420,41 +8323,13 @@
           <a:p>
             <a:pPr algn="ctr"/>
             <a:r>
-              <a:rPr lang="zh-CN" altLang="en-US" sz="1600" smtClean="0">
-                <a:latin typeface="Microsoft YaHei Mono" pitchFamily="49" charset="-122"/>
-                <a:ea typeface="Microsoft YaHei Mono" pitchFamily="49" charset="-122"/>
-              </a:rPr>
-              <a:t>从接口处</a:t>
-            </a:r>
-            <a:r>
-              <a:rPr lang="zh-CN" altLang="en-US" sz="1600">
-                <a:latin typeface="Microsoft YaHei Mono" pitchFamily="49" charset="-122"/>
-                <a:ea typeface="Microsoft YaHei Mono" pitchFamily="49" charset="-122"/>
-              </a:rPr>
-              <a:t>获得</a:t>
-            </a:r>
-            <a:r>
-              <a:rPr lang="zh-CN" altLang="en-US" sz="1600" smtClean="0">
-                <a:latin typeface="Microsoft YaHei Mono" pitchFamily="49" charset="-122"/>
-                <a:ea typeface="Microsoft YaHei Mono" pitchFamily="49" charset="-122"/>
-              </a:rPr>
-              <a:t>数据：</a:t>
-            </a:r>
-            <a:r>
-              <a:rPr lang="en-US" altLang="zh-CN" sz="1600">
-                <a:latin typeface="Microsoft YaHei Mono" pitchFamily="49" charset="-122"/>
-                <a:ea typeface="Microsoft YaHei Mono" pitchFamily="49" charset="-122"/>
-              </a:rPr>
-              <a:t>_</a:t>
-            </a:r>
-            <a:r>
-              <a:rPr lang="en-US" altLang="zh-CN" sz="1600" smtClean="0">
-                <a:latin typeface="Microsoft YaHei Mono" pitchFamily="49" charset="-122"/>
-                <a:ea typeface="Microsoft YaHei Mono" pitchFamily="49" charset="-122"/>
-              </a:rPr>
-              <a:t>netif_linkoutput</a:t>
-            </a:r>
-            <a:endParaRPr lang="zh-CN" altLang="en-US" sz="1600">
+              <a:rPr lang="en-US" altLang="zh-CN" smtClean="0">
+                <a:latin typeface="Microsoft YaHei Mono" pitchFamily="49" charset="-122"/>
+                <a:ea typeface="Microsoft YaHei Mono" pitchFamily="49" charset="-122"/>
+              </a:rPr>
+              <a:t>tcpdump_linkoutput</a:t>
+            </a:r>
+            <a:endParaRPr lang="zh-CN" altLang="en-US">
               <a:latin typeface="Microsoft YaHei Mono" pitchFamily="49" charset="-122"/>
               <a:ea typeface="Microsoft YaHei Mono" pitchFamily="49" charset="-122"/>
             </a:endParaRPr>
@@ -7498,34 +8373,13 @@
           <a:p>
             <a:pPr algn="ctr"/>
             <a:r>
-              <a:rPr lang="en-US" altLang="zh-CN" sz="1600" smtClean="0">
-                <a:latin typeface="Microsoft YaHei Mono" pitchFamily="49" charset="-122"/>
-                <a:ea typeface="Microsoft YaHei Mono" pitchFamily="49" charset="-122"/>
-              </a:rPr>
-              <a:t>lwip </a:t>
-            </a:r>
-            <a:r>
-              <a:rPr lang="zh-CN" altLang="en-US" sz="1600">
-                <a:latin typeface="Microsoft YaHei Mono" pitchFamily="49" charset="-122"/>
-                <a:ea typeface="Microsoft YaHei Mono" pitchFamily="49" charset="-122"/>
-              </a:rPr>
-              <a:t>网络</a:t>
-            </a:r>
-            <a:r>
-              <a:rPr lang="zh-CN" altLang="en-US" sz="1600" smtClean="0">
-                <a:latin typeface="Microsoft YaHei Mono" pitchFamily="49" charset="-122"/>
-                <a:ea typeface="Microsoft YaHei Mono" pitchFamily="49" charset="-122"/>
-              </a:rPr>
-              <a:t>接口：</a:t>
-            </a:r>
-            <a:r>
-              <a:rPr lang="en-US" altLang="zh-CN" sz="1600" smtClean="0">
+              <a:rPr lang="en-US" altLang="zh-CN" smtClean="0">
                 <a:latin typeface="Microsoft YaHei Mono" pitchFamily="49" charset="-122"/>
                 <a:ea typeface="Microsoft YaHei Mono" pitchFamily="49" charset="-122"/>
               </a:rPr>
               <a:t>netif-&gt;linkoutput</a:t>
             </a:r>
-            <a:endParaRPr lang="zh-CN" altLang="en-US" sz="1600">
+            <a:endParaRPr lang="zh-CN" altLang="en-US">
               <a:latin typeface="Microsoft YaHei Mono" pitchFamily="49" charset="-122"/>
               <a:ea typeface="Microsoft YaHei Mono" pitchFamily="49" charset="-122"/>
             </a:endParaRPr>
@@ -7569,34 +8423,13 @@
           <a:p>
             <a:pPr algn="ctr"/>
             <a:r>
-              <a:rPr lang="zh-CN" altLang="en-US" sz="1600" smtClean="0">
-                <a:latin typeface="Microsoft YaHei Mono" pitchFamily="49" charset="-122"/>
-                <a:ea typeface="Microsoft YaHei Mono" pitchFamily="49" charset="-122"/>
-              </a:rPr>
-              <a:t>发送</a:t>
-            </a:r>
-            <a:r>
-              <a:rPr lang="en-US" altLang="zh-CN" sz="1600" smtClean="0">
-                <a:latin typeface="Microsoft YaHei Mono" pitchFamily="49" charset="-122"/>
-                <a:ea typeface="Microsoft YaHei Mono" pitchFamily="49" charset="-122"/>
-              </a:rPr>
-              <a:t>packet</a:t>
-            </a:r>
-            <a:r>
-              <a:rPr lang="zh-CN" altLang="en-US" sz="1600" smtClean="0">
-                <a:latin typeface="Microsoft YaHei Mono" pitchFamily="49" charset="-122"/>
-                <a:ea typeface="Microsoft YaHei Mono" pitchFamily="49" charset="-122"/>
-              </a:rPr>
-              <a:t>接口：</a:t>
-            </a:r>
-            <a:r>
-              <a:rPr lang="en-US" altLang="zh-CN" sz="1600">
+              <a:rPr lang="en-US" altLang="zh-CN" smtClean="0">
                 <a:latin typeface="Microsoft YaHei Mono" pitchFamily="49" charset="-122"/>
                 <a:ea typeface="Microsoft YaHei Mono" pitchFamily="49" charset="-122"/>
               </a:rPr>
               <a:t>ethernetif_linkoutput</a:t>
             </a:r>
-            <a:endParaRPr lang="zh-CN" altLang="en-US" sz="1600">
+            <a:endParaRPr lang="zh-CN" altLang="en-US">
               <a:latin typeface="Microsoft YaHei Mono" pitchFamily="49" charset="-122"/>
               <a:ea typeface="Microsoft YaHei Mono" pitchFamily="49" charset="-122"/>
             </a:endParaRPr>
@@ -7640,27 +8473,13 @@
           <a:p>
             <a:pPr algn="ctr"/>
             <a:r>
-              <a:rPr lang="en-US" altLang="zh-CN" sz="1600" smtClean="0">
-                <a:latin typeface="Microsoft YaHei Mono" pitchFamily="49" charset="-122"/>
-                <a:ea typeface="Microsoft YaHei Mono" pitchFamily="49" charset="-122"/>
-              </a:rPr>
-              <a:t>etx</a:t>
-            </a:r>
-            <a:r>
-              <a:rPr lang="zh-CN" altLang="en-US" sz="1600" smtClean="0">
-                <a:latin typeface="Microsoft YaHei Mono" pitchFamily="49" charset="-122"/>
-                <a:ea typeface="Microsoft YaHei Mono" pitchFamily="49" charset="-122"/>
-              </a:rPr>
-              <a:t>线程接口：</a:t>
-            </a:r>
-            <a:r>
-              <a:rPr lang="en-US" altLang="zh-CN" sz="1600">
+              <a:rPr lang="en-US" altLang="zh-CN" smtClean="0">
                 <a:latin typeface="Microsoft YaHei Mono" pitchFamily="49" charset="-122"/>
                 <a:ea typeface="Microsoft YaHei Mono" pitchFamily="49" charset="-122"/>
               </a:rPr>
               <a:t>eth_tx_thread_entry</a:t>
             </a:r>
-            <a:endParaRPr lang="zh-CN" altLang="en-US" sz="1600">
+            <a:endParaRPr lang="zh-CN" altLang="en-US">
               <a:latin typeface="Microsoft YaHei Mono" pitchFamily="49" charset="-122"/>
               <a:ea typeface="Microsoft YaHei Mono" pitchFamily="49" charset="-122"/>
             </a:endParaRPr>
@@ -7704,20 +8523,13 @@
           <a:p>
             <a:pPr algn="ctr"/>
             <a:r>
-              <a:rPr lang="zh-CN" altLang="en-US" sz="1600" smtClean="0">
-                <a:latin typeface="Microsoft YaHei Mono" pitchFamily="49" charset="-122"/>
-                <a:ea typeface="Microsoft YaHei Mono" pitchFamily="49" charset="-122"/>
-              </a:rPr>
-              <a:t>驱动设备接口：</a:t>
-            </a:r>
-            <a:r>
-              <a:rPr lang="en-US" altLang="zh-CN" sz="1600">
+              <a:rPr lang="en-US" altLang="zh-CN" smtClean="0">
                 <a:latin typeface="Microsoft YaHei Mono" pitchFamily="49" charset="-122"/>
                 <a:ea typeface="Microsoft YaHei Mono" pitchFamily="49" charset="-122"/>
               </a:rPr>
               <a:t>rt_imxrt_eth_tx</a:t>
             </a:r>
-            <a:endParaRPr lang="zh-CN" altLang="en-US" sz="1600">
+            <a:endParaRPr lang="zh-CN" altLang="en-US">
               <a:latin typeface="Microsoft YaHei Mono" pitchFamily="49" charset="-122"/>
               <a:ea typeface="Microsoft YaHei Mono" pitchFamily="49" charset="-122"/>
             </a:endParaRPr>
@@ -8068,39 +8880,42 @@
           <a:p>
             <a:pPr algn="ctr"/>
             <a:r>
-              <a:rPr lang="en-US" altLang="zh-CN" sz="1400">
-                <a:latin typeface="Microsoft YaHei Mono" pitchFamily="49" charset="-122"/>
-                <a:ea typeface="Microsoft YaHei Mono" pitchFamily="49" charset="-122"/>
-              </a:rPr>
-              <a:t>t</a:t>
+              <a:rPr lang="zh-CN" altLang="en-US" sz="1400" smtClean="0">
+                <a:latin typeface="Microsoft YaHei Mono" pitchFamily="49" charset="-122"/>
+                <a:ea typeface="Microsoft YaHei Mono" pitchFamily="49" charset="-122"/>
+              </a:rPr>
+              <a:t>截获</a:t>
+            </a:r>
+            <a:r>
+              <a:rPr lang="en-US" altLang="zh-CN" sz="1400" b="1" smtClean="0">
+                <a:solidFill>
+                  <a:schemeClr val="accent5"/>
+                </a:solidFill>
+                <a:latin typeface="Microsoft YaHei Mono" pitchFamily="49" charset="-122"/>
+                <a:ea typeface="Microsoft YaHei Mono" pitchFamily="49" charset="-122"/>
+              </a:rPr>
+              <a:t>tx</a:t>
+            </a:r>
+            <a:r>
+              <a:rPr lang="zh-CN" altLang="en-US" sz="1400" smtClean="0">
+                <a:latin typeface="Microsoft YaHei Mono" pitchFamily="49" charset="-122"/>
+                <a:ea typeface="Microsoft YaHei Mono" pitchFamily="49" charset="-122"/>
+              </a:rPr>
+              <a:t>数据，通过邮箱发给</a:t>
             </a:r>
             <a:r>
               <a:rPr lang="en-US" altLang="zh-CN" sz="1400" smtClean="0">
                 <a:latin typeface="Microsoft YaHei Mono" pitchFamily="49" charset="-122"/>
                 <a:ea typeface="Microsoft YaHei Mono" pitchFamily="49" charset="-122"/>
               </a:rPr>
-              <a:t>cpdump</a:t>
+              <a:t>tcpdump</a:t>
             </a:r>
             <a:r>
               <a:rPr lang="zh-CN" altLang="en-US" sz="1400" smtClean="0">
                 <a:latin typeface="Microsoft YaHei Mono" pitchFamily="49" charset="-122"/>
                 <a:ea typeface="Microsoft YaHei Mono" pitchFamily="49" charset="-122"/>
               </a:rPr>
-              <a:t>截获</a:t>
-            </a:r>
-            <a:r>
-              <a:rPr lang="en-US" altLang="zh-CN" sz="1400" smtClean="0">
-                <a:latin typeface="Microsoft YaHei Mono" pitchFamily="49" charset="-122"/>
-                <a:ea typeface="Microsoft YaHei Mono" pitchFamily="49" charset="-122"/>
-              </a:rPr>
-              <a:t>tx</a:t>
-            </a:r>
-            <a:r>
-              <a:rPr lang="zh-CN" altLang="en-US" sz="1400" smtClean="0">
-                <a:latin typeface="Microsoft YaHei Mono" pitchFamily="49" charset="-122"/>
-                <a:ea typeface="Microsoft YaHei Mono" pitchFamily="49" charset="-122"/>
-              </a:rPr>
-              <a:t>数据入口</a:t>
+              <a:t>线程</a:t>
             </a:r>
             <a:endParaRPr lang="zh-CN" altLang="en-US" sz="1600">
               <a:latin typeface="Microsoft YaHei Mono" pitchFamily="49" charset="-122"/>
@@ -8386,19 +9201,17 @@
           </a:prstGeom>
         </p:spPr>
         <p:style>
-          <a:lnRef idx="2">
-            <a:schemeClr val="accent5">
-              <a:shade val="50000"/>
-            </a:schemeClr>
+          <a:lnRef idx="1">
+            <a:schemeClr val="accent5"/>
           </a:lnRef>
-          <a:fillRef idx="1">
+          <a:fillRef idx="2">
             <a:schemeClr val="accent5"/>
           </a:fillRef>
-          <a:effectRef idx="0">
+          <a:effectRef idx="1">
             <a:schemeClr val="accent5"/>
           </a:effectRef>
           <a:fontRef idx="minor">
-            <a:schemeClr val="lt1"/>
+            <a:schemeClr val="dk1"/>
           </a:fontRef>
         </p:style>
         <p:txBody>
@@ -8426,19 +9239,17 @@
           </a:prstGeom>
         </p:spPr>
         <p:style>
-          <a:lnRef idx="2">
-            <a:schemeClr val="accent5">
-              <a:shade val="50000"/>
-            </a:schemeClr>
+          <a:lnRef idx="1">
+            <a:schemeClr val="accent5"/>
           </a:lnRef>
-          <a:fillRef idx="1">
+          <a:fillRef idx="2">
             <a:schemeClr val="accent5"/>
           </a:fillRef>
-          <a:effectRef idx="0">
+          <a:effectRef idx="1">
             <a:schemeClr val="accent5"/>
           </a:effectRef>
           <a:fontRef idx="minor">
-            <a:schemeClr val="lt1"/>
+            <a:schemeClr val="dk1"/>
           </a:fontRef>
         </p:style>
         <p:txBody>
@@ -8538,1227 +9349,6 @@
     <p:extLst>
       <p:ext uri="{BB962C8B-B14F-4D97-AF65-F5344CB8AC3E}">
         <p14:creationId xmlns:p14="http://schemas.microsoft.com/office/powerpoint/2010/main" val="1049044725"/>
-      </p:ext>
-    </p:extLst>
-  </p:cSld>
-  <p:clrMapOvr>
-    <a:masterClrMapping/>
-  </p:clrMapOvr>
-  <p:timing>
-    <p:tnLst>
-      <p:par>
-        <p:cTn id="1" dur="indefinite" restart="never" nodeType="tmRoot"/>
-      </p:par>
-    </p:tnLst>
-  </p:timing>
-</p:sld>
-</file>
-
-<file path=ppt/slides/slide4.xml><?xml version="1.0" encoding="utf-8"?>
-<p:sld xmlns:a="http://schemas.openxmlformats.org/drawingml/2006/main" xmlns:r="http://schemas.openxmlformats.org/officeDocument/2006/relationships" xmlns:p="http://schemas.openxmlformats.org/presentationml/2006/main">
-  <p:cSld>
-    <p:spTree>
-      <p:nvGrpSpPr>
-        <p:cNvPr id="1" name=""/>
-        <p:cNvGrpSpPr/>
-        <p:nvPr/>
-      </p:nvGrpSpPr>
-      <p:grpSpPr>
-        <a:xfrm>
-          <a:off x="0" y="0"/>
-          <a:ext cx="0" cy="0"/>
-          <a:chOff x="0" y="0"/>
-          <a:chExt cx="0" cy="0"/>
-        </a:xfrm>
-      </p:grpSpPr>
-      <p:sp>
-        <p:nvSpPr>
-          <p:cNvPr id="2" name="标题 1"/>
-          <p:cNvSpPr>
-            <a:spLocks noGrp="1"/>
-          </p:cNvSpPr>
-          <p:nvPr>
-            <p:ph type="title"/>
-          </p:nvPr>
-        </p:nvSpPr>
-        <p:spPr/>
-        <p:txBody>
-          <a:bodyPr/>
-          <a:lstStyle/>
-          <a:p>
-            <a:r>
-              <a:rPr lang="en-US" altLang="zh-CN">
-                <a:latin typeface="Microsoft YaHei Mono" pitchFamily="49" charset="-122"/>
-                <a:ea typeface="Microsoft YaHei Mono" pitchFamily="49" charset="-122"/>
-              </a:rPr>
-              <a:t>lwip</a:t>
-            </a:r>
-            <a:r>
-              <a:rPr lang="zh-CN" altLang="en-US">
-                <a:latin typeface="Microsoft YaHei Mono" pitchFamily="49" charset="-122"/>
-                <a:ea typeface="Microsoft YaHei Mono" pitchFamily="49" charset="-122"/>
-              </a:rPr>
-              <a:t>数据流向</a:t>
-            </a:r>
-            <a:r>
-              <a:rPr lang="en-US" altLang="zh-CN" smtClean="0">
-                <a:latin typeface="Microsoft YaHei Mono" pitchFamily="49" charset="-122"/>
-                <a:ea typeface="Microsoft YaHei Mono" pitchFamily="49" charset="-122"/>
-              </a:rPr>
-              <a:t>-rx</a:t>
-            </a:r>
-            <a:endParaRPr lang="zh-CN" altLang="en-US"/>
-          </a:p>
-        </p:txBody>
-      </p:sp>
-      <p:sp>
-        <p:nvSpPr>
-          <p:cNvPr id="3" name="圆角矩形 2"/>
-          <p:cNvSpPr/>
-          <p:nvPr/>
-        </p:nvSpPr>
-        <p:spPr>
-          <a:xfrm>
-            <a:off x="2495600" y="2552011"/>
-            <a:ext cx="3024336" cy="741171"/>
-          </a:xfrm>
-          <a:prstGeom prst="roundRect">
-            <a:avLst/>
-          </a:prstGeom>
-        </p:spPr>
-        <p:style>
-          <a:lnRef idx="2">
-            <a:schemeClr val="accent5">
-              <a:shade val="50000"/>
-            </a:schemeClr>
-          </a:lnRef>
-          <a:fillRef idx="1">
-            <a:schemeClr val="accent5"/>
-          </a:fillRef>
-          <a:effectRef idx="0">
-            <a:schemeClr val="accent5"/>
-          </a:effectRef>
-          <a:fontRef idx="minor">
-            <a:schemeClr val="lt1"/>
-          </a:fontRef>
-        </p:style>
-        <p:txBody>
-          <a:bodyPr rtlCol="0" anchor="ctr"/>
-          <a:lstStyle/>
-          <a:p>
-            <a:pPr algn="ctr"/>
-            <a:r>
-              <a:rPr lang="zh-CN" altLang="en-US" sz="1600" smtClean="0">
-                <a:latin typeface="Microsoft YaHei Mono" pitchFamily="49" charset="-122"/>
-                <a:ea typeface="Microsoft YaHei Mono" pitchFamily="49" charset="-122"/>
-              </a:rPr>
-              <a:t>从接口处</a:t>
-            </a:r>
-            <a:r>
-              <a:rPr lang="zh-CN" altLang="en-US" sz="1600">
-                <a:latin typeface="Microsoft YaHei Mono" pitchFamily="49" charset="-122"/>
-                <a:ea typeface="Microsoft YaHei Mono" pitchFamily="49" charset="-122"/>
-              </a:rPr>
-              <a:t>获得</a:t>
-            </a:r>
-            <a:r>
-              <a:rPr lang="zh-CN" altLang="en-US" sz="1600" smtClean="0">
-                <a:latin typeface="Microsoft YaHei Mono" pitchFamily="49" charset="-122"/>
-                <a:ea typeface="Microsoft YaHei Mono" pitchFamily="49" charset="-122"/>
-              </a:rPr>
-              <a:t>数据：</a:t>
-            </a:r>
-            <a:r>
-              <a:rPr lang="en-US" altLang="zh-CN" sz="1600">
-                <a:latin typeface="Microsoft YaHei Mono" pitchFamily="49" charset="-122"/>
-                <a:ea typeface="Microsoft YaHei Mono" pitchFamily="49" charset="-122"/>
-              </a:rPr>
-              <a:t>_netif_input</a:t>
-            </a:r>
-            <a:endParaRPr lang="zh-CN" altLang="en-US" sz="1600">
-              <a:latin typeface="Microsoft YaHei Mono" pitchFamily="49" charset="-122"/>
-              <a:ea typeface="Microsoft YaHei Mono" pitchFamily="49" charset="-122"/>
-            </a:endParaRPr>
-          </a:p>
-        </p:txBody>
-      </p:sp>
-      <p:sp>
-        <p:nvSpPr>
-          <p:cNvPr id="4" name="圆角矩形 3"/>
-          <p:cNvSpPr/>
-          <p:nvPr/>
-        </p:nvSpPr>
-        <p:spPr>
-          <a:xfrm>
-            <a:off x="983432" y="1372379"/>
-            <a:ext cx="4536504" cy="741172"/>
-          </a:xfrm>
-          <a:prstGeom prst="roundRect">
-            <a:avLst/>
-          </a:prstGeom>
-        </p:spPr>
-        <p:style>
-          <a:lnRef idx="2">
-            <a:schemeClr val="accent6">
-              <a:shade val="50000"/>
-            </a:schemeClr>
-          </a:lnRef>
-          <a:fillRef idx="1">
-            <a:schemeClr val="accent6"/>
-          </a:fillRef>
-          <a:effectRef idx="0">
-            <a:schemeClr val="accent6"/>
-          </a:effectRef>
-          <a:fontRef idx="minor">
-            <a:schemeClr val="lt1"/>
-          </a:fontRef>
-        </p:style>
-        <p:txBody>
-          <a:bodyPr rtlCol="0" anchor="ctr"/>
-          <a:lstStyle/>
-          <a:p>
-            <a:pPr algn="ctr"/>
-            <a:r>
-              <a:rPr lang="en-US" altLang="zh-CN" sz="1600" smtClean="0">
-                <a:latin typeface="Microsoft YaHei Mono" pitchFamily="49" charset="-122"/>
-                <a:ea typeface="Microsoft YaHei Mono" pitchFamily="49" charset="-122"/>
-              </a:rPr>
-              <a:t>tcp</a:t>
-            </a:r>
-            <a:r>
-              <a:rPr lang="zh-CN" altLang="en-US" sz="1600" smtClean="0">
-                <a:latin typeface="Microsoft YaHei Mono" pitchFamily="49" charset="-122"/>
-                <a:ea typeface="Microsoft YaHei Mono" pitchFamily="49" charset="-122"/>
-              </a:rPr>
-              <a:t>：</a:t>
-            </a:r>
-            <a:r>
-              <a:rPr lang="en-US" altLang="zh-CN" sz="1600">
-                <a:latin typeface="Microsoft YaHei Mono" pitchFamily="49" charset="-122"/>
-                <a:ea typeface="Microsoft YaHei Mono" pitchFamily="49" charset="-122"/>
-              </a:rPr>
-              <a:t>tcpip_input</a:t>
-            </a:r>
-            <a:endParaRPr lang="zh-CN" altLang="en-US" sz="1600">
-              <a:latin typeface="Microsoft YaHei Mono" pitchFamily="49" charset="-122"/>
-              <a:ea typeface="Microsoft YaHei Mono" pitchFamily="49" charset="-122"/>
-            </a:endParaRPr>
-          </a:p>
-        </p:txBody>
-      </p:sp>
-      <p:sp>
-        <p:nvSpPr>
-          <p:cNvPr id="5" name="圆角矩形 4"/>
-          <p:cNvSpPr/>
-          <p:nvPr/>
-        </p:nvSpPr>
-        <p:spPr>
-          <a:xfrm>
-            <a:off x="983432" y="3662834"/>
-            <a:ext cx="4536504" cy="741171"/>
-          </a:xfrm>
-          <a:prstGeom prst="roundRect">
-            <a:avLst/>
-          </a:prstGeom>
-        </p:spPr>
-        <p:style>
-          <a:lnRef idx="2">
-            <a:schemeClr val="accent6">
-              <a:shade val="50000"/>
-            </a:schemeClr>
-          </a:lnRef>
-          <a:fillRef idx="1">
-            <a:schemeClr val="accent6"/>
-          </a:fillRef>
-          <a:effectRef idx="0">
-            <a:schemeClr val="accent6"/>
-          </a:effectRef>
-          <a:fontRef idx="minor">
-            <a:schemeClr val="lt1"/>
-          </a:fontRef>
-        </p:style>
-        <p:txBody>
-          <a:bodyPr rtlCol="0" anchor="ctr"/>
-          <a:lstStyle/>
-          <a:p>
-            <a:pPr algn="ctr"/>
-            <a:r>
-              <a:rPr lang="en-US" altLang="zh-CN" sz="1600">
-                <a:latin typeface="Microsoft YaHei Mono" pitchFamily="49" charset="-122"/>
-                <a:ea typeface="Microsoft YaHei Mono" pitchFamily="49" charset="-122"/>
-              </a:rPr>
-              <a:t>lwip </a:t>
-            </a:r>
-            <a:r>
-              <a:rPr lang="zh-CN" altLang="en-US" sz="1600">
-                <a:latin typeface="Microsoft YaHei Mono" pitchFamily="49" charset="-122"/>
-                <a:ea typeface="Microsoft YaHei Mono" pitchFamily="49" charset="-122"/>
-              </a:rPr>
-              <a:t>网络</a:t>
-            </a:r>
-            <a:r>
-              <a:rPr lang="zh-CN" altLang="en-US" sz="1600" smtClean="0">
-                <a:latin typeface="Microsoft YaHei Mono" pitchFamily="49" charset="-122"/>
-                <a:ea typeface="Microsoft YaHei Mono" pitchFamily="49" charset="-122"/>
-              </a:rPr>
-              <a:t>接口</a:t>
-            </a:r>
-            <a:r>
-              <a:rPr lang="zh-CN" altLang="en-US" sz="1600">
-                <a:latin typeface="Microsoft YaHei Mono" pitchFamily="49" charset="-122"/>
-                <a:ea typeface="Microsoft YaHei Mono" pitchFamily="49" charset="-122"/>
-              </a:rPr>
-              <a:t>：</a:t>
-            </a:r>
-            <a:r>
-              <a:rPr lang="en-US" altLang="zh-CN" sz="1600" smtClean="0">
-                <a:latin typeface="Microsoft YaHei Mono" pitchFamily="49" charset="-122"/>
-                <a:ea typeface="Microsoft YaHei Mono" pitchFamily="49" charset="-122"/>
-              </a:rPr>
-              <a:t>netif-</a:t>
-            </a:r>
-            <a:r>
-              <a:rPr lang="en-US" altLang="zh-CN" sz="1600">
-                <a:latin typeface="Microsoft YaHei Mono" pitchFamily="49" charset="-122"/>
-                <a:ea typeface="Microsoft YaHei Mono" pitchFamily="49" charset="-122"/>
-              </a:rPr>
-              <a:t>&gt;input</a:t>
-            </a:r>
-            <a:endParaRPr lang="zh-CN" altLang="en-US" sz="1600">
-              <a:latin typeface="Microsoft YaHei Mono" pitchFamily="49" charset="-122"/>
-              <a:ea typeface="Microsoft YaHei Mono" pitchFamily="49" charset="-122"/>
-            </a:endParaRPr>
-          </a:p>
-        </p:txBody>
-      </p:sp>
-      <p:sp>
-        <p:nvSpPr>
-          <p:cNvPr id="6" name="圆角矩形 5"/>
-          <p:cNvSpPr/>
-          <p:nvPr/>
-        </p:nvSpPr>
-        <p:spPr>
-          <a:xfrm>
-            <a:off x="983432" y="4836231"/>
-            <a:ext cx="4536504" cy="741171"/>
-          </a:xfrm>
-          <a:prstGeom prst="roundRect">
-            <a:avLst/>
-          </a:prstGeom>
-        </p:spPr>
-        <p:style>
-          <a:lnRef idx="2">
-            <a:schemeClr val="accent1">
-              <a:shade val="50000"/>
-            </a:schemeClr>
-          </a:lnRef>
-          <a:fillRef idx="1">
-            <a:schemeClr val="accent1"/>
-          </a:fillRef>
-          <a:effectRef idx="0">
-            <a:schemeClr val="accent1"/>
-          </a:effectRef>
-          <a:fontRef idx="minor">
-            <a:schemeClr val="lt1"/>
-          </a:fontRef>
-        </p:style>
-        <p:txBody>
-          <a:bodyPr rtlCol="0" anchor="ctr"/>
-          <a:lstStyle/>
-          <a:p>
-            <a:pPr algn="ctr"/>
-            <a:r>
-              <a:rPr lang="en-US" altLang="zh-CN" sz="1600" smtClean="0">
-                <a:latin typeface="Microsoft YaHei Mono" pitchFamily="49" charset="-122"/>
-                <a:ea typeface="Microsoft YaHei Mono" pitchFamily="49" charset="-122"/>
-              </a:rPr>
-              <a:t>erx</a:t>
-            </a:r>
-            <a:r>
-              <a:rPr lang="zh-CN" altLang="en-US" sz="1600" smtClean="0">
-                <a:latin typeface="Microsoft YaHei Mono" pitchFamily="49" charset="-122"/>
-                <a:ea typeface="Microsoft YaHei Mono" pitchFamily="49" charset="-122"/>
-              </a:rPr>
-              <a:t>线程接口：</a:t>
-            </a:r>
-            <a:r>
-              <a:rPr lang="en-US" altLang="zh-CN" sz="1600" smtClean="0">
-                <a:latin typeface="Microsoft YaHei Mono" pitchFamily="49" charset="-122"/>
-                <a:ea typeface="Microsoft YaHei Mono" pitchFamily="49" charset="-122"/>
-              </a:rPr>
-              <a:t>eth_rx_thread_entry</a:t>
-            </a:r>
-            <a:endParaRPr lang="zh-CN" altLang="en-US" sz="1600">
-              <a:latin typeface="Microsoft YaHei Mono" pitchFamily="49" charset="-122"/>
-              <a:ea typeface="Microsoft YaHei Mono" pitchFamily="49" charset="-122"/>
-            </a:endParaRPr>
-          </a:p>
-        </p:txBody>
-      </p:sp>
-      <p:sp>
-        <p:nvSpPr>
-          <p:cNvPr id="7" name="圆角矩形 6"/>
-          <p:cNvSpPr/>
-          <p:nvPr/>
-        </p:nvSpPr>
-        <p:spPr>
-          <a:xfrm>
-            <a:off x="983432" y="5986595"/>
-            <a:ext cx="4536503" cy="741171"/>
-          </a:xfrm>
-          <a:prstGeom prst="roundRect">
-            <a:avLst/>
-          </a:prstGeom>
-        </p:spPr>
-        <p:style>
-          <a:lnRef idx="2">
-            <a:schemeClr val="accent4">
-              <a:shade val="50000"/>
-            </a:schemeClr>
-          </a:lnRef>
-          <a:fillRef idx="1">
-            <a:schemeClr val="accent4"/>
-          </a:fillRef>
-          <a:effectRef idx="0">
-            <a:schemeClr val="accent4"/>
-          </a:effectRef>
-          <a:fontRef idx="minor">
-            <a:schemeClr val="lt1"/>
-          </a:fontRef>
-        </p:style>
-        <p:txBody>
-          <a:bodyPr rtlCol="0" anchor="ctr"/>
-          <a:lstStyle/>
-          <a:p>
-            <a:pPr algn="ctr"/>
-            <a:r>
-              <a:rPr lang="zh-CN" altLang="en-US" sz="1600" smtClean="0">
-                <a:latin typeface="Microsoft YaHei Mono" pitchFamily="49" charset="-122"/>
-                <a:ea typeface="Microsoft YaHei Mono" pitchFamily="49" charset="-122"/>
-              </a:rPr>
-              <a:t>驱动设备接口：</a:t>
-            </a:r>
-            <a:r>
-              <a:rPr lang="en-US" altLang="zh-CN" sz="1600" smtClean="0">
-                <a:latin typeface="Microsoft YaHei Mono" pitchFamily="49" charset="-122"/>
-                <a:ea typeface="Microsoft YaHei Mono" pitchFamily="49" charset="-122"/>
-              </a:rPr>
-              <a:t>rt_imxrt_eth_rx</a:t>
-            </a:r>
-            <a:endParaRPr lang="zh-CN" altLang="en-US" sz="1600">
-              <a:latin typeface="Microsoft YaHei Mono" pitchFamily="49" charset="-122"/>
-              <a:ea typeface="Microsoft YaHei Mono" pitchFamily="49" charset="-122"/>
-            </a:endParaRPr>
-          </a:p>
-        </p:txBody>
-      </p:sp>
-      <p:sp>
-        <p:nvSpPr>
-          <p:cNvPr id="9" name="右大括号 8"/>
-          <p:cNvSpPr/>
-          <p:nvPr/>
-        </p:nvSpPr>
-        <p:spPr>
-          <a:xfrm>
-            <a:off x="5735960" y="1372380"/>
-            <a:ext cx="299464" cy="741171"/>
-          </a:xfrm>
-          <a:prstGeom prst="rightBrace">
-            <a:avLst/>
-          </a:prstGeom>
-        </p:spPr>
-        <p:style>
-          <a:lnRef idx="1">
-            <a:schemeClr val="accent1"/>
-          </a:lnRef>
-          <a:fillRef idx="0">
-            <a:schemeClr val="accent1"/>
-          </a:fillRef>
-          <a:effectRef idx="0">
-            <a:schemeClr val="accent1"/>
-          </a:effectRef>
-          <a:fontRef idx="minor">
-            <a:schemeClr val="tx1"/>
-          </a:fontRef>
-        </p:style>
-        <p:txBody>
-          <a:bodyPr rtlCol="0" anchor="ctr"/>
-          <a:lstStyle/>
-          <a:p>
-            <a:pPr algn="ctr"/>
-            <a:endParaRPr lang="zh-CN" altLang="en-US"/>
-          </a:p>
-        </p:txBody>
-      </p:sp>
-      <p:sp>
-        <p:nvSpPr>
-          <p:cNvPr id="10" name="右大括号 9"/>
-          <p:cNvSpPr/>
-          <p:nvPr/>
-        </p:nvSpPr>
-        <p:spPr>
-          <a:xfrm>
-            <a:off x="5735960" y="3662834"/>
-            <a:ext cx="299464" cy="741171"/>
-          </a:xfrm>
-          <a:prstGeom prst="rightBrace">
-            <a:avLst/>
-          </a:prstGeom>
-        </p:spPr>
-        <p:style>
-          <a:lnRef idx="1">
-            <a:schemeClr val="accent1"/>
-          </a:lnRef>
-          <a:fillRef idx="0">
-            <a:schemeClr val="accent1"/>
-          </a:fillRef>
-          <a:effectRef idx="0">
-            <a:schemeClr val="accent1"/>
-          </a:effectRef>
-          <a:fontRef idx="minor">
-            <a:schemeClr val="tx1"/>
-          </a:fontRef>
-        </p:style>
-        <p:txBody>
-          <a:bodyPr rtlCol="0" anchor="ctr"/>
-          <a:lstStyle/>
-          <a:p>
-            <a:pPr algn="ctr"/>
-            <a:endParaRPr lang="zh-CN" altLang="en-US"/>
-          </a:p>
-        </p:txBody>
-      </p:sp>
-      <p:sp>
-        <p:nvSpPr>
-          <p:cNvPr id="11" name="右大括号 10"/>
-          <p:cNvSpPr/>
-          <p:nvPr/>
-        </p:nvSpPr>
-        <p:spPr>
-          <a:xfrm>
-            <a:off x="5735960" y="4836231"/>
-            <a:ext cx="299464" cy="741171"/>
-          </a:xfrm>
-          <a:prstGeom prst="rightBrace">
-            <a:avLst/>
-          </a:prstGeom>
-        </p:spPr>
-        <p:style>
-          <a:lnRef idx="1">
-            <a:schemeClr val="accent1"/>
-          </a:lnRef>
-          <a:fillRef idx="0">
-            <a:schemeClr val="accent1"/>
-          </a:fillRef>
-          <a:effectRef idx="0">
-            <a:schemeClr val="accent1"/>
-          </a:effectRef>
-          <a:fontRef idx="minor">
-            <a:schemeClr val="tx1"/>
-          </a:fontRef>
-        </p:style>
-        <p:txBody>
-          <a:bodyPr rtlCol="0" anchor="ctr"/>
-          <a:lstStyle/>
-          <a:p>
-            <a:pPr algn="ctr"/>
-            <a:endParaRPr lang="zh-CN" altLang="en-US"/>
-          </a:p>
-        </p:txBody>
-      </p:sp>
-      <p:sp>
-        <p:nvSpPr>
-          <p:cNvPr id="12" name="右大括号 11"/>
-          <p:cNvSpPr/>
-          <p:nvPr/>
-        </p:nvSpPr>
-        <p:spPr>
-          <a:xfrm>
-            <a:off x="5735960" y="5986595"/>
-            <a:ext cx="299464" cy="741171"/>
-          </a:xfrm>
-          <a:prstGeom prst="rightBrace">
-            <a:avLst/>
-          </a:prstGeom>
-        </p:spPr>
-        <p:style>
-          <a:lnRef idx="1">
-            <a:schemeClr val="accent1"/>
-          </a:lnRef>
-          <a:fillRef idx="0">
-            <a:schemeClr val="accent1"/>
-          </a:fillRef>
-          <a:effectRef idx="0">
-            <a:schemeClr val="accent1"/>
-          </a:effectRef>
-          <a:fontRef idx="minor">
-            <a:schemeClr val="tx1"/>
-          </a:fontRef>
-        </p:style>
-        <p:txBody>
-          <a:bodyPr rtlCol="0" anchor="ctr"/>
-          <a:lstStyle/>
-          <a:p>
-            <a:pPr algn="ctr"/>
-            <a:endParaRPr lang="zh-CN" altLang="en-US"/>
-          </a:p>
-        </p:txBody>
-      </p:sp>
-      <p:sp>
-        <p:nvSpPr>
-          <p:cNvPr id="13" name="右大括号 12"/>
-          <p:cNvSpPr/>
-          <p:nvPr/>
-        </p:nvSpPr>
-        <p:spPr>
-          <a:xfrm>
-            <a:off x="5735960" y="2552012"/>
-            <a:ext cx="299464" cy="741171"/>
-          </a:xfrm>
-          <a:prstGeom prst="rightBrace">
-            <a:avLst/>
-          </a:prstGeom>
-        </p:spPr>
-        <p:style>
-          <a:lnRef idx="1">
-            <a:schemeClr val="accent1"/>
-          </a:lnRef>
-          <a:fillRef idx="0">
-            <a:schemeClr val="accent1"/>
-          </a:fillRef>
-          <a:effectRef idx="0">
-            <a:schemeClr val="accent1"/>
-          </a:effectRef>
-          <a:fontRef idx="minor">
-            <a:schemeClr val="tx1"/>
-          </a:fontRef>
-        </p:style>
-        <p:txBody>
-          <a:bodyPr rtlCol="0" anchor="ctr"/>
-          <a:lstStyle/>
-          <a:p>
-            <a:pPr algn="ctr"/>
-            <a:endParaRPr lang="zh-CN" altLang="en-US"/>
-          </a:p>
-        </p:txBody>
-      </p:sp>
-      <p:sp>
-        <p:nvSpPr>
-          <p:cNvPr id="14" name="圆角矩形 13"/>
-          <p:cNvSpPr/>
-          <p:nvPr/>
-        </p:nvSpPr>
-        <p:spPr>
-          <a:xfrm>
-            <a:off x="6312024" y="1484784"/>
-            <a:ext cx="3024336" cy="504056"/>
-          </a:xfrm>
-          <a:prstGeom prst="roundRect">
-            <a:avLst/>
-          </a:prstGeom>
-        </p:spPr>
-        <p:style>
-          <a:lnRef idx="2">
-            <a:schemeClr val="accent6"/>
-          </a:lnRef>
-          <a:fillRef idx="1">
-            <a:schemeClr val="lt1"/>
-          </a:fillRef>
-          <a:effectRef idx="0">
-            <a:schemeClr val="accent6"/>
-          </a:effectRef>
-          <a:fontRef idx="minor">
-            <a:schemeClr val="dk1"/>
-          </a:fontRef>
-        </p:style>
-        <p:txBody>
-          <a:bodyPr rtlCol="0" anchor="ctr"/>
-          <a:lstStyle/>
-          <a:p>
-            <a:pPr algn="ctr"/>
-            <a:r>
-              <a:rPr lang="zh-CN" altLang="en-US" sz="1400" smtClean="0">
-                <a:latin typeface="Microsoft YaHei Mono" pitchFamily="49" charset="-122"/>
-                <a:ea typeface="Microsoft YaHei Mono" pitchFamily="49" charset="-122"/>
-              </a:rPr>
-              <a:t>给</a:t>
-            </a:r>
-            <a:r>
-              <a:rPr lang="en-US" altLang="zh-CN" sz="1400" smtClean="0">
-                <a:latin typeface="Microsoft YaHei Mono" pitchFamily="49" charset="-122"/>
-                <a:ea typeface="Microsoft YaHei Mono" pitchFamily="49" charset="-122"/>
-              </a:rPr>
-              <a:t>tcpip</a:t>
-            </a:r>
-            <a:r>
-              <a:rPr lang="zh-CN" altLang="en-US" sz="1400" smtClean="0">
-                <a:latin typeface="Microsoft YaHei Mono" pitchFamily="49" charset="-122"/>
-                <a:ea typeface="Microsoft YaHei Mono" pitchFamily="49" charset="-122"/>
-              </a:rPr>
-              <a:t>线程发送</a:t>
-            </a:r>
-            <a:r>
-              <a:rPr lang="en-US" altLang="zh-CN" sz="1400" smtClean="0">
-                <a:latin typeface="Microsoft YaHei Mono" pitchFamily="49" charset="-122"/>
-                <a:ea typeface="Microsoft YaHei Mono" pitchFamily="49" charset="-122"/>
-              </a:rPr>
-              <a:t>packet</a:t>
-            </a:r>
-            <a:endParaRPr lang="zh-CN" altLang="en-US" sz="1400">
-              <a:latin typeface="Microsoft YaHei Mono" pitchFamily="49" charset="-122"/>
-              <a:ea typeface="Microsoft YaHei Mono" pitchFamily="49" charset="-122"/>
-            </a:endParaRPr>
-          </a:p>
-        </p:txBody>
-      </p:sp>
-      <p:sp>
-        <p:nvSpPr>
-          <p:cNvPr id="15" name="圆角矩形 14"/>
-          <p:cNvSpPr/>
-          <p:nvPr/>
-        </p:nvSpPr>
-        <p:spPr>
-          <a:xfrm>
-            <a:off x="6312024" y="2670568"/>
-            <a:ext cx="3024336" cy="504056"/>
-          </a:xfrm>
-          <a:prstGeom prst="roundRect">
-            <a:avLst/>
-          </a:prstGeom>
-        </p:spPr>
-        <p:style>
-          <a:lnRef idx="2">
-            <a:schemeClr val="accent5"/>
-          </a:lnRef>
-          <a:fillRef idx="1">
-            <a:schemeClr val="lt1"/>
-          </a:fillRef>
-          <a:effectRef idx="0">
-            <a:schemeClr val="accent5"/>
-          </a:effectRef>
-          <a:fontRef idx="minor">
-            <a:schemeClr val="dk1"/>
-          </a:fontRef>
-        </p:style>
-        <p:txBody>
-          <a:bodyPr rtlCol="0" anchor="ctr"/>
-          <a:lstStyle/>
-          <a:p>
-            <a:pPr algn="ctr"/>
-            <a:r>
-              <a:rPr lang="en-US" altLang="zh-CN" sz="1400">
-                <a:latin typeface="Microsoft YaHei Mono" pitchFamily="49" charset="-122"/>
-                <a:ea typeface="Microsoft YaHei Mono" pitchFamily="49" charset="-122"/>
-              </a:rPr>
-              <a:t>t</a:t>
-            </a:r>
-            <a:r>
-              <a:rPr lang="en-US" altLang="zh-CN" sz="1400" smtClean="0">
-                <a:latin typeface="Microsoft YaHei Mono" pitchFamily="49" charset="-122"/>
-                <a:ea typeface="Microsoft YaHei Mono" pitchFamily="49" charset="-122"/>
-              </a:rPr>
-              <a:t>cpdump</a:t>
-            </a:r>
-            <a:r>
-              <a:rPr lang="zh-CN" altLang="en-US" sz="1400" smtClean="0">
-                <a:latin typeface="Microsoft YaHei Mono" pitchFamily="49" charset="-122"/>
-                <a:ea typeface="Microsoft YaHei Mono" pitchFamily="49" charset="-122"/>
-              </a:rPr>
-              <a:t>截获</a:t>
-            </a:r>
-            <a:r>
-              <a:rPr lang="en-US" altLang="zh-CN" sz="1400" smtClean="0">
-                <a:latin typeface="Microsoft YaHei Mono" pitchFamily="49" charset="-122"/>
-                <a:ea typeface="Microsoft YaHei Mono" pitchFamily="49" charset="-122"/>
-              </a:rPr>
-              <a:t>rx</a:t>
-            </a:r>
-            <a:r>
-              <a:rPr lang="zh-CN" altLang="en-US" sz="1400" smtClean="0">
-                <a:latin typeface="Microsoft YaHei Mono" pitchFamily="49" charset="-122"/>
-                <a:ea typeface="Microsoft YaHei Mono" pitchFamily="49" charset="-122"/>
-              </a:rPr>
-              <a:t>数据入口</a:t>
-            </a:r>
-            <a:endParaRPr lang="zh-CN" altLang="en-US" sz="1600">
-              <a:latin typeface="Microsoft YaHei Mono" pitchFamily="49" charset="-122"/>
-              <a:ea typeface="Microsoft YaHei Mono" pitchFamily="49" charset="-122"/>
-            </a:endParaRPr>
-          </a:p>
-        </p:txBody>
-      </p:sp>
-      <p:sp>
-        <p:nvSpPr>
-          <p:cNvPr id="16" name="圆角矩形 15"/>
-          <p:cNvSpPr/>
-          <p:nvPr/>
-        </p:nvSpPr>
-        <p:spPr>
-          <a:xfrm>
-            <a:off x="6312024" y="3781391"/>
-            <a:ext cx="3024336" cy="504056"/>
-          </a:xfrm>
-          <a:prstGeom prst="roundRect">
-            <a:avLst/>
-          </a:prstGeom>
-        </p:spPr>
-        <p:style>
-          <a:lnRef idx="2">
-            <a:schemeClr val="accent6"/>
-          </a:lnRef>
-          <a:fillRef idx="1">
-            <a:schemeClr val="lt1"/>
-          </a:fillRef>
-          <a:effectRef idx="0">
-            <a:schemeClr val="accent6"/>
-          </a:effectRef>
-          <a:fontRef idx="minor">
-            <a:schemeClr val="dk1"/>
-          </a:fontRef>
-        </p:style>
-        <p:txBody>
-          <a:bodyPr rtlCol="0" anchor="ctr"/>
-          <a:lstStyle/>
-          <a:p>
-            <a:pPr algn="ctr"/>
-            <a:r>
-              <a:rPr lang="en-US" altLang="zh-CN" sz="1400">
-                <a:latin typeface="Microsoft YaHei Mono" pitchFamily="49" charset="-122"/>
-                <a:ea typeface="Microsoft YaHei Mono" pitchFamily="49" charset="-122"/>
-              </a:rPr>
-              <a:t>l</a:t>
-            </a:r>
-            <a:r>
-              <a:rPr lang="en-US" altLang="zh-CN" sz="1400" smtClean="0">
-                <a:latin typeface="Microsoft YaHei Mono" pitchFamily="49" charset="-122"/>
-                <a:ea typeface="Microsoft YaHei Mono" pitchFamily="49" charset="-122"/>
-              </a:rPr>
-              <a:t>wip</a:t>
-            </a:r>
-            <a:r>
-              <a:rPr lang="zh-CN" altLang="en-US" sz="1400" smtClean="0">
-                <a:latin typeface="Microsoft YaHei Mono" pitchFamily="49" charset="-122"/>
-                <a:ea typeface="Microsoft YaHei Mono" pitchFamily="49" charset="-122"/>
-              </a:rPr>
-              <a:t>接口层</a:t>
-            </a:r>
-            <a:endParaRPr lang="zh-CN" altLang="en-US" sz="1400">
-              <a:latin typeface="Microsoft YaHei Mono" pitchFamily="49" charset="-122"/>
-              <a:ea typeface="Microsoft YaHei Mono" pitchFamily="49" charset="-122"/>
-            </a:endParaRPr>
-          </a:p>
-        </p:txBody>
-      </p:sp>
-      <p:sp>
-        <p:nvSpPr>
-          <p:cNvPr id="17" name="圆角矩形 16"/>
-          <p:cNvSpPr/>
-          <p:nvPr/>
-        </p:nvSpPr>
-        <p:spPr>
-          <a:xfrm>
-            <a:off x="6342112" y="4954788"/>
-            <a:ext cx="2994248" cy="504056"/>
-          </a:xfrm>
-          <a:prstGeom prst="roundRect">
-            <a:avLst/>
-          </a:prstGeom>
-        </p:spPr>
-        <p:style>
-          <a:lnRef idx="2">
-            <a:schemeClr val="accent1"/>
-          </a:lnRef>
-          <a:fillRef idx="1">
-            <a:schemeClr val="lt1"/>
-          </a:fillRef>
-          <a:effectRef idx="0">
-            <a:schemeClr val="accent1"/>
-          </a:effectRef>
-          <a:fontRef idx="minor">
-            <a:schemeClr val="dk1"/>
-          </a:fontRef>
-        </p:style>
-        <p:txBody>
-          <a:bodyPr rtlCol="0" anchor="ctr"/>
-          <a:lstStyle/>
-          <a:p>
-            <a:pPr algn="ctr"/>
-            <a:r>
-              <a:rPr lang="en-US" altLang="zh-CN" sz="1400" smtClean="0">
-                <a:latin typeface="Microsoft YaHei Mono" pitchFamily="49" charset="-122"/>
-                <a:ea typeface="Microsoft YaHei Mono" pitchFamily="49" charset="-122"/>
-              </a:rPr>
-              <a:t>e</a:t>
-            </a:r>
-            <a:r>
-              <a:rPr lang="en-US" altLang="zh-CN" sz="1400">
-                <a:latin typeface="Microsoft YaHei Mono" pitchFamily="49" charset="-122"/>
-                <a:ea typeface="Microsoft YaHei Mono" pitchFamily="49" charset="-122"/>
-              </a:rPr>
-              <a:t>r</a:t>
-            </a:r>
-            <a:r>
-              <a:rPr lang="en-US" altLang="zh-CN" sz="1400" smtClean="0">
-                <a:latin typeface="Microsoft YaHei Mono" pitchFamily="49" charset="-122"/>
-                <a:ea typeface="Microsoft YaHei Mono" pitchFamily="49" charset="-122"/>
-              </a:rPr>
-              <a:t>x</a:t>
-            </a:r>
-            <a:r>
-              <a:rPr lang="zh-CN" altLang="en-US" sz="1400" smtClean="0">
-                <a:latin typeface="Microsoft YaHei Mono" pitchFamily="49" charset="-122"/>
-                <a:ea typeface="Microsoft YaHei Mono" pitchFamily="49" charset="-122"/>
-              </a:rPr>
-              <a:t>线程里调用</a:t>
-            </a:r>
-            <a:r>
-              <a:rPr lang="en-US" altLang="zh-CN" sz="1400" smtClean="0">
-                <a:latin typeface="Microsoft YaHei Mono" pitchFamily="49" charset="-122"/>
-                <a:ea typeface="Microsoft YaHei Mono" pitchFamily="49" charset="-122"/>
-              </a:rPr>
-              <a:t>input</a:t>
-            </a:r>
-            <a:r>
-              <a:rPr lang="zh-CN" altLang="en-US" sz="1400" smtClean="0">
-                <a:latin typeface="Microsoft YaHei Mono" pitchFamily="49" charset="-122"/>
-                <a:ea typeface="Microsoft YaHei Mono" pitchFamily="49" charset="-122"/>
-              </a:rPr>
-              <a:t>接口</a:t>
-            </a:r>
-            <a:endParaRPr lang="zh-CN" altLang="en-US" sz="1400">
-              <a:latin typeface="Microsoft YaHei Mono" pitchFamily="49" charset="-122"/>
-              <a:ea typeface="Microsoft YaHei Mono" pitchFamily="49" charset="-122"/>
-            </a:endParaRPr>
-          </a:p>
-        </p:txBody>
-      </p:sp>
-      <p:sp>
-        <p:nvSpPr>
-          <p:cNvPr id="18" name="圆角矩形 17"/>
-          <p:cNvSpPr/>
-          <p:nvPr/>
-        </p:nvSpPr>
-        <p:spPr>
-          <a:xfrm>
-            <a:off x="6342112" y="6105152"/>
-            <a:ext cx="2994248" cy="504056"/>
-          </a:xfrm>
-          <a:prstGeom prst="roundRect">
-            <a:avLst/>
-          </a:prstGeom>
-        </p:spPr>
-        <p:style>
-          <a:lnRef idx="2">
-            <a:schemeClr val="accent4"/>
-          </a:lnRef>
-          <a:fillRef idx="1">
-            <a:schemeClr val="lt1"/>
-          </a:fillRef>
-          <a:effectRef idx="0">
-            <a:schemeClr val="accent4"/>
-          </a:effectRef>
-          <a:fontRef idx="minor">
-            <a:schemeClr val="dk1"/>
-          </a:fontRef>
-        </p:style>
-        <p:txBody>
-          <a:bodyPr rtlCol="0" anchor="ctr"/>
-          <a:lstStyle/>
-          <a:p>
-            <a:pPr algn="ctr"/>
-            <a:r>
-              <a:rPr lang="zh-CN" altLang="en-US" sz="1400">
-                <a:latin typeface="Microsoft YaHei Mono" pitchFamily="49" charset="-122"/>
-                <a:ea typeface="Microsoft YaHei Mono" pitchFamily="49" charset="-122"/>
-              </a:rPr>
-              <a:t>网卡</a:t>
-            </a:r>
-            <a:r>
-              <a:rPr lang="zh-CN" altLang="en-US" sz="1400" smtClean="0">
-                <a:latin typeface="Microsoft YaHei Mono" pitchFamily="49" charset="-122"/>
-                <a:ea typeface="Microsoft YaHei Mono" pitchFamily="49" charset="-122"/>
-              </a:rPr>
-              <a:t>驱动层</a:t>
-            </a:r>
-            <a:endParaRPr lang="zh-CN" altLang="en-US" sz="1600">
-              <a:latin typeface="Microsoft YaHei Mono" pitchFamily="49" charset="-122"/>
-              <a:ea typeface="Microsoft YaHei Mono" pitchFamily="49" charset="-122"/>
-            </a:endParaRPr>
-          </a:p>
-        </p:txBody>
-      </p:sp>
-      <p:sp>
-        <p:nvSpPr>
-          <p:cNvPr id="19" name="上箭头 18"/>
-          <p:cNvSpPr/>
-          <p:nvPr/>
-        </p:nvSpPr>
-        <p:spPr>
-          <a:xfrm flipH="1">
-            <a:off x="131048" y="1628801"/>
-            <a:ext cx="708368" cy="4942263"/>
-          </a:xfrm>
-          <a:prstGeom prst="upArrow">
-            <a:avLst/>
-          </a:prstGeom>
-        </p:spPr>
-        <p:style>
-          <a:lnRef idx="2">
-            <a:schemeClr val="accent2"/>
-          </a:lnRef>
-          <a:fillRef idx="1">
-            <a:schemeClr val="lt1"/>
-          </a:fillRef>
-          <a:effectRef idx="0">
-            <a:schemeClr val="accent2"/>
-          </a:effectRef>
-          <a:fontRef idx="minor">
-            <a:schemeClr val="dk1"/>
-          </a:fontRef>
-        </p:style>
-        <p:txBody>
-          <a:bodyPr vert="wordArtVertRtl" rtlCol="0" anchor="ctr"/>
-          <a:lstStyle/>
-          <a:p>
-            <a:pPr algn="ctr"/>
-            <a:r>
-              <a:rPr lang="en-US" altLang="zh-CN" sz="1600" smtClean="0">
-                <a:solidFill>
-                  <a:srgbClr val="00B0F0"/>
-                </a:solidFill>
-                <a:latin typeface="Microsoft YaHei Mono" pitchFamily="49" charset="-122"/>
-                <a:ea typeface="Microsoft YaHei Mono" pitchFamily="49" charset="-122"/>
-              </a:rPr>
-              <a:t>Rx</a:t>
-            </a:r>
-            <a:r>
-              <a:rPr lang="zh-CN" altLang="en-US" sz="1600" smtClean="0">
-                <a:solidFill>
-                  <a:srgbClr val="00B0F0"/>
-                </a:solidFill>
-                <a:latin typeface="Microsoft YaHei Mono" pitchFamily="49" charset="-122"/>
-                <a:ea typeface="Microsoft YaHei Mono" pitchFamily="49" charset="-122"/>
-              </a:rPr>
-              <a:t>数据流向</a:t>
-            </a:r>
-            <a:endParaRPr lang="en-US" altLang="zh-CN" sz="1600" smtClean="0">
-              <a:solidFill>
-                <a:srgbClr val="00B0F0"/>
-              </a:solidFill>
-              <a:latin typeface="Microsoft YaHei Mono" pitchFamily="49" charset="-122"/>
-              <a:ea typeface="Microsoft YaHei Mono" pitchFamily="49" charset="-122"/>
-            </a:endParaRPr>
-          </a:p>
-        </p:txBody>
-      </p:sp>
-      <p:sp>
-        <p:nvSpPr>
-          <p:cNvPr id="20" name="下箭头 19"/>
-          <p:cNvSpPr/>
-          <p:nvPr/>
-        </p:nvSpPr>
-        <p:spPr>
-          <a:xfrm rot="10800000">
-            <a:off x="1343472" y="2371324"/>
-            <a:ext cx="432048" cy="1057676"/>
-          </a:xfrm>
-          <a:prstGeom prst="downArrow">
-            <a:avLst/>
-          </a:prstGeom>
-        </p:spPr>
-        <p:style>
-          <a:lnRef idx="2">
-            <a:schemeClr val="accent6">
-              <a:shade val="50000"/>
-            </a:schemeClr>
-          </a:lnRef>
-          <a:fillRef idx="1">
-            <a:schemeClr val="accent6"/>
-          </a:fillRef>
-          <a:effectRef idx="0">
-            <a:schemeClr val="accent6"/>
-          </a:effectRef>
-          <a:fontRef idx="minor">
-            <a:schemeClr val="lt1"/>
-          </a:fontRef>
-        </p:style>
-        <p:txBody>
-          <a:bodyPr rtlCol="0" anchor="ctr"/>
-          <a:lstStyle/>
-          <a:p>
-            <a:pPr algn="ctr"/>
-            <a:endParaRPr lang="zh-CN" altLang="en-US"/>
-          </a:p>
-        </p:txBody>
-      </p:sp>
-      <p:sp>
-        <p:nvSpPr>
-          <p:cNvPr id="21" name="下箭头 20"/>
-          <p:cNvSpPr/>
-          <p:nvPr/>
-        </p:nvSpPr>
-        <p:spPr>
-          <a:xfrm rot="8102097">
-            <a:off x="2095734" y="2152094"/>
-            <a:ext cx="288032" cy="438460"/>
-          </a:xfrm>
-          <a:prstGeom prst="downArrow">
-            <a:avLst/>
-          </a:prstGeom>
-        </p:spPr>
-        <p:style>
-          <a:lnRef idx="2">
-            <a:schemeClr val="accent5">
-              <a:shade val="50000"/>
-            </a:schemeClr>
-          </a:lnRef>
-          <a:fillRef idx="1">
-            <a:schemeClr val="accent5"/>
-          </a:fillRef>
-          <a:effectRef idx="0">
-            <a:schemeClr val="accent5"/>
-          </a:effectRef>
-          <a:fontRef idx="minor">
-            <a:schemeClr val="lt1"/>
-          </a:fontRef>
-        </p:style>
-        <p:txBody>
-          <a:bodyPr rtlCol="0" anchor="ctr"/>
-          <a:lstStyle/>
-          <a:p>
-            <a:pPr algn="ctr"/>
-            <a:endParaRPr lang="zh-CN" altLang="en-US"/>
-          </a:p>
-        </p:txBody>
-      </p:sp>
-      <p:sp>
-        <p:nvSpPr>
-          <p:cNvPr id="22" name="下箭头 21"/>
-          <p:cNvSpPr/>
-          <p:nvPr/>
-        </p:nvSpPr>
-        <p:spPr>
-          <a:xfrm rot="13280201">
-            <a:off x="2095733" y="3183877"/>
-            <a:ext cx="288032" cy="438460"/>
-          </a:xfrm>
-          <a:prstGeom prst="downArrow">
-            <a:avLst/>
-          </a:prstGeom>
-        </p:spPr>
-        <p:style>
-          <a:lnRef idx="2">
-            <a:schemeClr val="accent5">
-              <a:shade val="50000"/>
-            </a:schemeClr>
-          </a:lnRef>
-          <a:fillRef idx="1">
-            <a:schemeClr val="accent5"/>
-          </a:fillRef>
-          <a:effectRef idx="0">
-            <a:schemeClr val="accent5"/>
-          </a:effectRef>
-          <a:fontRef idx="minor">
-            <a:schemeClr val="lt1"/>
-          </a:fontRef>
-        </p:style>
-        <p:txBody>
-          <a:bodyPr rtlCol="0" anchor="ctr"/>
-          <a:lstStyle/>
-          <a:p>
-            <a:pPr algn="ctr"/>
-            <a:endParaRPr lang="zh-CN" altLang="en-US"/>
-          </a:p>
-        </p:txBody>
-      </p:sp>
-      <p:sp>
-        <p:nvSpPr>
-          <p:cNvPr id="23" name="TextBox 22"/>
-          <p:cNvSpPr txBox="1"/>
-          <p:nvPr/>
-        </p:nvSpPr>
-        <p:spPr>
-          <a:xfrm>
-            <a:off x="2495600" y="2240107"/>
-            <a:ext cx="1170513" cy="307777"/>
-          </a:xfrm>
-          <a:prstGeom prst="rect">
-            <a:avLst/>
-          </a:prstGeom>
-          <a:noFill/>
-        </p:spPr>
-        <p:txBody>
-          <a:bodyPr wrap="none" rtlCol="0">
-            <a:spAutoFit/>
-          </a:bodyPr>
-          <a:lstStyle/>
-          <a:p>
-            <a:r>
-              <a:rPr lang="zh-CN" altLang="en-US" sz="1400" smtClean="0">
-                <a:solidFill>
-                  <a:schemeClr val="accent5"/>
-                </a:solidFill>
-                <a:latin typeface="Microsoft YaHei Mono" pitchFamily="49" charset="-122"/>
-                <a:ea typeface="Microsoft YaHei Mono" pitchFamily="49" charset="-122"/>
-              </a:rPr>
-              <a:t>新数据流向</a:t>
-            </a:r>
-            <a:endParaRPr lang="zh-CN" altLang="en-US" sz="1400">
-              <a:solidFill>
-                <a:schemeClr val="accent5"/>
-              </a:solidFill>
-              <a:latin typeface="Microsoft YaHei Mono" pitchFamily="49" charset="-122"/>
-              <a:ea typeface="Microsoft YaHei Mono" pitchFamily="49" charset="-122"/>
-            </a:endParaRPr>
-          </a:p>
-        </p:txBody>
-      </p:sp>
-      <p:sp>
-        <p:nvSpPr>
-          <p:cNvPr id="24" name="TextBox 23"/>
-          <p:cNvSpPr txBox="1"/>
-          <p:nvPr/>
-        </p:nvSpPr>
-        <p:spPr>
-          <a:xfrm>
-            <a:off x="982890" y="2457491"/>
-            <a:ext cx="400110" cy="990015"/>
-          </a:xfrm>
-          <a:prstGeom prst="rect">
-            <a:avLst/>
-          </a:prstGeom>
-          <a:noFill/>
-        </p:spPr>
-        <p:txBody>
-          <a:bodyPr vert="eaVert" wrap="none" rtlCol="0">
-            <a:spAutoFit/>
-          </a:bodyPr>
-          <a:lstStyle/>
-          <a:p>
-            <a:r>
-              <a:rPr lang="zh-CN" altLang="en-US" sz="1400" smtClean="0">
-                <a:solidFill>
-                  <a:schemeClr val="accent6"/>
-                </a:solidFill>
-                <a:latin typeface="Microsoft YaHei Mono" pitchFamily="49" charset="-122"/>
-                <a:ea typeface="Microsoft YaHei Mono" pitchFamily="49" charset="-122"/>
-              </a:rPr>
-              <a:t>旧数据流向</a:t>
-            </a:r>
-            <a:endParaRPr lang="zh-CN" altLang="en-US" sz="1400">
-              <a:solidFill>
-                <a:schemeClr val="accent6"/>
-              </a:solidFill>
-              <a:latin typeface="Microsoft YaHei Mono" pitchFamily="49" charset="-122"/>
-              <a:ea typeface="Microsoft YaHei Mono" pitchFamily="49" charset="-122"/>
-            </a:endParaRPr>
-          </a:p>
-        </p:txBody>
-      </p:sp>
-    </p:spTree>
-    <p:extLst>
-      <p:ext uri="{BB962C8B-B14F-4D97-AF65-F5344CB8AC3E}">
-        <p14:creationId xmlns:p14="http://schemas.microsoft.com/office/powerpoint/2010/main" val="719866128"/>
       </p:ext>
     </p:extLst>
   </p:cSld>
@@ -9809,26 +9399,1102 @@
           <a:p>
             <a:r>
               <a:rPr lang="en-US" altLang="zh-CN">
-                <a:latin typeface="Microsoft YaHei Mono" pitchFamily="49" charset="-122"/>
-                <a:ea typeface="Microsoft YaHei Mono" pitchFamily="49" charset="-122"/>
-              </a:rPr>
-              <a:t>t</a:t>
+                <a:latin typeface="+mn-ea"/>
+                <a:ea typeface="+mn-ea"/>
+              </a:rPr>
+              <a:t>lwip</a:t>
+            </a:r>
+            <a:r>
+              <a:rPr lang="zh-CN" altLang="en-US">
+                <a:latin typeface="+mn-ea"/>
+                <a:ea typeface="+mn-ea"/>
+              </a:rPr>
+              <a:t>数据流向</a:t>
             </a:r>
             <a:r>
               <a:rPr lang="en-US" altLang="zh-CN" smtClean="0">
-                <a:latin typeface="Microsoft YaHei Mono" pitchFamily="49" charset="-122"/>
-                <a:ea typeface="Microsoft YaHei Mono" pitchFamily="49" charset="-122"/>
-              </a:rPr>
-              <a:t>cpdump</a:t>
+                <a:latin typeface="+mn-ea"/>
+                <a:ea typeface="+mn-ea"/>
+              </a:rPr>
+              <a:t>-rx</a:t>
+            </a:r>
+            <a:endParaRPr lang="zh-CN" altLang="en-US">
+              <a:latin typeface="+mn-ea"/>
+              <a:ea typeface="+mn-ea"/>
+            </a:endParaRPr>
+          </a:p>
+        </p:txBody>
+      </p:sp>
+      <p:sp>
+        <p:nvSpPr>
+          <p:cNvPr id="3" name="圆角矩形 2"/>
+          <p:cNvSpPr/>
+          <p:nvPr/>
+        </p:nvSpPr>
+        <p:spPr>
+          <a:xfrm>
+            <a:off x="2495600" y="2552011"/>
+            <a:ext cx="3024336" cy="741171"/>
+          </a:xfrm>
+          <a:prstGeom prst="roundRect">
+            <a:avLst/>
+          </a:prstGeom>
+        </p:spPr>
+        <p:style>
+          <a:lnRef idx="1">
+            <a:schemeClr val="accent5"/>
+          </a:lnRef>
+          <a:fillRef idx="3">
+            <a:schemeClr val="accent5"/>
+          </a:fillRef>
+          <a:effectRef idx="2">
+            <a:schemeClr val="accent5"/>
+          </a:effectRef>
+          <a:fontRef idx="minor">
+            <a:schemeClr val="lt1"/>
+          </a:fontRef>
+        </p:style>
+        <p:txBody>
+          <a:bodyPr rtlCol="0" anchor="ctr"/>
+          <a:lstStyle/>
+          <a:p>
+            <a:pPr algn="ctr"/>
+            <a:r>
+              <a:rPr lang="en-US" altLang="zh-CN" smtClean="0">
+                <a:latin typeface="Microsoft YaHei Mono" pitchFamily="49" charset="-122"/>
+                <a:ea typeface="Microsoft YaHei Mono" pitchFamily="49" charset="-122"/>
+              </a:rPr>
+              <a:t>tcpdump_input</a:t>
+            </a:r>
+            <a:endParaRPr lang="zh-CN" altLang="en-US">
+              <a:latin typeface="Microsoft YaHei Mono" pitchFamily="49" charset="-122"/>
+              <a:ea typeface="Microsoft YaHei Mono" pitchFamily="49" charset="-122"/>
+            </a:endParaRPr>
+          </a:p>
+        </p:txBody>
+      </p:sp>
+      <p:sp>
+        <p:nvSpPr>
+          <p:cNvPr id="4" name="圆角矩形 3"/>
+          <p:cNvSpPr/>
+          <p:nvPr/>
+        </p:nvSpPr>
+        <p:spPr>
+          <a:xfrm>
+            <a:off x="983432" y="1372379"/>
+            <a:ext cx="4536504" cy="741172"/>
+          </a:xfrm>
+          <a:prstGeom prst="roundRect">
+            <a:avLst/>
+          </a:prstGeom>
+        </p:spPr>
+        <p:style>
+          <a:lnRef idx="2">
+            <a:schemeClr val="accent6">
+              <a:shade val="50000"/>
+            </a:schemeClr>
+          </a:lnRef>
+          <a:fillRef idx="1">
+            <a:schemeClr val="accent6"/>
+          </a:fillRef>
+          <a:effectRef idx="0">
+            <a:schemeClr val="accent6"/>
+          </a:effectRef>
+          <a:fontRef idx="minor">
+            <a:schemeClr val="lt1"/>
+          </a:fontRef>
+        </p:style>
+        <p:txBody>
+          <a:bodyPr rtlCol="0" anchor="ctr"/>
+          <a:lstStyle/>
+          <a:p>
+            <a:pPr algn="ctr"/>
+            <a:r>
+              <a:rPr lang="en-US" altLang="zh-CN" smtClean="0">
+                <a:latin typeface="Microsoft YaHei Mono" pitchFamily="49" charset="-122"/>
+                <a:ea typeface="Microsoft YaHei Mono" pitchFamily="49" charset="-122"/>
+              </a:rPr>
+              <a:t>tcp</a:t>
             </a:r>
             <a:r>
               <a:rPr lang="zh-CN" altLang="en-US" smtClean="0">
                 <a:latin typeface="Microsoft YaHei Mono" pitchFamily="49" charset="-122"/>
                 <a:ea typeface="Microsoft YaHei Mono" pitchFamily="49" charset="-122"/>
               </a:rPr>
-              <a:t>程序流程图</a:t>
+              <a:t>：</a:t>
+            </a:r>
+            <a:r>
+              <a:rPr lang="en-US" altLang="zh-CN">
+                <a:latin typeface="Microsoft YaHei Mono" pitchFamily="49" charset="-122"/>
+                <a:ea typeface="Microsoft YaHei Mono" pitchFamily="49" charset="-122"/>
+              </a:rPr>
+              <a:t>tcpip_input</a:t>
             </a:r>
             <a:endParaRPr lang="zh-CN" altLang="en-US">
+              <a:latin typeface="Microsoft YaHei Mono" pitchFamily="49" charset="-122"/>
+              <a:ea typeface="Microsoft YaHei Mono" pitchFamily="49" charset="-122"/>
+            </a:endParaRPr>
+          </a:p>
+        </p:txBody>
+      </p:sp>
+      <p:sp>
+        <p:nvSpPr>
+          <p:cNvPr id="5" name="圆角矩形 4"/>
+          <p:cNvSpPr/>
+          <p:nvPr/>
+        </p:nvSpPr>
+        <p:spPr>
+          <a:xfrm>
+            <a:off x="983432" y="3662834"/>
+            <a:ext cx="4536504" cy="741171"/>
+          </a:xfrm>
+          <a:prstGeom prst="roundRect">
+            <a:avLst/>
+          </a:prstGeom>
+        </p:spPr>
+        <p:style>
+          <a:lnRef idx="2">
+            <a:schemeClr val="accent6">
+              <a:shade val="50000"/>
+            </a:schemeClr>
+          </a:lnRef>
+          <a:fillRef idx="1">
+            <a:schemeClr val="accent6"/>
+          </a:fillRef>
+          <a:effectRef idx="0">
+            <a:schemeClr val="accent6"/>
+          </a:effectRef>
+          <a:fontRef idx="minor">
+            <a:schemeClr val="lt1"/>
+          </a:fontRef>
+        </p:style>
+        <p:txBody>
+          <a:bodyPr rtlCol="0" anchor="ctr"/>
+          <a:lstStyle/>
+          <a:p>
+            <a:pPr algn="ctr"/>
+            <a:r>
+              <a:rPr lang="en-US" altLang="zh-CN" smtClean="0">
+                <a:latin typeface="Microsoft YaHei Mono" pitchFamily="49" charset="-122"/>
+                <a:ea typeface="Microsoft YaHei Mono" pitchFamily="49" charset="-122"/>
+              </a:rPr>
+              <a:t>netif-</a:t>
+            </a:r>
+            <a:r>
+              <a:rPr lang="en-US" altLang="zh-CN">
+                <a:latin typeface="Microsoft YaHei Mono" pitchFamily="49" charset="-122"/>
+                <a:ea typeface="Microsoft YaHei Mono" pitchFamily="49" charset="-122"/>
+              </a:rPr>
+              <a:t>&gt;input</a:t>
+            </a:r>
+            <a:endParaRPr lang="zh-CN" altLang="en-US">
+              <a:latin typeface="Microsoft YaHei Mono" pitchFamily="49" charset="-122"/>
+              <a:ea typeface="Microsoft YaHei Mono" pitchFamily="49" charset="-122"/>
+            </a:endParaRPr>
+          </a:p>
+        </p:txBody>
+      </p:sp>
+      <p:sp>
+        <p:nvSpPr>
+          <p:cNvPr id="6" name="圆角矩形 5"/>
+          <p:cNvSpPr/>
+          <p:nvPr/>
+        </p:nvSpPr>
+        <p:spPr>
+          <a:xfrm>
+            <a:off x="983432" y="4836231"/>
+            <a:ext cx="4536504" cy="741171"/>
+          </a:xfrm>
+          <a:prstGeom prst="roundRect">
+            <a:avLst/>
+          </a:prstGeom>
+        </p:spPr>
+        <p:style>
+          <a:lnRef idx="2">
+            <a:schemeClr val="accent1">
+              <a:shade val="50000"/>
+            </a:schemeClr>
+          </a:lnRef>
+          <a:fillRef idx="1">
+            <a:schemeClr val="accent1"/>
+          </a:fillRef>
+          <a:effectRef idx="0">
+            <a:schemeClr val="accent1"/>
+          </a:effectRef>
+          <a:fontRef idx="minor">
+            <a:schemeClr val="lt1"/>
+          </a:fontRef>
+        </p:style>
+        <p:txBody>
+          <a:bodyPr rtlCol="0" anchor="ctr"/>
+          <a:lstStyle/>
+          <a:p>
+            <a:pPr algn="ctr"/>
+            <a:r>
+              <a:rPr lang="en-US" altLang="zh-CN" smtClean="0">
+                <a:latin typeface="Microsoft YaHei Mono" pitchFamily="49" charset="-122"/>
+                <a:ea typeface="Microsoft YaHei Mono" pitchFamily="49" charset="-122"/>
+              </a:rPr>
+              <a:t>eth_rx_thread_entry</a:t>
+            </a:r>
+            <a:endParaRPr lang="zh-CN" altLang="en-US">
+              <a:latin typeface="Microsoft YaHei Mono" pitchFamily="49" charset="-122"/>
+              <a:ea typeface="Microsoft YaHei Mono" pitchFamily="49" charset="-122"/>
+            </a:endParaRPr>
+          </a:p>
+        </p:txBody>
+      </p:sp>
+      <p:sp>
+        <p:nvSpPr>
+          <p:cNvPr id="7" name="圆角矩形 6"/>
+          <p:cNvSpPr/>
+          <p:nvPr/>
+        </p:nvSpPr>
+        <p:spPr>
+          <a:xfrm>
+            <a:off x="983432" y="5986595"/>
+            <a:ext cx="4536503" cy="741171"/>
+          </a:xfrm>
+          <a:prstGeom prst="roundRect">
+            <a:avLst/>
+          </a:prstGeom>
+        </p:spPr>
+        <p:style>
+          <a:lnRef idx="2">
+            <a:schemeClr val="accent4">
+              <a:shade val="50000"/>
+            </a:schemeClr>
+          </a:lnRef>
+          <a:fillRef idx="1">
+            <a:schemeClr val="accent4"/>
+          </a:fillRef>
+          <a:effectRef idx="0">
+            <a:schemeClr val="accent4"/>
+          </a:effectRef>
+          <a:fontRef idx="minor">
+            <a:schemeClr val="lt1"/>
+          </a:fontRef>
+        </p:style>
+        <p:txBody>
+          <a:bodyPr rtlCol="0" anchor="ctr"/>
+          <a:lstStyle/>
+          <a:p>
+            <a:pPr algn="ctr"/>
+            <a:r>
+              <a:rPr lang="en-US" altLang="zh-CN" smtClean="0">
+                <a:latin typeface="Microsoft YaHei Mono" pitchFamily="49" charset="-122"/>
+                <a:ea typeface="Microsoft YaHei Mono" pitchFamily="49" charset="-122"/>
+              </a:rPr>
+              <a:t>rt_imxrt_eth_rx</a:t>
+            </a:r>
+            <a:endParaRPr lang="zh-CN" altLang="en-US">
+              <a:latin typeface="Microsoft YaHei Mono" pitchFamily="49" charset="-122"/>
+              <a:ea typeface="Microsoft YaHei Mono" pitchFamily="49" charset="-122"/>
+            </a:endParaRPr>
+          </a:p>
+        </p:txBody>
+      </p:sp>
+      <p:sp>
+        <p:nvSpPr>
+          <p:cNvPr id="9" name="右大括号 8"/>
+          <p:cNvSpPr/>
+          <p:nvPr/>
+        </p:nvSpPr>
+        <p:spPr>
+          <a:xfrm>
+            <a:off x="5735960" y="1372380"/>
+            <a:ext cx="299464" cy="741171"/>
+          </a:xfrm>
+          <a:prstGeom prst="rightBrace">
+            <a:avLst/>
+          </a:prstGeom>
+        </p:spPr>
+        <p:style>
+          <a:lnRef idx="1">
+            <a:schemeClr val="accent1"/>
+          </a:lnRef>
+          <a:fillRef idx="0">
+            <a:schemeClr val="accent1"/>
+          </a:fillRef>
+          <a:effectRef idx="0">
+            <a:schemeClr val="accent1"/>
+          </a:effectRef>
+          <a:fontRef idx="minor">
+            <a:schemeClr val="tx1"/>
+          </a:fontRef>
+        </p:style>
+        <p:txBody>
+          <a:bodyPr rtlCol="0" anchor="ctr"/>
+          <a:lstStyle/>
+          <a:p>
+            <a:pPr algn="ctr"/>
+            <a:endParaRPr lang="zh-CN" altLang="en-US"/>
+          </a:p>
+        </p:txBody>
+      </p:sp>
+      <p:sp>
+        <p:nvSpPr>
+          <p:cNvPr id="10" name="右大括号 9"/>
+          <p:cNvSpPr/>
+          <p:nvPr/>
+        </p:nvSpPr>
+        <p:spPr>
+          <a:xfrm>
+            <a:off x="5735960" y="3662834"/>
+            <a:ext cx="299464" cy="741171"/>
+          </a:xfrm>
+          <a:prstGeom prst="rightBrace">
+            <a:avLst/>
+          </a:prstGeom>
+        </p:spPr>
+        <p:style>
+          <a:lnRef idx="1">
+            <a:schemeClr val="accent1"/>
+          </a:lnRef>
+          <a:fillRef idx="0">
+            <a:schemeClr val="accent1"/>
+          </a:fillRef>
+          <a:effectRef idx="0">
+            <a:schemeClr val="accent1"/>
+          </a:effectRef>
+          <a:fontRef idx="minor">
+            <a:schemeClr val="tx1"/>
+          </a:fontRef>
+        </p:style>
+        <p:txBody>
+          <a:bodyPr rtlCol="0" anchor="ctr"/>
+          <a:lstStyle/>
+          <a:p>
+            <a:pPr algn="ctr"/>
+            <a:endParaRPr lang="zh-CN" altLang="en-US"/>
+          </a:p>
+        </p:txBody>
+      </p:sp>
+      <p:sp>
+        <p:nvSpPr>
+          <p:cNvPr id="11" name="右大括号 10"/>
+          <p:cNvSpPr/>
+          <p:nvPr/>
+        </p:nvSpPr>
+        <p:spPr>
+          <a:xfrm>
+            <a:off x="5735960" y="4836231"/>
+            <a:ext cx="299464" cy="741171"/>
+          </a:xfrm>
+          <a:prstGeom prst="rightBrace">
+            <a:avLst/>
+          </a:prstGeom>
+        </p:spPr>
+        <p:style>
+          <a:lnRef idx="1">
+            <a:schemeClr val="accent1"/>
+          </a:lnRef>
+          <a:fillRef idx="0">
+            <a:schemeClr val="accent1"/>
+          </a:fillRef>
+          <a:effectRef idx="0">
+            <a:schemeClr val="accent1"/>
+          </a:effectRef>
+          <a:fontRef idx="minor">
+            <a:schemeClr val="tx1"/>
+          </a:fontRef>
+        </p:style>
+        <p:txBody>
+          <a:bodyPr rtlCol="0" anchor="ctr"/>
+          <a:lstStyle/>
+          <a:p>
+            <a:pPr algn="ctr"/>
+            <a:endParaRPr lang="zh-CN" altLang="en-US"/>
+          </a:p>
+        </p:txBody>
+      </p:sp>
+      <p:sp>
+        <p:nvSpPr>
+          <p:cNvPr id="12" name="右大括号 11"/>
+          <p:cNvSpPr/>
+          <p:nvPr/>
+        </p:nvSpPr>
+        <p:spPr>
+          <a:xfrm>
+            <a:off x="5735960" y="5986595"/>
+            <a:ext cx="299464" cy="741171"/>
+          </a:xfrm>
+          <a:prstGeom prst="rightBrace">
+            <a:avLst/>
+          </a:prstGeom>
+        </p:spPr>
+        <p:style>
+          <a:lnRef idx="1">
+            <a:schemeClr val="accent1"/>
+          </a:lnRef>
+          <a:fillRef idx="0">
+            <a:schemeClr val="accent1"/>
+          </a:fillRef>
+          <a:effectRef idx="0">
+            <a:schemeClr val="accent1"/>
+          </a:effectRef>
+          <a:fontRef idx="minor">
+            <a:schemeClr val="tx1"/>
+          </a:fontRef>
+        </p:style>
+        <p:txBody>
+          <a:bodyPr rtlCol="0" anchor="ctr"/>
+          <a:lstStyle/>
+          <a:p>
+            <a:pPr algn="ctr"/>
+            <a:endParaRPr lang="zh-CN" altLang="en-US"/>
+          </a:p>
+        </p:txBody>
+      </p:sp>
+      <p:sp>
+        <p:nvSpPr>
+          <p:cNvPr id="13" name="右大括号 12"/>
+          <p:cNvSpPr/>
+          <p:nvPr/>
+        </p:nvSpPr>
+        <p:spPr>
+          <a:xfrm>
+            <a:off x="5735960" y="2552012"/>
+            <a:ext cx="299464" cy="741171"/>
+          </a:xfrm>
+          <a:prstGeom prst="rightBrace">
+            <a:avLst/>
+          </a:prstGeom>
+        </p:spPr>
+        <p:style>
+          <a:lnRef idx="1">
+            <a:schemeClr val="accent1"/>
+          </a:lnRef>
+          <a:fillRef idx="0">
+            <a:schemeClr val="accent1"/>
+          </a:fillRef>
+          <a:effectRef idx="0">
+            <a:schemeClr val="accent1"/>
+          </a:effectRef>
+          <a:fontRef idx="minor">
+            <a:schemeClr val="tx1"/>
+          </a:fontRef>
+        </p:style>
+        <p:txBody>
+          <a:bodyPr rtlCol="0" anchor="ctr"/>
+          <a:lstStyle/>
+          <a:p>
+            <a:pPr algn="ctr"/>
+            <a:endParaRPr lang="zh-CN" altLang="en-US"/>
+          </a:p>
+        </p:txBody>
+      </p:sp>
+      <p:sp>
+        <p:nvSpPr>
+          <p:cNvPr id="14" name="圆角矩形 13"/>
+          <p:cNvSpPr/>
+          <p:nvPr/>
+        </p:nvSpPr>
+        <p:spPr>
+          <a:xfrm>
+            <a:off x="6312024" y="1484784"/>
+            <a:ext cx="3024336" cy="504056"/>
+          </a:xfrm>
+          <a:prstGeom prst="roundRect">
+            <a:avLst/>
+          </a:prstGeom>
+        </p:spPr>
+        <p:style>
+          <a:lnRef idx="2">
+            <a:schemeClr val="accent6"/>
+          </a:lnRef>
+          <a:fillRef idx="1">
+            <a:schemeClr val="lt1"/>
+          </a:fillRef>
+          <a:effectRef idx="0">
+            <a:schemeClr val="accent6"/>
+          </a:effectRef>
+          <a:fontRef idx="minor">
+            <a:schemeClr val="dk1"/>
+          </a:fontRef>
+        </p:style>
+        <p:txBody>
+          <a:bodyPr rtlCol="0" anchor="ctr"/>
+          <a:lstStyle/>
+          <a:p>
+            <a:pPr algn="ctr"/>
+            <a:r>
+              <a:rPr lang="zh-CN" altLang="en-US" sz="1400" smtClean="0">
+                <a:latin typeface="Microsoft YaHei Mono" pitchFamily="49" charset="-122"/>
+                <a:ea typeface="Microsoft YaHei Mono" pitchFamily="49" charset="-122"/>
+              </a:rPr>
+              <a:t>给</a:t>
+            </a:r>
+            <a:r>
+              <a:rPr lang="en-US" altLang="zh-CN" sz="1400" smtClean="0">
+                <a:latin typeface="Microsoft YaHei Mono" pitchFamily="49" charset="-122"/>
+                <a:ea typeface="Microsoft YaHei Mono" pitchFamily="49" charset="-122"/>
+              </a:rPr>
+              <a:t>tcpip</a:t>
+            </a:r>
+            <a:r>
+              <a:rPr lang="zh-CN" altLang="en-US" sz="1400" smtClean="0">
+                <a:latin typeface="Microsoft YaHei Mono" pitchFamily="49" charset="-122"/>
+                <a:ea typeface="Microsoft YaHei Mono" pitchFamily="49" charset="-122"/>
+              </a:rPr>
+              <a:t>线程发送</a:t>
+            </a:r>
+            <a:r>
+              <a:rPr lang="en-US" altLang="zh-CN" sz="1400" smtClean="0">
+                <a:latin typeface="Microsoft YaHei Mono" pitchFamily="49" charset="-122"/>
+                <a:ea typeface="Microsoft YaHei Mono" pitchFamily="49" charset="-122"/>
+              </a:rPr>
+              <a:t>packet</a:t>
+            </a:r>
+            <a:endParaRPr lang="zh-CN" altLang="en-US" sz="1400">
+              <a:latin typeface="Microsoft YaHei Mono" pitchFamily="49" charset="-122"/>
+              <a:ea typeface="Microsoft YaHei Mono" pitchFamily="49" charset="-122"/>
+            </a:endParaRPr>
+          </a:p>
+        </p:txBody>
+      </p:sp>
+      <p:sp>
+        <p:nvSpPr>
+          <p:cNvPr id="15" name="圆角矩形 14"/>
+          <p:cNvSpPr/>
+          <p:nvPr/>
+        </p:nvSpPr>
+        <p:spPr>
+          <a:xfrm>
+            <a:off x="6312024" y="2670568"/>
+            <a:ext cx="3024336" cy="504056"/>
+          </a:xfrm>
+          <a:prstGeom prst="roundRect">
+            <a:avLst/>
+          </a:prstGeom>
+        </p:spPr>
+        <p:style>
+          <a:lnRef idx="2">
+            <a:schemeClr val="accent5"/>
+          </a:lnRef>
+          <a:fillRef idx="1">
+            <a:schemeClr val="lt1"/>
+          </a:fillRef>
+          <a:effectRef idx="0">
+            <a:schemeClr val="accent5"/>
+          </a:effectRef>
+          <a:fontRef idx="minor">
+            <a:schemeClr val="dk1"/>
+          </a:fontRef>
+        </p:style>
+        <p:txBody>
+          <a:bodyPr rtlCol="0" anchor="ctr"/>
+          <a:lstStyle/>
+          <a:p>
+            <a:pPr algn="ctr"/>
+            <a:r>
+              <a:rPr lang="zh-CN" altLang="en-US" sz="1400" smtClean="0">
+                <a:latin typeface="Microsoft YaHei Mono" pitchFamily="49" charset="-122"/>
+                <a:ea typeface="Microsoft YaHei Mono" pitchFamily="49" charset="-122"/>
+              </a:rPr>
+              <a:t>截获</a:t>
+            </a:r>
+            <a:r>
+              <a:rPr lang="en-US" altLang="zh-CN" sz="1400" b="1" smtClean="0">
+                <a:solidFill>
+                  <a:schemeClr val="accent5"/>
+                </a:solidFill>
+                <a:latin typeface="Microsoft YaHei Mono" pitchFamily="49" charset="-122"/>
+                <a:ea typeface="Microsoft YaHei Mono" pitchFamily="49" charset="-122"/>
+              </a:rPr>
+              <a:t>rx</a:t>
+            </a:r>
+            <a:r>
+              <a:rPr lang="zh-CN" altLang="en-US" sz="1400" smtClean="0">
+                <a:latin typeface="Microsoft YaHei Mono" pitchFamily="49" charset="-122"/>
+                <a:ea typeface="Microsoft YaHei Mono" pitchFamily="49" charset="-122"/>
+              </a:rPr>
+              <a:t>数据，通过邮箱发给</a:t>
+            </a:r>
+            <a:r>
+              <a:rPr lang="en-US" altLang="zh-CN" sz="1400" smtClean="0">
+                <a:latin typeface="Microsoft YaHei Mono" pitchFamily="49" charset="-122"/>
+                <a:ea typeface="Microsoft YaHei Mono" pitchFamily="49" charset="-122"/>
+              </a:rPr>
+              <a:t>tcpdump</a:t>
+            </a:r>
+            <a:r>
+              <a:rPr lang="zh-CN" altLang="en-US" sz="1400" smtClean="0">
+                <a:latin typeface="Microsoft YaHei Mono" pitchFamily="49" charset="-122"/>
+                <a:ea typeface="Microsoft YaHei Mono" pitchFamily="49" charset="-122"/>
+              </a:rPr>
+              <a:t>线程</a:t>
+            </a:r>
+            <a:endParaRPr lang="zh-CN" altLang="en-US" sz="1600">
+              <a:latin typeface="Microsoft YaHei Mono" pitchFamily="49" charset="-122"/>
+              <a:ea typeface="Microsoft YaHei Mono" pitchFamily="49" charset="-122"/>
+            </a:endParaRPr>
+          </a:p>
+        </p:txBody>
+      </p:sp>
+      <p:sp>
+        <p:nvSpPr>
+          <p:cNvPr id="16" name="圆角矩形 15"/>
+          <p:cNvSpPr/>
+          <p:nvPr/>
+        </p:nvSpPr>
+        <p:spPr>
+          <a:xfrm>
+            <a:off x="6312024" y="3781391"/>
+            <a:ext cx="3024336" cy="504056"/>
+          </a:xfrm>
+          <a:prstGeom prst="roundRect">
+            <a:avLst/>
+          </a:prstGeom>
+        </p:spPr>
+        <p:style>
+          <a:lnRef idx="2">
+            <a:schemeClr val="accent6"/>
+          </a:lnRef>
+          <a:fillRef idx="1">
+            <a:schemeClr val="lt1"/>
+          </a:fillRef>
+          <a:effectRef idx="0">
+            <a:schemeClr val="accent6"/>
+          </a:effectRef>
+          <a:fontRef idx="minor">
+            <a:schemeClr val="dk1"/>
+          </a:fontRef>
+        </p:style>
+        <p:txBody>
+          <a:bodyPr rtlCol="0" anchor="ctr"/>
+          <a:lstStyle/>
+          <a:p>
+            <a:pPr algn="ctr"/>
+            <a:r>
+              <a:rPr lang="en-US" altLang="zh-CN" sz="1400">
+                <a:latin typeface="Microsoft YaHei Mono" pitchFamily="49" charset="-122"/>
+                <a:ea typeface="Microsoft YaHei Mono" pitchFamily="49" charset="-122"/>
+              </a:rPr>
+              <a:t>l</a:t>
+            </a:r>
+            <a:r>
+              <a:rPr lang="en-US" altLang="zh-CN" sz="1400" smtClean="0">
+                <a:latin typeface="Microsoft YaHei Mono" pitchFamily="49" charset="-122"/>
+                <a:ea typeface="Microsoft YaHei Mono" pitchFamily="49" charset="-122"/>
+              </a:rPr>
+              <a:t>wip</a:t>
+            </a:r>
+            <a:r>
+              <a:rPr lang="zh-CN" altLang="en-US" sz="1400" smtClean="0">
+                <a:latin typeface="Microsoft YaHei Mono" pitchFamily="49" charset="-122"/>
+                <a:ea typeface="Microsoft YaHei Mono" pitchFamily="49" charset="-122"/>
+              </a:rPr>
+              <a:t>接口层</a:t>
+            </a:r>
+            <a:endParaRPr lang="zh-CN" altLang="en-US" sz="1400">
+              <a:latin typeface="Microsoft YaHei Mono" pitchFamily="49" charset="-122"/>
+              <a:ea typeface="Microsoft YaHei Mono" pitchFamily="49" charset="-122"/>
+            </a:endParaRPr>
+          </a:p>
+        </p:txBody>
+      </p:sp>
+      <p:sp>
+        <p:nvSpPr>
+          <p:cNvPr id="17" name="圆角矩形 16"/>
+          <p:cNvSpPr/>
+          <p:nvPr/>
+        </p:nvSpPr>
+        <p:spPr>
+          <a:xfrm>
+            <a:off x="6342112" y="4954788"/>
+            <a:ext cx="2994248" cy="504056"/>
+          </a:xfrm>
+          <a:prstGeom prst="roundRect">
+            <a:avLst/>
+          </a:prstGeom>
+          <a:ln>
+            <a:solidFill>
+              <a:schemeClr val="accent1"/>
+            </a:solidFill>
+          </a:ln>
+        </p:spPr>
+        <p:style>
+          <a:lnRef idx="2">
+            <a:schemeClr val="accent1"/>
+          </a:lnRef>
+          <a:fillRef idx="1">
+            <a:schemeClr val="lt1"/>
+          </a:fillRef>
+          <a:effectRef idx="0">
+            <a:schemeClr val="accent1"/>
+          </a:effectRef>
+          <a:fontRef idx="minor">
+            <a:schemeClr val="dk1"/>
+          </a:fontRef>
+        </p:style>
+        <p:txBody>
+          <a:bodyPr rtlCol="0" anchor="ctr"/>
+          <a:lstStyle/>
+          <a:p>
+            <a:pPr algn="ctr"/>
+            <a:r>
+              <a:rPr lang="en-US" altLang="zh-CN" sz="1400" smtClean="0">
+                <a:latin typeface="Microsoft YaHei Mono" pitchFamily="49" charset="-122"/>
+                <a:ea typeface="Microsoft YaHei Mono" pitchFamily="49" charset="-122"/>
+              </a:rPr>
+              <a:t>e</a:t>
+            </a:r>
+            <a:r>
+              <a:rPr lang="en-US" altLang="zh-CN" sz="1400">
+                <a:latin typeface="Microsoft YaHei Mono" pitchFamily="49" charset="-122"/>
+                <a:ea typeface="Microsoft YaHei Mono" pitchFamily="49" charset="-122"/>
+              </a:rPr>
+              <a:t>r</a:t>
+            </a:r>
+            <a:r>
+              <a:rPr lang="en-US" altLang="zh-CN" sz="1400" smtClean="0">
+                <a:latin typeface="Microsoft YaHei Mono" pitchFamily="49" charset="-122"/>
+                <a:ea typeface="Microsoft YaHei Mono" pitchFamily="49" charset="-122"/>
+              </a:rPr>
+              <a:t>x</a:t>
+            </a:r>
+            <a:r>
+              <a:rPr lang="zh-CN" altLang="en-US" sz="1400" smtClean="0">
+                <a:latin typeface="Microsoft YaHei Mono" pitchFamily="49" charset="-122"/>
+                <a:ea typeface="Microsoft YaHei Mono" pitchFamily="49" charset="-122"/>
+              </a:rPr>
+              <a:t>线程里调用</a:t>
+            </a:r>
+            <a:r>
+              <a:rPr lang="en-US" altLang="zh-CN" sz="1400" smtClean="0">
+                <a:latin typeface="Microsoft YaHei Mono" pitchFamily="49" charset="-122"/>
+                <a:ea typeface="Microsoft YaHei Mono" pitchFamily="49" charset="-122"/>
+              </a:rPr>
+              <a:t>input</a:t>
+            </a:r>
+            <a:r>
+              <a:rPr lang="zh-CN" altLang="en-US" sz="1400" smtClean="0">
+                <a:latin typeface="Microsoft YaHei Mono" pitchFamily="49" charset="-122"/>
+                <a:ea typeface="Microsoft YaHei Mono" pitchFamily="49" charset="-122"/>
+              </a:rPr>
+              <a:t>接口</a:t>
+            </a:r>
+            <a:endParaRPr lang="zh-CN" altLang="en-US" sz="1400">
+              <a:latin typeface="Microsoft YaHei Mono" pitchFamily="49" charset="-122"/>
+              <a:ea typeface="Microsoft YaHei Mono" pitchFamily="49" charset="-122"/>
+            </a:endParaRPr>
+          </a:p>
+        </p:txBody>
+      </p:sp>
+      <p:sp>
+        <p:nvSpPr>
+          <p:cNvPr id="18" name="圆角矩形 17"/>
+          <p:cNvSpPr/>
+          <p:nvPr/>
+        </p:nvSpPr>
+        <p:spPr>
+          <a:xfrm>
+            <a:off x="6342112" y="6105152"/>
+            <a:ext cx="2994248" cy="504056"/>
+          </a:xfrm>
+          <a:prstGeom prst="roundRect">
+            <a:avLst/>
+          </a:prstGeom>
+        </p:spPr>
+        <p:style>
+          <a:lnRef idx="2">
+            <a:schemeClr val="accent4"/>
+          </a:lnRef>
+          <a:fillRef idx="1">
+            <a:schemeClr val="lt1"/>
+          </a:fillRef>
+          <a:effectRef idx="0">
+            <a:schemeClr val="accent4"/>
+          </a:effectRef>
+          <a:fontRef idx="minor">
+            <a:schemeClr val="dk1"/>
+          </a:fontRef>
+        </p:style>
+        <p:txBody>
+          <a:bodyPr rtlCol="0" anchor="ctr"/>
+          <a:lstStyle/>
+          <a:p>
+            <a:pPr algn="ctr"/>
+            <a:r>
+              <a:rPr lang="zh-CN" altLang="en-US" sz="1400">
+                <a:latin typeface="Microsoft YaHei Mono" pitchFamily="49" charset="-122"/>
+                <a:ea typeface="Microsoft YaHei Mono" pitchFamily="49" charset="-122"/>
+              </a:rPr>
+              <a:t>网卡</a:t>
+            </a:r>
+            <a:r>
+              <a:rPr lang="zh-CN" altLang="en-US" sz="1400" smtClean="0">
+                <a:latin typeface="Microsoft YaHei Mono" pitchFamily="49" charset="-122"/>
+                <a:ea typeface="Microsoft YaHei Mono" pitchFamily="49" charset="-122"/>
+              </a:rPr>
+              <a:t>驱动层</a:t>
+            </a:r>
+            <a:endParaRPr lang="zh-CN" altLang="en-US" sz="1600">
+              <a:latin typeface="Microsoft YaHei Mono" pitchFamily="49" charset="-122"/>
+              <a:ea typeface="Microsoft YaHei Mono" pitchFamily="49" charset="-122"/>
+            </a:endParaRPr>
+          </a:p>
+        </p:txBody>
+      </p:sp>
+      <p:sp>
+        <p:nvSpPr>
+          <p:cNvPr id="19" name="上箭头 18"/>
+          <p:cNvSpPr/>
+          <p:nvPr/>
+        </p:nvSpPr>
+        <p:spPr>
+          <a:xfrm flipH="1">
+            <a:off x="131048" y="1628801"/>
+            <a:ext cx="708368" cy="4942263"/>
+          </a:xfrm>
+          <a:prstGeom prst="upArrow">
+            <a:avLst/>
+          </a:prstGeom>
+        </p:spPr>
+        <p:style>
+          <a:lnRef idx="2">
+            <a:schemeClr val="accent2"/>
+          </a:lnRef>
+          <a:fillRef idx="1">
+            <a:schemeClr val="lt1"/>
+          </a:fillRef>
+          <a:effectRef idx="0">
+            <a:schemeClr val="accent2"/>
+          </a:effectRef>
+          <a:fontRef idx="minor">
+            <a:schemeClr val="dk1"/>
+          </a:fontRef>
+        </p:style>
+        <p:txBody>
+          <a:bodyPr vert="wordArtVertRtl" rtlCol="0" anchor="ctr"/>
+          <a:lstStyle/>
+          <a:p>
+            <a:pPr algn="ctr"/>
+            <a:r>
+              <a:rPr lang="en-US" altLang="zh-CN" sz="1600" smtClean="0">
+                <a:solidFill>
+                  <a:srgbClr val="00B0F0"/>
+                </a:solidFill>
+                <a:latin typeface="Microsoft YaHei Mono" pitchFamily="49" charset="-122"/>
+                <a:ea typeface="Microsoft YaHei Mono" pitchFamily="49" charset="-122"/>
+              </a:rPr>
+              <a:t>Rx</a:t>
+            </a:r>
+            <a:r>
+              <a:rPr lang="zh-CN" altLang="en-US" sz="1600" smtClean="0">
+                <a:solidFill>
+                  <a:srgbClr val="00B0F0"/>
+                </a:solidFill>
+                <a:latin typeface="Microsoft YaHei Mono" pitchFamily="49" charset="-122"/>
+                <a:ea typeface="Microsoft YaHei Mono" pitchFamily="49" charset="-122"/>
+              </a:rPr>
+              <a:t>数据流向</a:t>
+            </a:r>
+            <a:endParaRPr lang="en-US" altLang="zh-CN" sz="1600" smtClean="0">
+              <a:solidFill>
+                <a:srgbClr val="00B0F0"/>
+              </a:solidFill>
+              <a:latin typeface="Microsoft YaHei Mono" pitchFamily="49" charset="-122"/>
+              <a:ea typeface="Microsoft YaHei Mono" pitchFamily="49" charset="-122"/>
+            </a:endParaRPr>
+          </a:p>
+        </p:txBody>
+      </p:sp>
+      <p:sp>
+        <p:nvSpPr>
+          <p:cNvPr id="20" name="下箭头 19"/>
+          <p:cNvSpPr/>
+          <p:nvPr/>
+        </p:nvSpPr>
+        <p:spPr>
+          <a:xfrm rot="10800000">
+            <a:off x="1343472" y="2371324"/>
+            <a:ext cx="432048" cy="1057676"/>
+          </a:xfrm>
+          <a:prstGeom prst="downArrow">
+            <a:avLst/>
+          </a:prstGeom>
+        </p:spPr>
+        <p:style>
+          <a:lnRef idx="2">
+            <a:schemeClr val="accent6">
+              <a:shade val="50000"/>
+            </a:schemeClr>
+          </a:lnRef>
+          <a:fillRef idx="1">
+            <a:schemeClr val="accent6"/>
+          </a:fillRef>
+          <a:effectRef idx="0">
+            <a:schemeClr val="accent6"/>
+          </a:effectRef>
+          <a:fontRef idx="minor">
+            <a:schemeClr val="lt1"/>
+          </a:fontRef>
+        </p:style>
+        <p:txBody>
+          <a:bodyPr rtlCol="0" anchor="ctr"/>
+          <a:lstStyle/>
+          <a:p>
+            <a:pPr algn="ctr"/>
+            <a:endParaRPr lang="zh-CN" altLang="en-US"/>
+          </a:p>
+        </p:txBody>
+      </p:sp>
+      <p:sp>
+        <p:nvSpPr>
+          <p:cNvPr id="21" name="下箭头 20"/>
+          <p:cNvSpPr/>
+          <p:nvPr/>
+        </p:nvSpPr>
+        <p:spPr>
+          <a:xfrm rot="8102097">
+            <a:off x="2095734" y="2152094"/>
+            <a:ext cx="288032" cy="438460"/>
+          </a:xfrm>
+          <a:prstGeom prst="downArrow">
+            <a:avLst/>
+          </a:prstGeom>
+        </p:spPr>
+        <p:style>
+          <a:lnRef idx="1">
+            <a:schemeClr val="accent5"/>
+          </a:lnRef>
+          <a:fillRef idx="3">
+            <a:schemeClr val="accent5"/>
+          </a:fillRef>
+          <a:effectRef idx="2">
+            <a:schemeClr val="accent5"/>
+          </a:effectRef>
+          <a:fontRef idx="minor">
+            <a:schemeClr val="lt1"/>
+          </a:fontRef>
+        </p:style>
+        <p:txBody>
+          <a:bodyPr rtlCol="0" anchor="ctr"/>
+          <a:lstStyle/>
+          <a:p>
+            <a:pPr algn="ctr"/>
+            <a:endParaRPr lang="zh-CN" altLang="en-US"/>
+          </a:p>
+        </p:txBody>
+      </p:sp>
+      <p:sp>
+        <p:nvSpPr>
+          <p:cNvPr id="22" name="下箭头 21"/>
+          <p:cNvSpPr/>
+          <p:nvPr/>
+        </p:nvSpPr>
+        <p:spPr>
+          <a:xfrm rot="13280201">
+            <a:off x="2095733" y="3183877"/>
+            <a:ext cx="288032" cy="438460"/>
+          </a:xfrm>
+          <a:prstGeom prst="downArrow">
+            <a:avLst/>
+          </a:prstGeom>
+        </p:spPr>
+        <p:style>
+          <a:lnRef idx="1">
+            <a:schemeClr val="accent5"/>
+          </a:lnRef>
+          <a:fillRef idx="3">
+            <a:schemeClr val="accent5"/>
+          </a:fillRef>
+          <a:effectRef idx="2">
+            <a:schemeClr val="accent5"/>
+          </a:effectRef>
+          <a:fontRef idx="minor">
+            <a:schemeClr val="lt1"/>
+          </a:fontRef>
+        </p:style>
+        <p:txBody>
+          <a:bodyPr rtlCol="0" anchor="ctr"/>
+          <a:lstStyle/>
+          <a:p>
+            <a:pPr algn="ctr"/>
+            <a:endParaRPr lang="zh-CN" altLang="en-US"/>
+          </a:p>
+        </p:txBody>
+      </p:sp>
+      <p:sp>
+        <p:nvSpPr>
+          <p:cNvPr id="23" name="TextBox 22"/>
+          <p:cNvSpPr txBox="1"/>
+          <p:nvPr/>
+        </p:nvSpPr>
+        <p:spPr>
+          <a:xfrm>
+            <a:off x="2495600" y="2240107"/>
+            <a:ext cx="1170513" cy="307777"/>
+          </a:xfrm>
+          <a:prstGeom prst="rect">
+            <a:avLst/>
+          </a:prstGeom>
+          <a:noFill/>
+        </p:spPr>
+        <p:txBody>
+          <a:bodyPr wrap="none" rtlCol="0">
+            <a:spAutoFit/>
+          </a:bodyPr>
+          <a:lstStyle/>
+          <a:p>
+            <a:r>
+              <a:rPr lang="zh-CN" altLang="en-US" sz="1400" smtClean="0">
+                <a:solidFill>
+                  <a:schemeClr val="accent5"/>
+                </a:solidFill>
+                <a:latin typeface="Microsoft YaHei Mono" pitchFamily="49" charset="-122"/>
+                <a:ea typeface="Microsoft YaHei Mono" pitchFamily="49" charset="-122"/>
+              </a:rPr>
+              <a:t>新数据流向</a:t>
+            </a:r>
+            <a:endParaRPr lang="zh-CN" altLang="en-US" sz="1400">
+              <a:solidFill>
+                <a:schemeClr val="accent5"/>
+              </a:solidFill>
+              <a:latin typeface="Microsoft YaHei Mono" pitchFamily="49" charset="-122"/>
+              <a:ea typeface="Microsoft YaHei Mono" pitchFamily="49" charset="-122"/>
+            </a:endParaRPr>
+          </a:p>
+        </p:txBody>
+      </p:sp>
+      <p:sp>
+        <p:nvSpPr>
+          <p:cNvPr id="24" name="TextBox 23"/>
+          <p:cNvSpPr txBox="1"/>
+          <p:nvPr/>
+        </p:nvSpPr>
+        <p:spPr>
+          <a:xfrm>
+            <a:off x="982890" y="2457491"/>
+            <a:ext cx="400110" cy="990015"/>
+          </a:xfrm>
+          <a:prstGeom prst="rect">
+            <a:avLst/>
+          </a:prstGeom>
+          <a:noFill/>
+        </p:spPr>
+        <p:txBody>
+          <a:bodyPr vert="eaVert" wrap="none" rtlCol="0">
+            <a:spAutoFit/>
+          </a:bodyPr>
+          <a:lstStyle/>
+          <a:p>
+            <a:r>
+              <a:rPr lang="zh-CN" altLang="en-US" sz="1400" smtClean="0">
+                <a:solidFill>
+                  <a:schemeClr val="accent6"/>
+                </a:solidFill>
+                <a:latin typeface="Microsoft YaHei Mono" pitchFamily="49" charset="-122"/>
+                <a:ea typeface="Microsoft YaHei Mono" pitchFamily="49" charset="-122"/>
+              </a:rPr>
+              <a:t>旧数据流向</a:t>
+            </a:r>
+            <a:endParaRPr lang="zh-CN" altLang="en-US" sz="1400">
+              <a:solidFill>
+                <a:schemeClr val="accent6"/>
+              </a:solidFill>
               <a:latin typeface="Microsoft YaHei Mono" pitchFamily="49" charset="-122"/>
               <a:ea typeface="Microsoft YaHei Mono" pitchFamily="49" charset="-122"/>
             </a:endParaRPr>
@@ -9838,13 +10504,20 @@
     </p:spTree>
     <p:extLst>
       <p:ext uri="{BB962C8B-B14F-4D97-AF65-F5344CB8AC3E}">
-        <p14:creationId xmlns:p14="http://schemas.microsoft.com/office/powerpoint/2010/main" val="4162951865"/>
+        <p14:creationId xmlns:p14="http://schemas.microsoft.com/office/powerpoint/2010/main" val="719866128"/>
       </p:ext>
     </p:extLst>
   </p:cSld>
   <p:clrMapOvr>
     <a:masterClrMapping/>
   </p:clrMapOvr>
+  <p:timing>
+    <p:tnLst>
+      <p:par>
+        <p:cTn id="1" dur="indefinite" restart="never" nodeType="tmRoot"/>
+      </p:par>
+    </p:tnLst>
+  </p:timing>
 </p:sld>
 </file>
 
@@ -9882,51 +10555,51 @@
           <a:p>
             <a:r>
               <a:rPr lang="en-US" altLang="zh-CN">
-                <a:latin typeface="Microsoft YaHei Mono" pitchFamily="49" charset="-122"/>
-                <a:ea typeface="Microsoft YaHei Mono" pitchFamily="49" charset="-122"/>
+                <a:latin typeface="+mn-ea"/>
+                <a:ea typeface="+mn-ea"/>
               </a:rPr>
               <a:t>lwip</a:t>
             </a:r>
             <a:r>
               <a:rPr lang="zh-CN" altLang="en-US">
-                <a:latin typeface="Microsoft YaHei Mono" pitchFamily="49" charset="-122"/>
-                <a:ea typeface="Microsoft YaHei Mono" pitchFamily="49" charset="-122"/>
+                <a:latin typeface="+mn-ea"/>
+                <a:ea typeface="+mn-ea"/>
               </a:rPr>
               <a:t>数据流向</a:t>
             </a:r>
             <a:r>
               <a:rPr lang="en-US" altLang="zh-CN" smtClean="0">
-                <a:latin typeface="Microsoft YaHei Mono" pitchFamily="49" charset="-122"/>
-                <a:ea typeface="Microsoft YaHei Mono" pitchFamily="49" charset="-122"/>
+                <a:latin typeface="+mn-ea"/>
+                <a:ea typeface="+mn-ea"/>
               </a:rPr>
               <a:t>-</a:t>
             </a:r>
             <a:r>
               <a:rPr lang="zh-CN" altLang="en-US" smtClean="0">
-                <a:latin typeface="Microsoft YaHei Mono" pitchFamily="49" charset="-122"/>
-                <a:ea typeface="Microsoft YaHei Mono" pitchFamily="49" charset="-122"/>
+                <a:latin typeface="+mn-ea"/>
+                <a:ea typeface="+mn-ea"/>
               </a:rPr>
               <a:t>接口层</a:t>
             </a:r>
             <a:r>
               <a:rPr lang="en-US" altLang="zh-CN" smtClean="0">
-                <a:latin typeface="Microsoft YaHei Mono" pitchFamily="49" charset="-122"/>
-                <a:ea typeface="Microsoft YaHei Mono" pitchFamily="49" charset="-122"/>
+                <a:latin typeface="+mn-ea"/>
+                <a:ea typeface="+mn-ea"/>
                 <a:sym typeface="Wingdings" pitchFamily="2" charset="2"/>
               </a:rPr>
               <a:t></a:t>
             </a:r>
             <a:r>
               <a:rPr lang="zh-CN" altLang="en-US" smtClean="0">
-                <a:latin typeface="Microsoft YaHei Mono" pitchFamily="49" charset="-122"/>
-                <a:ea typeface="Microsoft YaHei Mono" pitchFamily="49" charset="-122"/>
+                <a:latin typeface="+mn-ea"/>
+                <a:ea typeface="+mn-ea"/>
                 <a:sym typeface="Wingdings" pitchFamily="2" charset="2"/>
               </a:rPr>
               <a:t>线程</a:t>
             </a:r>
             <a:endParaRPr lang="zh-CN" altLang="en-US">
-              <a:latin typeface="Microsoft YaHei Mono" pitchFamily="49" charset="-122"/>
-              <a:ea typeface="Microsoft YaHei Mono" pitchFamily="49" charset="-122"/>
+              <a:latin typeface="+mn-ea"/>
+              <a:ea typeface="+mn-ea"/>
             </a:endParaRPr>
           </a:p>
         </p:txBody>
@@ -9966,39 +10639,18 @@
           <a:p>
             <a:pPr algn="ctr"/>
             <a:r>
-              <a:rPr lang="zh-CN" altLang="en-US" sz="1400" smtClean="0">
-                <a:latin typeface="Microsoft YaHei Mono" pitchFamily="49" charset="-122"/>
-                <a:ea typeface="Microsoft YaHei Mono" pitchFamily="49" charset="-122"/>
-              </a:rPr>
-              <a:t>从接口处获得</a:t>
+              <a:rPr lang="en-US" altLang="zh-CN" sz="1400">
+                <a:latin typeface="Microsoft YaHei Mono" pitchFamily="49" charset="-122"/>
+                <a:ea typeface="Microsoft YaHei Mono" pitchFamily="49" charset="-122"/>
+              </a:rPr>
+              <a:t>t</a:t>
             </a:r>
             <a:r>
               <a:rPr lang="en-US" altLang="zh-CN" sz="1400" smtClean="0">
                 <a:latin typeface="Microsoft YaHei Mono" pitchFamily="49" charset="-122"/>
                 <a:ea typeface="Microsoft YaHei Mono" pitchFamily="49" charset="-122"/>
               </a:rPr>
-              <a:t>tx</a:t>
-            </a:r>
-            <a:r>
-              <a:rPr lang="zh-CN" altLang="en-US" sz="1400" smtClean="0">
-                <a:latin typeface="Microsoft YaHei Mono" pitchFamily="49" charset="-122"/>
-                <a:ea typeface="Microsoft YaHei Mono" pitchFamily="49" charset="-122"/>
-              </a:rPr>
-              <a:t>数据：</a:t>
-            </a:r>
-            <a:r>
-              <a:rPr lang="en-US" altLang="zh-CN" sz="1400">
-                <a:latin typeface="Microsoft YaHei Mono" pitchFamily="49" charset="-122"/>
-                <a:ea typeface="Microsoft YaHei Mono" pitchFamily="49" charset="-122"/>
-              </a:rPr>
-              <a:t>_</a:t>
-            </a:r>
-            <a:r>
-              <a:rPr lang="en-US" altLang="zh-CN" sz="1400" smtClean="0">
-                <a:latin typeface="Microsoft YaHei Mono" pitchFamily="49" charset="-122"/>
-                <a:ea typeface="Microsoft YaHei Mono" pitchFamily="49" charset="-122"/>
-              </a:rPr>
-              <a:t>netif_linkoutput</a:t>
+              <a:t>cpdump_linkoutput</a:t>
             </a:r>
             <a:endParaRPr lang="zh-CN" altLang="en-US" sz="1400">
               <a:latin typeface="Microsoft YaHei Mono" pitchFamily="49" charset="-122"/>
@@ -10042,32 +10694,11 @@
           <a:p>
             <a:pPr algn="ctr"/>
             <a:r>
-              <a:rPr lang="zh-CN" altLang="en-US" sz="1400" smtClean="0">
-                <a:latin typeface="Microsoft YaHei Mono" pitchFamily="49" charset="-122"/>
-                <a:ea typeface="Microsoft YaHei Mono" pitchFamily="49" charset="-122"/>
-              </a:rPr>
-              <a:t>从接口处获得</a:t>
-            </a:r>
-            <a:r>
               <a:rPr lang="en-US" altLang="zh-CN" sz="1400" smtClean="0">
                 <a:latin typeface="Microsoft YaHei Mono" pitchFamily="49" charset="-122"/>
                 <a:ea typeface="Microsoft YaHei Mono" pitchFamily="49" charset="-122"/>
               </a:rPr>
-              <a:t>rx</a:t>
-            </a:r>
-            <a:r>
-              <a:rPr lang="zh-CN" altLang="en-US" sz="1400" smtClean="0">
-                <a:latin typeface="Microsoft YaHei Mono" pitchFamily="49" charset="-122"/>
-                <a:ea typeface="Microsoft YaHei Mono" pitchFamily="49" charset="-122"/>
-              </a:rPr>
-              <a:t>数据：</a:t>
-            </a:r>
-            <a:r>
-              <a:rPr lang="en-US" altLang="zh-CN" sz="1400">
-                <a:latin typeface="Microsoft YaHei Mono" pitchFamily="49" charset="-122"/>
-                <a:ea typeface="Microsoft YaHei Mono" pitchFamily="49" charset="-122"/>
-              </a:rPr>
-              <a:t>_netif_input</a:t>
+              <a:t>tcpdump_input</a:t>
             </a:r>
             <a:endParaRPr lang="zh-CN" altLang="en-US" sz="1400">
               <a:latin typeface="Microsoft YaHei Mono" pitchFamily="49" charset="-122"/>
@@ -10085,7 +10716,7 @@
         <p:spPr>
           <a:xfrm>
             <a:off x="3503712" y="2693174"/>
-            <a:ext cx="1460830" cy="612902"/>
+            <a:ext cx="1584176" cy="612902"/>
           </a:xfrm>
           <a:prstGeom prst="rightArrow">
             <a:avLst/>
@@ -10111,27 +10742,41 @@
           <a:p>
             <a:pPr algn="ctr"/>
             <a:r>
-              <a:rPr lang="zh-CN" altLang="en-US" sz="1050" smtClean="0">
+              <a:rPr lang="zh-CN" altLang="en-US" sz="1100" smtClean="0">
                 <a:latin typeface="Microsoft YaHei Mono" pitchFamily="49" charset="-122"/>
                 <a:ea typeface="Microsoft YaHei Mono" pitchFamily="49" charset="-122"/>
               </a:rPr>
               <a:t>通过</a:t>
             </a:r>
             <a:r>
-              <a:rPr lang="zh-CN" altLang="en-US" sz="1050">
+              <a:rPr lang="zh-CN" altLang="en-US" sz="1100">
                 <a:latin typeface="Microsoft YaHei Mono" pitchFamily="49" charset="-122"/>
                 <a:ea typeface="Microsoft YaHei Mono" pitchFamily="49" charset="-122"/>
               </a:rPr>
               <a:t>邮箱</a:t>
             </a:r>
             <a:r>
-              <a:rPr lang="zh-CN" altLang="en-US" sz="1050" smtClean="0">
-                <a:latin typeface="Microsoft YaHei Mono" pitchFamily="49" charset="-122"/>
-                <a:ea typeface="Microsoft YaHei Mono" pitchFamily="49" charset="-122"/>
-              </a:rPr>
-              <a:t>发送 </a:t>
-            </a:r>
-            <a:endParaRPr lang="zh-CN" altLang="en-US" sz="1050">
+              <a:rPr lang="zh-CN" altLang="en-US" sz="1100" smtClean="0">
+                <a:latin typeface="Microsoft YaHei Mono" pitchFamily="49" charset="-122"/>
+                <a:ea typeface="Microsoft YaHei Mono" pitchFamily="49" charset="-122"/>
+              </a:rPr>
+              <a:t>发送</a:t>
+            </a:r>
+            <a:r>
+              <a:rPr lang="en-US" altLang="zh-CN" sz="1100" smtClean="0">
+                <a:latin typeface="Microsoft YaHei Mono" pitchFamily="49" charset="-122"/>
+                <a:ea typeface="Microsoft YaHei Mono" pitchFamily="49" charset="-122"/>
+              </a:rPr>
+              <a:t>pbuf</a:t>
+            </a:r>
+            <a:r>
+              <a:rPr lang="zh-CN" altLang="en-US" sz="1100" smtClean="0">
+                <a:latin typeface="Microsoft YaHei Mono" pitchFamily="49" charset="-122"/>
+                <a:ea typeface="Microsoft YaHei Mono" pitchFamily="49" charset="-122"/>
+              </a:rPr>
+              <a:t> </a:t>
+            </a:r>
+            <a:endParaRPr lang="zh-CN" altLang="en-US" sz="1100">
               <a:latin typeface="Microsoft YaHei Mono" pitchFamily="49" charset="-122"/>
               <a:ea typeface="Microsoft YaHei Mono" pitchFamily="49" charset="-122"/>
             </a:endParaRPr>
@@ -10147,7 +10792,7 @@
         <p:spPr>
           <a:xfrm>
             <a:off x="3503712" y="4315984"/>
-            <a:ext cx="1460830" cy="612902"/>
+            <a:ext cx="1584176" cy="612902"/>
           </a:xfrm>
           <a:prstGeom prst="rightArrow">
             <a:avLst/>
@@ -10173,13 +10818,20 @@
           <a:p>
             <a:pPr algn="ctr"/>
             <a:r>
-              <a:rPr lang="zh-CN" altLang="en-US" sz="1050" smtClean="0">
+              <a:rPr lang="zh-CN" altLang="en-US" sz="1100" smtClean="0">
                 <a:latin typeface="Microsoft YaHei Mono" pitchFamily="49" charset="-122"/>
                 <a:ea typeface="Microsoft YaHei Mono" pitchFamily="49" charset="-122"/>
               </a:rPr>
               <a:t>通过邮箱发送</a:t>
             </a:r>
-            <a:endParaRPr lang="zh-CN" altLang="en-US" sz="1050">
+            <a:r>
+              <a:rPr lang="en-US" altLang="zh-CN" sz="1100" smtClean="0">
+                <a:latin typeface="Microsoft YaHei Mono" pitchFamily="49" charset="-122"/>
+                <a:ea typeface="Microsoft YaHei Mono" pitchFamily="49" charset="-122"/>
+              </a:rPr>
+              <a:t>pbuf</a:t>
+            </a:r>
+            <a:endParaRPr lang="zh-CN" altLang="en-US" sz="1100">
               <a:latin typeface="Microsoft YaHei Mono" pitchFamily="49" charset="-122"/>
               <a:ea typeface="Microsoft YaHei Mono" pitchFamily="49" charset="-122"/>
             </a:endParaRPr>
@@ -10194,22 +10846,25 @@
         </p:nvSpPr>
         <p:spPr>
           <a:xfrm>
-            <a:off x="5480239" y="2999625"/>
-            <a:ext cx="720080" cy="1622810"/>
+            <a:off x="5510735" y="2999624"/>
+            <a:ext cx="464358" cy="1622810"/>
           </a:xfrm>
           <a:prstGeom prst="rightBrace">
-            <a:avLst/>
+            <a:avLst>
+              <a:gd name="adj1" fmla="val 8333"/>
+              <a:gd name="adj2" fmla="val 50542"/>
+            </a:avLst>
           </a:prstGeom>
         </p:spPr>
         <p:style>
-          <a:lnRef idx="1">
-            <a:schemeClr val="accent3"/>
+          <a:lnRef idx="2">
+            <a:schemeClr val="accent5"/>
           </a:lnRef>
           <a:fillRef idx="0">
-            <a:schemeClr val="accent3"/>
+            <a:schemeClr val="accent5"/>
           </a:fillRef>
-          <a:effectRef idx="0">
-            <a:schemeClr val="accent3"/>
+          <a:effectRef idx="1">
+            <a:schemeClr val="accent5"/>
           </a:effectRef>
           <a:fontRef idx="minor">
             <a:schemeClr val="tx1"/>
@@ -10241,13 +10896,13 @@
         </p:spPr>
         <p:style>
           <a:lnRef idx="2">
-            <a:schemeClr val="accent2"/>
+            <a:schemeClr val="accent6"/>
           </a:lnRef>
           <a:fillRef idx="1">
             <a:schemeClr val="lt1"/>
           </a:fillRef>
           <a:effectRef idx="0">
-            <a:schemeClr val="accent2"/>
+            <a:schemeClr val="accent6"/>
           </a:effectRef>
           <a:fontRef idx="minor">
             <a:schemeClr val="dk1"/>
@@ -10261,7 +10916,9 @@
             <a:r>
               <a:rPr lang="en-US" altLang="zh-CN" sz="1400">
                 <a:solidFill>
-                  <a:schemeClr val="accent2"/>
+                  <a:schemeClr val="accent6">
+                    <a:lumMod val="75000"/>
+                  </a:schemeClr>
                 </a:solidFill>
                 <a:latin typeface="Microsoft YaHei Mono" pitchFamily="49" charset="-122"/>
                 <a:ea typeface="Microsoft YaHei Mono" pitchFamily="49" charset="-122"/>
@@ -10271,7 +10928,9 @@
             <a:r>
               <a:rPr lang="zh-CN" altLang="en-US" sz="1400">
                 <a:solidFill>
-                  <a:schemeClr val="accent2"/>
+                  <a:schemeClr val="accent6">
+                    <a:lumMod val="75000"/>
+                  </a:schemeClr>
                 </a:solidFill>
                 <a:latin typeface="Microsoft YaHei Mono" pitchFamily="49" charset="-122"/>
                 <a:ea typeface="Microsoft YaHei Mono" pitchFamily="49" charset="-122"/>
@@ -10281,7 +10940,9 @@
             <a:r>
               <a:rPr lang="en-US" altLang="zh-CN" sz="1400">
                 <a:solidFill>
-                  <a:schemeClr val="accent2"/>
+                  <a:schemeClr val="accent6">
+                    <a:lumMod val="75000"/>
+                  </a:schemeClr>
                 </a:solidFill>
                 <a:latin typeface="Microsoft YaHei Mono" pitchFamily="49" charset="-122"/>
                 <a:ea typeface="Microsoft YaHei Mono" pitchFamily="49" charset="-122"/>
@@ -10290,7 +10951,9 @@
             </a:r>
             <a:endParaRPr lang="zh-CN" altLang="en-US" sz="1400">
               <a:solidFill>
-                <a:schemeClr val="accent2"/>
+                <a:schemeClr val="accent6">
+                  <a:lumMod val="75000"/>
+                </a:schemeClr>
               </a:solidFill>
               <a:latin typeface="Microsoft YaHei Mono" pitchFamily="49" charset="-122"/>
               <a:ea typeface="Microsoft YaHei Mono" pitchFamily="49" charset="-122"/>
@@ -10306,7 +10969,7 @@
         </p:nvSpPr>
         <p:spPr>
           <a:xfrm>
-            <a:off x="7968208" y="3522998"/>
+            <a:off x="8554552" y="3555065"/>
             <a:ext cx="1872208" cy="576064"/>
           </a:xfrm>
           <a:prstGeom prst="roundRect">
@@ -10315,13 +10978,13 @@
         </p:spPr>
         <p:style>
           <a:lnRef idx="1">
-            <a:schemeClr val="accent3"/>
+            <a:schemeClr val="accent6"/>
           </a:lnRef>
           <a:fillRef idx="2">
-            <a:schemeClr val="accent3"/>
+            <a:schemeClr val="accent6"/>
           </a:fillRef>
           <a:effectRef idx="1">
-            <a:schemeClr val="accent3"/>
+            <a:schemeClr val="accent6"/>
           </a:effectRef>
           <a:fontRef idx="minor">
             <a:schemeClr val="dk1"/>
@@ -10333,20 +10996,20 @@
           <a:p>
             <a:pPr algn="ctr"/>
             <a:r>
-              <a:rPr lang="zh-CN" altLang="en-US" sz="1600" smtClean="0">
+              <a:rPr lang="zh-CN" altLang="en-US" sz="1400" smtClean="0">
                 <a:latin typeface="Microsoft YaHei Mono" pitchFamily="49" charset="-122"/>
                 <a:ea typeface="Microsoft YaHei Mono" pitchFamily="49" charset="-122"/>
               </a:rPr>
               <a:t>邮箱接收</a:t>
             </a:r>
             <a:r>
-              <a:rPr lang="en-US" altLang="zh-CN" sz="1600" smtClean="0">
-                <a:latin typeface="Microsoft YaHei Mono" pitchFamily="49" charset="-122"/>
-                <a:ea typeface="Microsoft YaHei Mono" pitchFamily="49" charset="-122"/>
-              </a:rPr>
-              <a:t>packet</a:t>
-            </a:r>
-            <a:endParaRPr lang="zh-CN" altLang="en-US" sz="1600">
+              <a:rPr lang="en-US" altLang="zh-CN" sz="1400" smtClean="0">
+                <a:latin typeface="Microsoft YaHei Mono" pitchFamily="49" charset="-122"/>
+                <a:ea typeface="Microsoft YaHei Mono" pitchFamily="49" charset="-122"/>
+              </a:rPr>
+              <a:t>pbuf</a:t>
+            </a:r>
+            <a:endParaRPr lang="zh-CN" altLang="en-US" sz="1400">
               <a:latin typeface="Microsoft YaHei Mono" pitchFamily="49" charset="-122"/>
               <a:ea typeface="Microsoft YaHei Mono" pitchFamily="49" charset="-122"/>
             </a:endParaRPr>
@@ -10361,7 +11024,7 @@
         </p:nvSpPr>
         <p:spPr>
           <a:xfrm>
-            <a:off x="6672064" y="3590620"/>
+            <a:off x="7032104" y="3622687"/>
             <a:ext cx="1152128" cy="440819"/>
           </a:xfrm>
           <a:prstGeom prst="rightArrow">
@@ -10370,13 +11033,13 @@
         </p:spPr>
         <p:style>
           <a:lnRef idx="1">
-            <a:schemeClr val="accent3"/>
+            <a:schemeClr val="accent6"/>
           </a:lnRef>
           <a:fillRef idx="2">
-            <a:schemeClr val="accent3"/>
+            <a:schemeClr val="accent6"/>
           </a:fillRef>
           <a:effectRef idx="1">
-            <a:schemeClr val="accent3"/>
+            <a:schemeClr val="accent6"/>
           </a:effectRef>
           <a:fontRef idx="minor">
             <a:schemeClr val="dk1"/>
@@ -10445,42 +11108,1203 @@
           <a:p>
             <a:r>
               <a:rPr lang="en-US" altLang="zh-CN">
-                <a:latin typeface="Microsoft YaHei Mono" pitchFamily="49" charset="-122"/>
-                <a:ea typeface="Microsoft YaHei Mono" pitchFamily="49" charset="-122"/>
+                <a:latin typeface="+mn-ea"/>
+                <a:ea typeface="+mn-ea"/>
               </a:rPr>
               <a:t>t</a:t>
             </a:r>
             <a:r>
               <a:rPr lang="en-US" altLang="zh-CN" smtClean="0">
-                <a:latin typeface="Microsoft YaHei Mono" pitchFamily="49" charset="-122"/>
-                <a:ea typeface="Microsoft YaHei Mono" pitchFamily="49" charset="-122"/>
-              </a:rPr>
-              <a:t>cpdump</a:t>
+                <a:latin typeface="+mn-ea"/>
+                <a:ea typeface="+mn-ea"/>
+              </a:rPr>
+              <a:t>cpdump-msh /&gt;</a:t>
             </a:r>
             <a:r>
               <a:rPr lang="zh-CN" altLang="en-US" smtClean="0">
-                <a:latin typeface="Microsoft YaHei Mono" pitchFamily="49" charset="-122"/>
-                <a:ea typeface="Microsoft YaHei Mono" pitchFamily="49" charset="-122"/>
-              </a:rPr>
-              <a:t>内部数据流程处理</a:t>
+                <a:latin typeface="+mn-ea"/>
+                <a:ea typeface="+mn-ea"/>
+              </a:rPr>
+              <a:t>命令介绍</a:t>
             </a:r>
             <a:endParaRPr lang="zh-CN" altLang="en-US">
-              <a:latin typeface="Microsoft YaHei Mono" pitchFamily="49" charset="-122"/>
-              <a:ea typeface="Microsoft YaHei Mono" pitchFamily="49" charset="-122"/>
+              <a:latin typeface="+mn-ea"/>
+              <a:ea typeface="+mn-ea"/>
             </a:endParaRPr>
           </a:p>
         </p:txBody>
       </p:sp>
       <p:sp>
         <p:nvSpPr>
-          <p:cNvPr id="9" name="圆角矩形 8"/>
+          <p:cNvPr id="3" name="TextBox 2"/>
+          <p:cNvSpPr txBox="1"/>
+          <p:nvPr/>
+        </p:nvSpPr>
+        <p:spPr>
+          <a:xfrm>
+            <a:off x="479376" y="1628800"/>
+            <a:ext cx="4680520" cy="2339102"/>
+          </a:xfrm>
+          <a:prstGeom prst="rect">
+            <a:avLst/>
+          </a:prstGeom>
+          <a:noFill/>
+        </p:spPr>
+        <p:txBody>
+          <a:bodyPr wrap="square" rtlCol="0">
+            <a:spAutoFit/>
+          </a:bodyPr>
+          <a:lstStyle/>
+          <a:p>
+            <a:r>
+              <a:rPr lang="en-US" altLang="zh-CN" sz="1400">
+                <a:solidFill>
+                  <a:schemeClr val="bg1">
+                    <a:lumMod val="50000"/>
+                  </a:schemeClr>
+                </a:solidFill>
+                <a:latin typeface="Microsoft YaHei Mono" pitchFamily="49" charset="-122"/>
+                <a:ea typeface="Microsoft YaHei Mono" pitchFamily="49" charset="-122"/>
+              </a:rPr>
+              <a:t>t</a:t>
+            </a:r>
+            <a:r>
+              <a:rPr lang="en-US" altLang="zh-CN" sz="1400" smtClean="0">
+                <a:solidFill>
+                  <a:schemeClr val="bg1">
+                    <a:lumMod val="50000"/>
+                  </a:schemeClr>
+                </a:solidFill>
+                <a:latin typeface="Microsoft YaHei Mono" pitchFamily="49" charset="-122"/>
+                <a:ea typeface="Microsoft YaHei Mono" pitchFamily="49" charset="-122"/>
+              </a:rPr>
+              <a:t>cpdump </a:t>
+            </a:r>
+            <a:r>
+              <a:rPr lang="zh-CN" altLang="en-US" sz="1400" smtClean="0">
+                <a:solidFill>
+                  <a:schemeClr val="bg1">
+                    <a:lumMod val="50000"/>
+                  </a:schemeClr>
+                </a:solidFill>
+                <a:latin typeface="Microsoft YaHei Mono" pitchFamily="49" charset="-122"/>
+                <a:ea typeface="Microsoft YaHei Mono" pitchFamily="49" charset="-122"/>
+              </a:rPr>
+              <a:t>命令含义：</a:t>
+            </a:r>
+            <a:endParaRPr lang="en-US" altLang="zh-CN" sz="1400" smtClean="0">
+              <a:solidFill>
+                <a:schemeClr val="bg1">
+                  <a:lumMod val="50000"/>
+                </a:schemeClr>
+              </a:solidFill>
+              <a:latin typeface="Microsoft YaHei Mono" pitchFamily="49" charset="-122"/>
+              <a:ea typeface="Microsoft YaHei Mono" pitchFamily="49" charset="-122"/>
+            </a:endParaRPr>
+          </a:p>
+          <a:p>
+            <a:endParaRPr lang="en-US" altLang="zh-CN" sz="1600" smtClean="0">
+              <a:solidFill>
+                <a:schemeClr val="bg1">
+                  <a:lumMod val="50000"/>
+                </a:schemeClr>
+              </a:solidFill>
+              <a:latin typeface="Microsoft YaHei Mono" pitchFamily="49" charset="-122"/>
+              <a:ea typeface="Microsoft YaHei Mono" pitchFamily="49" charset="-122"/>
+            </a:endParaRPr>
+          </a:p>
+          <a:p>
+            <a:r>
+              <a:rPr lang="en-US" altLang="zh-CN" sz="1400" smtClean="0">
+                <a:solidFill>
+                  <a:schemeClr val="bg1">
+                    <a:lumMod val="50000"/>
+                  </a:schemeClr>
+                </a:solidFill>
+                <a:latin typeface="Microsoft YaHei Mono" pitchFamily="49" charset="-122"/>
+                <a:ea typeface="Microsoft YaHei Mono" pitchFamily="49" charset="-122"/>
+              </a:rPr>
+              <a:t>-</a:t>
+            </a:r>
+            <a:r>
+              <a:rPr lang="en-US" altLang="zh-CN" sz="1400" smtClean="0">
+                <a:solidFill>
+                  <a:schemeClr val="bg1">
+                    <a:lumMod val="50000"/>
+                  </a:schemeClr>
+                </a:solidFill>
+                <a:latin typeface="Microsoft YaHei Mono" pitchFamily="49" charset="-122"/>
+                <a:ea typeface="Microsoft YaHei Mono" pitchFamily="49" charset="-122"/>
+              </a:rPr>
+              <a:t>i: </a:t>
+            </a:r>
+            <a:r>
+              <a:rPr lang="zh-CN" altLang="en-US" sz="1200" smtClean="0">
+                <a:solidFill>
+                  <a:schemeClr val="bg1">
+                    <a:lumMod val="50000"/>
+                  </a:schemeClr>
+                </a:solidFill>
+                <a:latin typeface="Microsoft YaHei Mono" pitchFamily="49" charset="-122"/>
+                <a:ea typeface="Microsoft YaHei Mono" pitchFamily="49" charset="-122"/>
+              </a:rPr>
+              <a:t>指定监听的网络接口</a:t>
+            </a:r>
+            <a:endParaRPr lang="en-US" altLang="zh-CN" sz="1100" smtClean="0">
+              <a:solidFill>
+                <a:schemeClr val="bg1">
+                  <a:lumMod val="50000"/>
+                </a:schemeClr>
+              </a:solidFill>
+              <a:latin typeface="Microsoft YaHei Mono" pitchFamily="49" charset="-122"/>
+              <a:ea typeface="Microsoft YaHei Mono" pitchFamily="49" charset="-122"/>
+            </a:endParaRPr>
+          </a:p>
+          <a:p>
+            <a:r>
+              <a:rPr lang="en-US" altLang="zh-CN" sz="1400" smtClean="0">
+                <a:solidFill>
+                  <a:schemeClr val="bg1">
+                    <a:lumMod val="50000"/>
+                  </a:schemeClr>
+                </a:solidFill>
+                <a:latin typeface="Microsoft YaHei Mono" pitchFamily="49" charset="-122"/>
+                <a:ea typeface="Microsoft YaHei Mono" pitchFamily="49" charset="-122"/>
+              </a:rPr>
+              <a:t>-m: </a:t>
+            </a:r>
+            <a:r>
+              <a:rPr lang="zh-CN" altLang="en-US" sz="1200" smtClean="0">
+                <a:solidFill>
+                  <a:schemeClr val="bg1">
+                    <a:lumMod val="50000"/>
+                  </a:schemeClr>
+                </a:solidFill>
+                <a:latin typeface="Microsoft YaHei Mono" pitchFamily="49" charset="-122"/>
+                <a:ea typeface="Microsoft YaHei Mono" pitchFamily="49" charset="-122"/>
+              </a:rPr>
+              <a:t>选择保存模式（保存文件系统 或 </a:t>
+            </a:r>
+            <a:r>
+              <a:rPr lang="en-US" altLang="zh-CN" sz="1200" smtClean="0">
+                <a:solidFill>
+                  <a:schemeClr val="bg1">
+                    <a:lumMod val="50000"/>
+                  </a:schemeClr>
+                </a:solidFill>
+                <a:latin typeface="Microsoft YaHei Mono" pitchFamily="49" charset="-122"/>
+                <a:ea typeface="Microsoft YaHei Mono" pitchFamily="49" charset="-122"/>
+              </a:rPr>
+              <a:t>sd-card</a:t>
+            </a:r>
+            <a:r>
+              <a:rPr lang="zh-CN" altLang="en-US" sz="1200" smtClean="0">
+                <a:solidFill>
+                  <a:schemeClr val="bg1">
+                    <a:lumMod val="50000"/>
+                  </a:schemeClr>
+                </a:solidFill>
+                <a:latin typeface="Microsoft YaHei Mono" pitchFamily="49" charset="-122"/>
+                <a:ea typeface="Microsoft YaHei Mono" pitchFamily="49" charset="-122"/>
+              </a:rPr>
+              <a:t>）</a:t>
+            </a:r>
+            <a:endParaRPr lang="en-US" altLang="zh-CN" sz="1200" smtClean="0">
+              <a:solidFill>
+                <a:schemeClr val="bg1">
+                  <a:lumMod val="50000"/>
+                </a:schemeClr>
+              </a:solidFill>
+              <a:latin typeface="Microsoft YaHei Mono" pitchFamily="49" charset="-122"/>
+              <a:ea typeface="Microsoft YaHei Mono" pitchFamily="49" charset="-122"/>
+            </a:endParaRPr>
+          </a:p>
+          <a:p>
+            <a:r>
+              <a:rPr lang="en-US" altLang="zh-CN" sz="1400" smtClean="0">
+                <a:solidFill>
+                  <a:schemeClr val="bg1">
+                    <a:lumMod val="50000"/>
+                  </a:schemeClr>
+                </a:solidFill>
+                <a:latin typeface="Microsoft YaHei Mono" pitchFamily="49" charset="-122"/>
+                <a:ea typeface="Microsoft YaHei Mono" pitchFamily="49" charset="-122"/>
+              </a:rPr>
+              <a:t>-w: </a:t>
+            </a:r>
+            <a:r>
+              <a:rPr lang="zh-CN" altLang="en-US" sz="1200" smtClean="0">
+                <a:solidFill>
+                  <a:schemeClr val="bg1">
+                    <a:lumMod val="50000"/>
+                  </a:schemeClr>
+                </a:solidFill>
+                <a:latin typeface="Microsoft YaHei Mono" pitchFamily="49" charset="-122"/>
+                <a:ea typeface="Microsoft YaHei Mono" pitchFamily="49" charset="-122"/>
+              </a:rPr>
+              <a:t>以 </a:t>
+            </a:r>
+            <a:r>
+              <a:rPr lang="en-US" altLang="zh-CN" sz="1200" smtClean="0">
+                <a:solidFill>
+                  <a:schemeClr val="bg1">
+                    <a:lumMod val="50000"/>
+                  </a:schemeClr>
+                </a:solidFill>
+                <a:latin typeface="Microsoft YaHei Mono" pitchFamily="49" charset="-122"/>
+                <a:ea typeface="Microsoft YaHei Mono" pitchFamily="49" charset="-122"/>
+              </a:rPr>
+              <a:t>xx.pcap </a:t>
+            </a:r>
+            <a:r>
+              <a:rPr lang="zh-CN" altLang="en-US" sz="1200" smtClean="0">
+                <a:solidFill>
+                  <a:schemeClr val="bg1">
+                    <a:lumMod val="50000"/>
+                  </a:schemeClr>
+                </a:solidFill>
+                <a:latin typeface="Microsoft YaHei Mono" pitchFamily="49" charset="-122"/>
+                <a:ea typeface="Microsoft YaHei Mono" pitchFamily="49" charset="-122"/>
+              </a:rPr>
+              <a:t>文件名保存</a:t>
+            </a:r>
+            <a:endParaRPr lang="en-US" altLang="zh-CN" sz="1400" smtClean="0">
+              <a:solidFill>
+                <a:schemeClr val="bg1">
+                  <a:lumMod val="50000"/>
+                </a:schemeClr>
+              </a:solidFill>
+              <a:latin typeface="Microsoft YaHei Mono" pitchFamily="49" charset="-122"/>
+              <a:ea typeface="Microsoft YaHei Mono" pitchFamily="49" charset="-122"/>
+            </a:endParaRPr>
+          </a:p>
+          <a:p>
+            <a:r>
+              <a:rPr lang="en-US" altLang="zh-CN" sz="1400" smtClean="0">
+                <a:solidFill>
+                  <a:schemeClr val="bg1">
+                    <a:lumMod val="50000"/>
+                  </a:schemeClr>
+                </a:solidFill>
+                <a:latin typeface="Microsoft YaHei Mono" pitchFamily="49" charset="-122"/>
+                <a:ea typeface="Microsoft YaHei Mono" pitchFamily="49" charset="-122"/>
+              </a:rPr>
+              <a:t>-p: </a:t>
+            </a:r>
+            <a:r>
+              <a:rPr lang="zh-CN" altLang="en-US" sz="1200" smtClean="0">
+                <a:solidFill>
+                  <a:schemeClr val="bg1">
+                    <a:lumMod val="50000"/>
+                  </a:schemeClr>
+                </a:solidFill>
+                <a:latin typeface="Microsoft YaHei Mono" pitchFamily="49" charset="-122"/>
+                <a:ea typeface="Microsoft YaHei Mono" pitchFamily="49" charset="-122"/>
+              </a:rPr>
+              <a:t>停止抓包</a:t>
+            </a:r>
+            <a:endParaRPr lang="en-US" altLang="zh-CN" sz="1200" smtClean="0">
+              <a:solidFill>
+                <a:schemeClr val="bg1">
+                  <a:lumMod val="50000"/>
+                </a:schemeClr>
+              </a:solidFill>
+              <a:latin typeface="Microsoft YaHei Mono" pitchFamily="49" charset="-122"/>
+              <a:ea typeface="Microsoft YaHei Mono" pitchFamily="49" charset="-122"/>
+            </a:endParaRPr>
+          </a:p>
+          <a:p>
+            <a:r>
+              <a:rPr lang="en-US" altLang="zh-CN" sz="1400" smtClean="0">
+                <a:solidFill>
+                  <a:schemeClr val="bg1">
+                    <a:lumMod val="50000"/>
+                  </a:schemeClr>
+                </a:solidFill>
+                <a:latin typeface="Microsoft YaHei Mono" pitchFamily="49" charset="-122"/>
+                <a:ea typeface="Microsoft YaHei Mono" pitchFamily="49" charset="-122"/>
+              </a:rPr>
+              <a:t>-h: </a:t>
+            </a:r>
+            <a:r>
+              <a:rPr lang="zh-CN" altLang="en-US" sz="1200" smtClean="0">
+                <a:solidFill>
+                  <a:schemeClr val="bg1">
+                    <a:lumMod val="50000"/>
+                  </a:schemeClr>
+                </a:solidFill>
+                <a:latin typeface="Microsoft YaHei Mono" pitchFamily="49" charset="-122"/>
+                <a:ea typeface="Microsoft YaHei Mono" pitchFamily="49" charset="-122"/>
+              </a:rPr>
+              <a:t>帮助信息</a:t>
+            </a:r>
+            <a:endParaRPr lang="en-US" altLang="zh-CN" sz="1200" smtClean="0">
+              <a:solidFill>
+                <a:schemeClr val="bg1">
+                  <a:lumMod val="50000"/>
+                </a:schemeClr>
+              </a:solidFill>
+              <a:latin typeface="Microsoft YaHei Mono" pitchFamily="49" charset="-122"/>
+              <a:ea typeface="Microsoft YaHei Mono" pitchFamily="49" charset="-122"/>
+            </a:endParaRPr>
+          </a:p>
+          <a:p>
+            <a:endParaRPr lang="en-US" altLang="zh-CN" sz="1400" smtClean="0">
+              <a:solidFill>
+                <a:schemeClr val="bg1">
+                  <a:lumMod val="50000"/>
+                </a:schemeClr>
+              </a:solidFill>
+              <a:latin typeface="Microsoft YaHei Mono" pitchFamily="49" charset="-122"/>
+              <a:ea typeface="Microsoft YaHei Mono" pitchFamily="49" charset="-122"/>
+            </a:endParaRPr>
+          </a:p>
+          <a:p>
+            <a:endParaRPr lang="en-US" altLang="zh-CN" sz="1400">
+              <a:solidFill>
+                <a:schemeClr val="bg1">
+                  <a:lumMod val="50000"/>
+                </a:schemeClr>
+              </a:solidFill>
+              <a:latin typeface="Microsoft YaHei Mono" pitchFamily="49" charset="-122"/>
+              <a:ea typeface="Microsoft YaHei Mono" pitchFamily="49" charset="-122"/>
+            </a:endParaRPr>
+          </a:p>
+          <a:p>
+            <a:endParaRPr lang="zh-CN" altLang="en-US" sz="1400">
+              <a:solidFill>
+                <a:schemeClr val="bg1">
+                  <a:lumMod val="50000"/>
+                </a:schemeClr>
+              </a:solidFill>
+              <a:latin typeface="Microsoft YaHei Mono" pitchFamily="49" charset="-122"/>
+              <a:ea typeface="Microsoft YaHei Mono" pitchFamily="49" charset="-122"/>
+            </a:endParaRPr>
+          </a:p>
+        </p:txBody>
+      </p:sp>
+      <p:sp>
+        <p:nvSpPr>
+          <p:cNvPr id="4" name="TextBox 3"/>
+          <p:cNvSpPr txBox="1"/>
+          <p:nvPr/>
+        </p:nvSpPr>
+        <p:spPr>
+          <a:xfrm>
+            <a:off x="5447928" y="1628801"/>
+            <a:ext cx="4968552" cy="4401205"/>
+          </a:xfrm>
+          <a:prstGeom prst="rect">
+            <a:avLst/>
+          </a:prstGeom>
+          <a:noFill/>
+        </p:spPr>
+        <p:txBody>
+          <a:bodyPr wrap="square" rtlCol="0">
+            <a:spAutoFit/>
+          </a:bodyPr>
+          <a:lstStyle/>
+          <a:p>
+            <a:r>
+              <a:rPr lang="en-US" altLang="zh-CN" sz="1400">
+                <a:solidFill>
+                  <a:schemeClr val="bg1">
+                    <a:lumMod val="50000"/>
+                  </a:schemeClr>
+                </a:solidFill>
+                <a:latin typeface="Microsoft YaHei Mono" pitchFamily="49" charset="-122"/>
+                <a:ea typeface="Microsoft YaHei Mono" pitchFamily="49" charset="-122"/>
+              </a:rPr>
+              <a:t>t</a:t>
+            </a:r>
+            <a:r>
+              <a:rPr lang="en-US" altLang="zh-CN" sz="1400" smtClean="0">
+                <a:solidFill>
+                  <a:schemeClr val="bg1">
+                    <a:lumMod val="50000"/>
+                  </a:schemeClr>
+                </a:solidFill>
+                <a:latin typeface="Microsoft YaHei Mono" pitchFamily="49" charset="-122"/>
+                <a:ea typeface="Microsoft YaHei Mono" pitchFamily="49" charset="-122"/>
+              </a:rPr>
+              <a:t>cpdump </a:t>
+            </a:r>
+            <a:r>
+              <a:rPr lang="zh-CN" altLang="en-US" sz="1400" smtClean="0">
+                <a:solidFill>
+                  <a:schemeClr val="bg1">
+                    <a:lumMod val="50000"/>
+                  </a:schemeClr>
+                </a:solidFill>
+                <a:latin typeface="Microsoft YaHei Mono" pitchFamily="49" charset="-122"/>
+                <a:ea typeface="Microsoft YaHei Mono" pitchFamily="49" charset="-122"/>
+              </a:rPr>
+              <a:t>命令使用：</a:t>
+            </a:r>
+            <a:endParaRPr lang="en-US" altLang="zh-CN" sz="1400" smtClean="0">
+              <a:solidFill>
+                <a:schemeClr val="bg1">
+                  <a:lumMod val="50000"/>
+                </a:schemeClr>
+              </a:solidFill>
+              <a:latin typeface="Microsoft YaHei Mono" pitchFamily="49" charset="-122"/>
+              <a:ea typeface="Microsoft YaHei Mono" pitchFamily="49" charset="-122"/>
+            </a:endParaRPr>
+          </a:p>
+          <a:p>
+            <a:endParaRPr lang="en-US" altLang="zh-CN" sz="1200" smtClean="0">
+              <a:solidFill>
+                <a:schemeClr val="bg1">
+                  <a:lumMod val="50000"/>
+                </a:schemeClr>
+              </a:solidFill>
+              <a:latin typeface="Microsoft YaHei Mono" pitchFamily="49" charset="-122"/>
+              <a:ea typeface="Microsoft YaHei Mono" pitchFamily="49" charset="-122"/>
+            </a:endParaRPr>
+          </a:p>
+          <a:p>
+            <a:r>
+              <a:rPr lang="en-US" altLang="zh-CN" sz="1200" smtClean="0">
+                <a:solidFill>
+                  <a:schemeClr val="bg1">
+                    <a:lumMod val="50000"/>
+                  </a:schemeClr>
+                </a:solidFill>
+                <a:latin typeface="Microsoft YaHei Mono" pitchFamily="49" charset="-122"/>
+                <a:ea typeface="Microsoft YaHei Mono" pitchFamily="49" charset="-122"/>
+              </a:rPr>
+              <a:t>tcpdump </a:t>
+            </a:r>
+            <a:r>
+              <a:rPr lang="en-US" altLang="zh-CN" sz="1200">
+                <a:solidFill>
+                  <a:schemeClr val="bg1">
+                    <a:lumMod val="50000"/>
+                  </a:schemeClr>
+                </a:solidFill>
+                <a:latin typeface="Microsoft YaHei Mono" pitchFamily="49" charset="-122"/>
+                <a:ea typeface="Microsoft YaHei Mono" pitchFamily="49" charset="-122"/>
+              </a:rPr>
+              <a:t>[-p] [-h] [-i interface] [-m mode] [-w </a:t>
+            </a:r>
+            <a:r>
+              <a:rPr lang="en-US" altLang="zh-CN" sz="1200">
+                <a:solidFill>
+                  <a:schemeClr val="bg1">
+                    <a:lumMod val="50000"/>
+                  </a:schemeClr>
+                </a:solidFill>
+                <a:latin typeface="Microsoft YaHei Mono" pitchFamily="49" charset="-122"/>
+                <a:ea typeface="Microsoft YaHei Mono" pitchFamily="49" charset="-122"/>
+              </a:rPr>
+              <a:t>file</a:t>
+            </a:r>
+            <a:r>
+              <a:rPr lang="en-US" altLang="zh-CN" sz="1200" smtClean="0">
+                <a:solidFill>
+                  <a:schemeClr val="bg1">
+                    <a:lumMod val="50000"/>
+                  </a:schemeClr>
+                </a:solidFill>
+                <a:latin typeface="Microsoft YaHei Mono" pitchFamily="49" charset="-122"/>
+                <a:ea typeface="Microsoft YaHei Mono" pitchFamily="49" charset="-122"/>
+              </a:rPr>
+              <a:t>]</a:t>
+            </a:r>
+          </a:p>
+          <a:p>
+            <a:endParaRPr lang="en-US" altLang="zh-CN" sz="1100" smtClean="0">
+              <a:solidFill>
+                <a:schemeClr val="bg1">
+                  <a:lumMod val="50000"/>
+                </a:schemeClr>
+              </a:solidFill>
+              <a:latin typeface="Microsoft YaHei Mono" pitchFamily="49" charset="-122"/>
+              <a:ea typeface="Microsoft YaHei Mono" pitchFamily="49" charset="-122"/>
+            </a:endParaRPr>
+          </a:p>
+          <a:p>
+            <a:r>
+              <a:rPr lang="zh-CN" altLang="en-US" sz="1100" smtClean="0">
+                <a:solidFill>
+                  <a:schemeClr val="bg1">
+                    <a:lumMod val="50000"/>
+                  </a:schemeClr>
+                </a:solidFill>
+                <a:latin typeface="Microsoft YaHei Mono" pitchFamily="49" charset="-122"/>
+                <a:ea typeface="Microsoft YaHei Mono" pitchFamily="49" charset="-122"/>
+              </a:rPr>
+              <a:t>指定网络接口、保存模式、文件名</a:t>
+            </a:r>
+            <a:endParaRPr lang="en-US" altLang="zh-CN" sz="1100" smtClean="0">
+              <a:solidFill>
+                <a:schemeClr val="bg1">
+                  <a:lumMod val="50000"/>
+                </a:schemeClr>
+              </a:solidFill>
+              <a:latin typeface="Microsoft YaHei Mono" pitchFamily="49" charset="-122"/>
+              <a:ea typeface="Microsoft YaHei Mono" pitchFamily="49" charset="-122"/>
+            </a:endParaRPr>
+          </a:p>
+          <a:p>
+            <a:r>
+              <a:rPr lang="en-US" altLang="zh-CN" sz="1100" smtClean="0">
+                <a:solidFill>
+                  <a:schemeClr val="bg1">
+                    <a:lumMod val="50000"/>
+                  </a:schemeClr>
+                </a:solidFill>
+                <a:latin typeface="Microsoft YaHei Mono" pitchFamily="49" charset="-122"/>
+                <a:ea typeface="Microsoft YaHei Mono" pitchFamily="49" charset="-122"/>
+              </a:rPr>
+              <a:t>tcpdump </a:t>
+            </a:r>
+            <a:r>
+              <a:rPr lang="en-US" altLang="zh-CN" sz="1100">
+                <a:solidFill>
+                  <a:schemeClr val="bg1">
+                    <a:lumMod val="50000"/>
+                  </a:schemeClr>
+                </a:solidFill>
+                <a:latin typeface="Microsoft YaHei Mono" pitchFamily="49" charset="-122"/>
+                <a:ea typeface="Microsoft YaHei Mono" pitchFamily="49" charset="-122"/>
+              </a:rPr>
+              <a:t>-ie0 -msd -wtext.pcap                           </a:t>
+            </a:r>
+            <a:r>
+              <a:rPr lang="en-US" altLang="zh-CN" sz="1100">
+                <a:solidFill>
+                  <a:schemeClr val="bg1">
+                    <a:lumMod val="50000"/>
+                  </a:schemeClr>
+                </a:solidFill>
+                <a:latin typeface="Microsoft YaHei Mono" pitchFamily="49" charset="-122"/>
+                <a:ea typeface="Microsoft YaHei Mono" pitchFamily="49" charset="-122"/>
+              </a:rPr>
+              <a:t> </a:t>
+            </a:r>
+            <a:r>
+              <a:rPr lang="en-US" altLang="zh-CN" sz="1100">
+                <a:solidFill>
+                  <a:schemeClr val="bg1">
+                    <a:lumMod val="50000"/>
+                  </a:schemeClr>
+                </a:solidFill>
+                <a:latin typeface="Microsoft YaHei Mono" pitchFamily="49" charset="-122"/>
+                <a:ea typeface="Microsoft YaHei Mono" pitchFamily="49" charset="-122"/>
+              </a:rPr>
+              <a:t/>
+            </a:r>
+            <a:br>
+              <a:rPr lang="en-US" altLang="zh-CN" sz="1100">
+                <a:solidFill>
+                  <a:schemeClr val="bg1">
+                    <a:lumMod val="50000"/>
+                  </a:schemeClr>
+                </a:solidFill>
+                <a:latin typeface="Microsoft YaHei Mono" pitchFamily="49" charset="-122"/>
+                <a:ea typeface="Microsoft YaHei Mono" pitchFamily="49" charset="-122"/>
+              </a:rPr>
+            </a:br>
+            <a:r>
+              <a:rPr lang="en-US" altLang="zh-CN" sz="1100" smtClean="0">
+                <a:solidFill>
+                  <a:schemeClr val="bg1">
+                    <a:lumMod val="50000"/>
+                  </a:schemeClr>
+                </a:solidFill>
+                <a:latin typeface="Microsoft YaHei Mono" pitchFamily="49" charset="-122"/>
+                <a:ea typeface="Microsoft YaHei Mono" pitchFamily="49" charset="-122"/>
+              </a:rPr>
+              <a:t>tcpdump </a:t>
+            </a:r>
+            <a:r>
+              <a:rPr lang="en-US" altLang="zh-CN" sz="1100">
+                <a:solidFill>
+                  <a:schemeClr val="bg1">
+                    <a:lumMod val="50000"/>
+                  </a:schemeClr>
+                </a:solidFill>
+                <a:latin typeface="Microsoft YaHei Mono" pitchFamily="49" charset="-122"/>
+                <a:ea typeface="Microsoft YaHei Mono" pitchFamily="49" charset="-122"/>
+              </a:rPr>
+              <a:t>-ie0 -mrdb </a:t>
+            </a:r>
+            <a:r>
+              <a:rPr lang="en-US" altLang="zh-CN" sz="1100">
+                <a:solidFill>
+                  <a:schemeClr val="bg1">
+                    <a:lumMod val="50000"/>
+                  </a:schemeClr>
+                </a:solidFill>
+                <a:latin typeface="Microsoft YaHei Mono" pitchFamily="49" charset="-122"/>
+                <a:ea typeface="Microsoft YaHei Mono" pitchFamily="49" charset="-122"/>
+              </a:rPr>
+              <a:t>-</a:t>
+            </a:r>
+            <a:r>
+              <a:rPr lang="en-US" altLang="zh-CN" sz="1100" smtClean="0">
+                <a:solidFill>
+                  <a:schemeClr val="bg1">
+                    <a:lumMod val="50000"/>
+                  </a:schemeClr>
+                </a:solidFill>
+                <a:latin typeface="Microsoft YaHei Mono" pitchFamily="49" charset="-122"/>
+                <a:ea typeface="Microsoft YaHei Mono" pitchFamily="49" charset="-122"/>
+              </a:rPr>
+              <a:t>wtext.pcap</a:t>
+            </a:r>
+          </a:p>
+          <a:p>
+            <a:endParaRPr lang="en-US" altLang="zh-CN" sz="1100" smtClean="0">
+              <a:solidFill>
+                <a:schemeClr val="bg1">
+                  <a:lumMod val="50000"/>
+                </a:schemeClr>
+              </a:solidFill>
+              <a:latin typeface="Microsoft YaHei Mono" pitchFamily="49" charset="-122"/>
+              <a:ea typeface="Microsoft YaHei Mono" pitchFamily="49" charset="-122"/>
+            </a:endParaRPr>
+          </a:p>
+          <a:p>
+            <a:r>
+              <a:rPr lang="zh-CN" altLang="en-US" sz="1100" smtClean="0">
+                <a:solidFill>
+                  <a:schemeClr val="bg1">
+                    <a:lumMod val="50000"/>
+                  </a:schemeClr>
+                </a:solidFill>
+                <a:latin typeface="Microsoft YaHei Mono" pitchFamily="49" charset="-122"/>
+                <a:ea typeface="Microsoft YaHei Mono" pitchFamily="49" charset="-122"/>
+              </a:rPr>
+              <a:t>停止抓包</a:t>
+            </a:r>
+            <a:endParaRPr lang="en-US" altLang="zh-CN" sz="1100" smtClean="0">
+              <a:solidFill>
+                <a:schemeClr val="bg1">
+                  <a:lumMod val="50000"/>
+                </a:schemeClr>
+              </a:solidFill>
+              <a:latin typeface="Microsoft YaHei Mono" pitchFamily="49" charset="-122"/>
+              <a:ea typeface="Microsoft YaHei Mono" pitchFamily="49" charset="-122"/>
+            </a:endParaRPr>
+          </a:p>
+          <a:p>
+            <a:r>
+              <a:rPr lang="en-US" altLang="zh-CN" sz="1100">
+                <a:solidFill>
+                  <a:schemeClr val="bg1">
+                    <a:lumMod val="50000"/>
+                  </a:schemeClr>
+                </a:solidFill>
+                <a:latin typeface="Microsoft YaHei Mono" pitchFamily="49" charset="-122"/>
+                <a:ea typeface="Microsoft YaHei Mono" pitchFamily="49" charset="-122"/>
+              </a:rPr>
+              <a:t>t</a:t>
+            </a:r>
+            <a:r>
+              <a:rPr lang="en-US" altLang="zh-CN" sz="1100" smtClean="0">
+                <a:solidFill>
+                  <a:schemeClr val="bg1">
+                    <a:lumMod val="50000"/>
+                  </a:schemeClr>
+                </a:solidFill>
+                <a:latin typeface="Microsoft YaHei Mono" pitchFamily="49" charset="-122"/>
+                <a:ea typeface="Microsoft YaHei Mono" pitchFamily="49" charset="-122"/>
+              </a:rPr>
+              <a:t>cpdump –p</a:t>
+            </a:r>
+          </a:p>
+          <a:p>
+            <a:endParaRPr lang="en-US" altLang="zh-CN" sz="1100">
+              <a:solidFill>
+                <a:schemeClr val="bg1">
+                  <a:lumMod val="50000"/>
+                </a:schemeClr>
+              </a:solidFill>
+              <a:latin typeface="Microsoft YaHei Mono" pitchFamily="49" charset="-122"/>
+              <a:ea typeface="Microsoft YaHei Mono" pitchFamily="49" charset="-122"/>
+            </a:endParaRPr>
+          </a:p>
+          <a:p>
+            <a:r>
+              <a:rPr lang="zh-CN" altLang="en-US" sz="1100" smtClean="0">
+                <a:solidFill>
+                  <a:schemeClr val="bg1">
+                    <a:lumMod val="50000"/>
+                  </a:schemeClr>
+                </a:solidFill>
+                <a:latin typeface="Microsoft YaHei Mono" pitchFamily="49" charset="-122"/>
+                <a:ea typeface="Microsoft YaHei Mono" pitchFamily="49" charset="-122"/>
+              </a:rPr>
+              <a:t>帮助信息</a:t>
+            </a:r>
+            <a:endParaRPr lang="en-US" altLang="zh-CN" sz="1100" smtClean="0">
+              <a:solidFill>
+                <a:schemeClr val="bg1">
+                  <a:lumMod val="50000"/>
+                </a:schemeClr>
+              </a:solidFill>
+              <a:latin typeface="Microsoft YaHei Mono" pitchFamily="49" charset="-122"/>
+              <a:ea typeface="Microsoft YaHei Mono" pitchFamily="49" charset="-122"/>
+            </a:endParaRPr>
+          </a:p>
+          <a:p>
+            <a:r>
+              <a:rPr lang="en-US" altLang="zh-CN" sz="1100" smtClean="0">
+                <a:solidFill>
+                  <a:schemeClr val="bg1">
+                    <a:lumMod val="50000"/>
+                  </a:schemeClr>
+                </a:solidFill>
+                <a:latin typeface="Microsoft YaHei Mono" pitchFamily="49" charset="-122"/>
+                <a:ea typeface="Microsoft YaHei Mono" pitchFamily="49" charset="-122"/>
+              </a:rPr>
+              <a:t>tcpdump -h</a:t>
+            </a:r>
+          </a:p>
+          <a:p>
+            <a:endParaRPr lang="en-US" altLang="zh-CN" sz="1100" smtClean="0">
+              <a:solidFill>
+                <a:schemeClr val="bg1">
+                  <a:lumMod val="50000"/>
+                </a:schemeClr>
+              </a:solidFill>
+              <a:latin typeface="Microsoft YaHei Mono" pitchFamily="49" charset="-122"/>
+              <a:ea typeface="Microsoft YaHei Mono" pitchFamily="49" charset="-122"/>
+            </a:endParaRPr>
+          </a:p>
+          <a:p>
+            <a:r>
+              <a:rPr lang="zh-CN" altLang="en-US" sz="1100">
+                <a:solidFill>
+                  <a:schemeClr val="bg1">
+                    <a:lumMod val="50000"/>
+                  </a:schemeClr>
+                </a:solidFill>
+                <a:latin typeface="Microsoft YaHei Mono" pitchFamily="49" charset="-122"/>
+                <a:ea typeface="Microsoft YaHei Mono" pitchFamily="49" charset="-122"/>
+              </a:rPr>
+              <a:t>选择 网络接口</a:t>
+            </a:r>
+            <a:endParaRPr lang="en-US" altLang="zh-CN" sz="1100">
+              <a:solidFill>
+                <a:schemeClr val="bg1">
+                  <a:lumMod val="50000"/>
+                </a:schemeClr>
+              </a:solidFill>
+              <a:latin typeface="Microsoft YaHei Mono" pitchFamily="49" charset="-122"/>
+              <a:ea typeface="Microsoft YaHei Mono" pitchFamily="49" charset="-122"/>
+            </a:endParaRPr>
+          </a:p>
+          <a:p>
+            <a:r>
+              <a:rPr lang="en-US" altLang="zh-CN" sz="1100">
+                <a:solidFill>
+                  <a:schemeClr val="bg1">
+                    <a:lumMod val="50000"/>
+                  </a:schemeClr>
+                </a:solidFill>
+                <a:latin typeface="Microsoft YaHei Mono" pitchFamily="49" charset="-122"/>
+                <a:ea typeface="Microsoft YaHei Mono" pitchFamily="49" charset="-122"/>
+              </a:rPr>
+              <a:t>tcpdump </a:t>
+            </a:r>
+            <a:r>
+              <a:rPr lang="en-US" altLang="zh-CN" sz="1100" smtClean="0">
+                <a:solidFill>
+                  <a:schemeClr val="bg1">
+                    <a:lumMod val="50000"/>
+                  </a:schemeClr>
+                </a:solidFill>
+                <a:latin typeface="Microsoft YaHei Mono" pitchFamily="49" charset="-122"/>
+                <a:ea typeface="Microsoft YaHei Mono" pitchFamily="49" charset="-122"/>
+              </a:rPr>
+              <a:t>–ie0</a:t>
+            </a:r>
+            <a:endParaRPr lang="en-US" altLang="zh-CN" sz="1100">
+              <a:solidFill>
+                <a:schemeClr val="bg1">
+                  <a:lumMod val="50000"/>
+                </a:schemeClr>
+              </a:solidFill>
+              <a:latin typeface="Microsoft YaHei Mono" pitchFamily="49" charset="-122"/>
+              <a:ea typeface="Microsoft YaHei Mono" pitchFamily="49" charset="-122"/>
+            </a:endParaRPr>
+          </a:p>
+          <a:p>
+            <a:endParaRPr lang="en-US" altLang="zh-CN" sz="1100">
+              <a:solidFill>
+                <a:schemeClr val="bg1">
+                  <a:lumMod val="50000"/>
+                </a:schemeClr>
+              </a:solidFill>
+              <a:latin typeface="Microsoft YaHei Mono" pitchFamily="49" charset="-122"/>
+              <a:ea typeface="Microsoft YaHei Mono" pitchFamily="49" charset="-122"/>
+            </a:endParaRPr>
+          </a:p>
+          <a:p>
+            <a:r>
+              <a:rPr lang="zh-CN" altLang="en-US" sz="1100" smtClean="0">
+                <a:solidFill>
+                  <a:schemeClr val="bg1">
+                    <a:lumMod val="50000"/>
+                  </a:schemeClr>
+                </a:solidFill>
+                <a:latin typeface="Microsoft YaHei Mono" pitchFamily="49" charset="-122"/>
+                <a:ea typeface="Microsoft YaHei Mono" pitchFamily="49" charset="-122"/>
+              </a:rPr>
+              <a:t>选择 </a:t>
+            </a:r>
+            <a:r>
+              <a:rPr lang="en-US" altLang="zh-CN" sz="1100" smtClean="0">
+                <a:solidFill>
+                  <a:schemeClr val="bg1">
+                    <a:lumMod val="50000"/>
+                  </a:schemeClr>
+                </a:solidFill>
+                <a:latin typeface="Microsoft YaHei Mono" pitchFamily="49" charset="-122"/>
+                <a:ea typeface="Microsoft YaHei Mono" pitchFamily="49" charset="-122"/>
+              </a:rPr>
+              <a:t>sd-card </a:t>
+            </a:r>
+            <a:r>
+              <a:rPr lang="zh-CN" altLang="en-US" sz="1100" smtClean="0">
+                <a:solidFill>
+                  <a:schemeClr val="bg1">
+                    <a:lumMod val="50000"/>
+                  </a:schemeClr>
+                </a:solidFill>
+                <a:latin typeface="Microsoft YaHei Mono" pitchFamily="49" charset="-122"/>
+                <a:ea typeface="Microsoft YaHei Mono" pitchFamily="49" charset="-122"/>
+              </a:rPr>
+              <a:t>模式</a:t>
+            </a:r>
+            <a:endParaRPr lang="en-US" altLang="zh-CN" sz="1100" smtClean="0">
+              <a:solidFill>
+                <a:schemeClr val="bg1">
+                  <a:lumMod val="50000"/>
+                </a:schemeClr>
+              </a:solidFill>
+              <a:latin typeface="Microsoft YaHei Mono" pitchFamily="49" charset="-122"/>
+              <a:ea typeface="Microsoft YaHei Mono" pitchFamily="49" charset="-122"/>
+            </a:endParaRPr>
+          </a:p>
+          <a:p>
+            <a:r>
+              <a:rPr lang="en-US" altLang="zh-CN" sz="1100" smtClean="0">
+                <a:solidFill>
+                  <a:schemeClr val="bg1">
+                    <a:lumMod val="50000"/>
+                  </a:schemeClr>
+                </a:solidFill>
+                <a:latin typeface="Microsoft YaHei Mono" pitchFamily="49" charset="-122"/>
+                <a:ea typeface="Microsoft YaHei Mono" pitchFamily="49" charset="-122"/>
+              </a:rPr>
+              <a:t>tcpdump –msd</a:t>
+            </a:r>
+          </a:p>
+          <a:p>
+            <a:endParaRPr lang="en-US" altLang="zh-CN" sz="1100" smtClean="0">
+              <a:solidFill>
+                <a:schemeClr val="bg1">
+                  <a:lumMod val="50000"/>
+                </a:schemeClr>
+              </a:solidFill>
+              <a:latin typeface="Microsoft YaHei Mono" pitchFamily="49" charset="-122"/>
+              <a:ea typeface="Microsoft YaHei Mono" pitchFamily="49" charset="-122"/>
+            </a:endParaRPr>
+          </a:p>
+          <a:p>
+            <a:r>
+              <a:rPr lang="zh-CN" altLang="en-US" sz="1100" smtClean="0">
+                <a:solidFill>
+                  <a:schemeClr val="bg1">
+                    <a:lumMod val="50000"/>
+                  </a:schemeClr>
+                </a:solidFill>
+                <a:latin typeface="Microsoft YaHei Mono" pitchFamily="49" charset="-122"/>
+                <a:ea typeface="Microsoft YaHei Mono" pitchFamily="49" charset="-122"/>
+              </a:rPr>
+              <a:t>用户自定义文件名</a:t>
+            </a:r>
+            <a:endParaRPr lang="en-US" altLang="zh-CN" sz="1100" smtClean="0">
+              <a:solidFill>
+                <a:schemeClr val="bg1">
+                  <a:lumMod val="50000"/>
+                </a:schemeClr>
+              </a:solidFill>
+              <a:latin typeface="Microsoft YaHei Mono" pitchFamily="49" charset="-122"/>
+              <a:ea typeface="Microsoft YaHei Mono" pitchFamily="49" charset="-122"/>
+            </a:endParaRPr>
+          </a:p>
+          <a:p>
+            <a:r>
+              <a:rPr lang="en-US" altLang="zh-CN" sz="1100">
+                <a:solidFill>
+                  <a:schemeClr val="bg1">
+                    <a:lumMod val="50000"/>
+                  </a:schemeClr>
+                </a:solidFill>
+                <a:latin typeface="Microsoft YaHei Mono" pitchFamily="49" charset="-122"/>
+                <a:ea typeface="Microsoft YaHei Mono" pitchFamily="49" charset="-122"/>
+              </a:rPr>
+              <a:t>t</a:t>
+            </a:r>
+            <a:r>
+              <a:rPr lang="en-US" altLang="zh-CN" sz="1100" smtClean="0">
+                <a:solidFill>
+                  <a:schemeClr val="bg1">
+                    <a:lumMod val="50000"/>
+                  </a:schemeClr>
+                </a:solidFill>
+                <a:latin typeface="Microsoft YaHei Mono" pitchFamily="49" charset="-122"/>
+                <a:ea typeface="Microsoft YaHei Mono" pitchFamily="49" charset="-122"/>
+              </a:rPr>
+              <a:t>cpdump –wtext.pcap</a:t>
+            </a:r>
+          </a:p>
+          <a:p>
+            <a:endParaRPr lang="en-US" altLang="zh-CN" sz="1100" smtClean="0">
+              <a:solidFill>
+                <a:schemeClr val="bg1">
+                  <a:lumMod val="50000"/>
+                </a:schemeClr>
+              </a:solidFill>
+              <a:latin typeface="Microsoft YaHei Mono" pitchFamily="49" charset="-122"/>
+              <a:ea typeface="Microsoft YaHei Mono" pitchFamily="49" charset="-122"/>
+            </a:endParaRPr>
+          </a:p>
+          <a:p>
+            <a:r>
+              <a:rPr lang="en-US" altLang="zh-CN" sz="1100" smtClean="0">
+                <a:solidFill>
+                  <a:schemeClr val="bg1">
+                    <a:lumMod val="50000"/>
+                  </a:schemeClr>
+                </a:solidFill>
+                <a:latin typeface="Microsoft YaHei Mono" pitchFamily="49" charset="-122"/>
+                <a:ea typeface="Microsoft YaHei Mono" pitchFamily="49" charset="-122"/>
+              </a:rPr>
+              <a:t>-i</a:t>
+            </a:r>
+            <a:r>
+              <a:rPr lang="zh-CN" altLang="en-US" sz="1100" smtClean="0">
+                <a:solidFill>
+                  <a:schemeClr val="bg1">
+                    <a:lumMod val="50000"/>
+                  </a:schemeClr>
+                </a:solidFill>
+                <a:latin typeface="Microsoft YaHei Mono" pitchFamily="49" charset="-122"/>
+                <a:ea typeface="Microsoft YaHei Mono" pitchFamily="49" charset="-122"/>
+              </a:rPr>
+              <a:t>、</a:t>
+            </a:r>
+            <a:r>
+              <a:rPr lang="en-US" altLang="zh-CN" sz="1100" smtClean="0">
+                <a:solidFill>
+                  <a:schemeClr val="bg1">
+                    <a:lumMod val="50000"/>
+                  </a:schemeClr>
+                </a:solidFill>
+                <a:latin typeface="Microsoft YaHei Mono" pitchFamily="49" charset="-122"/>
+                <a:ea typeface="Microsoft YaHei Mono" pitchFamily="49" charset="-122"/>
+              </a:rPr>
+              <a:t>-m</a:t>
+            </a:r>
+            <a:r>
+              <a:rPr lang="zh-CN" altLang="en-US" sz="1100" smtClean="0">
+                <a:solidFill>
+                  <a:schemeClr val="bg1">
+                    <a:lumMod val="50000"/>
+                  </a:schemeClr>
+                </a:solidFill>
+                <a:latin typeface="Microsoft YaHei Mono" pitchFamily="49" charset="-122"/>
+                <a:ea typeface="Microsoft YaHei Mono" pitchFamily="49" charset="-122"/>
+              </a:rPr>
+              <a:t>、</a:t>
+            </a:r>
+            <a:r>
+              <a:rPr lang="en-US" altLang="zh-CN" sz="1100" smtClean="0">
+                <a:solidFill>
+                  <a:schemeClr val="bg1">
+                    <a:lumMod val="50000"/>
+                  </a:schemeClr>
+                </a:solidFill>
+                <a:latin typeface="Microsoft YaHei Mono" pitchFamily="49" charset="-122"/>
+                <a:ea typeface="Microsoft YaHei Mono" pitchFamily="49" charset="-122"/>
+              </a:rPr>
+              <a:t>-w</a:t>
+            </a:r>
+            <a:r>
+              <a:rPr lang="zh-CN" altLang="en-US" sz="1100">
+                <a:solidFill>
+                  <a:schemeClr val="bg1">
+                    <a:lumMod val="50000"/>
+                  </a:schemeClr>
+                </a:solidFill>
+                <a:latin typeface="Microsoft YaHei Mono" pitchFamily="49" charset="-122"/>
+                <a:ea typeface="Microsoft YaHei Mono" pitchFamily="49" charset="-122"/>
+              </a:rPr>
+              <a:t> </a:t>
+            </a:r>
+            <a:r>
+              <a:rPr lang="zh-CN" altLang="en-US" sz="1100" smtClean="0">
+                <a:solidFill>
+                  <a:schemeClr val="bg1">
+                    <a:lumMod val="50000"/>
+                  </a:schemeClr>
+                </a:solidFill>
+                <a:latin typeface="Microsoft YaHei Mono" pitchFamily="49" charset="-122"/>
+                <a:ea typeface="Microsoft YaHei Mono" pitchFamily="49" charset="-122"/>
+              </a:rPr>
+              <a:t>这三个命令是需要带参数的，若不带，则认为非法的！</a:t>
+            </a:r>
+            <a:endParaRPr lang="en-US" altLang="zh-CN" sz="1100" smtClean="0">
+              <a:solidFill>
+                <a:schemeClr val="bg1">
+                  <a:lumMod val="50000"/>
+                </a:schemeClr>
+              </a:solidFill>
+              <a:latin typeface="Microsoft YaHei Mono" pitchFamily="49" charset="-122"/>
+              <a:ea typeface="Microsoft YaHei Mono" pitchFamily="49" charset="-122"/>
+            </a:endParaRPr>
+          </a:p>
+          <a:p>
+            <a:r>
+              <a:rPr lang="en-US" altLang="zh-CN" sz="1100" smtClean="0">
+                <a:solidFill>
+                  <a:schemeClr val="bg1">
+                    <a:lumMod val="50000"/>
+                  </a:schemeClr>
+                </a:solidFill>
+                <a:latin typeface="Microsoft YaHei Mono" pitchFamily="49" charset="-122"/>
+                <a:ea typeface="Microsoft YaHei Mono" pitchFamily="49" charset="-122"/>
+              </a:rPr>
+              <a:t>tcpdump </a:t>
+            </a:r>
+            <a:r>
+              <a:rPr lang="en-US" altLang="zh-CN" sz="1100">
+                <a:solidFill>
+                  <a:schemeClr val="bg1">
+                    <a:lumMod val="50000"/>
+                  </a:schemeClr>
+                </a:solidFill>
+                <a:latin typeface="Microsoft YaHei Mono" pitchFamily="49" charset="-122"/>
+                <a:ea typeface="Microsoft YaHei Mono" pitchFamily="49" charset="-122"/>
+              </a:rPr>
+              <a:t>-i / -i -msd  / -i -msd </a:t>
+            </a:r>
+            <a:r>
+              <a:rPr lang="en-US" altLang="zh-CN" sz="1100">
+                <a:solidFill>
+                  <a:schemeClr val="bg1">
+                    <a:lumMod val="50000"/>
+                  </a:schemeClr>
+                </a:solidFill>
+                <a:latin typeface="Microsoft YaHei Mono" pitchFamily="49" charset="-122"/>
+                <a:ea typeface="Microsoft YaHei Mono" pitchFamily="49" charset="-122"/>
+              </a:rPr>
+              <a:t>-</a:t>
+            </a:r>
+            <a:r>
+              <a:rPr lang="en-US" altLang="zh-CN" sz="1100" smtClean="0">
+                <a:solidFill>
+                  <a:schemeClr val="bg1">
+                    <a:lumMod val="50000"/>
+                  </a:schemeClr>
+                </a:solidFill>
+                <a:latin typeface="Microsoft YaHei Mono" pitchFamily="49" charset="-122"/>
+                <a:ea typeface="Microsoft YaHei Mono" pitchFamily="49" charset="-122"/>
+              </a:rPr>
+              <a:t>wtext.pcap</a:t>
+            </a:r>
+          </a:p>
+        </p:txBody>
+      </p:sp>
+    </p:spTree>
+    <p:extLst>
+      <p:ext uri="{BB962C8B-B14F-4D97-AF65-F5344CB8AC3E}">
+        <p14:creationId xmlns:p14="http://schemas.microsoft.com/office/powerpoint/2010/main" val="4125743025"/>
+      </p:ext>
+    </p:extLst>
+  </p:cSld>
+  <p:clrMapOvr>
+    <a:masterClrMapping/>
+  </p:clrMapOvr>
+</p:sld>
+</file>
+
+<file path=ppt/slides/slide8.xml><?xml version="1.0" encoding="utf-8"?>
+<p:sld xmlns:a="http://schemas.openxmlformats.org/drawingml/2006/main" xmlns:r="http://schemas.openxmlformats.org/officeDocument/2006/relationships" xmlns:p="http://schemas.openxmlformats.org/presentationml/2006/main">
+  <p:cSld>
+    <p:spTree>
+      <p:nvGrpSpPr>
+        <p:cNvPr id="1" name=""/>
+        <p:cNvGrpSpPr/>
+        <p:nvPr/>
+      </p:nvGrpSpPr>
+      <p:grpSpPr>
+        <a:xfrm>
+          <a:off x="0" y="0"/>
+          <a:ext cx="0" cy="0"/>
+          <a:chOff x="0" y="0"/>
+          <a:chExt cx="0" cy="0"/>
+        </a:xfrm>
+      </p:grpSpPr>
+      <p:sp>
+        <p:nvSpPr>
+          <p:cNvPr id="2" name="标题 1"/>
+          <p:cNvSpPr>
+            <a:spLocks noGrp="1"/>
+          </p:cNvSpPr>
+          <p:nvPr>
+            <p:ph type="title"/>
+          </p:nvPr>
+        </p:nvSpPr>
+        <p:spPr/>
+        <p:txBody>
+          <a:bodyPr/>
+          <a:lstStyle/>
+          <a:p>
+            <a:r>
+              <a:rPr lang="en-US" altLang="zh-CN">
+                <a:latin typeface="+mn-ea"/>
+                <a:ea typeface="+mn-ea"/>
+              </a:rPr>
+              <a:t>t</a:t>
+            </a:r>
+            <a:r>
+              <a:rPr lang="en-US" altLang="zh-CN" smtClean="0">
+                <a:latin typeface="+mn-ea"/>
+                <a:ea typeface="+mn-ea"/>
+              </a:rPr>
+              <a:t>cpdump-</a:t>
+            </a:r>
+            <a:r>
+              <a:rPr lang="zh-CN" altLang="en-US" smtClean="0">
+                <a:latin typeface="+mn-ea"/>
+                <a:ea typeface="+mn-ea"/>
+              </a:rPr>
+              <a:t>程序流程图</a:t>
+            </a:r>
+            <a:endParaRPr lang="zh-CN" altLang="en-US">
+              <a:latin typeface="+mn-ea"/>
+              <a:ea typeface="+mn-ea"/>
+            </a:endParaRPr>
+          </a:p>
+        </p:txBody>
+      </p:sp>
+      <p:sp>
+        <p:nvSpPr>
+          <p:cNvPr id="5" name="圆角矩形 4"/>
           <p:cNvSpPr/>
           <p:nvPr/>
         </p:nvSpPr>
         <p:spPr>
           <a:xfrm>
-            <a:off x="1055440" y="2379916"/>
-            <a:ext cx="2376263" cy="564562"/>
+            <a:off x="2171564" y="3240670"/>
+            <a:ext cx="1296144" cy="457200"/>
           </a:xfrm>
           <a:prstGeom prst="roundRect">
             <a:avLst/>
@@ -10488,16 +12312,16 @@
         </p:spPr>
         <p:style>
           <a:lnRef idx="1">
-            <a:schemeClr val="accent3"/>
+            <a:schemeClr val="accent5"/>
           </a:lnRef>
-          <a:fillRef idx="2">
-            <a:schemeClr val="accent3"/>
+          <a:fillRef idx="3">
+            <a:schemeClr val="accent5"/>
           </a:fillRef>
-          <a:effectRef idx="1">
-            <a:schemeClr val="accent3"/>
+          <a:effectRef idx="2">
+            <a:schemeClr val="accent5"/>
           </a:effectRef>
           <a:fontRef idx="minor">
-            <a:schemeClr val="dk1"/>
+            <a:schemeClr val="lt1"/>
           </a:fontRef>
         </p:style>
         <p:txBody>
@@ -10506,41 +12330,20 @@
           <a:p>
             <a:pPr algn="ctr"/>
             <a:r>
-              <a:rPr lang="zh-CN" altLang="en-US" sz="1400">
-                <a:latin typeface="Microsoft YaHei Mono" pitchFamily="49" charset="-122"/>
-                <a:ea typeface="Microsoft YaHei Mono" pitchFamily="49" charset="-122"/>
-              </a:rPr>
-              <a:t>邮箱</a:t>
-            </a:r>
-            <a:r>
-              <a:rPr lang="zh-CN" altLang="en-US" sz="1400" smtClean="0">
-                <a:latin typeface="Microsoft YaHei Mono" pitchFamily="49" charset="-122"/>
-                <a:ea typeface="Microsoft YaHei Mono" pitchFamily="49" charset="-122"/>
-              </a:rPr>
-              <a:t>接收</a:t>
-            </a:r>
-            <a:r>
-              <a:rPr lang="en-US" altLang="zh-CN" sz="1400" smtClean="0">
-                <a:latin typeface="Microsoft YaHei Mono" pitchFamily="49" charset="-122"/>
-                <a:ea typeface="Microsoft YaHei Mono" pitchFamily="49" charset="-122"/>
-              </a:rPr>
-              <a:t>packet</a:t>
-            </a:r>
-            <a:r>
-              <a:rPr lang="zh-CN" altLang="en-US" sz="1400" smtClean="0">
-                <a:latin typeface="Microsoft YaHei Mono" pitchFamily="49" charset="-122"/>
-                <a:ea typeface="Microsoft YaHei Mono" pitchFamily="49" charset="-122"/>
-              </a:rPr>
-              <a:t>：</a:t>
-            </a:r>
-            <a:r>
-              <a:rPr lang="en-US" altLang="zh-CN" sz="1400" smtClean="0">
-                <a:latin typeface="Microsoft YaHei Mono" pitchFamily="49" charset="-122"/>
-                <a:ea typeface="Microsoft YaHei Mono" pitchFamily="49" charset="-122"/>
-              </a:rPr>
-              <a:t>rt_mq_recv</a:t>
-            </a:r>
-            <a:endParaRPr lang="zh-CN" altLang="en-US" sz="1400">
+              <a:rPr lang="en-US" altLang="zh-CN" sz="1200">
+                <a:latin typeface="Microsoft YaHei Mono" pitchFamily="49" charset="-122"/>
+                <a:ea typeface="Microsoft YaHei Mono" pitchFamily="49" charset="-122"/>
+              </a:rPr>
+              <a:t>t</a:t>
+            </a:r>
+            <a:r>
+              <a:rPr lang="en-US" altLang="zh-CN" sz="1200" smtClean="0">
+                <a:latin typeface="Microsoft YaHei Mono" pitchFamily="49" charset="-122"/>
+                <a:ea typeface="Microsoft YaHei Mono" pitchFamily="49" charset="-122"/>
+              </a:rPr>
+              <a:t>cpdump init</a:t>
+            </a:r>
+            <a:endParaRPr lang="zh-CN" altLang="en-US" sz="1200">
               <a:latin typeface="Microsoft YaHei Mono" pitchFamily="49" charset="-122"/>
               <a:ea typeface="Microsoft YaHei Mono" pitchFamily="49" charset="-122"/>
             </a:endParaRPr>
@@ -10549,14 +12352,14 @@
       </p:sp>
       <p:sp>
         <p:nvSpPr>
-          <p:cNvPr id="22" name="圆角矩形 21"/>
+          <p:cNvPr id="6" name="圆角矩形 5"/>
           <p:cNvSpPr/>
           <p:nvPr/>
         </p:nvSpPr>
         <p:spPr>
           <a:xfrm>
-            <a:off x="4295800" y="2379914"/>
-            <a:ext cx="2376264" cy="564562"/>
+            <a:off x="7459273" y="3244786"/>
+            <a:ext cx="1042706" cy="457200"/>
           </a:xfrm>
           <a:prstGeom prst="roundRect">
             <a:avLst/>
@@ -10564,16 +12367,16 @@
         </p:spPr>
         <p:style>
           <a:lnRef idx="1">
-            <a:schemeClr val="accent3"/>
+            <a:schemeClr val="accent5"/>
           </a:lnRef>
-          <a:fillRef idx="2">
-            <a:schemeClr val="accent3"/>
+          <a:fillRef idx="3">
+            <a:schemeClr val="accent5"/>
           </a:fillRef>
-          <a:effectRef idx="1">
-            <a:schemeClr val="accent3"/>
+          <a:effectRef idx="2">
+            <a:schemeClr val="accent5"/>
           </a:effectRef>
           <a:fontRef idx="minor">
-            <a:schemeClr val="dk1"/>
+            <a:schemeClr val="lt1"/>
           </a:fontRef>
         </p:style>
         <p:txBody>
@@ -10586,7 +12389,7 @@
                 <a:latin typeface="Microsoft YaHei Mono" pitchFamily="49" charset="-122"/>
                 <a:ea typeface="Microsoft YaHei Mono" pitchFamily="49" charset="-122"/>
               </a:rPr>
-              <a:t>写数据报头</a:t>
+              <a:t>写</a:t>
             </a:r>
             <a:r>
               <a:rPr lang="en-US" altLang="zh-CN" sz="1200" smtClean="0">
@@ -10604,14 +12407,14 @@
       </p:sp>
       <p:sp>
         <p:nvSpPr>
-          <p:cNvPr id="26" name="圆角矩形 25"/>
+          <p:cNvPr id="7" name="圆角矩形 6"/>
           <p:cNvSpPr/>
           <p:nvPr/>
         </p:nvSpPr>
         <p:spPr>
           <a:xfrm>
-            <a:off x="7464152" y="2379916"/>
-            <a:ext cx="2376263" cy="564562"/>
+            <a:off x="8916729" y="3248902"/>
+            <a:ext cx="1010853" cy="453084"/>
           </a:xfrm>
           <a:prstGeom prst="roundRect">
             <a:avLst/>
@@ -10619,16 +12422,16 @@
         </p:spPr>
         <p:style>
           <a:lnRef idx="1">
-            <a:schemeClr val="accent3"/>
+            <a:schemeClr val="accent5"/>
           </a:lnRef>
-          <a:fillRef idx="2">
-            <a:schemeClr val="accent3"/>
+          <a:fillRef idx="3">
+            <a:schemeClr val="accent5"/>
           </a:fillRef>
-          <a:effectRef idx="1">
-            <a:schemeClr val="accent3"/>
+          <a:effectRef idx="2">
+            <a:schemeClr val="accent5"/>
           </a:effectRef>
           <a:fontRef idx="minor">
-            <a:schemeClr val="dk1"/>
+            <a:schemeClr val="lt1"/>
           </a:fontRef>
         </p:style>
         <p:txBody>
@@ -10648,7 +12451,14 @@
                 <a:latin typeface="Microsoft YaHei Mono" pitchFamily="49" charset="-122"/>
                 <a:ea typeface="Microsoft YaHei Mono" pitchFamily="49" charset="-122"/>
               </a:rPr>
-              <a:t>packet</a:t>
+              <a:t>ip</a:t>
+            </a:r>
+            <a:r>
+              <a:rPr lang="zh-CN" altLang="en-US" sz="1200" smtClean="0">
+                <a:latin typeface="Microsoft YaHei Mono" pitchFamily="49" charset="-122"/>
+                <a:ea typeface="Microsoft YaHei Mono" pitchFamily="49" charset="-122"/>
+              </a:rPr>
+              <a:t>报文</a:t>
             </a:r>
             <a:endParaRPr lang="zh-CN" altLang="en-US" sz="1200">
               <a:latin typeface="Microsoft YaHei Mono" pitchFamily="49" charset="-122"/>
@@ -10659,99 +12469,14 @@
       </p:sp>
       <p:sp>
         <p:nvSpPr>
-          <p:cNvPr id="27" name="圆角矩形 26"/>
+          <p:cNvPr id="8" name="圆角矩形 7"/>
           <p:cNvSpPr/>
           <p:nvPr/>
         </p:nvSpPr>
         <p:spPr>
           <a:xfrm>
-            <a:off x="623392" y="1556792"/>
-            <a:ext cx="10081120" cy="4752528"/>
-          </a:xfrm>
-          <a:prstGeom prst="roundRect">
-            <a:avLst/>
-          </a:prstGeom>
-          <a:noFill/>
-        </p:spPr>
-        <p:style>
-          <a:lnRef idx="2">
-            <a:schemeClr val="accent2"/>
-          </a:lnRef>
-          <a:fillRef idx="1">
-            <a:schemeClr val="lt1"/>
-          </a:fillRef>
-          <a:effectRef idx="0">
-            <a:schemeClr val="accent2"/>
-          </a:effectRef>
-          <a:fontRef idx="minor">
-            <a:schemeClr val="dk1"/>
-          </a:fontRef>
-        </p:style>
-        <p:txBody>
-          <a:bodyPr rtlCol="0" anchor="t"/>
-          <a:lstStyle/>
-          <a:p>
-            <a:pPr algn="ctr"/>
-            <a:r>
-              <a:rPr lang="en-US" altLang="zh-CN" sz="1400">
-                <a:solidFill>
-                  <a:schemeClr val="accent2"/>
-                </a:solidFill>
-                <a:latin typeface="Microsoft YaHei Mono" pitchFamily="49" charset="-122"/>
-                <a:ea typeface="Microsoft YaHei Mono" pitchFamily="49" charset="-122"/>
-              </a:rPr>
-              <a:t>tcpdump</a:t>
-            </a:r>
-            <a:r>
-              <a:rPr lang="zh-CN" altLang="en-US" sz="1400">
-                <a:solidFill>
-                  <a:schemeClr val="accent2"/>
-                </a:solidFill>
-                <a:latin typeface="Microsoft YaHei Mono" pitchFamily="49" charset="-122"/>
-                <a:ea typeface="Microsoft YaHei Mono" pitchFamily="49" charset="-122"/>
-              </a:rPr>
-              <a:t>线程</a:t>
-            </a:r>
-            <a:r>
-              <a:rPr lang="zh-CN" altLang="en-US" sz="1400" smtClean="0">
-                <a:solidFill>
-                  <a:schemeClr val="accent2"/>
-                </a:solidFill>
-                <a:latin typeface="Microsoft YaHei Mono" pitchFamily="49" charset="-122"/>
-                <a:ea typeface="Microsoft YaHei Mono" pitchFamily="49" charset="-122"/>
-              </a:rPr>
-              <a:t>入口：</a:t>
-            </a:r>
-            <a:r>
-              <a:rPr lang="en-US" altLang="zh-CN" sz="1400" smtClean="0">
-                <a:solidFill>
-                  <a:schemeClr val="accent2"/>
-                </a:solidFill>
-                <a:latin typeface="Microsoft YaHei Mono" pitchFamily="49" charset="-122"/>
-                <a:ea typeface="Microsoft YaHei Mono" pitchFamily="49" charset="-122"/>
-              </a:rPr>
-              <a:t>rt_tcpdump_thread_entry</a:t>
-            </a:r>
-            <a:endParaRPr lang="zh-CN" altLang="en-US" sz="1400">
-              <a:solidFill>
-                <a:schemeClr val="accent2"/>
-              </a:solidFill>
-              <a:latin typeface="Microsoft YaHei Mono" pitchFamily="49" charset="-122"/>
-              <a:ea typeface="Microsoft YaHei Mono" pitchFamily="49" charset="-122"/>
-            </a:endParaRPr>
-          </a:p>
-        </p:txBody>
-      </p:sp>
-      <p:sp>
-        <p:nvSpPr>
-          <p:cNvPr id="32" name="圆角矩形 31"/>
-          <p:cNvSpPr/>
-          <p:nvPr/>
-        </p:nvSpPr>
-        <p:spPr>
-          <a:xfrm>
-            <a:off x="7466338" y="3969973"/>
-            <a:ext cx="2374077" cy="564562"/>
+            <a:off x="5892393" y="3244786"/>
+            <a:ext cx="1101634" cy="457200"/>
           </a:xfrm>
           <a:prstGeom prst="roundRect">
             <a:avLst/>
@@ -10759,16 +12484,16 @@
         </p:spPr>
         <p:style>
           <a:lnRef idx="1">
-            <a:schemeClr val="accent3"/>
+            <a:schemeClr val="accent5"/>
           </a:lnRef>
-          <a:fillRef idx="2">
-            <a:schemeClr val="accent3"/>
+          <a:fillRef idx="3">
+            <a:schemeClr val="accent5"/>
           </a:fillRef>
-          <a:effectRef idx="1">
-            <a:schemeClr val="accent3"/>
+          <a:effectRef idx="2">
+            <a:schemeClr val="accent5"/>
           </a:effectRef>
           <a:fontRef idx="minor">
-            <a:schemeClr val="dk1"/>
+            <a:schemeClr val="lt1"/>
           </a:fontRef>
         </p:style>
         <p:txBody>
@@ -10781,21 +12506,14 @@
                 <a:latin typeface="Microsoft YaHei Mono" pitchFamily="49" charset="-122"/>
                 <a:ea typeface="Microsoft YaHei Mono" pitchFamily="49" charset="-122"/>
               </a:rPr>
-              <a:t>保存</a:t>
+              <a:t>邮箱接收</a:t>
             </a:r>
             <a:r>
               <a:rPr lang="en-US" altLang="zh-CN" sz="1200" smtClean="0">
                 <a:latin typeface="Microsoft YaHei Mono" pitchFamily="49" charset="-122"/>
                 <a:ea typeface="Microsoft YaHei Mono" pitchFamily="49" charset="-122"/>
               </a:rPr>
-              <a:t>SD</a:t>
-            </a:r>
-            <a:r>
-              <a:rPr lang="zh-CN" altLang="en-US" sz="1200" smtClean="0">
-                <a:latin typeface="Microsoft YaHei Mono" pitchFamily="49" charset="-122"/>
-                <a:ea typeface="Microsoft YaHei Mono" pitchFamily="49" charset="-122"/>
-              </a:rPr>
-              <a:t>卡</a:t>
+              <a:t>pbuf</a:t>
             </a:r>
             <a:endParaRPr lang="zh-CN" altLang="en-US" sz="1200">
               <a:latin typeface="Microsoft YaHei Mono" pitchFamily="49" charset="-122"/>
@@ -10804,162 +12522,85 @@
           </a:p>
         </p:txBody>
       </p:sp>
-      <p:cxnSp>
-        <p:nvCxnSpPr>
-          <p:cNvPr id="6" name="直接箭头连接符 5"/>
-          <p:cNvCxnSpPr>
-            <a:stCxn id="9" idx="3"/>
-            <a:endCxn id="22" idx="1"/>
-          </p:cNvCxnSpPr>
+      <p:sp>
+        <p:nvSpPr>
+          <p:cNvPr id="25" name="圆角矩形 24"/>
+          <p:cNvSpPr/>
           <p:nvPr/>
-        </p:nvCxnSpPr>
+        </p:nvSpPr>
         <p:spPr>
-          <a:xfrm flipV="1">
-            <a:off x="3431703" y="2662195"/>
-            <a:ext cx="864097" cy="2"/>
+          <a:xfrm>
+            <a:off x="10428897" y="4616493"/>
+            <a:ext cx="1355735" cy="457200"/>
           </a:xfrm>
-          <a:prstGeom prst="straightConnector1">
+          <a:prstGeom prst="roundRect">
             <a:avLst/>
           </a:prstGeom>
-          <a:ln>
-            <a:tailEnd type="arrow"/>
-          </a:ln>
-        </p:spPr>
-        <p:style>
-          <a:lnRef idx="1">
-            <a:schemeClr val="accent2"/>
-          </a:lnRef>
-          <a:fillRef idx="0">
-            <a:schemeClr val="accent2"/>
-          </a:fillRef>
-          <a:effectRef idx="0">
-            <a:schemeClr val="accent2"/>
-          </a:effectRef>
-          <a:fontRef idx="minor">
-            <a:schemeClr val="tx1"/>
-          </a:fontRef>
-        </p:style>
-      </p:cxnSp>
-      <p:cxnSp>
-        <p:nvCxnSpPr>
-          <p:cNvPr id="8" name="直接箭头连接符 7"/>
-          <p:cNvCxnSpPr>
-            <a:stCxn id="22" idx="3"/>
-            <a:endCxn id="26" idx="1"/>
-          </p:cNvCxnSpPr>
-          <p:nvPr/>
-        </p:nvCxnSpPr>
-        <p:spPr>
-          <a:xfrm>
-            <a:off x="6672064" y="2662195"/>
-            <a:ext cx="792088" cy="2"/>
-          </a:xfrm>
-          <a:prstGeom prst="straightConnector1">
-            <a:avLst/>
-          </a:prstGeom>
-          <a:ln>
-            <a:tailEnd type="arrow"/>
-          </a:ln>
-        </p:spPr>
-        <p:style>
-          <a:lnRef idx="1">
-            <a:schemeClr val="accent2"/>
-          </a:lnRef>
-          <a:fillRef idx="0">
-            <a:schemeClr val="accent2"/>
-          </a:fillRef>
-          <a:effectRef idx="0">
-            <a:schemeClr val="accent2"/>
-          </a:effectRef>
-          <a:fontRef idx="minor">
-            <a:schemeClr val="tx1"/>
-          </a:fontRef>
-        </p:style>
-      </p:cxnSp>
-      <p:cxnSp>
-        <p:nvCxnSpPr>
-          <p:cNvPr id="14" name="直接箭头连接符 13"/>
-          <p:cNvCxnSpPr>
-            <a:stCxn id="26" idx="2"/>
-            <a:endCxn id="32" idx="0"/>
-          </p:cNvCxnSpPr>
-          <p:nvPr/>
-        </p:nvCxnSpPr>
-        <p:spPr>
-          <a:xfrm>
-            <a:off x="8652284" y="2944478"/>
-            <a:ext cx="1093" cy="1025495"/>
-          </a:xfrm>
-          <a:prstGeom prst="straightConnector1">
-            <a:avLst/>
-          </a:prstGeom>
-          <a:ln>
-            <a:tailEnd type="arrow"/>
-          </a:ln>
         </p:spPr>
         <p:style>
           <a:lnRef idx="1">
             <a:schemeClr val="accent5"/>
           </a:lnRef>
-          <a:fillRef idx="0">
+          <a:fillRef idx="3">
             <a:schemeClr val="accent5"/>
           </a:fillRef>
-          <a:effectRef idx="0">
+          <a:effectRef idx="2">
             <a:schemeClr val="accent5"/>
           </a:effectRef>
           <a:fontRef idx="minor">
-            <a:schemeClr val="tx1"/>
+            <a:schemeClr val="lt1"/>
           </a:fontRef>
         </p:style>
-      </p:cxnSp>
-      <p:cxnSp>
-        <p:nvCxnSpPr>
-          <p:cNvPr id="17" name="肘形连接符 16"/>
-          <p:cNvCxnSpPr>
-            <a:stCxn id="26" idx="2"/>
-            <a:endCxn id="9" idx="2"/>
-          </p:cNvCxnSpPr>
-          <p:nvPr/>
-        </p:nvCxnSpPr>
-        <p:spPr>
-          <a:xfrm rot="5400000">
-            <a:off x="5447928" y="-259878"/>
-            <a:ext cx="12700" cy="6408712"/>
-          </a:xfrm>
-          <a:prstGeom prst="bentConnector3">
-            <a:avLst>
-              <a:gd name="adj1" fmla="val 3834780"/>
-            </a:avLst>
-          </a:prstGeom>
-          <a:ln>
-            <a:tailEnd type="arrow"/>
-          </a:ln>
-        </p:spPr>
-        <p:style>
-          <a:lnRef idx="1">
-            <a:schemeClr val="accent2"/>
-          </a:lnRef>
-          <a:fillRef idx="0">
-            <a:schemeClr val="accent2"/>
-          </a:fillRef>
-          <a:effectRef idx="0">
-            <a:schemeClr val="accent2"/>
-          </a:effectRef>
-          <a:fontRef idx="minor">
-            <a:schemeClr val="tx1"/>
-          </a:fontRef>
-        </p:style>
-      </p:cxnSp>
+        <p:txBody>
+          <a:bodyPr rtlCol="0" anchor="ctr"/>
+          <a:lstStyle/>
+          <a:p>
+            <a:pPr algn="ctr"/>
+            <a:r>
+              <a:rPr lang="en-US" altLang="zh-CN" sz="1200">
+                <a:latin typeface="Microsoft YaHei Mono" pitchFamily="49" charset="-122"/>
+                <a:ea typeface="Microsoft YaHei Mono" pitchFamily="49" charset="-122"/>
+              </a:rPr>
+              <a:t>p</a:t>
+            </a:r>
+            <a:r>
+              <a:rPr lang="en-US" altLang="zh-CN" sz="1200" smtClean="0">
+                <a:latin typeface="Microsoft YaHei Mono" pitchFamily="49" charset="-122"/>
+                <a:ea typeface="Microsoft YaHei Mono" pitchFamily="49" charset="-122"/>
+              </a:rPr>
+              <a:t>cap</a:t>
+            </a:r>
+            <a:r>
+              <a:rPr lang="zh-CN" altLang="en-US" sz="1200" smtClean="0">
+                <a:latin typeface="Microsoft YaHei Mono" pitchFamily="49" charset="-122"/>
+                <a:ea typeface="Microsoft YaHei Mono" pitchFamily="49" charset="-122"/>
+              </a:rPr>
+              <a:t>文件保存</a:t>
+            </a:r>
+            <a:r>
+              <a:rPr lang="en-US" altLang="zh-CN" sz="1200" smtClean="0">
+                <a:latin typeface="Microsoft YaHei Mono" pitchFamily="49" charset="-122"/>
+                <a:ea typeface="Microsoft YaHei Mono" pitchFamily="49" charset="-122"/>
+              </a:rPr>
+              <a:t>sd-card</a:t>
+            </a:r>
+            <a:endParaRPr lang="zh-CN" altLang="en-US" sz="1200">
+              <a:latin typeface="Microsoft YaHei Mono" pitchFamily="49" charset="-122"/>
+              <a:ea typeface="Microsoft YaHei Mono" pitchFamily="49" charset="-122"/>
+            </a:endParaRPr>
+          </a:p>
+        </p:txBody>
+      </p:sp>
       <p:sp>
         <p:nvSpPr>
-          <p:cNvPr id="31" name="TextBox 30"/>
+          <p:cNvPr id="29" name="TextBox 28"/>
           <p:cNvSpPr txBox="1"/>
           <p:nvPr/>
         </p:nvSpPr>
         <p:spPr>
           <a:xfrm>
-            <a:off x="8721485" y="3662196"/>
-            <a:ext cx="1866217" cy="307777"/>
+            <a:off x="6443210" y="4152522"/>
+            <a:ext cx="3498073" cy="276999"/>
           </a:xfrm>
           <a:prstGeom prst="rect">
             <a:avLst/>
@@ -10973,9 +12614,11 @@
           <a:lstStyle/>
           <a:p>
             <a:r>
-              <a:rPr lang="en-US" altLang="zh-CN" sz="1400">
-                <a:solidFill>
-                  <a:srgbClr val="00B0F0"/>
+              <a:rPr lang="en-US" altLang="zh-CN" sz="1200">
+                <a:solidFill>
+                  <a:schemeClr val="accent6">
+                    <a:lumMod val="75000"/>
+                  </a:schemeClr>
                 </a:solidFill>
                 <a:latin typeface="Microsoft YaHei Mono" pitchFamily="49" charset="-122"/>
                 <a:ea typeface="Microsoft YaHei Mono" pitchFamily="49" charset="-122"/>
@@ -10983,9 +12626,11 @@
               <a:t>m</a:t>
             </a:r>
             <a:r>
-              <a:rPr lang="en-US" altLang="zh-CN" sz="1400" smtClean="0">
-                <a:solidFill>
-                  <a:srgbClr val="00B0F0"/>
+              <a:rPr lang="en-US" altLang="zh-CN" sz="1200" smtClean="0">
+                <a:solidFill>
+                  <a:schemeClr val="accent6">
+                    <a:lumMod val="75000"/>
+                  </a:schemeClr>
                 </a:solidFill>
                 <a:latin typeface="Microsoft YaHei Mono" pitchFamily="49" charset="-122"/>
                 <a:ea typeface="Microsoft YaHei Mono" pitchFamily="49" charset="-122"/>
@@ -10993,38 +12638,22 @@
               <a:t>sh</a:t>
             </a:r>
             <a:r>
-              <a:rPr lang="zh-CN" altLang="en-US" sz="1400" smtClean="0">
-                <a:solidFill>
-                  <a:srgbClr val="00B0F0"/>
-                </a:solidFill>
-                <a:latin typeface="Microsoft YaHei Mono" pitchFamily="49" charset="-122"/>
-                <a:ea typeface="Microsoft YaHei Mono" pitchFamily="49" charset="-122"/>
-              </a:rPr>
-              <a:t>接收到</a:t>
-            </a:r>
-            <a:r>
-              <a:rPr lang="en-US" altLang="zh-CN" sz="1400" smtClean="0">
-                <a:solidFill>
-                  <a:srgbClr val="00B0F0"/>
-                </a:solidFill>
-                <a:latin typeface="Microsoft YaHei Mono" pitchFamily="49" charset="-122"/>
-                <a:ea typeface="Microsoft YaHei Mono" pitchFamily="49" charset="-122"/>
-              </a:rPr>
-              <a:t>stop</a:t>
-            </a:r>
-            <a:r>
-              <a:rPr lang="zh-CN" altLang="en-US" sz="1400" smtClean="0">
-                <a:solidFill>
-                  <a:srgbClr val="00B0F0"/>
-                </a:solidFill>
-                <a:latin typeface="Microsoft YaHei Mono" pitchFamily="49" charset="-122"/>
-                <a:ea typeface="Microsoft YaHei Mono" pitchFamily="49" charset="-122"/>
-              </a:rPr>
-              <a:t>命令</a:t>
-            </a:r>
-            <a:endParaRPr lang="zh-CN" altLang="en-US" sz="1400">
+              <a:rPr lang="zh-CN" altLang="en-US" sz="1200" smtClean="0">
+                <a:solidFill>
+                  <a:schemeClr val="accent6">
+                    <a:lumMod val="75000"/>
+                  </a:schemeClr>
+                </a:solidFill>
+                <a:latin typeface="Microsoft YaHei Mono" pitchFamily="49" charset="-122"/>
+                <a:ea typeface="Microsoft YaHei Mono" pitchFamily="49" charset="-122"/>
+              </a:rPr>
+              <a:t>没发起停止，挂起线程，等待下一个邮件</a:t>
+            </a:r>
+            <a:endParaRPr lang="zh-CN" altLang="en-US" sz="1200">
               <a:solidFill>
-                <a:srgbClr val="00B0F0"/>
+                <a:schemeClr val="accent6">
+                  <a:lumMod val="75000"/>
+                </a:schemeClr>
               </a:solidFill>
               <a:latin typeface="Microsoft YaHei Mono" pitchFamily="49" charset="-122"/>
               <a:ea typeface="Microsoft YaHei Mono" pitchFamily="49" charset="-122"/>
@@ -11032,23 +12661,1500 @@
           </a:p>
         </p:txBody>
       </p:sp>
+      <p:sp>
+        <p:nvSpPr>
+          <p:cNvPr id="52" name="圆角矩形 51"/>
+          <p:cNvSpPr/>
+          <p:nvPr/>
+        </p:nvSpPr>
+        <p:spPr>
+          <a:xfrm>
+            <a:off x="491793" y="5538008"/>
+            <a:ext cx="1343314" cy="457200"/>
+          </a:xfrm>
+          <a:prstGeom prst="roundRect">
+            <a:avLst/>
+          </a:prstGeom>
+        </p:spPr>
+        <p:style>
+          <a:lnRef idx="1">
+            <a:schemeClr val="dk1"/>
+          </a:lnRef>
+          <a:fillRef idx="2">
+            <a:schemeClr val="dk1"/>
+          </a:fillRef>
+          <a:effectRef idx="1">
+            <a:schemeClr val="dk1"/>
+          </a:effectRef>
+          <a:fontRef idx="minor">
+            <a:schemeClr val="dk1"/>
+          </a:fontRef>
+        </p:style>
+        <p:txBody>
+          <a:bodyPr rtlCol="0" anchor="ctr"/>
+          <a:lstStyle/>
+          <a:p>
+            <a:pPr algn="ctr"/>
+            <a:r>
+              <a:rPr lang="en-US" altLang="zh-CN" sz="1200">
+                <a:latin typeface="Microsoft YaHei Mono" pitchFamily="49" charset="-122"/>
+                <a:ea typeface="Microsoft YaHei Mono" pitchFamily="49" charset="-122"/>
+              </a:rPr>
+              <a:t>t</a:t>
+            </a:r>
+            <a:r>
+              <a:rPr lang="en-US" altLang="zh-CN" sz="1200" smtClean="0">
+                <a:latin typeface="Microsoft YaHei Mono" pitchFamily="49" charset="-122"/>
+                <a:ea typeface="Microsoft YaHei Mono" pitchFamily="49" charset="-122"/>
+              </a:rPr>
+              <a:t>cpdump -h</a:t>
+            </a:r>
+            <a:endParaRPr lang="zh-CN" altLang="en-US" sz="1200">
+              <a:latin typeface="Microsoft YaHei Mono" pitchFamily="49" charset="-122"/>
+              <a:ea typeface="Microsoft YaHei Mono" pitchFamily="49" charset="-122"/>
+            </a:endParaRPr>
+          </a:p>
+        </p:txBody>
+      </p:sp>
+      <p:sp>
+        <p:nvSpPr>
+          <p:cNvPr id="53" name="圆角矩形 52"/>
+          <p:cNvSpPr/>
+          <p:nvPr/>
+        </p:nvSpPr>
+        <p:spPr>
+          <a:xfrm>
+            <a:off x="491792" y="4616493"/>
+            <a:ext cx="1343315" cy="457200"/>
+          </a:xfrm>
+          <a:prstGeom prst="roundRect">
+            <a:avLst/>
+          </a:prstGeom>
+        </p:spPr>
+        <p:style>
+          <a:lnRef idx="1">
+            <a:schemeClr val="accent2"/>
+          </a:lnRef>
+          <a:fillRef idx="2">
+            <a:schemeClr val="accent2"/>
+          </a:fillRef>
+          <a:effectRef idx="1">
+            <a:schemeClr val="accent2"/>
+          </a:effectRef>
+          <a:fontRef idx="minor">
+            <a:schemeClr val="dk1"/>
+          </a:fontRef>
+        </p:style>
+        <p:txBody>
+          <a:bodyPr rtlCol="0" anchor="ctr"/>
+          <a:lstStyle/>
+          <a:p>
+            <a:pPr algn="ctr"/>
+            <a:r>
+              <a:rPr lang="en-US" altLang="zh-CN" sz="1400">
+                <a:latin typeface="Microsoft YaHei Mono" pitchFamily="49" charset="-122"/>
+                <a:ea typeface="Microsoft YaHei Mono" pitchFamily="49" charset="-122"/>
+              </a:rPr>
+              <a:t>t</a:t>
+            </a:r>
+            <a:r>
+              <a:rPr lang="en-US" altLang="zh-CN" sz="1400" smtClean="0">
+                <a:latin typeface="Microsoft YaHei Mono" pitchFamily="49" charset="-122"/>
+                <a:ea typeface="Microsoft YaHei Mono" pitchFamily="49" charset="-122"/>
+              </a:rPr>
+              <a:t>cpdump -p</a:t>
+            </a:r>
+            <a:endParaRPr lang="zh-CN" altLang="en-US" sz="1400">
+              <a:latin typeface="Microsoft YaHei Mono" pitchFamily="49" charset="-122"/>
+              <a:ea typeface="Microsoft YaHei Mono" pitchFamily="49" charset="-122"/>
+            </a:endParaRPr>
+          </a:p>
+        </p:txBody>
+      </p:sp>
+      <p:sp>
+        <p:nvSpPr>
+          <p:cNvPr id="54" name="圆角矩形 53"/>
+          <p:cNvSpPr/>
+          <p:nvPr/>
+        </p:nvSpPr>
+        <p:spPr>
+          <a:xfrm>
+            <a:off x="491793" y="2416147"/>
+            <a:ext cx="1343315" cy="457200"/>
+          </a:xfrm>
+          <a:prstGeom prst="roundRect">
+            <a:avLst/>
+          </a:prstGeom>
+        </p:spPr>
+        <p:style>
+          <a:lnRef idx="1">
+            <a:schemeClr val="accent4"/>
+          </a:lnRef>
+          <a:fillRef idx="2">
+            <a:schemeClr val="accent4"/>
+          </a:fillRef>
+          <a:effectRef idx="1">
+            <a:schemeClr val="accent4"/>
+          </a:effectRef>
+          <a:fontRef idx="minor">
+            <a:schemeClr val="dk1"/>
+          </a:fontRef>
+        </p:style>
+        <p:txBody>
+          <a:bodyPr rtlCol="0" anchor="ctr"/>
+          <a:lstStyle/>
+          <a:p>
+            <a:pPr algn="ctr"/>
+            <a:r>
+              <a:rPr lang="en-US" altLang="zh-CN" sz="1200">
+                <a:latin typeface="Microsoft YaHei Mono" pitchFamily="49" charset="-122"/>
+                <a:ea typeface="Microsoft YaHei Mono" pitchFamily="49" charset="-122"/>
+              </a:rPr>
+              <a:t>t</a:t>
+            </a:r>
+            <a:r>
+              <a:rPr lang="en-US" altLang="zh-CN" sz="1200" smtClean="0">
+                <a:latin typeface="Microsoft YaHei Mono" pitchFamily="49" charset="-122"/>
+                <a:ea typeface="Microsoft YaHei Mono" pitchFamily="49" charset="-122"/>
+              </a:rPr>
+              <a:t>cpdump –mrdb</a:t>
+            </a:r>
+            <a:endParaRPr lang="zh-CN" altLang="en-US" sz="1200">
+              <a:latin typeface="Microsoft YaHei Mono" pitchFamily="49" charset="-122"/>
+              <a:ea typeface="Microsoft YaHei Mono" pitchFamily="49" charset="-122"/>
+            </a:endParaRPr>
+          </a:p>
+        </p:txBody>
+      </p:sp>
+      <p:sp>
+        <p:nvSpPr>
+          <p:cNvPr id="55" name="圆角矩形 54"/>
+          <p:cNvSpPr/>
+          <p:nvPr/>
+        </p:nvSpPr>
+        <p:spPr>
+          <a:xfrm>
+            <a:off x="491791" y="3240670"/>
+            <a:ext cx="1343315" cy="457200"/>
+          </a:xfrm>
+          <a:prstGeom prst="roundRect">
+            <a:avLst/>
+          </a:prstGeom>
+        </p:spPr>
+        <p:style>
+          <a:lnRef idx="1">
+            <a:schemeClr val="accent5"/>
+          </a:lnRef>
+          <a:fillRef idx="2">
+            <a:schemeClr val="accent5"/>
+          </a:fillRef>
+          <a:effectRef idx="1">
+            <a:schemeClr val="accent5"/>
+          </a:effectRef>
+          <a:fontRef idx="minor">
+            <a:schemeClr val="dk1"/>
+          </a:fontRef>
+        </p:style>
+        <p:txBody>
+          <a:bodyPr rtlCol="0" anchor="ctr"/>
+          <a:lstStyle/>
+          <a:p>
+            <a:pPr algn="ctr"/>
+            <a:r>
+              <a:rPr lang="en-US" altLang="zh-CN" sz="1200" smtClean="0">
+                <a:latin typeface="Microsoft YaHei Mono" pitchFamily="49" charset="-122"/>
+                <a:ea typeface="Microsoft YaHei Mono" pitchFamily="49" charset="-122"/>
+              </a:rPr>
+              <a:t>tcpdump –msd</a:t>
+            </a:r>
+            <a:endParaRPr lang="zh-CN" altLang="en-US" sz="1200">
+              <a:latin typeface="Microsoft YaHei Mono" pitchFamily="49" charset="-122"/>
+              <a:ea typeface="Microsoft YaHei Mono" pitchFamily="49" charset="-122"/>
+            </a:endParaRPr>
+          </a:p>
+        </p:txBody>
+      </p:sp>
+      <p:sp>
+        <p:nvSpPr>
+          <p:cNvPr id="56" name="圆角矩形 55"/>
+          <p:cNvSpPr/>
+          <p:nvPr/>
+        </p:nvSpPr>
+        <p:spPr>
+          <a:xfrm>
+            <a:off x="263352" y="1948642"/>
+            <a:ext cx="5112568" cy="4504694"/>
+          </a:xfrm>
+          <a:prstGeom prst="roundRect">
+            <a:avLst/>
+          </a:prstGeom>
+          <a:noFill/>
+        </p:spPr>
+        <p:style>
+          <a:lnRef idx="2">
+            <a:schemeClr val="accent3"/>
+          </a:lnRef>
+          <a:fillRef idx="1">
+            <a:schemeClr val="lt1"/>
+          </a:fillRef>
+          <a:effectRef idx="0">
+            <a:schemeClr val="accent3"/>
+          </a:effectRef>
+          <a:fontRef idx="minor">
+            <a:schemeClr val="dk1"/>
+          </a:fontRef>
+        </p:style>
+        <p:txBody>
+          <a:bodyPr rtlCol="0" anchor="t"/>
+          <a:lstStyle/>
+          <a:p>
+            <a:pPr algn="ctr"/>
+            <a:r>
+              <a:rPr lang="en-US" altLang="zh-CN" sz="1400" smtClean="0">
+                <a:solidFill>
+                  <a:schemeClr val="accent3"/>
+                </a:solidFill>
+                <a:latin typeface="Microsoft YaHei Mono" pitchFamily="49" charset="-122"/>
+                <a:ea typeface="Microsoft YaHei Mono" pitchFamily="49" charset="-122"/>
+              </a:rPr>
+              <a:t>msh /&gt;</a:t>
+            </a:r>
+            <a:r>
+              <a:rPr lang="zh-CN" altLang="en-US" sz="1400" smtClean="0">
+                <a:solidFill>
+                  <a:schemeClr val="accent3"/>
+                </a:solidFill>
+                <a:latin typeface="Microsoft YaHei Mono" pitchFamily="49" charset="-122"/>
+                <a:ea typeface="Microsoft YaHei Mono" pitchFamily="49" charset="-122"/>
+              </a:rPr>
+              <a:t>命令行</a:t>
+            </a:r>
+            <a:endParaRPr lang="zh-CN" altLang="en-US" sz="1400">
+              <a:solidFill>
+                <a:schemeClr val="accent3"/>
+              </a:solidFill>
+              <a:latin typeface="Microsoft YaHei Mono" pitchFamily="49" charset="-122"/>
+              <a:ea typeface="Microsoft YaHei Mono" pitchFamily="49" charset="-122"/>
+            </a:endParaRPr>
+          </a:p>
+        </p:txBody>
+      </p:sp>
+      <p:sp>
+        <p:nvSpPr>
+          <p:cNvPr id="100" name="圆角矩形 99"/>
+          <p:cNvSpPr/>
+          <p:nvPr/>
+        </p:nvSpPr>
+        <p:spPr>
+          <a:xfrm>
+            <a:off x="3789448" y="3244786"/>
+            <a:ext cx="1418644" cy="457200"/>
+          </a:xfrm>
+          <a:prstGeom prst="roundRect">
+            <a:avLst/>
+          </a:prstGeom>
+        </p:spPr>
+        <p:style>
+          <a:lnRef idx="1">
+            <a:schemeClr val="accent5"/>
+          </a:lnRef>
+          <a:fillRef idx="3">
+            <a:schemeClr val="accent5"/>
+          </a:fillRef>
+          <a:effectRef idx="2">
+            <a:schemeClr val="accent5"/>
+          </a:effectRef>
+          <a:fontRef idx="minor">
+            <a:schemeClr val="lt1"/>
+          </a:fontRef>
+        </p:style>
+        <p:txBody>
+          <a:bodyPr rtlCol="0" anchor="ctr"/>
+          <a:lstStyle/>
+          <a:p>
+            <a:pPr algn="ctr"/>
+            <a:r>
+              <a:rPr lang="zh-CN" altLang="en-US" sz="1200" smtClean="0">
+                <a:latin typeface="Microsoft YaHei Mono" pitchFamily="49" charset="-122"/>
+                <a:ea typeface="Microsoft YaHei Mono" pitchFamily="49" charset="-122"/>
+              </a:rPr>
+              <a:t>打开文件，并写</a:t>
+            </a:r>
+            <a:r>
+              <a:rPr lang="en-US" altLang="zh-CN" sz="1200" smtClean="0">
+                <a:latin typeface="Microsoft YaHei Mono" pitchFamily="49" charset="-122"/>
+                <a:ea typeface="Microsoft YaHei Mono" pitchFamily="49" charset="-122"/>
+              </a:rPr>
+              <a:t>pcap</a:t>
+            </a:r>
+            <a:r>
+              <a:rPr lang="zh-CN" altLang="en-US" sz="1200">
+                <a:latin typeface="Microsoft YaHei Mono" pitchFamily="49" charset="-122"/>
+                <a:ea typeface="Microsoft YaHei Mono" pitchFamily="49" charset="-122"/>
+              </a:rPr>
+              <a:t> </a:t>
+            </a:r>
+            <a:r>
+              <a:rPr lang="en-US" altLang="zh-CN" sz="1200" smtClean="0">
+                <a:latin typeface="Microsoft YaHei Mono" pitchFamily="49" charset="-122"/>
+                <a:ea typeface="Microsoft YaHei Mono" pitchFamily="49" charset="-122"/>
+              </a:rPr>
+              <a:t>header</a:t>
+            </a:r>
+            <a:endParaRPr lang="zh-CN" altLang="en-US" sz="1200">
+              <a:latin typeface="Microsoft YaHei Mono" pitchFamily="49" charset="-122"/>
+              <a:ea typeface="Microsoft YaHei Mono" pitchFamily="49" charset="-122"/>
+            </a:endParaRPr>
+          </a:p>
+        </p:txBody>
+      </p:sp>
+      <p:sp>
+        <p:nvSpPr>
+          <p:cNvPr id="143" name="圆角矩形 142"/>
+          <p:cNvSpPr/>
+          <p:nvPr/>
+        </p:nvSpPr>
+        <p:spPr>
+          <a:xfrm>
+            <a:off x="10428894" y="3252077"/>
+            <a:ext cx="1355738" cy="446734"/>
+          </a:xfrm>
+          <a:prstGeom prst="roundRect">
+            <a:avLst/>
+          </a:prstGeom>
+        </p:spPr>
+        <p:style>
+          <a:lnRef idx="1">
+            <a:schemeClr val="accent5"/>
+          </a:lnRef>
+          <a:fillRef idx="3">
+            <a:schemeClr val="accent5"/>
+          </a:fillRef>
+          <a:effectRef idx="2">
+            <a:schemeClr val="accent5"/>
+          </a:effectRef>
+          <a:fontRef idx="minor">
+            <a:schemeClr val="lt1"/>
+          </a:fontRef>
+        </p:style>
+        <p:txBody>
+          <a:bodyPr rtlCol="0" anchor="ctr"/>
+          <a:lstStyle/>
+          <a:p>
+            <a:pPr algn="ctr"/>
+            <a:r>
+              <a:rPr lang="zh-CN" altLang="en-US" sz="1200" smtClean="0">
+                <a:latin typeface="Microsoft YaHei Mono" pitchFamily="49" charset="-122"/>
+                <a:ea typeface="Microsoft YaHei Mono" pitchFamily="49" charset="-122"/>
+              </a:rPr>
+              <a:t>状态复位</a:t>
+            </a:r>
+            <a:endParaRPr lang="en-US" altLang="zh-CN" sz="1200" smtClean="0">
+              <a:latin typeface="Microsoft YaHei Mono" pitchFamily="49" charset="-122"/>
+              <a:ea typeface="Microsoft YaHei Mono" pitchFamily="49" charset="-122"/>
+            </a:endParaRPr>
+          </a:p>
+          <a:p>
+            <a:pPr algn="ctr"/>
+            <a:r>
+              <a:rPr lang="zh-CN" altLang="en-US" sz="1200" smtClean="0">
+                <a:latin typeface="Microsoft YaHei Mono" pitchFamily="49" charset="-122"/>
+                <a:ea typeface="Microsoft YaHei Mono" pitchFamily="49" charset="-122"/>
+              </a:rPr>
+              <a:t>退出线程</a:t>
+            </a:r>
+            <a:endParaRPr lang="zh-CN" altLang="en-US" sz="1200">
+              <a:latin typeface="Microsoft YaHei Mono" pitchFamily="49" charset="-122"/>
+              <a:ea typeface="Microsoft YaHei Mono" pitchFamily="49" charset="-122"/>
+            </a:endParaRPr>
+          </a:p>
+        </p:txBody>
+      </p:sp>
+      <p:sp>
+        <p:nvSpPr>
+          <p:cNvPr id="144" name="圆角矩形 143"/>
+          <p:cNvSpPr/>
+          <p:nvPr/>
+        </p:nvSpPr>
+        <p:spPr>
+          <a:xfrm>
+            <a:off x="10428895" y="2037418"/>
+            <a:ext cx="1355737" cy="457200"/>
+          </a:xfrm>
+          <a:prstGeom prst="roundRect">
+            <a:avLst/>
+          </a:prstGeom>
+        </p:spPr>
+        <p:style>
+          <a:lnRef idx="1">
+            <a:schemeClr val="accent5"/>
+          </a:lnRef>
+          <a:fillRef idx="3">
+            <a:schemeClr val="accent5"/>
+          </a:fillRef>
+          <a:effectRef idx="2">
+            <a:schemeClr val="accent5"/>
+          </a:effectRef>
+          <a:fontRef idx="minor">
+            <a:schemeClr val="lt1"/>
+          </a:fontRef>
+        </p:style>
+        <p:txBody>
+          <a:bodyPr rtlCol="0" anchor="ctr"/>
+          <a:lstStyle/>
+          <a:p>
+            <a:pPr algn="ctr"/>
+            <a:r>
+              <a:rPr lang="zh-CN" altLang="en-US" sz="1200" smtClean="0">
+                <a:latin typeface="Microsoft YaHei Mono" pitchFamily="49" charset="-122"/>
+                <a:ea typeface="Microsoft YaHei Mono" pitchFamily="49" charset="-122"/>
+              </a:rPr>
+              <a:t>通过</a:t>
+            </a:r>
+            <a:r>
+              <a:rPr lang="en-US" altLang="zh-CN" sz="1200" smtClean="0">
+                <a:latin typeface="Microsoft YaHei Mono" pitchFamily="49" charset="-122"/>
+                <a:ea typeface="Microsoft YaHei Mono" pitchFamily="49" charset="-122"/>
+              </a:rPr>
+              <a:t>rdb</a:t>
+            </a:r>
+            <a:r>
+              <a:rPr lang="zh-CN" altLang="en-US" sz="1200" smtClean="0">
+                <a:latin typeface="Microsoft YaHei Mono" pitchFamily="49" charset="-122"/>
+                <a:ea typeface="Microsoft YaHei Mono" pitchFamily="49" charset="-122"/>
+              </a:rPr>
+              <a:t>上传</a:t>
+            </a:r>
+            <a:r>
+              <a:rPr lang="en-US" altLang="zh-CN" sz="1200" smtClean="0">
+                <a:latin typeface="Microsoft YaHei Mono" pitchFamily="49" charset="-122"/>
+                <a:ea typeface="Microsoft YaHei Mono" pitchFamily="49" charset="-122"/>
+              </a:rPr>
+              <a:t>pc</a:t>
+            </a:r>
+            <a:endParaRPr lang="zh-CN" altLang="en-US" sz="1200">
+              <a:latin typeface="Microsoft YaHei Mono" pitchFamily="49" charset="-122"/>
+              <a:ea typeface="Microsoft YaHei Mono" pitchFamily="49" charset="-122"/>
+            </a:endParaRPr>
+          </a:p>
+        </p:txBody>
+      </p:sp>
+      <p:cxnSp>
+        <p:nvCxnSpPr>
+          <p:cNvPr id="151" name="直接箭头连接符 150"/>
+          <p:cNvCxnSpPr>
+            <a:stCxn id="5" idx="3"/>
+            <a:endCxn id="100" idx="1"/>
+          </p:cNvCxnSpPr>
+          <p:nvPr/>
+        </p:nvCxnSpPr>
+        <p:spPr>
+          <a:xfrm>
+            <a:off x="3467708" y="3469270"/>
+            <a:ext cx="321740" cy="4116"/>
+          </a:xfrm>
+          <a:prstGeom prst="straightConnector1">
+            <a:avLst/>
+          </a:prstGeom>
+          <a:ln>
+            <a:tailEnd type="arrow"/>
+          </a:ln>
+        </p:spPr>
+        <p:style>
+          <a:lnRef idx="2">
+            <a:schemeClr val="accent5"/>
+          </a:lnRef>
+          <a:fillRef idx="0">
+            <a:schemeClr val="accent5"/>
+          </a:fillRef>
+          <a:effectRef idx="1">
+            <a:schemeClr val="accent5"/>
+          </a:effectRef>
+          <a:fontRef idx="minor">
+            <a:schemeClr val="tx1"/>
+          </a:fontRef>
+        </p:style>
+      </p:cxnSp>
+      <p:sp>
+        <p:nvSpPr>
+          <p:cNvPr id="210" name="圆角矩形 209"/>
+          <p:cNvSpPr/>
+          <p:nvPr/>
+        </p:nvSpPr>
+        <p:spPr>
+          <a:xfrm>
+            <a:off x="2207569" y="5538008"/>
+            <a:ext cx="1296144" cy="457200"/>
+          </a:xfrm>
+          <a:prstGeom prst="roundRect">
+            <a:avLst/>
+          </a:prstGeom>
+        </p:spPr>
+        <p:style>
+          <a:lnRef idx="1">
+            <a:schemeClr val="dk1"/>
+          </a:lnRef>
+          <a:fillRef idx="2">
+            <a:schemeClr val="dk1"/>
+          </a:fillRef>
+          <a:effectRef idx="1">
+            <a:schemeClr val="dk1"/>
+          </a:effectRef>
+          <a:fontRef idx="minor">
+            <a:schemeClr val="dk1"/>
+          </a:fontRef>
+        </p:style>
+        <p:txBody>
+          <a:bodyPr rtlCol="0" anchor="ctr"/>
+          <a:lstStyle/>
+          <a:p>
+            <a:pPr algn="ctr"/>
+            <a:r>
+              <a:rPr lang="zh-CN" altLang="en-US" sz="1200" smtClean="0">
+                <a:latin typeface="Microsoft YaHei Mono" pitchFamily="49" charset="-122"/>
+                <a:ea typeface="Microsoft YaHei Mono" pitchFamily="49" charset="-122"/>
+              </a:rPr>
+              <a:t>打印帮助信息</a:t>
+            </a:r>
+            <a:endParaRPr lang="zh-CN" altLang="en-US" sz="1200">
+              <a:latin typeface="Microsoft YaHei Mono" pitchFamily="49" charset="-122"/>
+              <a:ea typeface="Microsoft YaHei Mono" pitchFamily="49" charset="-122"/>
+            </a:endParaRPr>
+          </a:p>
+        </p:txBody>
+      </p:sp>
+      <p:cxnSp>
+        <p:nvCxnSpPr>
+          <p:cNvPr id="212" name="直接箭头连接符 211"/>
+          <p:cNvCxnSpPr>
+            <a:stCxn id="52" idx="3"/>
+            <a:endCxn id="210" idx="1"/>
+          </p:cNvCxnSpPr>
+          <p:nvPr/>
+        </p:nvCxnSpPr>
+        <p:spPr>
+          <a:xfrm>
+            <a:off x="1835107" y="5766608"/>
+            <a:ext cx="372462" cy="0"/>
+          </a:xfrm>
+          <a:prstGeom prst="straightConnector1">
+            <a:avLst/>
+          </a:prstGeom>
+          <a:ln>
+            <a:tailEnd type="arrow"/>
+          </a:ln>
+        </p:spPr>
+        <p:style>
+          <a:lnRef idx="2">
+            <a:schemeClr val="dk1"/>
+          </a:lnRef>
+          <a:fillRef idx="0">
+            <a:schemeClr val="dk1"/>
+          </a:fillRef>
+          <a:effectRef idx="1">
+            <a:schemeClr val="dk1"/>
+          </a:effectRef>
+          <a:fontRef idx="minor">
+            <a:schemeClr val="tx1"/>
+          </a:fontRef>
+        </p:style>
+      </p:cxnSp>
+      <p:sp>
+        <p:nvSpPr>
+          <p:cNvPr id="235" name="TextBox 234"/>
+          <p:cNvSpPr txBox="1"/>
+          <p:nvPr/>
+        </p:nvSpPr>
+        <p:spPr>
+          <a:xfrm>
+            <a:off x="490929" y="2912318"/>
+            <a:ext cx="2308645" cy="276999"/>
+          </a:xfrm>
+          <a:prstGeom prst="rect">
+            <a:avLst/>
+          </a:prstGeom>
+          <a:noFill/>
+        </p:spPr>
+        <p:txBody>
+          <a:bodyPr wrap="none" rtlCol="0">
+            <a:spAutoFit/>
+          </a:bodyPr>
+          <a:lstStyle/>
+          <a:p>
+            <a:r>
+              <a:rPr lang="zh-CN" altLang="en-US" sz="1200" smtClean="0">
+                <a:solidFill>
+                  <a:schemeClr val="accent4"/>
+                </a:solidFill>
+                <a:latin typeface="Microsoft YaHei Mono" pitchFamily="49" charset="-122"/>
+                <a:ea typeface="Microsoft YaHei Mono" pitchFamily="49" charset="-122"/>
+              </a:rPr>
+              <a:t>选择 </a:t>
+            </a:r>
+            <a:r>
+              <a:rPr lang="en-US" altLang="zh-CN" sz="1200" smtClean="0">
+                <a:solidFill>
+                  <a:schemeClr val="accent4"/>
+                </a:solidFill>
+                <a:latin typeface="Microsoft YaHei Mono" pitchFamily="49" charset="-122"/>
+                <a:ea typeface="Microsoft YaHei Mono" pitchFamily="49" charset="-122"/>
+              </a:rPr>
+              <a:t>rdb </a:t>
+            </a:r>
+            <a:r>
+              <a:rPr lang="zh-CN" altLang="en-US" sz="1200" smtClean="0">
+                <a:solidFill>
+                  <a:schemeClr val="accent4"/>
+                </a:solidFill>
+                <a:latin typeface="Microsoft YaHei Mono" pitchFamily="49" charset="-122"/>
+                <a:ea typeface="Microsoft YaHei Mono" pitchFamily="49" charset="-122"/>
+              </a:rPr>
+              <a:t>模式上传 </a:t>
+            </a:r>
+            <a:r>
+              <a:rPr lang="en-US" altLang="zh-CN" sz="1200" smtClean="0">
+                <a:solidFill>
+                  <a:schemeClr val="accent4"/>
+                </a:solidFill>
+                <a:latin typeface="Microsoft YaHei Mono" pitchFamily="49" charset="-122"/>
+                <a:ea typeface="Microsoft YaHei Mono" pitchFamily="49" charset="-122"/>
+              </a:rPr>
+              <a:t>ip </a:t>
+            </a:r>
+            <a:r>
+              <a:rPr lang="zh-CN" altLang="en-US" sz="1200" smtClean="0">
+                <a:solidFill>
+                  <a:schemeClr val="accent4"/>
+                </a:solidFill>
+                <a:latin typeface="Microsoft YaHei Mono" pitchFamily="49" charset="-122"/>
+                <a:ea typeface="Microsoft YaHei Mono" pitchFamily="49" charset="-122"/>
+              </a:rPr>
+              <a:t>报文</a:t>
+            </a:r>
+            <a:endParaRPr lang="zh-CN" altLang="en-US" sz="1200">
+              <a:solidFill>
+                <a:schemeClr val="accent4"/>
+              </a:solidFill>
+              <a:latin typeface="Microsoft YaHei Mono" pitchFamily="49" charset="-122"/>
+              <a:ea typeface="Microsoft YaHei Mono" pitchFamily="49" charset="-122"/>
+            </a:endParaRPr>
+          </a:p>
+        </p:txBody>
+      </p:sp>
+      <p:sp>
+        <p:nvSpPr>
+          <p:cNvPr id="236" name="TextBox 235"/>
+          <p:cNvSpPr txBox="1"/>
+          <p:nvPr/>
+        </p:nvSpPr>
+        <p:spPr>
+          <a:xfrm>
+            <a:off x="490929" y="3771097"/>
+            <a:ext cx="2818400" cy="276999"/>
+          </a:xfrm>
+          <a:prstGeom prst="rect">
+            <a:avLst/>
+          </a:prstGeom>
+          <a:noFill/>
+        </p:spPr>
+        <p:txBody>
+          <a:bodyPr wrap="none" rtlCol="0">
+            <a:spAutoFit/>
+          </a:bodyPr>
+          <a:lstStyle/>
+          <a:p>
+            <a:r>
+              <a:rPr lang="zh-CN" altLang="en-US" sz="1200" smtClean="0">
+                <a:solidFill>
+                  <a:schemeClr val="accent5"/>
+                </a:solidFill>
+                <a:latin typeface="Microsoft YaHei Mono" pitchFamily="49" charset="-122"/>
+                <a:ea typeface="Microsoft YaHei Mono" pitchFamily="49" charset="-122"/>
+              </a:rPr>
+              <a:t>选择 </a:t>
+            </a:r>
+            <a:r>
+              <a:rPr lang="en-US" altLang="zh-CN" sz="1200" smtClean="0">
+                <a:solidFill>
+                  <a:schemeClr val="accent5"/>
+                </a:solidFill>
+                <a:latin typeface="Microsoft YaHei Mono" pitchFamily="49" charset="-122"/>
+                <a:ea typeface="Microsoft YaHei Mono" pitchFamily="49" charset="-122"/>
+              </a:rPr>
+              <a:t>sd-card </a:t>
+            </a:r>
+            <a:r>
+              <a:rPr lang="zh-CN" altLang="en-US" sz="1200" smtClean="0">
+                <a:solidFill>
+                  <a:schemeClr val="accent5"/>
+                </a:solidFill>
+                <a:latin typeface="Microsoft YaHei Mono" pitchFamily="49" charset="-122"/>
+                <a:ea typeface="Microsoft YaHei Mono" pitchFamily="49" charset="-122"/>
+              </a:rPr>
+              <a:t>模式保存 </a:t>
+            </a:r>
+            <a:r>
+              <a:rPr lang="en-US" altLang="zh-CN" sz="1200" smtClean="0">
+                <a:solidFill>
+                  <a:schemeClr val="accent5"/>
+                </a:solidFill>
+                <a:latin typeface="Microsoft YaHei Mono" pitchFamily="49" charset="-122"/>
+                <a:ea typeface="Microsoft YaHei Mono" pitchFamily="49" charset="-122"/>
+              </a:rPr>
+              <a:t>pcap </a:t>
+            </a:r>
+            <a:r>
+              <a:rPr lang="zh-CN" altLang="en-US" sz="1200" smtClean="0">
+                <a:solidFill>
+                  <a:schemeClr val="accent5"/>
+                </a:solidFill>
+                <a:latin typeface="Microsoft YaHei Mono" pitchFamily="49" charset="-122"/>
+                <a:ea typeface="Microsoft YaHei Mono" pitchFamily="49" charset="-122"/>
+              </a:rPr>
+              <a:t>文件</a:t>
+            </a:r>
+            <a:endParaRPr lang="zh-CN" altLang="en-US" sz="1200">
+              <a:solidFill>
+                <a:schemeClr val="accent5"/>
+              </a:solidFill>
+              <a:latin typeface="Microsoft YaHei Mono" pitchFamily="49" charset="-122"/>
+              <a:ea typeface="Microsoft YaHei Mono" pitchFamily="49" charset="-122"/>
+            </a:endParaRPr>
+          </a:p>
+        </p:txBody>
+      </p:sp>
+      <p:sp>
+        <p:nvSpPr>
+          <p:cNvPr id="241" name="圆角矩形 240"/>
+          <p:cNvSpPr/>
+          <p:nvPr/>
+        </p:nvSpPr>
+        <p:spPr>
+          <a:xfrm>
+            <a:off x="2207568" y="4616493"/>
+            <a:ext cx="1296144" cy="457200"/>
+          </a:xfrm>
+          <a:prstGeom prst="roundRect">
+            <a:avLst/>
+          </a:prstGeom>
+        </p:spPr>
+        <p:style>
+          <a:lnRef idx="1">
+            <a:schemeClr val="accent2"/>
+          </a:lnRef>
+          <a:fillRef idx="3">
+            <a:schemeClr val="accent2"/>
+          </a:fillRef>
+          <a:effectRef idx="2">
+            <a:schemeClr val="accent2"/>
+          </a:effectRef>
+          <a:fontRef idx="minor">
+            <a:schemeClr val="lt1"/>
+          </a:fontRef>
+        </p:style>
+        <p:txBody>
+          <a:bodyPr rtlCol="0" anchor="ctr"/>
+          <a:lstStyle/>
+          <a:p>
+            <a:pPr algn="ctr"/>
+            <a:r>
+              <a:rPr lang="en-US" altLang="zh-CN" sz="1200">
+                <a:latin typeface="Microsoft YaHei Mono" pitchFamily="49" charset="-122"/>
+                <a:ea typeface="Microsoft YaHei Mono" pitchFamily="49" charset="-122"/>
+              </a:rPr>
+              <a:t>t</a:t>
+            </a:r>
+            <a:r>
+              <a:rPr lang="en-US" altLang="zh-CN" sz="1200" smtClean="0">
+                <a:latin typeface="Microsoft YaHei Mono" pitchFamily="49" charset="-122"/>
+                <a:ea typeface="Microsoft YaHei Mono" pitchFamily="49" charset="-122"/>
+              </a:rPr>
+              <a:t>cpdump deinit</a:t>
+            </a:r>
+            <a:endParaRPr lang="zh-CN" altLang="en-US" sz="1200">
+              <a:latin typeface="Microsoft YaHei Mono" pitchFamily="49" charset="-122"/>
+              <a:ea typeface="Microsoft YaHei Mono" pitchFamily="49" charset="-122"/>
+            </a:endParaRPr>
+          </a:p>
+        </p:txBody>
+      </p:sp>
+      <p:cxnSp>
+        <p:nvCxnSpPr>
+          <p:cNvPr id="245" name="直接箭头连接符 244"/>
+          <p:cNvCxnSpPr>
+            <a:stCxn id="53" idx="3"/>
+          </p:cNvCxnSpPr>
+          <p:nvPr/>
+        </p:nvCxnSpPr>
+        <p:spPr>
+          <a:xfrm>
+            <a:off x="1835107" y="4845093"/>
+            <a:ext cx="372461" cy="0"/>
+          </a:xfrm>
+          <a:prstGeom prst="straightConnector1">
+            <a:avLst/>
+          </a:prstGeom>
+          <a:ln>
+            <a:tailEnd type="arrow"/>
+          </a:ln>
+        </p:spPr>
+        <p:style>
+          <a:lnRef idx="2">
+            <a:schemeClr val="accent2"/>
+          </a:lnRef>
+          <a:fillRef idx="0">
+            <a:schemeClr val="accent2"/>
+          </a:fillRef>
+          <a:effectRef idx="1">
+            <a:schemeClr val="accent2"/>
+          </a:effectRef>
+          <a:fontRef idx="minor">
+            <a:schemeClr val="tx1"/>
+          </a:fontRef>
+        </p:style>
+      </p:cxnSp>
+      <p:sp>
+        <p:nvSpPr>
+          <p:cNvPr id="300" name="圆角矩形 299"/>
+          <p:cNvSpPr/>
+          <p:nvPr/>
+        </p:nvSpPr>
+        <p:spPr>
+          <a:xfrm>
+            <a:off x="5663952" y="1948642"/>
+            <a:ext cx="4404905" cy="2667851"/>
+          </a:xfrm>
+          <a:prstGeom prst="roundRect">
+            <a:avLst/>
+          </a:prstGeom>
+          <a:noFill/>
+        </p:spPr>
+        <p:style>
+          <a:lnRef idx="2">
+            <a:schemeClr val="accent6"/>
+          </a:lnRef>
+          <a:fillRef idx="1">
+            <a:schemeClr val="lt1"/>
+          </a:fillRef>
+          <a:effectRef idx="0">
+            <a:schemeClr val="accent6"/>
+          </a:effectRef>
+          <a:fontRef idx="minor">
+            <a:schemeClr val="dk1"/>
+          </a:fontRef>
+        </p:style>
+        <p:txBody>
+          <a:bodyPr rtlCol="0" anchor="t"/>
+          <a:lstStyle/>
+          <a:p>
+            <a:pPr algn="ctr"/>
+            <a:r>
+              <a:rPr lang="en-US" altLang="zh-CN" sz="1400" smtClean="0">
+                <a:solidFill>
+                  <a:schemeClr val="accent6">
+                    <a:lumMod val="75000"/>
+                  </a:schemeClr>
+                </a:solidFill>
+                <a:latin typeface="Microsoft YaHei Mono" pitchFamily="49" charset="-122"/>
+                <a:ea typeface="Microsoft YaHei Mono" pitchFamily="49" charset="-122"/>
+              </a:rPr>
+              <a:t>tcpdump</a:t>
+            </a:r>
+            <a:r>
+              <a:rPr lang="zh-CN" altLang="en-US" sz="1400" smtClean="0">
+                <a:solidFill>
+                  <a:schemeClr val="accent6">
+                    <a:lumMod val="75000"/>
+                  </a:schemeClr>
+                </a:solidFill>
+                <a:latin typeface="Microsoft YaHei Mono" pitchFamily="49" charset="-122"/>
+                <a:ea typeface="Microsoft YaHei Mono" pitchFamily="49" charset="-122"/>
+              </a:rPr>
+              <a:t>线程</a:t>
+            </a:r>
+            <a:endParaRPr lang="zh-CN" altLang="en-US" sz="1400">
+              <a:solidFill>
+                <a:schemeClr val="accent6">
+                  <a:lumMod val="75000"/>
+                </a:schemeClr>
+              </a:solidFill>
+              <a:latin typeface="Microsoft YaHei Mono" pitchFamily="49" charset="-122"/>
+              <a:ea typeface="Microsoft YaHei Mono" pitchFamily="49" charset="-122"/>
+            </a:endParaRPr>
+          </a:p>
+        </p:txBody>
+      </p:sp>
+      <p:cxnSp>
+        <p:nvCxnSpPr>
+          <p:cNvPr id="368" name="直接箭头连接符 367"/>
+          <p:cNvCxnSpPr>
+            <a:stCxn id="55" idx="3"/>
+            <a:endCxn id="5" idx="1"/>
+          </p:cNvCxnSpPr>
+          <p:nvPr/>
+        </p:nvCxnSpPr>
+        <p:spPr>
+          <a:xfrm>
+            <a:off x="1835106" y="3469270"/>
+            <a:ext cx="336458" cy="0"/>
+          </a:xfrm>
+          <a:prstGeom prst="straightConnector1">
+            <a:avLst/>
+          </a:prstGeom>
+          <a:ln>
+            <a:tailEnd type="arrow"/>
+          </a:ln>
+        </p:spPr>
+        <p:style>
+          <a:lnRef idx="2">
+            <a:schemeClr val="accent5"/>
+          </a:lnRef>
+          <a:fillRef idx="0">
+            <a:schemeClr val="accent5"/>
+          </a:fillRef>
+          <a:effectRef idx="1">
+            <a:schemeClr val="accent5"/>
+          </a:effectRef>
+          <a:fontRef idx="minor">
+            <a:schemeClr val="tx1"/>
+          </a:fontRef>
+        </p:style>
+      </p:cxnSp>
+      <p:cxnSp>
+        <p:nvCxnSpPr>
+          <p:cNvPr id="370" name="直接箭头连接符 369"/>
+          <p:cNvCxnSpPr>
+            <a:stCxn id="100" idx="3"/>
+            <a:endCxn id="8" idx="1"/>
+          </p:cNvCxnSpPr>
+          <p:nvPr/>
+        </p:nvCxnSpPr>
+        <p:spPr>
+          <a:xfrm>
+            <a:off x="5208092" y="3473386"/>
+            <a:ext cx="684301" cy="0"/>
+          </a:xfrm>
+          <a:prstGeom prst="straightConnector1">
+            <a:avLst/>
+          </a:prstGeom>
+          <a:ln>
+            <a:tailEnd type="arrow"/>
+          </a:ln>
+        </p:spPr>
+        <p:style>
+          <a:lnRef idx="2">
+            <a:schemeClr val="accent5"/>
+          </a:lnRef>
+          <a:fillRef idx="0">
+            <a:schemeClr val="accent5"/>
+          </a:fillRef>
+          <a:effectRef idx="1">
+            <a:schemeClr val="accent5"/>
+          </a:effectRef>
+          <a:fontRef idx="minor">
+            <a:schemeClr val="tx1"/>
+          </a:fontRef>
+        </p:style>
+      </p:cxnSp>
+      <p:cxnSp>
+        <p:nvCxnSpPr>
+          <p:cNvPr id="372" name="直接箭头连接符 371"/>
+          <p:cNvCxnSpPr>
+            <a:stCxn id="8" idx="3"/>
+            <a:endCxn id="6" idx="1"/>
+          </p:cNvCxnSpPr>
+          <p:nvPr/>
+        </p:nvCxnSpPr>
+        <p:spPr>
+          <a:xfrm>
+            <a:off x="6994027" y="3473386"/>
+            <a:ext cx="465246" cy="0"/>
+          </a:xfrm>
+          <a:prstGeom prst="straightConnector1">
+            <a:avLst/>
+          </a:prstGeom>
+          <a:ln>
+            <a:tailEnd type="arrow"/>
+          </a:ln>
+        </p:spPr>
+        <p:style>
+          <a:lnRef idx="2">
+            <a:schemeClr val="accent5"/>
+          </a:lnRef>
+          <a:fillRef idx="0">
+            <a:schemeClr val="accent5"/>
+          </a:fillRef>
+          <a:effectRef idx="1">
+            <a:schemeClr val="accent5"/>
+          </a:effectRef>
+          <a:fontRef idx="minor">
+            <a:schemeClr val="tx1"/>
+          </a:fontRef>
+        </p:style>
+      </p:cxnSp>
+      <p:cxnSp>
+        <p:nvCxnSpPr>
+          <p:cNvPr id="380" name="直接箭头连接符 379"/>
+          <p:cNvCxnSpPr>
+            <a:stCxn id="6" idx="3"/>
+            <a:endCxn id="7" idx="1"/>
+          </p:cNvCxnSpPr>
+          <p:nvPr/>
+        </p:nvCxnSpPr>
+        <p:spPr>
+          <a:xfrm>
+            <a:off x="8501979" y="3473386"/>
+            <a:ext cx="414750" cy="2058"/>
+          </a:xfrm>
+          <a:prstGeom prst="straightConnector1">
+            <a:avLst/>
+          </a:prstGeom>
+          <a:ln>
+            <a:tailEnd type="arrow"/>
+          </a:ln>
+        </p:spPr>
+        <p:style>
+          <a:lnRef idx="2">
+            <a:schemeClr val="accent5"/>
+          </a:lnRef>
+          <a:fillRef idx="0">
+            <a:schemeClr val="accent5"/>
+          </a:fillRef>
+          <a:effectRef idx="1">
+            <a:schemeClr val="accent5"/>
+          </a:effectRef>
+          <a:fontRef idx="minor">
+            <a:schemeClr val="tx1"/>
+          </a:fontRef>
+        </p:style>
+      </p:cxnSp>
+      <p:cxnSp>
+        <p:nvCxnSpPr>
+          <p:cNvPr id="382" name="肘形连接符 381"/>
+          <p:cNvCxnSpPr>
+            <a:stCxn id="7" idx="2"/>
+            <a:endCxn id="8" idx="2"/>
+          </p:cNvCxnSpPr>
+          <p:nvPr/>
+        </p:nvCxnSpPr>
+        <p:spPr>
+          <a:xfrm rot="5400000">
+            <a:off x="7932683" y="2212513"/>
+            <a:ext cx="12700" cy="2978946"/>
+          </a:xfrm>
+          <a:prstGeom prst="bentConnector3">
+            <a:avLst>
+              <a:gd name="adj1" fmla="val 3046157"/>
+            </a:avLst>
+          </a:prstGeom>
+          <a:ln>
+            <a:tailEnd type="arrow"/>
+          </a:ln>
+        </p:spPr>
+        <p:style>
+          <a:lnRef idx="2">
+            <a:schemeClr val="accent6"/>
+          </a:lnRef>
+          <a:fillRef idx="0">
+            <a:schemeClr val="accent6"/>
+          </a:fillRef>
+          <a:effectRef idx="1">
+            <a:schemeClr val="accent6"/>
+          </a:effectRef>
+          <a:fontRef idx="minor">
+            <a:schemeClr val="tx1"/>
+          </a:fontRef>
+        </p:style>
+      </p:cxnSp>
+      <p:cxnSp>
+        <p:nvCxnSpPr>
+          <p:cNvPr id="399" name="直接箭头连接符 398"/>
+          <p:cNvCxnSpPr>
+            <a:stCxn id="143" idx="0"/>
+            <a:endCxn id="144" idx="2"/>
+          </p:cNvCxnSpPr>
+          <p:nvPr/>
+        </p:nvCxnSpPr>
+        <p:spPr>
+          <a:xfrm flipV="1">
+            <a:off x="11106763" y="2494618"/>
+            <a:ext cx="1" cy="757459"/>
+          </a:xfrm>
+          <a:prstGeom prst="straightConnector1">
+            <a:avLst/>
+          </a:prstGeom>
+          <a:ln>
+            <a:tailEnd type="arrow"/>
+          </a:ln>
+        </p:spPr>
+        <p:style>
+          <a:lnRef idx="2">
+            <a:schemeClr val="accent4"/>
+          </a:lnRef>
+          <a:fillRef idx="0">
+            <a:schemeClr val="accent4"/>
+          </a:fillRef>
+          <a:effectRef idx="1">
+            <a:schemeClr val="accent4"/>
+          </a:effectRef>
+          <a:fontRef idx="minor">
+            <a:schemeClr val="tx1"/>
+          </a:fontRef>
+        </p:style>
+      </p:cxnSp>
+      <p:cxnSp>
+        <p:nvCxnSpPr>
+          <p:cNvPr id="401" name="直接箭头连接符 400"/>
+          <p:cNvCxnSpPr>
+            <a:stCxn id="143" idx="2"/>
+            <a:endCxn id="25" idx="0"/>
+          </p:cNvCxnSpPr>
+          <p:nvPr/>
+        </p:nvCxnSpPr>
+        <p:spPr>
+          <a:xfrm>
+            <a:off x="11106763" y="3698811"/>
+            <a:ext cx="2" cy="917682"/>
+          </a:xfrm>
+          <a:prstGeom prst="straightConnector1">
+            <a:avLst/>
+          </a:prstGeom>
+          <a:ln>
+            <a:tailEnd type="arrow"/>
+          </a:ln>
+        </p:spPr>
+        <p:style>
+          <a:lnRef idx="2">
+            <a:schemeClr val="accent5"/>
+          </a:lnRef>
+          <a:fillRef idx="0">
+            <a:schemeClr val="accent5"/>
+          </a:fillRef>
+          <a:effectRef idx="1">
+            <a:schemeClr val="accent5"/>
+          </a:effectRef>
+          <a:fontRef idx="minor">
+            <a:schemeClr val="tx1"/>
+          </a:fontRef>
+        </p:style>
+      </p:cxnSp>
+      <p:cxnSp>
+        <p:nvCxnSpPr>
+          <p:cNvPr id="420" name="肘形连接符 419"/>
+          <p:cNvCxnSpPr>
+            <a:stCxn id="54" idx="3"/>
+            <a:endCxn id="5" idx="0"/>
+          </p:cNvCxnSpPr>
+          <p:nvPr/>
+        </p:nvCxnSpPr>
+        <p:spPr>
+          <a:xfrm>
+            <a:off x="1835108" y="2644747"/>
+            <a:ext cx="984528" cy="595923"/>
+          </a:xfrm>
+          <a:prstGeom prst="bentConnector2">
+            <a:avLst/>
+          </a:prstGeom>
+          <a:ln>
+            <a:tailEnd type="arrow"/>
+          </a:ln>
+        </p:spPr>
+        <p:style>
+          <a:lnRef idx="2">
+            <a:schemeClr val="accent4"/>
+          </a:lnRef>
+          <a:fillRef idx="0">
+            <a:schemeClr val="accent4"/>
+          </a:fillRef>
+          <a:effectRef idx="1">
+            <a:schemeClr val="accent4"/>
+          </a:effectRef>
+          <a:fontRef idx="minor">
+            <a:schemeClr val="tx1"/>
+          </a:fontRef>
+        </p:style>
+      </p:cxnSp>
+      <p:cxnSp>
+        <p:nvCxnSpPr>
+          <p:cNvPr id="428" name="肘形连接符 427"/>
+          <p:cNvCxnSpPr>
+            <a:stCxn id="8" idx="3"/>
+            <a:endCxn id="7" idx="0"/>
+          </p:cNvCxnSpPr>
+          <p:nvPr/>
+        </p:nvCxnSpPr>
+        <p:spPr>
+          <a:xfrm flipV="1">
+            <a:off x="6994027" y="3248902"/>
+            <a:ext cx="2428129" cy="224484"/>
+          </a:xfrm>
+          <a:prstGeom prst="bentConnector4">
+            <a:avLst>
+              <a:gd name="adj1" fmla="val 7365"/>
+              <a:gd name="adj2" fmla="val 376001"/>
+            </a:avLst>
+          </a:prstGeom>
+          <a:ln>
+            <a:tailEnd type="arrow"/>
+          </a:ln>
+        </p:spPr>
+        <p:style>
+          <a:lnRef idx="2">
+            <a:schemeClr val="accent4"/>
+          </a:lnRef>
+          <a:fillRef idx="0">
+            <a:schemeClr val="accent4"/>
+          </a:fillRef>
+          <a:effectRef idx="1">
+            <a:schemeClr val="accent4"/>
+          </a:effectRef>
+          <a:fontRef idx="minor">
+            <a:schemeClr val="tx1"/>
+          </a:fontRef>
+        </p:style>
+      </p:cxnSp>
+      <p:cxnSp>
+        <p:nvCxnSpPr>
+          <p:cNvPr id="453" name="直接箭头连接符 452"/>
+          <p:cNvCxnSpPr>
+            <a:stCxn id="7" idx="3"/>
+            <a:endCxn id="143" idx="1"/>
+          </p:cNvCxnSpPr>
+          <p:nvPr/>
+        </p:nvCxnSpPr>
+        <p:spPr>
+          <a:xfrm>
+            <a:off x="9927582" y="3475444"/>
+            <a:ext cx="501312" cy="0"/>
+          </a:xfrm>
+          <a:prstGeom prst="straightConnector1">
+            <a:avLst/>
+          </a:prstGeom>
+          <a:ln>
+            <a:tailEnd type="arrow"/>
+          </a:ln>
+        </p:spPr>
+        <p:style>
+          <a:lnRef idx="2">
+            <a:schemeClr val="accent6"/>
+          </a:lnRef>
+          <a:fillRef idx="0">
+            <a:schemeClr val="accent6"/>
+          </a:fillRef>
+          <a:effectRef idx="1">
+            <a:schemeClr val="accent6"/>
+          </a:effectRef>
+          <a:fontRef idx="minor">
+            <a:schemeClr val="tx1"/>
+          </a:fontRef>
+        </p:style>
+      </p:cxnSp>
+      <p:sp>
+        <p:nvSpPr>
+          <p:cNvPr id="470" name="TextBox 469"/>
+          <p:cNvSpPr txBox="1"/>
+          <p:nvPr/>
+        </p:nvSpPr>
+        <p:spPr>
+          <a:xfrm>
+            <a:off x="3628578" y="4861031"/>
+            <a:ext cx="2648482" cy="646331"/>
+          </a:xfrm>
+          <a:prstGeom prst="rect">
+            <a:avLst/>
+          </a:prstGeom>
+          <a:noFill/>
+        </p:spPr>
+        <p:txBody>
+          <a:bodyPr wrap="none" rtlCol="0">
+            <a:spAutoFit/>
+          </a:bodyPr>
+          <a:lstStyle/>
+          <a:p>
+            <a:r>
+              <a:rPr lang="zh-CN" altLang="en-US" sz="1200" smtClean="0">
+                <a:solidFill>
+                  <a:schemeClr val="accent2"/>
+                </a:solidFill>
+                <a:latin typeface="Microsoft YaHei Mono" pitchFamily="49" charset="-122"/>
+                <a:ea typeface="Microsoft YaHei Mono" pitchFamily="49" charset="-122"/>
+              </a:rPr>
+              <a:t>切断</a:t>
+            </a:r>
+            <a:r>
+              <a:rPr lang="zh-CN" altLang="en-US" sz="1200">
+                <a:solidFill>
+                  <a:schemeClr val="accent2"/>
+                </a:solidFill>
+                <a:latin typeface="Microsoft YaHei Mono" pitchFamily="49" charset="-122"/>
+                <a:ea typeface="Microsoft YaHei Mono" pitchFamily="49" charset="-122"/>
+              </a:rPr>
+              <a:t>新</a:t>
+            </a:r>
+            <a:r>
+              <a:rPr lang="zh-CN" altLang="en-US" sz="1200" smtClean="0">
+                <a:solidFill>
+                  <a:schemeClr val="accent2"/>
+                </a:solidFill>
+                <a:latin typeface="Microsoft YaHei Mono" pitchFamily="49" charset="-122"/>
+                <a:ea typeface="Microsoft YaHei Mono" pitchFamily="49" charset="-122"/>
+              </a:rPr>
+              <a:t>数据流，复原旧数据流</a:t>
+            </a:r>
+            <a:endParaRPr lang="en-US" altLang="zh-CN" sz="1200">
+              <a:solidFill>
+                <a:schemeClr val="accent2"/>
+              </a:solidFill>
+              <a:latin typeface="Microsoft YaHei Mono" pitchFamily="49" charset="-122"/>
+              <a:ea typeface="Microsoft YaHei Mono" pitchFamily="49" charset="-122"/>
+            </a:endParaRPr>
+          </a:p>
+          <a:p>
+            <a:r>
+              <a:rPr lang="zh-CN" altLang="en-US" sz="1200" smtClean="0">
+                <a:solidFill>
+                  <a:schemeClr val="accent2"/>
+                </a:solidFill>
+                <a:latin typeface="Microsoft YaHei Mono" pitchFamily="49" charset="-122"/>
+                <a:ea typeface="Microsoft YaHei Mono" pitchFamily="49" charset="-122"/>
+              </a:rPr>
+              <a:t>（关于数据流请参考前两张</a:t>
+            </a:r>
+            <a:r>
+              <a:rPr lang="en-US" altLang="zh-CN" sz="1200" smtClean="0">
+                <a:solidFill>
+                  <a:schemeClr val="accent2"/>
+                </a:solidFill>
+                <a:latin typeface="Microsoft YaHei Mono" pitchFamily="49" charset="-122"/>
+                <a:ea typeface="Microsoft YaHei Mono" pitchFamily="49" charset="-122"/>
+              </a:rPr>
+              <a:t>ppt</a:t>
+            </a:r>
+            <a:r>
+              <a:rPr lang="zh-CN" altLang="en-US" sz="1200" smtClean="0">
+                <a:solidFill>
+                  <a:schemeClr val="accent2"/>
+                </a:solidFill>
+                <a:latin typeface="Microsoft YaHei Mono" pitchFamily="49" charset="-122"/>
+                <a:ea typeface="Microsoft YaHei Mono" pitchFamily="49" charset="-122"/>
+              </a:rPr>
+              <a:t>）</a:t>
+            </a:r>
+            <a:endParaRPr lang="en-US" altLang="zh-CN" sz="1200" smtClean="0">
+              <a:solidFill>
+                <a:schemeClr val="accent2"/>
+              </a:solidFill>
+              <a:latin typeface="Microsoft YaHei Mono" pitchFamily="49" charset="-122"/>
+              <a:ea typeface="Microsoft YaHei Mono" pitchFamily="49" charset="-122"/>
+            </a:endParaRPr>
+          </a:p>
+          <a:p>
+            <a:r>
+              <a:rPr lang="zh-CN" altLang="en-US" sz="1200" smtClean="0">
+                <a:solidFill>
+                  <a:schemeClr val="accent2"/>
+                </a:solidFill>
+                <a:latin typeface="Microsoft YaHei Mono" pitchFamily="49" charset="-122"/>
+                <a:ea typeface="Microsoft YaHei Mono" pitchFamily="49" charset="-122"/>
+              </a:rPr>
+              <a:t>邮箱收不到邮件，退出线程</a:t>
+            </a:r>
+            <a:endParaRPr lang="zh-CN" altLang="en-US" sz="1200">
+              <a:solidFill>
+                <a:schemeClr val="accent2"/>
+              </a:solidFill>
+              <a:latin typeface="Microsoft YaHei Mono" pitchFamily="49" charset="-122"/>
+              <a:ea typeface="Microsoft YaHei Mono" pitchFamily="49" charset="-122"/>
+            </a:endParaRPr>
+          </a:p>
+        </p:txBody>
+      </p:sp>
+      <p:cxnSp>
+        <p:nvCxnSpPr>
+          <p:cNvPr id="510" name="肘形连接符 509"/>
+          <p:cNvCxnSpPr>
+            <a:stCxn id="5" idx="3"/>
+            <a:endCxn id="8" idx="0"/>
+          </p:cNvCxnSpPr>
+          <p:nvPr/>
+        </p:nvCxnSpPr>
+        <p:spPr>
+          <a:xfrm flipV="1">
+            <a:off x="3467708" y="3244786"/>
+            <a:ext cx="2975502" cy="224484"/>
+          </a:xfrm>
+          <a:prstGeom prst="bentConnector4">
+            <a:avLst>
+              <a:gd name="adj1" fmla="val 3512"/>
+              <a:gd name="adj2" fmla="val 368167"/>
+            </a:avLst>
+          </a:prstGeom>
+          <a:ln>
+            <a:tailEnd type="arrow"/>
+          </a:ln>
+        </p:spPr>
+        <p:style>
+          <a:lnRef idx="2">
+            <a:schemeClr val="accent4"/>
+          </a:lnRef>
+          <a:fillRef idx="0">
+            <a:schemeClr val="accent4"/>
+          </a:fillRef>
+          <a:effectRef idx="1">
+            <a:schemeClr val="accent4"/>
+          </a:effectRef>
+          <a:fontRef idx="minor">
+            <a:schemeClr val="tx1"/>
+          </a:fontRef>
+        </p:style>
+      </p:cxnSp>
+      <p:cxnSp>
+        <p:nvCxnSpPr>
+          <p:cNvPr id="539" name="肘形连接符 538"/>
+          <p:cNvCxnSpPr>
+            <a:stCxn id="241" idx="3"/>
+          </p:cNvCxnSpPr>
+          <p:nvPr/>
+        </p:nvCxnSpPr>
+        <p:spPr>
+          <a:xfrm flipV="1">
+            <a:off x="3503712" y="3695637"/>
+            <a:ext cx="2651466" cy="1149456"/>
+          </a:xfrm>
+          <a:prstGeom prst="bentConnector3">
+            <a:avLst>
+              <a:gd name="adj1" fmla="val 100072"/>
+            </a:avLst>
+          </a:prstGeom>
+          <a:ln>
+            <a:tailEnd type="arrow"/>
+          </a:ln>
+        </p:spPr>
+        <p:style>
+          <a:lnRef idx="2">
+            <a:schemeClr val="accent2"/>
+          </a:lnRef>
+          <a:fillRef idx="0">
+            <a:schemeClr val="accent2"/>
+          </a:fillRef>
+          <a:effectRef idx="1">
+            <a:schemeClr val="accent2"/>
+          </a:effectRef>
+          <a:fontRef idx="minor">
+            <a:schemeClr val="tx1"/>
+          </a:fontRef>
+        </p:style>
+      </p:cxnSp>
     </p:spTree>
     <p:extLst>
       <p:ext uri="{BB962C8B-B14F-4D97-AF65-F5344CB8AC3E}">
-        <p14:creationId xmlns:p14="http://schemas.microsoft.com/office/powerpoint/2010/main" val="416475862"/>
+        <p14:creationId xmlns:p14="http://schemas.microsoft.com/office/powerpoint/2010/main" val="4162951865"/>
       </p:ext>
     </p:extLst>
   </p:cSld>
   <p:clrMapOvr>
     <a:masterClrMapping/>
   </p:clrMapOvr>
-  <p:timing>
-    <p:tnLst>
-      <p:par>
-        <p:cTn id="1" dur="indefinite" restart="never" nodeType="tmRoot"/>
-      </p:par>
-    </p:tnLst>
-  </p:timing>
 </p:sld>
 </file>
 

--- a/tcpdump.pptx
+++ b/tcpdump.pptx
@@ -116,7 +116,7 @@
   </p:defaultTextStyle>
   <p:extLst>
     <p:ext uri="{EFAFB233-063F-42B5-8137-9DF3F51BA10A}">
-      <p15:sldGuideLst xmlns="" xmlns:p15="http://schemas.microsoft.com/office/powerpoint/2012/main">
+      <p15:sldGuideLst xmlns:p15="http://schemas.microsoft.com/office/powerpoint/2012/main" xmlns="">
         <p15:guide id="1" orient="horz" pos="2160" userDrawn="1">
           <p15:clr>
             <a:srgbClr val="A4A3A4"/>
@@ -219,7 +219,7 @@
           <a:p>
             <a:fld id="{8846F4B9-E833-452C-BAB3-A32CAEA9F541}" type="datetimeFigureOut">
               <a:rPr lang="zh-CN" altLang="en-US" smtClean="0"/>
-              <a:t>2018/7/17</a:t>
+              <a:t>2018/7/18</a:t>
             </a:fld>
             <a:endParaRPr lang="zh-CN" altLang="en-US"/>
           </a:p>
@@ -974,7 +974,7 @@
             <a:fld id="{536E3643-A79B-4477-8B7F-6CA6C8BFD2C9}" type="datetimeFigureOut">
               <a:rPr lang="zh-CN" altLang="en-US" smtClean="0"/>
               <a:pPr/>
-              <a:t>2018/7/17</a:t>
+              <a:t>2018/7/18</a:t>
             </a:fld>
             <a:endParaRPr lang="zh-CN" altLang="en-US"/>
           </a:p>
@@ -1240,7 +1240,7 @@
             <a:fld id="{536E3643-A79B-4477-8B7F-6CA6C8BFD2C9}" type="datetimeFigureOut">
               <a:rPr lang="zh-CN" altLang="en-US" smtClean="0"/>
               <a:pPr/>
-              <a:t>2018/7/17</a:t>
+              <a:t>2018/7/18</a:t>
             </a:fld>
             <a:endParaRPr lang="zh-CN" altLang="en-US"/>
           </a:p>
@@ -1336,7 +1336,7 @@
             <a:fld id="{536E3643-A79B-4477-8B7F-6CA6C8BFD2C9}" type="datetimeFigureOut">
               <a:rPr lang="zh-CN" altLang="en-US" smtClean="0"/>
               <a:pPr/>
-              <a:t>2018/7/17</a:t>
+              <a:t>2018/7/18</a:t>
             </a:fld>
             <a:endParaRPr lang="zh-CN" altLang="en-US"/>
           </a:p>
@@ -1596,7 +1596,7 @@
             <a:fld id="{536E3643-A79B-4477-8B7F-6CA6C8BFD2C9}" type="datetimeFigureOut">
               <a:rPr lang="zh-CN" altLang="en-US" smtClean="0"/>
               <a:pPr/>
-              <a:t>2018/7/17</a:t>
+              <a:t>2018/7/18</a:t>
             </a:fld>
             <a:endParaRPr lang="zh-CN" altLang="en-US"/>
           </a:p>
@@ -2378,7 +2378,7 @@
                   <a:schemeClr val="accent1"/>
                 </a:solidFill>
               </a:rPr>
-              <a:t>cpdump</a:t>
+              <a:t>cpdump </a:t>
             </a:r>
             <a:r>
               <a:rPr lang="zh-CN" altLang="en-US" sz="1400" b="1" smtClean="0">
@@ -2386,7 +2386,15 @@
                   <a:schemeClr val="accent1"/>
                 </a:solidFill>
               </a:rPr>
-              <a:t>是什么？</a:t>
+              <a:t>是</a:t>
+            </a:r>
+            <a:r>
+              <a:rPr lang="zh-CN" altLang="en-US" sz="1400" b="1" smtClean="0">
+                <a:solidFill>
+                  <a:schemeClr val="accent1"/>
+                </a:solidFill>
+              </a:rPr>
+              <a:t>什么？</a:t>
             </a:r>
             <a:endParaRPr lang="zh-CN" altLang="en-US" sz="1400" b="1">
               <a:solidFill>
@@ -2423,7 +2431,7 @@
               </a:lnSpc>
             </a:pPr>
             <a:r>
-              <a:rPr lang="en-US" altLang="zh-CN" sz="1050" smtClean="0">
+              <a:rPr lang="en-US" altLang="zh-CN" sz="1100" smtClean="0">
                 <a:solidFill>
                   <a:schemeClr val="bg1">
                     <a:lumMod val="50000"/>
@@ -2432,10 +2440,10 @@
                 <a:latin typeface="Microsoft YaHei Mono" pitchFamily="49" charset="-122"/>
                 <a:ea typeface="Microsoft YaHei Mono" pitchFamily="49" charset="-122"/>
               </a:rPr>
-              <a:t>t</a:t>
-            </a:r>
-            <a:r>
-              <a:rPr lang="en-US" altLang="zh-CN" sz="1050" smtClean="0">
+              <a:t>tcpdump </a:t>
+            </a:r>
+            <a:r>
+              <a:rPr lang="zh-CN" altLang="en-US" sz="1100" smtClean="0">
                 <a:solidFill>
                   <a:schemeClr val="bg1">
                     <a:lumMod val="50000"/>
@@ -2444,10 +2452,10 @@
                 <a:latin typeface="Microsoft YaHei Mono" pitchFamily="49" charset="-122"/>
                 <a:ea typeface="Microsoft YaHei Mono" pitchFamily="49" charset="-122"/>
               </a:rPr>
-              <a:t>cpdump </a:t>
-            </a:r>
-            <a:r>
-              <a:rPr lang="zh-CN" altLang="en-US" sz="1050" smtClean="0">
+              <a:t>是一个基于 </a:t>
+            </a:r>
+            <a:r>
+              <a:rPr lang="en-US" altLang="zh-CN" sz="1100">
                 <a:solidFill>
                   <a:schemeClr val="bg1">
                     <a:lumMod val="50000"/>
@@ -2456,10 +2464,10 @@
                 <a:latin typeface="Microsoft YaHei Mono" pitchFamily="49" charset="-122"/>
                 <a:ea typeface="Microsoft YaHei Mono" pitchFamily="49" charset="-122"/>
               </a:rPr>
-              <a:t>是一个</a:t>
-            </a:r>
-            <a:r>
-              <a:rPr lang="zh-CN" altLang="en-US" sz="1050" smtClean="0">
+              <a:t>RT-Thread </a:t>
+            </a:r>
+            <a:r>
+              <a:rPr lang="zh-CN" altLang="en-US" sz="1100">
                 <a:solidFill>
                   <a:schemeClr val="bg1">
                     <a:lumMod val="50000"/>
@@ -2468,10 +2476,10 @@
                 <a:latin typeface="Microsoft YaHei Mono" pitchFamily="49" charset="-122"/>
                 <a:ea typeface="Microsoft YaHei Mono" pitchFamily="49" charset="-122"/>
               </a:rPr>
-              <a:t>基于 </a:t>
-            </a:r>
-            <a:r>
-              <a:rPr lang="en-US" altLang="zh-CN" sz="1050">
+              <a:t>的</a:t>
+            </a:r>
+            <a:r>
+              <a:rPr lang="zh-CN" altLang="en-US" sz="1100" smtClean="0">
                 <a:solidFill>
                   <a:schemeClr val="bg1">
                     <a:lumMod val="50000"/>
@@ -2480,10 +2488,10 @@
                 <a:latin typeface="Microsoft YaHei Mono" pitchFamily="49" charset="-122"/>
                 <a:ea typeface="Microsoft YaHei Mono" pitchFamily="49" charset="-122"/>
               </a:rPr>
-              <a:t>RT-Thread </a:t>
-            </a:r>
-            <a:r>
-              <a:rPr lang="zh-CN" altLang="en-US" sz="1050">
+              <a:t>捕获</a:t>
+            </a:r>
+            <a:r>
+              <a:rPr lang="en-US" altLang="zh-CN" sz="1100" smtClean="0">
                 <a:solidFill>
                   <a:schemeClr val="bg1">
                     <a:lumMod val="50000"/>
@@ -2492,10 +2500,10 @@
                 <a:latin typeface="Microsoft YaHei Mono" pitchFamily="49" charset="-122"/>
                 <a:ea typeface="Microsoft YaHei Mono" pitchFamily="49" charset="-122"/>
               </a:rPr>
-              <a:t>的</a:t>
-            </a:r>
-            <a:r>
-              <a:rPr lang="zh-CN" altLang="en-US" sz="1050" smtClean="0">
+              <a:t>IP</a:t>
+            </a:r>
+            <a:r>
+              <a:rPr lang="zh-CN" altLang="en-US" sz="1100" smtClean="0">
                 <a:solidFill>
                   <a:schemeClr val="bg1">
                     <a:lumMod val="50000"/>
@@ -2504,10 +2512,10 @@
                 <a:latin typeface="Microsoft YaHei Mono" pitchFamily="49" charset="-122"/>
                 <a:ea typeface="Microsoft YaHei Mono" pitchFamily="49" charset="-122"/>
               </a:rPr>
-              <a:t>捕获</a:t>
-            </a:r>
-            <a:r>
-              <a:rPr lang="en-US" altLang="zh-CN" sz="1050" smtClean="0">
+              <a:t>报文</a:t>
+            </a:r>
+            <a:r>
+              <a:rPr lang="zh-CN" altLang="en-US" sz="1100">
                 <a:solidFill>
                   <a:schemeClr val="bg1">
                     <a:lumMod val="50000"/>
@@ -2516,10 +2524,10 @@
                 <a:latin typeface="Microsoft YaHei Mono" pitchFamily="49" charset="-122"/>
                 <a:ea typeface="Microsoft YaHei Mono" pitchFamily="49" charset="-122"/>
               </a:rPr>
-              <a:t>IP</a:t>
-            </a:r>
-            <a:r>
-              <a:rPr lang="zh-CN" altLang="en-US" sz="1050" smtClean="0">
+              <a:t>的小</a:t>
+            </a:r>
+            <a:r>
+              <a:rPr lang="zh-CN" altLang="en-US" sz="1100">
                 <a:solidFill>
                   <a:schemeClr val="bg1">
                     <a:lumMod val="50000"/>
@@ -2528,10 +2536,10 @@
                 <a:latin typeface="Microsoft YaHei Mono" pitchFamily="49" charset="-122"/>
                 <a:ea typeface="Microsoft YaHei Mono" pitchFamily="49" charset="-122"/>
               </a:rPr>
-              <a:t>报文</a:t>
-            </a:r>
-            <a:r>
-              <a:rPr lang="zh-CN" altLang="en-US" sz="1050">
+              <a:t>工具，捕获网络数据包，对数据加工，保存下来</a:t>
+            </a:r>
+            <a:r>
+              <a:rPr lang="zh-CN" altLang="en-US" sz="1100">
                 <a:solidFill>
                   <a:schemeClr val="bg1">
                     <a:lumMod val="50000"/>
@@ -2540,9 +2548,57 @@
                 <a:latin typeface="Microsoft YaHei Mono" pitchFamily="49" charset="-122"/>
                 <a:ea typeface="Microsoft YaHei Mono" pitchFamily="49" charset="-122"/>
               </a:rPr>
-              <a:t>的小工具</a:t>
-            </a:r>
-            <a:endParaRPr lang="zh-CN" altLang="en-US" sz="1050" dirty="0">
+              <a:t>，</a:t>
+            </a:r>
+            <a:r>
+              <a:rPr lang="zh-CN" altLang="en-US" sz="1100" smtClean="0">
+                <a:solidFill>
+                  <a:schemeClr val="bg1">
+                    <a:lumMod val="50000"/>
+                  </a:schemeClr>
+                </a:solidFill>
+                <a:latin typeface="Microsoft YaHei Mono" pitchFamily="49" charset="-122"/>
+                <a:ea typeface="Microsoft YaHei Mono" pitchFamily="49" charset="-122"/>
+              </a:rPr>
+              <a:t>用 </a:t>
+            </a:r>
+            <a:r>
+              <a:rPr lang="en-US" altLang="zh-CN" sz="1100" smtClean="0">
+                <a:solidFill>
+                  <a:schemeClr val="bg1">
+                    <a:lumMod val="50000"/>
+                  </a:schemeClr>
+                </a:solidFill>
+                <a:latin typeface="Microsoft YaHei Mono" pitchFamily="49" charset="-122"/>
+                <a:ea typeface="Microsoft YaHei Mono" pitchFamily="49" charset="-122"/>
+              </a:rPr>
+              <a:t>wireshark </a:t>
+            </a:r>
+            <a:r>
+              <a:rPr lang="zh-CN" altLang="en-US" sz="1100" smtClean="0">
+                <a:solidFill>
+                  <a:schemeClr val="bg1">
+                    <a:lumMod val="50000"/>
+                  </a:schemeClr>
+                </a:solidFill>
+                <a:latin typeface="Microsoft YaHei Mono" pitchFamily="49" charset="-122"/>
+                <a:ea typeface="Microsoft YaHei Mono" pitchFamily="49" charset="-122"/>
+              </a:rPr>
+              <a:t>软件</a:t>
+            </a:r>
+            <a:r>
+              <a:rPr lang="zh-CN" altLang="en-US" sz="1100">
+                <a:solidFill>
+                  <a:schemeClr val="bg1">
+                    <a:lumMod val="50000"/>
+                  </a:schemeClr>
+                </a:solidFill>
+                <a:latin typeface="Microsoft YaHei Mono" pitchFamily="49" charset="-122"/>
+                <a:ea typeface="Microsoft YaHei Mono" pitchFamily="49" charset="-122"/>
+              </a:rPr>
+              <a:t>分析</a:t>
+            </a:r>
+            <a:endParaRPr lang="zh-CN" altLang="en-US" sz="1100" dirty="0">
               <a:solidFill>
                 <a:schemeClr val="bg1">
                   <a:lumMod val="50000"/>
@@ -2577,28 +2633,20 @@
           <a:p>
             <a:pPr lvl="0"/>
             <a:r>
-              <a:rPr lang="en-US" altLang="zh-CN" sz="1400" b="1">
+              <a:rPr lang="en-US" altLang="zh-CN" sz="1400" b="1" smtClean="0">
                 <a:solidFill>
                   <a:schemeClr val="accent2"/>
                 </a:solidFill>
               </a:rPr>
-              <a:t>t</a:t>
-            </a:r>
-            <a:r>
-              <a:rPr lang="en-US" altLang="zh-CN" sz="1400" b="1" smtClean="0">
+              <a:t>tcpdump </a:t>
+            </a:r>
+            <a:r>
+              <a:rPr lang="zh-CN" altLang="en-US" sz="1400" b="1" smtClean="0">
                 <a:solidFill>
                   <a:schemeClr val="accent2"/>
                 </a:solidFill>
               </a:rPr>
-              <a:t>cpdump</a:t>
-            </a:r>
-            <a:r>
-              <a:rPr lang="zh-CN" altLang="en-US" sz="1400" b="1" smtClean="0">
-                <a:solidFill>
-                  <a:schemeClr val="accent2"/>
-                </a:solidFill>
-              </a:rPr>
-              <a:t>干什么的？</a:t>
+              <a:t>支持哪些操作方式</a:t>
             </a:r>
             <a:endParaRPr lang="zh-CN" altLang="en-US" sz="1400" b="1">
               <a:solidFill>
@@ -2635,7 +2683,7 @@
               </a:lnSpc>
             </a:pPr>
             <a:r>
-              <a:rPr lang="en-US" altLang="zh-CN" sz="1050" smtClean="0">
+              <a:rPr lang="en-US" altLang="zh-CN" sz="1100">
                 <a:solidFill>
                   <a:schemeClr val="bg1">
                     <a:lumMod val="50000"/>
@@ -2644,10 +2692,10 @@
                 <a:latin typeface="Microsoft YaHei Mono" pitchFamily="49" charset="-122"/>
                 <a:ea typeface="Microsoft YaHei Mono" pitchFamily="49" charset="-122"/>
               </a:rPr>
-              <a:t>t</a:t>
-            </a:r>
-            <a:r>
-              <a:rPr lang="en-US" altLang="zh-CN" sz="1050" smtClean="0">
+              <a:t>tcpdump </a:t>
+            </a:r>
+            <a:r>
+              <a:rPr lang="zh-CN" altLang="en-US" sz="1100">
                 <a:solidFill>
                   <a:schemeClr val="bg1">
                     <a:lumMod val="50000"/>
@@ -2656,10 +2704,10 @@
                 <a:latin typeface="Microsoft YaHei Mono" pitchFamily="49" charset="-122"/>
                 <a:ea typeface="Microsoft YaHei Mono" pitchFamily="49" charset="-122"/>
               </a:rPr>
-              <a:t>cpdump </a:t>
-            </a:r>
-            <a:r>
-              <a:rPr lang="zh-CN" altLang="en-US" sz="1050">
+              <a:t>支持</a:t>
+            </a:r>
+            <a:r>
+              <a:rPr lang="zh-CN" altLang="en-US" sz="1100" smtClean="0">
                 <a:solidFill>
                   <a:schemeClr val="bg1">
                     <a:lumMod val="50000"/>
@@ -2668,10 +2716,10 @@
                 <a:latin typeface="Microsoft YaHei Mono" pitchFamily="49" charset="-122"/>
                 <a:ea typeface="Microsoft YaHei Mono" pitchFamily="49" charset="-122"/>
               </a:rPr>
-              <a:t>捕获</a:t>
-            </a:r>
-            <a:r>
-              <a:rPr lang="zh-CN" altLang="en-US" sz="1050" smtClean="0">
+              <a:t>文件系统、</a:t>
+            </a:r>
+            <a:r>
+              <a:rPr lang="en-US" altLang="zh-CN" sz="1100" smtClean="0">
                 <a:solidFill>
                   <a:schemeClr val="bg1">
                     <a:lumMod val="50000"/>
@@ -2680,10 +2728,10 @@
                 <a:latin typeface="Microsoft YaHei Mono" pitchFamily="49" charset="-122"/>
                 <a:ea typeface="Microsoft YaHei Mono" pitchFamily="49" charset="-122"/>
               </a:rPr>
-              <a:t>网络数据包，对数据加工，保存下来，用</a:t>
-            </a:r>
-            <a:r>
-              <a:rPr lang="en-US" altLang="zh-CN" sz="1050" smtClean="0">
+              <a:t>rdb</a:t>
+            </a:r>
+            <a:r>
+              <a:rPr lang="zh-CN" altLang="en-US" sz="1100" smtClean="0">
                 <a:solidFill>
                   <a:schemeClr val="bg1">
                     <a:lumMod val="50000"/>
@@ -2692,10 +2740,10 @@
                 <a:latin typeface="Microsoft YaHei Mono" pitchFamily="49" charset="-122"/>
                 <a:ea typeface="Microsoft YaHei Mono" pitchFamily="49" charset="-122"/>
               </a:rPr>
-              <a:t>wireshark</a:t>
-            </a:r>
-            <a:r>
-              <a:rPr lang="zh-CN" altLang="en-US" sz="1050" smtClean="0">
+              <a:t>两种模式保存数据，数据导出后再由 </a:t>
+            </a:r>
+            <a:r>
+              <a:rPr lang="en-US" altLang="zh-CN" sz="1100" smtClean="0">
                 <a:solidFill>
                   <a:schemeClr val="bg1">
                     <a:lumMod val="50000"/>
@@ -2704,9 +2752,45 @@
                 <a:latin typeface="Microsoft YaHei Mono" pitchFamily="49" charset="-122"/>
                 <a:ea typeface="Microsoft YaHei Mono" pitchFamily="49" charset="-122"/>
               </a:rPr>
+              <a:t>wireshark </a:t>
+            </a:r>
+            <a:r>
+              <a:rPr lang="zh-CN" altLang="en-US" sz="1100" smtClean="0">
+                <a:solidFill>
+                  <a:schemeClr val="bg1">
+                    <a:lumMod val="50000"/>
+                  </a:schemeClr>
+                </a:solidFill>
+                <a:latin typeface="Microsoft YaHei Mono" pitchFamily="49" charset="-122"/>
+                <a:ea typeface="Microsoft YaHei Mono" pitchFamily="49" charset="-122"/>
+              </a:rPr>
               <a:t>软件分析</a:t>
             </a:r>
-            <a:endParaRPr lang="zh-CN" altLang="en-US" sz="1050" dirty="0">
+            <a:r>
+              <a:rPr lang="zh-CN" altLang="en-US" sz="1100">
+                <a:solidFill>
+                  <a:schemeClr val="bg1">
+                    <a:lumMod val="50000"/>
+                  </a:schemeClr>
+                </a:solidFill>
+                <a:latin typeface="Microsoft YaHei Mono" pitchFamily="49" charset="-122"/>
+                <a:ea typeface="Microsoft YaHei Mono" pitchFamily="49" charset="-122"/>
+              </a:rPr>
+              <a:t>网络交互数据</a:t>
+            </a:r>
+            <a:r>
+              <a:rPr lang="en-US" altLang="zh-CN" sz="1100">
+                <a:solidFill>
+                  <a:schemeClr val="bg1">
+                    <a:lumMod val="50000"/>
+                  </a:schemeClr>
+                </a:solidFill>
+                <a:latin typeface="Microsoft YaHei Mono" pitchFamily="49" charset="-122"/>
+                <a:ea typeface="Microsoft YaHei Mono" pitchFamily="49" charset="-122"/>
+              </a:rPr>
+              <a:t> </a:t>
+            </a:r>
+            <a:endParaRPr lang="zh-CN" altLang="en-US" sz="1100" dirty="0">
               <a:solidFill>
                 <a:schemeClr val="bg1">
                   <a:lumMod val="50000"/>
@@ -2741,28 +2825,20 @@
           <a:p>
             <a:pPr lvl="0"/>
             <a:r>
-              <a:rPr lang="en-US" altLang="zh-CN" sz="1400" b="1">
+              <a:rPr lang="en-US" altLang="zh-CN" sz="1400" b="1" smtClean="0">
                 <a:solidFill>
                   <a:schemeClr val="accent3"/>
                 </a:solidFill>
               </a:rPr>
-              <a:t>t</a:t>
-            </a:r>
-            <a:r>
-              <a:rPr lang="en-US" altLang="zh-CN" sz="1400" b="1" smtClean="0">
+              <a:t>tcpdump </a:t>
+            </a:r>
+            <a:r>
+              <a:rPr lang="zh-CN" altLang="en-US" sz="1400" b="1" smtClean="0">
                 <a:solidFill>
                   <a:schemeClr val="accent3"/>
                 </a:solidFill>
               </a:rPr>
-              <a:t>cpdump</a:t>
-            </a:r>
-            <a:r>
-              <a:rPr lang="zh-CN" altLang="en-US" sz="1400" b="1" smtClean="0">
-                <a:solidFill>
-                  <a:schemeClr val="accent3"/>
-                </a:solidFill>
-              </a:rPr>
-              <a:t>支持哪些操作方式？</a:t>
+              <a:t>有什么优势？</a:t>
             </a:r>
             <a:endParaRPr lang="zh-CN" altLang="en-US" sz="1400" b="1">
               <a:solidFill>
@@ -2799,7 +2875,7 @@
               </a:lnSpc>
             </a:pPr>
             <a:r>
-              <a:rPr lang="en-US" altLang="zh-CN" sz="1050">
+              <a:rPr lang="en-US" altLang="zh-CN" sz="1100" smtClean="0">
                 <a:solidFill>
                   <a:schemeClr val="bg1">
                     <a:lumMod val="50000"/>
@@ -2808,10 +2884,10 @@
                 <a:latin typeface="Microsoft YaHei Mono" pitchFamily="49" charset="-122"/>
                 <a:ea typeface="Microsoft YaHei Mono" pitchFamily="49" charset="-122"/>
               </a:rPr>
-              <a:t>t</a:t>
-            </a:r>
-            <a:r>
-              <a:rPr lang="en-US" altLang="zh-CN" sz="1050" smtClean="0">
+              <a:t>tcpdump </a:t>
+            </a:r>
+            <a:r>
+              <a:rPr lang="zh-CN" altLang="en-US" sz="1100" smtClean="0">
                 <a:solidFill>
                   <a:schemeClr val="bg1">
                     <a:lumMod val="50000"/>
@@ -2820,10 +2896,10 @@
                 <a:latin typeface="Microsoft YaHei Mono" pitchFamily="49" charset="-122"/>
                 <a:ea typeface="Microsoft YaHei Mono" pitchFamily="49" charset="-122"/>
               </a:rPr>
-              <a:t>cpdump </a:t>
-            </a:r>
-            <a:r>
-              <a:rPr lang="zh-CN" altLang="en-US" sz="1050" smtClean="0">
+              <a:t>主要是方便在无法直接使用 </a:t>
+            </a:r>
+            <a:r>
+              <a:rPr lang="en-US" altLang="zh-CN" sz="1100" smtClean="0">
                 <a:solidFill>
                   <a:schemeClr val="bg1">
                     <a:lumMod val="50000"/>
@@ -2832,10 +2908,10 @@
                 <a:latin typeface="Microsoft YaHei Mono" pitchFamily="49" charset="-122"/>
                 <a:ea typeface="Microsoft YaHei Mono" pitchFamily="49" charset="-122"/>
               </a:rPr>
-              <a:t>支持</a:t>
-            </a:r>
-            <a:r>
-              <a:rPr lang="zh-CN" altLang="en-US" sz="1050" smtClean="0">
+              <a:t>wireshark </a:t>
+            </a:r>
+            <a:r>
+              <a:rPr lang="zh-CN" altLang="en-US" sz="1100">
                 <a:solidFill>
                   <a:schemeClr val="bg1">
                     <a:lumMod val="50000"/>
@@ -2844,10 +2920,10 @@
                 <a:latin typeface="Microsoft YaHei Mono" pitchFamily="49" charset="-122"/>
                 <a:ea typeface="Microsoft YaHei Mono" pitchFamily="49" charset="-122"/>
               </a:rPr>
-              <a:t>文件系统保存捕获到的数据 和 </a:t>
-            </a:r>
-            <a:r>
-              <a:rPr lang="en-US" altLang="zh-CN" sz="1050" smtClean="0">
+              <a:t>抓</a:t>
+            </a:r>
+            <a:r>
+              <a:rPr lang="zh-CN" altLang="en-US" sz="1100" smtClean="0">
                 <a:solidFill>
                   <a:schemeClr val="bg1">
                     <a:lumMod val="50000"/>
@@ -2856,10 +2932,10 @@
                 <a:latin typeface="Microsoft YaHei Mono" pitchFamily="49" charset="-122"/>
                 <a:ea typeface="Microsoft YaHei Mono" pitchFamily="49" charset="-122"/>
               </a:rPr>
-              <a:t>rdb</a:t>
-            </a:r>
-            <a:r>
-              <a:rPr lang="zh-CN" altLang="en-US" sz="1050" smtClean="0">
+              <a:t>包的时候分析网络交互数据，应用场景比如点对点的 </a:t>
+            </a:r>
+            <a:r>
+              <a:rPr lang="en-US" altLang="zh-CN" sz="1100" smtClean="0">
                 <a:solidFill>
                   <a:schemeClr val="bg1">
                     <a:lumMod val="50000"/>
@@ -2868,10 +2944,10 @@
                 <a:latin typeface="Microsoft YaHei Mono" pitchFamily="49" charset="-122"/>
                 <a:ea typeface="Microsoft YaHei Mono" pitchFamily="49" charset="-122"/>
               </a:rPr>
-              <a:t>工具将</a:t>
-            </a:r>
-            <a:r>
-              <a:rPr lang="en-US" altLang="zh-CN" sz="1050" smtClean="0">
+              <a:t>AP+STA </a:t>
+            </a:r>
+            <a:r>
+              <a:rPr lang="zh-CN" altLang="en-US" sz="1100" smtClean="0">
                 <a:solidFill>
                   <a:schemeClr val="bg1">
                     <a:lumMod val="50000"/>
@@ -2880,10 +2956,10 @@
                 <a:latin typeface="Microsoft YaHei Mono" pitchFamily="49" charset="-122"/>
                 <a:ea typeface="Microsoft YaHei Mono" pitchFamily="49" charset="-122"/>
               </a:rPr>
-              <a:t>IP</a:t>
-            </a:r>
-            <a:r>
-              <a:rPr lang="zh-CN" altLang="en-US" sz="1050" smtClean="0">
+              <a:t>通信</a:t>
+            </a:r>
+            <a:r>
+              <a:rPr lang="en-US" altLang="zh-CN" sz="1100" smtClean="0">
                 <a:solidFill>
                   <a:schemeClr val="bg1">
                     <a:lumMod val="50000"/>
@@ -2892,57 +2968,9 @@
                 <a:latin typeface="Microsoft YaHei Mono" pitchFamily="49" charset="-122"/>
                 <a:ea typeface="Microsoft YaHei Mono" pitchFamily="49" charset="-122"/>
               </a:rPr>
-              <a:t>报文导入</a:t>
-            </a:r>
-            <a:r>
-              <a:rPr lang="en-US" altLang="zh-CN" sz="1050" smtClean="0">
-                <a:solidFill>
-                  <a:schemeClr val="bg1">
-                    <a:lumMod val="50000"/>
-                  </a:schemeClr>
-                </a:solidFill>
-                <a:latin typeface="Microsoft YaHei Mono" pitchFamily="49" charset="-122"/>
-                <a:ea typeface="Microsoft YaHei Mono" pitchFamily="49" charset="-122"/>
-              </a:rPr>
-              <a:t>PC</a:t>
-            </a:r>
-            <a:r>
-              <a:rPr lang="zh-CN" altLang="en-US" sz="1050" smtClean="0">
-                <a:solidFill>
-                  <a:schemeClr val="bg1">
-                    <a:lumMod val="50000"/>
-                  </a:schemeClr>
-                </a:solidFill>
-                <a:latin typeface="Microsoft YaHei Mono" pitchFamily="49" charset="-122"/>
-                <a:ea typeface="Microsoft YaHei Mono" pitchFamily="49" charset="-122"/>
-              </a:rPr>
-              <a:t>，再有</a:t>
-            </a:r>
-            <a:r>
-              <a:rPr lang="en-US" altLang="zh-CN" sz="1050" smtClean="0">
-                <a:solidFill>
-                  <a:schemeClr val="bg1">
-                    <a:lumMod val="50000"/>
-                  </a:schemeClr>
-                </a:solidFill>
-                <a:latin typeface="Microsoft YaHei Mono" pitchFamily="49" charset="-122"/>
-                <a:ea typeface="Microsoft YaHei Mono" pitchFamily="49" charset="-122"/>
-              </a:rPr>
-              <a:t>wireshark</a:t>
-            </a:r>
-            <a:r>
-              <a:rPr lang="zh-CN" altLang="en-US" sz="1050" smtClean="0">
-                <a:solidFill>
-                  <a:schemeClr val="bg1">
-                    <a:lumMod val="50000"/>
-                  </a:schemeClr>
-                </a:solidFill>
-                <a:latin typeface="Microsoft YaHei Mono" pitchFamily="49" charset="-122"/>
-                <a:ea typeface="Microsoft YaHei Mono" pitchFamily="49" charset="-122"/>
-              </a:rPr>
-              <a:t>软件分析网络流</a:t>
-            </a:r>
-            <a:endParaRPr lang="zh-CN" altLang="en-US" sz="1050" dirty="0">
+              <a:t> </a:t>
+            </a:r>
+            <a:endParaRPr lang="zh-CN" altLang="en-US" sz="1100" dirty="0">
               <a:solidFill>
                 <a:schemeClr val="bg1">
                   <a:lumMod val="50000"/>
@@ -11224,19 +11252,7 @@
                 <a:latin typeface="Microsoft YaHei Mono" pitchFamily="49" charset="-122"/>
                 <a:ea typeface="Microsoft YaHei Mono" pitchFamily="49" charset="-122"/>
               </a:rPr>
-              <a:t>-</a:t>
-            </a:r>
-            <a:r>
-              <a:rPr lang="en-US" altLang="zh-CN" sz="1400" smtClean="0">
-                <a:solidFill>
-                  <a:schemeClr val="bg1">
-                    <a:lumMod val="50000"/>
-                  </a:schemeClr>
-                </a:solidFill>
-                <a:latin typeface="Microsoft YaHei Mono" pitchFamily="49" charset="-122"/>
-                <a:ea typeface="Microsoft YaHei Mono" pitchFamily="49" charset="-122"/>
-              </a:rPr>
-              <a:t>i: </a:t>
+              <a:t>-i: </a:t>
             </a:r>
             <a:r>
               <a:rPr lang="zh-CN" altLang="en-US" sz="1200" smtClean="0">
@@ -11283,10 +11299,10 @@
                 <a:latin typeface="Microsoft YaHei Mono" pitchFamily="49" charset="-122"/>
                 <a:ea typeface="Microsoft YaHei Mono" pitchFamily="49" charset="-122"/>
               </a:rPr>
-              <a:t>选择保存模式（保存文件系统 或 </a:t>
-            </a:r>
-            <a:r>
-              <a:rPr lang="en-US" altLang="zh-CN" sz="1200" smtClean="0">
+              <a:t>选择保存模式</a:t>
+            </a:r>
+            <a:r>
+              <a:rPr lang="zh-CN" altLang="en-US" sz="1200" smtClean="0">
                 <a:solidFill>
                   <a:schemeClr val="bg1">
                     <a:lumMod val="50000"/>
@@ -11295,7 +11311,55 @@
                 <a:latin typeface="Microsoft YaHei Mono" pitchFamily="49" charset="-122"/>
                 <a:ea typeface="Microsoft YaHei Mono" pitchFamily="49" charset="-122"/>
               </a:rPr>
-              <a:t>sd-card</a:t>
+              <a:t>（文件系统 </a:t>
+            </a:r>
+            <a:r>
+              <a:rPr lang="zh-CN" altLang="en-US" sz="1200" smtClean="0">
+                <a:solidFill>
+                  <a:schemeClr val="bg1">
+                    <a:lumMod val="50000"/>
+                  </a:schemeClr>
+                </a:solidFill>
+                <a:latin typeface="Microsoft YaHei Mono" pitchFamily="49" charset="-122"/>
+                <a:ea typeface="Microsoft YaHei Mono" pitchFamily="49" charset="-122"/>
+              </a:rPr>
+              <a:t>或 </a:t>
+            </a:r>
+            <a:r>
+              <a:rPr lang="en-US" altLang="zh-CN" sz="1200" smtClean="0">
+                <a:solidFill>
+                  <a:schemeClr val="bg1">
+                    <a:lumMod val="50000"/>
+                  </a:schemeClr>
+                </a:solidFill>
+                <a:latin typeface="Microsoft YaHei Mono" pitchFamily="49" charset="-122"/>
+                <a:ea typeface="Microsoft YaHei Mono" pitchFamily="49" charset="-122"/>
+              </a:rPr>
+              <a:t>rbd</a:t>
+            </a:r>
+            <a:r>
+              <a:rPr lang="zh-CN" altLang="en-US" sz="1200" smtClean="0">
+                <a:solidFill>
+                  <a:schemeClr val="bg1">
+                    <a:lumMod val="50000"/>
+                  </a:schemeClr>
+                </a:solidFill>
+                <a:latin typeface="Microsoft YaHei Mono" pitchFamily="49" charset="-122"/>
+                <a:ea typeface="Microsoft YaHei Mono" pitchFamily="49" charset="-122"/>
+              </a:rPr>
+              <a:t>工具导入</a:t>
+            </a:r>
+            <a:r>
+              <a:rPr lang="en-US" altLang="zh-CN" sz="1200" smtClean="0">
+                <a:solidFill>
+                  <a:schemeClr val="bg1">
+                    <a:lumMod val="50000"/>
+                  </a:schemeClr>
+                </a:solidFill>
+                <a:latin typeface="Microsoft YaHei Mono" pitchFamily="49" charset="-122"/>
+                <a:ea typeface="Microsoft YaHei Mono" pitchFamily="49" charset="-122"/>
+              </a:rPr>
+              <a:t>PC</a:t>
             </a:r>
             <a:r>
               <a:rPr lang="zh-CN" altLang="en-US" sz="1200" smtClean="0">
@@ -11585,19 +11649,7 @@
                 <a:latin typeface="Microsoft YaHei Mono" pitchFamily="49" charset="-122"/>
                 <a:ea typeface="Microsoft YaHei Mono" pitchFamily="49" charset="-122"/>
               </a:rPr>
-              <a:t>[-p] [-h] [-i interface] [-m mode] [-w </a:t>
-            </a:r>
-            <a:r>
-              <a:rPr lang="en-US" altLang="zh-CN" sz="1200">
-                <a:solidFill>
-                  <a:schemeClr val="bg1">
-                    <a:lumMod val="50000"/>
-                  </a:schemeClr>
-                </a:solidFill>
-                <a:latin typeface="Microsoft YaHei Mono" pitchFamily="49" charset="-122"/>
-                <a:ea typeface="Microsoft YaHei Mono" pitchFamily="49" charset="-122"/>
-              </a:rPr>
-              <a:t>file</a:t>
+              <a:t>[-p] [-h] [-i interface] [-m mode] [-w file</a:t>
             </a:r>
             <a:r>
               <a:rPr lang="en-US" altLang="zh-CN" sz="1200" smtClean="0">
@@ -11669,10 +11721,10 @@
                 <a:latin typeface="Microsoft YaHei Mono" pitchFamily="49" charset="-122"/>
                 <a:ea typeface="Microsoft YaHei Mono" pitchFamily="49" charset="-122"/>
               </a:rPr>
-              <a:t>-ie0 -msd -wtext.pcap                           </a:t>
-            </a:r>
-            <a:r>
-              <a:rPr lang="en-US" altLang="zh-CN" sz="1100">
+              <a:t>-ie0 -</a:t>
+            </a:r>
+            <a:r>
+              <a:rPr lang="en-US" altLang="zh-CN" sz="1100" smtClean="0">
                 <a:solidFill>
                   <a:schemeClr val="bg1">
                     <a:lumMod val="50000"/>
@@ -11681,7 +11733,7 @@
                 <a:latin typeface="Microsoft YaHei Mono" pitchFamily="49" charset="-122"/>
                 <a:ea typeface="Microsoft YaHei Mono" pitchFamily="49" charset="-122"/>
               </a:rPr>
-              <a:t> </a:t>
+              <a:t>mfile </a:t>
             </a:r>
             <a:r>
               <a:rPr lang="en-US" altLang="zh-CN" sz="1100">
@@ -11693,7 +11745,7 @@
                 <a:latin typeface="Microsoft YaHei Mono" pitchFamily="49" charset="-122"/>
                 <a:ea typeface="Microsoft YaHei Mono" pitchFamily="49" charset="-122"/>
               </a:rPr>
-              <a:t/>
+              <a:t>-wtext.pcap                            </a:t>
             </a:r>
             <a:br>
               <a:rPr lang="en-US" altLang="zh-CN" sz="1100">
@@ -11728,19 +11780,7 @@
                 <a:latin typeface="Microsoft YaHei Mono" pitchFamily="49" charset="-122"/>
                 <a:ea typeface="Microsoft YaHei Mono" pitchFamily="49" charset="-122"/>
               </a:rPr>
-              <a:t>-ie0 -mrdb </a:t>
-            </a:r>
-            <a:r>
-              <a:rPr lang="en-US" altLang="zh-CN" sz="1100">
-                <a:solidFill>
-                  <a:schemeClr val="bg1">
-                    <a:lumMod val="50000"/>
-                  </a:schemeClr>
-                </a:solidFill>
-                <a:latin typeface="Microsoft YaHei Mono" pitchFamily="49" charset="-122"/>
-                <a:ea typeface="Microsoft YaHei Mono" pitchFamily="49" charset="-122"/>
-              </a:rPr>
-              <a:t>-</a:t>
+              <a:t>-ie0 -mrdb -</a:t>
             </a:r>
             <a:r>
               <a:rPr lang="en-US" altLang="zh-CN" sz="1100" smtClean="0">
@@ -11966,7 +12006,7 @@
                 <a:latin typeface="Microsoft YaHei Mono" pitchFamily="49" charset="-122"/>
                 <a:ea typeface="Microsoft YaHei Mono" pitchFamily="49" charset="-122"/>
               </a:rPr>
-              <a:t>sd-card </a:t>
+              <a:t>file-system </a:t>
             </a:r>
             <a:r>
               <a:rPr lang="zh-CN" altLang="en-US" sz="1100" smtClean="0">
@@ -12001,10 +12041,20 @@
                 <a:latin typeface="Microsoft YaHei Mono" pitchFamily="49" charset="-122"/>
                 <a:ea typeface="Microsoft YaHei Mono" pitchFamily="49" charset="-122"/>
               </a:rPr>
-              <a:t>tcpdump –msd</a:t>
-            </a:r>
-          </a:p>
-          <a:p>
+              <a:t>tcpdump –</a:t>
+            </a:r>
+            <a:r>
+              <a:rPr lang="en-US" altLang="zh-CN" sz="1100" smtClean="0">
+                <a:solidFill>
+                  <a:schemeClr val="bg1">
+                    <a:lumMod val="50000"/>
+                  </a:schemeClr>
+                </a:solidFill>
+                <a:latin typeface="Microsoft YaHei Mono" pitchFamily="49" charset="-122"/>
+                <a:ea typeface="Microsoft YaHei Mono" pitchFamily="49" charset="-122"/>
+              </a:rPr>
+              <a:t>mfile</a:t>
+            </a:r>
             <a:endParaRPr lang="en-US" altLang="zh-CN" sz="1100" smtClean="0">
               <a:solidFill>
                 <a:schemeClr val="bg1">
@@ -12016,18 +12066,6 @@
             </a:endParaRPr>
           </a:p>
           <a:p>
-            <a:r>
-              <a:rPr lang="zh-CN" altLang="en-US" sz="1100" smtClean="0">
-                <a:solidFill>
-                  <a:schemeClr val="bg1">
-                    <a:lumMod val="50000"/>
-                  </a:schemeClr>
-                </a:solidFill>
-                <a:latin typeface="Microsoft YaHei Mono" pitchFamily="49" charset="-122"/>
-                <a:ea typeface="Microsoft YaHei Mono" pitchFamily="49" charset="-122"/>
-              </a:rPr>
-              <a:t>用户自定义文件名</a:t>
-            </a:r>
             <a:endParaRPr lang="en-US" altLang="zh-CN" sz="1100" smtClean="0">
               <a:solidFill>
                 <a:schemeClr val="bg1">
@@ -12040,7 +12078,7 @@
           </a:p>
           <a:p>
             <a:r>
-              <a:rPr lang="en-US" altLang="zh-CN" sz="1100">
+              <a:rPr lang="zh-CN" altLang="en-US" sz="1100" smtClean="0">
                 <a:solidFill>
                   <a:schemeClr val="bg1">
                     <a:lumMod val="50000"/>
@@ -12049,22 +12087,8 @@
                 <a:latin typeface="Microsoft YaHei Mono" pitchFamily="49" charset="-122"/>
                 <a:ea typeface="Microsoft YaHei Mono" pitchFamily="49" charset="-122"/>
               </a:rPr>
-              <a:t>t</a:t>
-            </a:r>
-            <a:r>
-              <a:rPr lang="en-US" altLang="zh-CN" sz="1100" smtClean="0">
-                <a:solidFill>
-                  <a:schemeClr val="bg1">
-                    <a:lumMod val="50000"/>
-                  </a:schemeClr>
-                </a:solidFill>
-                <a:latin typeface="Microsoft YaHei Mono" pitchFamily="49" charset="-122"/>
-                <a:ea typeface="Microsoft YaHei Mono" pitchFamily="49" charset="-122"/>
-              </a:rPr>
-              <a:t>cpdump –wtext.pcap</a:t>
-            </a:r>
-          </a:p>
-          <a:p>
+              <a:t>用户自定义文件名</a:t>
+            </a:r>
             <a:endParaRPr lang="en-US" altLang="zh-CN" sz="1100" smtClean="0">
               <a:solidFill>
                 <a:schemeClr val="bg1">
@@ -12077,7 +12101,7 @@
           </a:p>
           <a:p>
             <a:r>
-              <a:rPr lang="en-US" altLang="zh-CN" sz="1100" smtClean="0">
+              <a:rPr lang="en-US" altLang="zh-CN" sz="1100">
                 <a:solidFill>
                   <a:schemeClr val="bg1">
                     <a:lumMod val="50000"/>
@@ -12086,10 +12110,10 @@
                 <a:latin typeface="Microsoft YaHei Mono" pitchFamily="49" charset="-122"/>
                 <a:ea typeface="Microsoft YaHei Mono" pitchFamily="49" charset="-122"/>
               </a:rPr>
-              <a:t>-i</a:t>
-            </a:r>
-            <a:r>
-              <a:rPr lang="zh-CN" altLang="en-US" sz="1100" smtClean="0">
+              <a:t>t</a:t>
+            </a:r>
+            <a:r>
+              <a:rPr lang="en-US" altLang="zh-CN" sz="1100" smtClean="0">
                 <a:solidFill>
                   <a:schemeClr val="bg1">
                     <a:lumMod val="50000"/>
@@ -12098,68 +12122,10 @@
                 <a:latin typeface="Microsoft YaHei Mono" pitchFamily="49" charset="-122"/>
                 <a:ea typeface="Microsoft YaHei Mono" pitchFamily="49" charset="-122"/>
               </a:rPr>
-              <a:t>、</a:t>
-            </a:r>
-            <a:r>
-              <a:rPr lang="en-US" altLang="zh-CN" sz="1100" smtClean="0">
-                <a:solidFill>
-                  <a:schemeClr val="bg1">
-                    <a:lumMod val="50000"/>
-                  </a:schemeClr>
-                </a:solidFill>
-                <a:latin typeface="Microsoft YaHei Mono" pitchFamily="49" charset="-122"/>
-                <a:ea typeface="Microsoft YaHei Mono" pitchFamily="49" charset="-122"/>
-              </a:rPr>
-              <a:t>-m</a:t>
-            </a:r>
-            <a:r>
-              <a:rPr lang="zh-CN" altLang="en-US" sz="1100" smtClean="0">
-                <a:solidFill>
-                  <a:schemeClr val="bg1">
-                    <a:lumMod val="50000"/>
-                  </a:schemeClr>
-                </a:solidFill>
-                <a:latin typeface="Microsoft YaHei Mono" pitchFamily="49" charset="-122"/>
-                <a:ea typeface="Microsoft YaHei Mono" pitchFamily="49" charset="-122"/>
-              </a:rPr>
-              <a:t>、</a:t>
-            </a:r>
-            <a:r>
-              <a:rPr lang="en-US" altLang="zh-CN" sz="1100" smtClean="0">
-                <a:solidFill>
-                  <a:schemeClr val="bg1">
-                    <a:lumMod val="50000"/>
-                  </a:schemeClr>
-                </a:solidFill>
-                <a:latin typeface="Microsoft YaHei Mono" pitchFamily="49" charset="-122"/>
-                <a:ea typeface="Microsoft YaHei Mono" pitchFamily="49" charset="-122"/>
-              </a:rPr>
-              <a:t>-w</a:t>
-            </a:r>
-            <a:r>
-              <a:rPr lang="zh-CN" altLang="en-US" sz="1100">
-                <a:solidFill>
-                  <a:schemeClr val="bg1">
-                    <a:lumMod val="50000"/>
-                  </a:schemeClr>
-                </a:solidFill>
-                <a:latin typeface="Microsoft YaHei Mono" pitchFamily="49" charset="-122"/>
-                <a:ea typeface="Microsoft YaHei Mono" pitchFamily="49" charset="-122"/>
-              </a:rPr>
-              <a:t> </a:t>
-            </a:r>
-            <a:r>
-              <a:rPr lang="zh-CN" altLang="en-US" sz="1100" smtClean="0">
-                <a:solidFill>
-                  <a:schemeClr val="bg1">
-                    <a:lumMod val="50000"/>
-                  </a:schemeClr>
-                </a:solidFill>
-                <a:latin typeface="Microsoft YaHei Mono" pitchFamily="49" charset="-122"/>
-                <a:ea typeface="Microsoft YaHei Mono" pitchFamily="49" charset="-122"/>
-              </a:rPr>
-              <a:t>这三个命令是需要带参数的，若不带，则认为非法的！</a:t>
-            </a:r>
+              <a:t>cpdump –wtext.pcap</a:t>
+            </a:r>
+          </a:p>
+          <a:p>
             <a:endParaRPr lang="en-US" altLang="zh-CN" sz="1100" smtClean="0">
               <a:solidFill>
                 <a:schemeClr val="bg1">
@@ -12181,10 +12147,10 @@
                 <a:latin typeface="Microsoft YaHei Mono" pitchFamily="49" charset="-122"/>
                 <a:ea typeface="Microsoft YaHei Mono" pitchFamily="49" charset="-122"/>
               </a:rPr>
-              <a:t>tcpdump </a:t>
-            </a:r>
-            <a:r>
-              <a:rPr lang="en-US" altLang="zh-CN" sz="1100">
+              <a:t>-i</a:t>
+            </a:r>
+            <a:r>
+              <a:rPr lang="zh-CN" altLang="en-US" sz="1100" smtClean="0">
                 <a:solidFill>
                   <a:schemeClr val="bg1">
                     <a:lumMod val="50000"/>
@@ -12193,7 +12159,138 @@
                 <a:latin typeface="Microsoft YaHei Mono" pitchFamily="49" charset="-122"/>
                 <a:ea typeface="Microsoft YaHei Mono" pitchFamily="49" charset="-122"/>
               </a:rPr>
-              <a:t>-i / -i -msd  / -i -msd </a:t>
+              <a:t>、</a:t>
+            </a:r>
+            <a:r>
+              <a:rPr lang="en-US" altLang="zh-CN" sz="1100" smtClean="0">
+                <a:solidFill>
+                  <a:schemeClr val="bg1">
+                    <a:lumMod val="50000"/>
+                  </a:schemeClr>
+                </a:solidFill>
+                <a:latin typeface="Microsoft YaHei Mono" pitchFamily="49" charset="-122"/>
+                <a:ea typeface="Microsoft YaHei Mono" pitchFamily="49" charset="-122"/>
+              </a:rPr>
+              <a:t>-m</a:t>
+            </a:r>
+            <a:r>
+              <a:rPr lang="zh-CN" altLang="en-US" sz="1100" smtClean="0">
+                <a:solidFill>
+                  <a:schemeClr val="bg1">
+                    <a:lumMod val="50000"/>
+                  </a:schemeClr>
+                </a:solidFill>
+                <a:latin typeface="Microsoft YaHei Mono" pitchFamily="49" charset="-122"/>
+                <a:ea typeface="Microsoft YaHei Mono" pitchFamily="49" charset="-122"/>
+              </a:rPr>
+              <a:t>、</a:t>
+            </a:r>
+            <a:r>
+              <a:rPr lang="en-US" altLang="zh-CN" sz="1100" smtClean="0">
+                <a:solidFill>
+                  <a:schemeClr val="bg1">
+                    <a:lumMod val="50000"/>
+                  </a:schemeClr>
+                </a:solidFill>
+                <a:latin typeface="Microsoft YaHei Mono" pitchFamily="49" charset="-122"/>
+                <a:ea typeface="Microsoft YaHei Mono" pitchFamily="49" charset="-122"/>
+              </a:rPr>
+              <a:t>-w</a:t>
+            </a:r>
+            <a:r>
+              <a:rPr lang="zh-CN" altLang="en-US" sz="1100">
+                <a:solidFill>
+                  <a:schemeClr val="bg1">
+                    <a:lumMod val="50000"/>
+                  </a:schemeClr>
+                </a:solidFill>
+                <a:latin typeface="Microsoft YaHei Mono" pitchFamily="49" charset="-122"/>
+                <a:ea typeface="Microsoft YaHei Mono" pitchFamily="49" charset="-122"/>
+              </a:rPr>
+              <a:t> </a:t>
+            </a:r>
+            <a:r>
+              <a:rPr lang="zh-CN" altLang="en-US" sz="1100" smtClean="0">
+                <a:solidFill>
+                  <a:schemeClr val="bg1">
+                    <a:lumMod val="50000"/>
+                  </a:schemeClr>
+                </a:solidFill>
+                <a:latin typeface="Microsoft YaHei Mono" pitchFamily="49" charset="-122"/>
+                <a:ea typeface="Microsoft YaHei Mono" pitchFamily="49" charset="-122"/>
+              </a:rPr>
+              <a:t>这三个命令是需要带参数的，若不带，则认为非法的！</a:t>
+            </a:r>
+            <a:endParaRPr lang="en-US" altLang="zh-CN" sz="1100" smtClean="0">
+              <a:solidFill>
+                <a:schemeClr val="bg1">
+                  <a:lumMod val="50000"/>
+                </a:schemeClr>
+              </a:solidFill>
+              <a:latin typeface="Microsoft YaHei Mono" pitchFamily="49" charset="-122"/>
+              <a:ea typeface="Microsoft YaHei Mono" pitchFamily="49" charset="-122"/>
+            </a:endParaRPr>
+          </a:p>
+          <a:p>
+            <a:r>
+              <a:rPr lang="en-US" altLang="zh-CN" sz="1100" smtClean="0">
+                <a:solidFill>
+                  <a:schemeClr val="bg1">
+                    <a:lumMod val="50000"/>
+                  </a:schemeClr>
+                </a:solidFill>
+                <a:latin typeface="Microsoft YaHei Mono" pitchFamily="49" charset="-122"/>
+                <a:ea typeface="Microsoft YaHei Mono" pitchFamily="49" charset="-122"/>
+              </a:rPr>
+              <a:t>tcpdump </a:t>
+            </a:r>
+            <a:r>
+              <a:rPr lang="en-US" altLang="zh-CN" sz="1100">
+                <a:solidFill>
+                  <a:schemeClr val="bg1">
+                    <a:lumMod val="50000"/>
+                  </a:schemeClr>
+                </a:solidFill>
+                <a:latin typeface="Microsoft YaHei Mono" pitchFamily="49" charset="-122"/>
+                <a:ea typeface="Microsoft YaHei Mono" pitchFamily="49" charset="-122"/>
+              </a:rPr>
+              <a:t>-i / -i -</a:t>
+            </a:r>
+            <a:r>
+              <a:rPr lang="en-US" altLang="zh-CN" sz="1100" smtClean="0">
+                <a:solidFill>
+                  <a:schemeClr val="bg1">
+                    <a:lumMod val="50000"/>
+                  </a:schemeClr>
+                </a:solidFill>
+                <a:latin typeface="Microsoft YaHei Mono" pitchFamily="49" charset="-122"/>
+                <a:ea typeface="Microsoft YaHei Mono" pitchFamily="49" charset="-122"/>
+              </a:rPr>
+              <a:t>mfile</a:t>
+            </a:r>
+            <a:r>
+              <a:rPr lang="en-US" altLang="zh-CN" sz="1100">
+                <a:solidFill>
+                  <a:schemeClr val="bg1">
+                    <a:lumMod val="50000"/>
+                  </a:schemeClr>
+                </a:solidFill>
+                <a:latin typeface="Microsoft YaHei Mono" pitchFamily="49" charset="-122"/>
+                <a:ea typeface="Microsoft YaHei Mono" pitchFamily="49" charset="-122"/>
+              </a:rPr>
+              <a:t>  / -i -</a:t>
+            </a:r>
+            <a:r>
+              <a:rPr lang="en-US" altLang="zh-CN" sz="1100" smtClean="0">
+                <a:solidFill>
+                  <a:schemeClr val="bg1">
+                    <a:lumMod val="50000"/>
+                  </a:schemeClr>
+                </a:solidFill>
+                <a:latin typeface="Microsoft YaHei Mono" pitchFamily="49" charset="-122"/>
+                <a:ea typeface="Microsoft YaHei Mono" pitchFamily="49" charset="-122"/>
+              </a:rPr>
+              <a:t>mfile </a:t>
             </a:r>
             <a:r>
               <a:rPr lang="en-US" altLang="zh-CN" sz="1100">
@@ -12575,14 +12672,14 @@
                 <a:latin typeface="Microsoft YaHei Mono" pitchFamily="49" charset="-122"/>
                 <a:ea typeface="Microsoft YaHei Mono" pitchFamily="49" charset="-122"/>
               </a:rPr>
-              <a:t>文件保存</a:t>
-            </a:r>
-            <a:r>
-              <a:rPr lang="en-US" altLang="zh-CN" sz="1200" smtClean="0">
-                <a:latin typeface="Microsoft YaHei Mono" pitchFamily="49" charset="-122"/>
-                <a:ea typeface="Microsoft YaHei Mono" pitchFamily="49" charset="-122"/>
-              </a:rPr>
-              <a:t>sd-card</a:t>
+              <a:t>文件</a:t>
+            </a:r>
+            <a:r>
+              <a:rPr lang="zh-CN" altLang="en-US" sz="1200" smtClean="0">
+                <a:latin typeface="Microsoft YaHei Mono" pitchFamily="49" charset="-122"/>
+                <a:ea typeface="Microsoft YaHei Mono" pitchFamily="49" charset="-122"/>
+              </a:rPr>
+              <a:t>保存文件系统</a:t>
             </a:r>
             <a:endParaRPr lang="zh-CN" altLang="en-US" sz="1200">
               <a:latin typeface="Microsoft YaHei Mono" pitchFamily="49" charset="-122"/>
@@ -12669,8 +12766,8 @@
         </p:nvSpPr>
         <p:spPr>
           <a:xfrm>
-            <a:off x="491793" y="5538008"/>
-            <a:ext cx="1343314" cy="457200"/>
+            <a:off x="407369" y="5538008"/>
+            <a:ext cx="1427738" cy="457200"/>
           </a:xfrm>
           <a:prstGeom prst="roundRect">
             <a:avLst/>
@@ -12724,8 +12821,8 @@
         </p:nvSpPr>
         <p:spPr>
           <a:xfrm>
-            <a:off x="491792" y="4616493"/>
-            <a:ext cx="1343315" cy="457200"/>
+            <a:off x="407370" y="4616493"/>
+            <a:ext cx="1427738" cy="457200"/>
           </a:xfrm>
           <a:prstGeom prst="roundRect">
             <a:avLst/>
@@ -12779,8 +12876,8 @@
         </p:nvSpPr>
         <p:spPr>
           <a:xfrm>
-            <a:off x="491793" y="2416147"/>
-            <a:ext cx="1343315" cy="457200"/>
+            <a:off x="407369" y="2416147"/>
+            <a:ext cx="1427740" cy="457200"/>
           </a:xfrm>
           <a:prstGeom prst="roundRect">
             <a:avLst/>
@@ -12834,8 +12931,8 @@
         </p:nvSpPr>
         <p:spPr>
           <a:xfrm>
-            <a:off x="491791" y="3240670"/>
-            <a:ext cx="1343315" cy="457200"/>
+            <a:off x="407369" y="3240670"/>
+            <a:ext cx="1427737" cy="457200"/>
           </a:xfrm>
           <a:prstGeom prst="roundRect">
             <a:avLst/>
@@ -12865,7 +12962,14 @@
                 <a:latin typeface="Microsoft YaHei Mono" pitchFamily="49" charset="-122"/>
                 <a:ea typeface="Microsoft YaHei Mono" pitchFamily="49" charset="-122"/>
               </a:rPr>
-              <a:t>tcpdump –msd</a:t>
+              <a:t>tcpdump –</a:t>
+            </a:r>
+            <a:r>
+              <a:rPr lang="en-US" altLang="zh-CN" sz="1200" smtClean="0">
+                <a:latin typeface="Microsoft YaHei Mono" pitchFamily="49" charset="-122"/>
+                <a:ea typeface="Microsoft YaHei Mono" pitchFamily="49" charset="-122"/>
+              </a:rPr>
+              <a:t>mfile</a:t>
             </a:r>
             <a:endParaRPr lang="zh-CN" altLang="en-US" sz="1200">
               <a:latin typeface="Microsoft YaHei Mono" pitchFamily="49" charset="-122"/>
@@ -13350,7 +13454,7 @@
         <p:spPr>
           <a:xfrm>
             <a:off x="490929" y="3771097"/>
-            <a:ext cx="2818400" cy="276999"/>
+            <a:ext cx="3158237" cy="276999"/>
           </a:xfrm>
           <a:prstGeom prst="rect">
             <a:avLst/>
@@ -13381,7 +13485,7 @@
                 <a:latin typeface="Microsoft YaHei Mono" pitchFamily="49" charset="-122"/>
                 <a:ea typeface="Microsoft YaHei Mono" pitchFamily="49" charset="-122"/>
               </a:rPr>
-              <a:t>sd-card </a:t>
+              <a:t>file-system</a:t>
             </a:r>
             <a:r>
               <a:rPr lang="zh-CN" altLang="en-US" sz="1200" smtClean="0">
@@ -13391,7 +13495,17 @@
                 <a:latin typeface="Microsoft YaHei Mono" pitchFamily="49" charset="-122"/>
                 <a:ea typeface="Microsoft YaHei Mono" pitchFamily="49" charset="-122"/>
               </a:rPr>
-              <a:t>模式保存 </a:t>
+              <a:t> 模式</a:t>
+            </a:r>
+            <a:r>
+              <a:rPr lang="zh-CN" altLang="en-US" sz="1200" smtClean="0">
+                <a:solidFill>
+                  <a:schemeClr val="accent5"/>
+                </a:solidFill>
+                <a:latin typeface="Microsoft YaHei Mono" pitchFamily="49" charset="-122"/>
+                <a:ea typeface="Microsoft YaHei Mono" pitchFamily="49" charset="-122"/>
+              </a:rPr>
+              <a:t>保存 </a:t>
             </a:r>
             <a:r>
               <a:rPr lang="en-US" altLang="zh-CN" sz="1200" smtClean="0">
@@ -13488,8 +13602,8 @@
         </p:nvCxnSpPr>
         <p:spPr>
           <a:xfrm>
-            <a:off x="1835107" y="4845093"/>
-            <a:ext cx="372461" cy="0"/>
+            <a:off x="1835108" y="4845093"/>
+            <a:ext cx="372460" cy="0"/>
           </a:xfrm>
           <a:prstGeom prst="straightConnector1">
             <a:avLst/>
@@ -13849,8 +13963,8 @@
         </p:nvCxnSpPr>
         <p:spPr>
           <a:xfrm>
-            <a:off x="1835108" y="2644747"/>
-            <a:ext cx="984528" cy="595923"/>
+            <a:off x="1835109" y="2644747"/>
+            <a:ext cx="984527" cy="595923"/>
           </a:xfrm>
           <a:prstGeom prst="bentConnector2">
             <a:avLst/>
@@ -14736,7 +14850,7 @@
   <a:extraClrSchemeLst/>
   <a:extLst>
     <a:ext uri="{05A4C25C-085E-4340-85A3-A5531E510DB2}">
-      <thm15:themeFamily xmlns="" xmlns:thm15="http://schemas.microsoft.com/office/thememl/2012/main" name="Office Theme" id="{62F939B6-93AF-4DB8-9C6B-D6C7DFDC589F}" vid="{4A3C46E8-61CC-4603-A589-7422A47A8E4A}"/>
+      <thm15:themeFamily xmlns:thm15="http://schemas.microsoft.com/office/thememl/2012/main" xmlns="" name="Office Theme" id="{62F939B6-93AF-4DB8-9C6B-D6C7DFDC589F}" vid="{4A3C46E8-61CC-4603-A589-7422A47A8E4A}"/>
     </a:ext>
   </a:extLst>
 </a:theme>

--- a/tcpdump.pptx
+++ b/tcpdump.pptx
@@ -116,7 +116,7 @@
   </p:defaultTextStyle>
   <p:extLst>
     <p:ext uri="{EFAFB233-063F-42B5-8137-9DF3F51BA10A}">
-      <p15:sldGuideLst xmlns:p15="http://schemas.microsoft.com/office/powerpoint/2012/main" xmlns="">
+      <p15:sldGuideLst xmlns="" xmlns:p15="http://schemas.microsoft.com/office/powerpoint/2012/main">
         <p15:guide id="1" orient="horz" pos="2160" userDrawn="1">
           <p15:clr>
             <a:srgbClr val="A4A3A4"/>
@@ -2386,15 +2386,7 @@
                   <a:schemeClr val="accent1"/>
                 </a:solidFill>
               </a:rPr>
-              <a:t>是</a:t>
-            </a:r>
-            <a:r>
-              <a:rPr lang="zh-CN" altLang="en-US" sz="1400" b="1" smtClean="0">
-                <a:solidFill>
-                  <a:schemeClr val="accent1"/>
-                </a:solidFill>
-              </a:rPr>
-              <a:t>什么？</a:t>
+              <a:t>是什么？</a:t>
             </a:r>
             <a:endParaRPr lang="zh-CN" altLang="en-US" sz="1400" b="1">
               <a:solidFill>
@@ -2524,31 +2516,7 @@
                 <a:latin typeface="Microsoft YaHei Mono" pitchFamily="49" charset="-122"/>
                 <a:ea typeface="Microsoft YaHei Mono" pitchFamily="49" charset="-122"/>
               </a:rPr>
-              <a:t>的小</a:t>
-            </a:r>
-            <a:r>
-              <a:rPr lang="zh-CN" altLang="en-US" sz="1100">
-                <a:solidFill>
-                  <a:schemeClr val="bg1">
-                    <a:lumMod val="50000"/>
-                  </a:schemeClr>
-                </a:solidFill>
-                <a:latin typeface="Microsoft YaHei Mono" pitchFamily="49" charset="-122"/>
-                <a:ea typeface="Microsoft YaHei Mono" pitchFamily="49" charset="-122"/>
-              </a:rPr>
-              <a:t>工具，捕获网络数据包，对数据加工，保存下来</a:t>
-            </a:r>
-            <a:r>
-              <a:rPr lang="zh-CN" altLang="en-US" sz="1100">
-                <a:solidFill>
-                  <a:schemeClr val="bg1">
-                    <a:lumMod val="50000"/>
-                  </a:schemeClr>
-                </a:solidFill>
-                <a:latin typeface="Microsoft YaHei Mono" pitchFamily="49" charset="-122"/>
-                <a:ea typeface="Microsoft YaHei Mono" pitchFamily="49" charset="-122"/>
-              </a:rPr>
-              <a:t>，</a:t>
+              <a:t>的小工具，捕获网络数据包，对数据加工，保存下来，</a:t>
             </a:r>
             <a:r>
               <a:rPr lang="zh-CN" altLang="en-US" sz="1100" smtClean="0">
@@ -11299,31 +11267,7 @@
                 <a:latin typeface="Microsoft YaHei Mono" pitchFamily="49" charset="-122"/>
                 <a:ea typeface="Microsoft YaHei Mono" pitchFamily="49" charset="-122"/>
               </a:rPr>
-              <a:t>选择保存模式</a:t>
-            </a:r>
-            <a:r>
-              <a:rPr lang="zh-CN" altLang="en-US" sz="1200" smtClean="0">
-                <a:solidFill>
-                  <a:schemeClr val="bg1">
-                    <a:lumMod val="50000"/>
-                  </a:schemeClr>
-                </a:solidFill>
-                <a:latin typeface="Microsoft YaHei Mono" pitchFamily="49" charset="-122"/>
-                <a:ea typeface="Microsoft YaHei Mono" pitchFamily="49" charset="-122"/>
-              </a:rPr>
-              <a:t>（文件系统 </a:t>
-            </a:r>
-            <a:r>
-              <a:rPr lang="zh-CN" altLang="en-US" sz="1200" smtClean="0">
-                <a:solidFill>
-                  <a:schemeClr val="bg1">
-                    <a:lumMod val="50000"/>
-                  </a:schemeClr>
-                </a:solidFill>
-                <a:latin typeface="Microsoft YaHei Mono" pitchFamily="49" charset="-122"/>
-                <a:ea typeface="Microsoft YaHei Mono" pitchFamily="49" charset="-122"/>
-              </a:rPr>
-              <a:t>或 </a:t>
+              <a:t>选择保存模式（文件系统 或 </a:t>
             </a:r>
             <a:r>
               <a:rPr lang="en-US" altLang="zh-CN" sz="1200" smtClean="0">
@@ -12041,29 +11985,8 @@
                 <a:latin typeface="Microsoft YaHei Mono" pitchFamily="49" charset="-122"/>
                 <a:ea typeface="Microsoft YaHei Mono" pitchFamily="49" charset="-122"/>
               </a:rPr>
-              <a:t>tcpdump –</a:t>
-            </a:r>
-            <a:r>
-              <a:rPr lang="en-US" altLang="zh-CN" sz="1100" smtClean="0">
-                <a:solidFill>
-                  <a:schemeClr val="bg1">
-                    <a:lumMod val="50000"/>
-                  </a:schemeClr>
-                </a:solidFill>
-                <a:latin typeface="Microsoft YaHei Mono" pitchFamily="49" charset="-122"/>
-                <a:ea typeface="Microsoft YaHei Mono" pitchFamily="49" charset="-122"/>
-              </a:rPr>
-              <a:t>mfile</a:t>
-            </a:r>
-            <a:endParaRPr lang="en-US" altLang="zh-CN" sz="1100" smtClean="0">
-              <a:solidFill>
-                <a:schemeClr val="bg1">
-                  <a:lumMod val="50000"/>
-                </a:schemeClr>
-              </a:solidFill>
-              <a:latin typeface="Microsoft YaHei Mono" pitchFamily="49" charset="-122"/>
-              <a:ea typeface="Microsoft YaHei Mono" pitchFamily="49" charset="-122"/>
-            </a:endParaRPr>
+              <a:t>tcpdump –mfile</a:t>
+            </a:r>
           </a:p>
           <a:p>
             <a:endParaRPr lang="en-US" altLang="zh-CN" sz="1100" smtClean="0">
@@ -12654,32 +12577,11 @@
           <a:p>
             <a:pPr algn="ctr"/>
             <a:r>
-              <a:rPr lang="en-US" altLang="zh-CN" sz="1200">
-                <a:latin typeface="Microsoft YaHei Mono" pitchFamily="49" charset="-122"/>
-                <a:ea typeface="Microsoft YaHei Mono" pitchFamily="49" charset="-122"/>
-              </a:rPr>
-              <a:t>p</a:t>
-            </a:r>
-            <a:r>
-              <a:rPr lang="en-US" altLang="zh-CN" sz="1200" smtClean="0">
-                <a:latin typeface="Microsoft YaHei Mono" pitchFamily="49" charset="-122"/>
-                <a:ea typeface="Microsoft YaHei Mono" pitchFamily="49" charset="-122"/>
-              </a:rPr>
-              <a:t>cap</a:t>
-            </a:r>
-            <a:r>
               <a:rPr lang="zh-CN" altLang="en-US" sz="1200" smtClean="0">
                 <a:latin typeface="Microsoft YaHei Mono" pitchFamily="49" charset="-122"/>
                 <a:ea typeface="Microsoft YaHei Mono" pitchFamily="49" charset="-122"/>
               </a:rPr>
-              <a:t>文件</a:t>
-            </a:r>
-            <a:r>
-              <a:rPr lang="zh-CN" altLang="en-US" sz="1200" smtClean="0">
-                <a:latin typeface="Microsoft YaHei Mono" pitchFamily="49" charset="-122"/>
-                <a:ea typeface="Microsoft YaHei Mono" pitchFamily="49" charset="-122"/>
-              </a:rPr>
-              <a:t>保存文件系统</a:t>
+              <a:t>关闭文件，存于文件系统</a:t>
             </a:r>
             <a:endParaRPr lang="zh-CN" altLang="en-US" sz="1200">
               <a:latin typeface="Microsoft YaHei Mono" pitchFamily="49" charset="-122"/>
@@ -12962,14 +12864,7 @@
                 <a:latin typeface="Microsoft YaHei Mono" pitchFamily="49" charset="-122"/>
                 <a:ea typeface="Microsoft YaHei Mono" pitchFamily="49" charset="-122"/>
               </a:rPr>
-              <a:t>tcpdump –</a:t>
-            </a:r>
-            <a:r>
-              <a:rPr lang="en-US" altLang="zh-CN" sz="1200" smtClean="0">
-                <a:latin typeface="Microsoft YaHei Mono" pitchFamily="49" charset="-122"/>
-                <a:ea typeface="Microsoft YaHei Mono" pitchFamily="49" charset="-122"/>
-              </a:rPr>
-              <a:t>mfile</a:t>
+              <a:t>tcpdump –mfile</a:t>
             </a:r>
             <a:endParaRPr lang="zh-CN" altLang="en-US" sz="1200">
               <a:latin typeface="Microsoft YaHei Mono" pitchFamily="49" charset="-122"/>
@@ -13495,17 +13390,7 @@
                 <a:latin typeface="Microsoft YaHei Mono" pitchFamily="49" charset="-122"/>
                 <a:ea typeface="Microsoft YaHei Mono" pitchFamily="49" charset="-122"/>
               </a:rPr>
-              <a:t> 模式</a:t>
-            </a:r>
-            <a:r>
-              <a:rPr lang="zh-CN" altLang="en-US" sz="1200" smtClean="0">
-                <a:solidFill>
-                  <a:schemeClr val="accent5"/>
-                </a:solidFill>
-                <a:latin typeface="Microsoft YaHei Mono" pitchFamily="49" charset="-122"/>
-                <a:ea typeface="Microsoft YaHei Mono" pitchFamily="49" charset="-122"/>
-              </a:rPr>
-              <a:t>保存 </a:t>
+              <a:t> 模式保存 </a:t>
             </a:r>
             <a:r>
               <a:rPr lang="en-US" altLang="zh-CN" sz="1200" smtClean="0">
@@ -14850,7 +14735,7 @@
   <a:extraClrSchemeLst/>
   <a:extLst>
     <a:ext uri="{05A4C25C-085E-4340-85A3-A5531E510DB2}">
-      <thm15:themeFamily xmlns:thm15="http://schemas.microsoft.com/office/thememl/2012/main" xmlns="" name="Office Theme" id="{62F939B6-93AF-4DB8-9C6B-D6C7DFDC589F}" vid="{4A3C46E8-61CC-4603-A589-7422A47A8E4A}"/>
+      <thm15:themeFamily xmlns="" xmlns:thm15="http://schemas.microsoft.com/office/thememl/2012/main" name="Office Theme" id="{62F939B6-93AF-4DB8-9C6B-D6C7DFDC589F}" vid="{4A3C46E8-61CC-4603-A589-7422A47A8E4A}"/>
     </a:ext>
   </a:extLst>
 </a:theme>
